--- a/Document/Presentation/Progress Reporting (Week 3).pptx
+++ b/Document/Presentation/Progress Reporting (Week 3).pptx
@@ -12,16 +12,15 @@
     <p:sldId id="263" r:id="rId6"/>
     <p:sldId id="265" r:id="rId7"/>
     <p:sldId id="264" r:id="rId8"/>
-    <p:sldId id="266" r:id="rId9"/>
-    <p:sldId id="267" r:id="rId10"/>
-    <p:sldId id="268" r:id="rId11"/>
-    <p:sldId id="269" r:id="rId12"/>
-    <p:sldId id="270" r:id="rId13"/>
-    <p:sldId id="271" r:id="rId14"/>
-    <p:sldId id="272" r:id="rId15"/>
-    <p:sldId id="273" r:id="rId16"/>
-    <p:sldId id="274" r:id="rId17"/>
-    <p:sldId id="275" r:id="rId18"/>
+    <p:sldId id="267" r:id="rId9"/>
+    <p:sldId id="268" r:id="rId10"/>
+    <p:sldId id="269" r:id="rId11"/>
+    <p:sldId id="270" r:id="rId12"/>
+    <p:sldId id="271" r:id="rId13"/>
+    <p:sldId id="272" r:id="rId14"/>
+    <p:sldId id="273" r:id="rId15"/>
+    <p:sldId id="274" r:id="rId16"/>
+    <p:sldId id="275" r:id="rId17"/>
   </p:sldIdLst>
   <p:sldSz cx="12192000" cy="6858000"/>
   <p:notesSz cx="6858000" cy="9144000"/>
@@ -120,6 +119,11 @@
       </a:defRPr>
     </a:lvl9pPr>
   </p:defaultTextStyle>
+  <p:extLst>
+    <p:ext uri="{EFAFB233-063F-42B5-8137-9DF3F51BA10A}">
+      <p15:sldGuideLst xmlns:p15="http://schemas.microsoft.com/office/powerpoint/2012/main"/>
+    </p:ext>
+  </p:extLst>
 </p:presentation>
 </file>
 
@@ -5946,353 +5950,6 @@
             </a:pPr>
             <a:r>
               <a:rPr lang="en-US" dirty="0" smtClean="0"/>
-              <a:t>Research RF connection</a:t>
-            </a:r>
-          </a:p>
-          <a:p>
-            <a:pPr lvl="1" indent="-342900">
-              <a:buSzPct val="100000"/>
-              <a:buFont typeface="+mj-lt"/>
-              <a:buAutoNum type="alphaLcPeriod"/>
-            </a:pPr>
-            <a:r>
-              <a:rPr lang="en-US" dirty="0" smtClean="0"/>
-              <a:t>AM</a:t>
-            </a:r>
-          </a:p>
-        </p:txBody>
-      </p:sp>
-      <p:pic>
-        <p:nvPicPr>
-          <p:cNvPr id="5" name="Picture 4"/>
-          <p:cNvPicPr>
-            <a:picLocks noChangeAspect="1"/>
-          </p:cNvPicPr>
-          <p:nvPr/>
-        </p:nvPicPr>
-        <p:blipFill>
-          <a:blip r:embed="rId2"/>
-          <a:stretch>
-            <a:fillRect/>
-          </a:stretch>
-        </p:blipFill>
-        <p:spPr>
-          <a:xfrm>
-            <a:off x="1787108" y="2439451"/>
-            <a:ext cx="6551918" cy="3435762"/>
-          </a:xfrm>
-          <a:prstGeom prst="rect">
-            <a:avLst/>
-          </a:prstGeom>
-        </p:spPr>
-      </p:pic>
-      <p:pic>
-        <p:nvPicPr>
-          <p:cNvPr id="6" name="Picture 5" descr="http://k1.arduino.vn/img/2014/11/02/0/845_123450-1414901133-0-how-is-data-put-on-radio-waves---mozilla-firefox-4.750x185.jpg"/>
-          <p:cNvPicPr/>
-          <p:nvPr/>
-        </p:nvPicPr>
-        <p:blipFill>
-          <a:blip r:embed="rId3">
-            <a:extLst>
-              <a:ext uri="{28A0092B-C50C-407E-A947-70E740481C1C}">
-                <a14:useLocalDpi xmlns:a14="http://schemas.microsoft.com/office/drawing/2010/main" val="0"/>
-              </a:ext>
-            </a:extLst>
-          </a:blip>
-          <a:srcRect/>
-          <a:stretch>
-            <a:fillRect/>
-          </a:stretch>
-        </p:blipFill>
-        <p:spPr bwMode="auto">
-          <a:xfrm>
-            <a:off x="1723860" y="2878111"/>
-            <a:ext cx="6496563" cy="1602118"/>
-          </a:xfrm>
-          <a:prstGeom prst="rect">
-            <a:avLst/>
-          </a:prstGeom>
-          <a:noFill/>
-          <a:ln>
-            <a:noFill/>
-          </a:ln>
-        </p:spPr>
-      </p:pic>
-    </p:spTree>
-    <p:extLst>
-      <p:ext uri="{BB962C8B-B14F-4D97-AF65-F5344CB8AC3E}">
-        <p14:creationId xmlns:p14="http://schemas.microsoft.com/office/powerpoint/2010/main" val="2935642180"/>
-      </p:ext>
-    </p:extLst>
-  </p:cSld>
-  <p:clrMapOvr>
-    <a:masterClrMapping/>
-  </p:clrMapOvr>
-  <p:timing>
-    <p:tnLst>
-      <p:par>
-        <p:cTn id="1" dur="indefinite" restart="never" nodeType="tmRoot">
-          <p:childTnLst>
-            <p:seq concurrent="1" nextAc="seek">
-              <p:cTn id="2" dur="indefinite" nodeType="mainSeq">
-                <p:childTnLst>
-                  <p:par>
-                    <p:cTn id="3" fill="hold">
-                      <p:stCondLst>
-                        <p:cond delay="indefinite"/>
-                      </p:stCondLst>
-                      <p:childTnLst>
-                        <p:par>
-                          <p:cTn id="4" fill="hold">
-                            <p:stCondLst>
-                              <p:cond delay="0"/>
-                            </p:stCondLst>
-                            <p:childTnLst>
-                              <p:par>
-                                <p:cTn id="5" presetID="10" presetClass="entr" presetSubtype="0" fill="hold" nodeType="clickEffect">
-                                  <p:stCondLst>
-                                    <p:cond delay="0"/>
-                                  </p:stCondLst>
-                                  <p:childTnLst>
-                                    <p:set>
-                                      <p:cBhvr>
-                                        <p:cTn id="6" dur="1" fill="hold">
-                                          <p:stCondLst>
-                                            <p:cond delay="0"/>
-                                          </p:stCondLst>
-                                        </p:cTn>
-                                        <p:tgtEl>
-                                          <p:spTgt spid="5"/>
-                                        </p:tgtEl>
-                                        <p:attrNameLst>
-                                          <p:attrName>style.visibility</p:attrName>
-                                        </p:attrNameLst>
-                                      </p:cBhvr>
-                                      <p:to>
-                                        <p:strVal val="visible"/>
-                                      </p:to>
-                                    </p:set>
-                                    <p:animEffect transition="in" filter="fade">
-                                      <p:cBhvr>
-                                        <p:cTn id="7" dur="500"/>
-                                        <p:tgtEl>
-                                          <p:spTgt spid="5"/>
-                                        </p:tgtEl>
-                                      </p:cBhvr>
-                                    </p:animEffect>
-                                  </p:childTnLst>
-                                </p:cTn>
-                              </p:par>
-                            </p:childTnLst>
-                          </p:cTn>
-                        </p:par>
-                      </p:childTnLst>
-                    </p:cTn>
-                  </p:par>
-                  <p:par>
-                    <p:cTn id="8" fill="hold">
-                      <p:stCondLst>
-                        <p:cond delay="indefinite"/>
-                      </p:stCondLst>
-                      <p:childTnLst>
-                        <p:par>
-                          <p:cTn id="9" fill="hold">
-                            <p:stCondLst>
-                              <p:cond delay="0"/>
-                            </p:stCondLst>
-                            <p:childTnLst>
-                              <p:par>
-                                <p:cTn id="10" presetID="14" presetClass="exit" presetSubtype="10" fill="hold" nodeType="clickEffect">
-                                  <p:stCondLst>
-                                    <p:cond delay="0"/>
-                                  </p:stCondLst>
-                                  <p:childTnLst>
-                                    <p:animEffect transition="out" filter="randombar(horizontal)">
-                                      <p:cBhvr>
-                                        <p:cTn id="11" dur="500"/>
-                                        <p:tgtEl>
-                                          <p:spTgt spid="5"/>
-                                        </p:tgtEl>
-                                      </p:cBhvr>
-                                    </p:animEffect>
-                                    <p:set>
-                                      <p:cBhvr>
-                                        <p:cTn id="12" dur="1" fill="hold">
-                                          <p:stCondLst>
-                                            <p:cond delay="499"/>
-                                          </p:stCondLst>
-                                        </p:cTn>
-                                        <p:tgtEl>
-                                          <p:spTgt spid="5"/>
-                                        </p:tgtEl>
-                                        <p:attrNameLst>
-                                          <p:attrName>style.visibility</p:attrName>
-                                        </p:attrNameLst>
-                                      </p:cBhvr>
-                                      <p:to>
-                                        <p:strVal val="hidden"/>
-                                      </p:to>
-                                    </p:set>
-                                  </p:childTnLst>
-                                </p:cTn>
-                              </p:par>
-                            </p:childTnLst>
-                          </p:cTn>
-                        </p:par>
-                      </p:childTnLst>
-                    </p:cTn>
-                  </p:par>
-                  <p:par>
-                    <p:cTn id="13" fill="hold">
-                      <p:stCondLst>
-                        <p:cond delay="indefinite"/>
-                      </p:stCondLst>
-                      <p:childTnLst>
-                        <p:par>
-                          <p:cTn id="14" fill="hold">
-                            <p:stCondLst>
-                              <p:cond delay="0"/>
-                            </p:stCondLst>
-                            <p:childTnLst>
-                              <p:par>
-                                <p:cTn id="15" presetID="10" presetClass="entr" presetSubtype="0" fill="hold" nodeType="clickEffect">
-                                  <p:stCondLst>
-                                    <p:cond delay="0"/>
-                                  </p:stCondLst>
-                                  <p:childTnLst>
-                                    <p:set>
-                                      <p:cBhvr>
-                                        <p:cTn id="16" dur="1" fill="hold">
-                                          <p:stCondLst>
-                                            <p:cond delay="0"/>
-                                          </p:stCondLst>
-                                        </p:cTn>
-                                        <p:tgtEl>
-                                          <p:spTgt spid="6"/>
-                                        </p:tgtEl>
-                                        <p:attrNameLst>
-                                          <p:attrName>style.visibility</p:attrName>
-                                        </p:attrNameLst>
-                                      </p:cBhvr>
-                                      <p:to>
-                                        <p:strVal val="visible"/>
-                                      </p:to>
-                                    </p:set>
-                                    <p:animEffect transition="in" filter="fade">
-                                      <p:cBhvr>
-                                        <p:cTn id="17" dur="500"/>
-                                        <p:tgtEl>
-                                          <p:spTgt spid="6"/>
-                                        </p:tgtEl>
-                                      </p:cBhvr>
-                                    </p:animEffect>
-                                  </p:childTnLst>
-                                </p:cTn>
-                              </p:par>
-                            </p:childTnLst>
-                          </p:cTn>
-                        </p:par>
-                      </p:childTnLst>
-                    </p:cTn>
-                  </p:par>
-                </p:childTnLst>
-              </p:cTn>
-              <p:prevCondLst>
-                <p:cond evt="onPrev" delay="0">
-                  <p:tgtEl>
-                    <p:sldTgt/>
-                  </p:tgtEl>
-                </p:cond>
-              </p:prevCondLst>
-              <p:nextCondLst>
-                <p:cond evt="onNext" delay="0">
-                  <p:tgtEl>
-                    <p:sldTgt/>
-                  </p:tgtEl>
-                </p:cond>
-              </p:nextCondLst>
-            </p:seq>
-          </p:childTnLst>
-        </p:cTn>
-      </p:par>
-    </p:tnLst>
-  </p:timing>
-</p:sld>
-</file>
-
-<file path=ppt/slides/slide11.xml><?xml version="1.0" encoding="utf-8"?>
-<p:sld xmlns:a="http://schemas.openxmlformats.org/drawingml/2006/main" xmlns:r="http://schemas.openxmlformats.org/officeDocument/2006/relationships" xmlns:p="http://schemas.openxmlformats.org/presentationml/2006/main">
-  <p:cSld>
-    <p:spTree>
-      <p:nvGrpSpPr>
-        <p:cNvPr id="1" name=""/>
-        <p:cNvGrpSpPr/>
-        <p:nvPr/>
-      </p:nvGrpSpPr>
-      <p:grpSpPr>
-        <a:xfrm>
-          <a:off x="0" y="0"/>
-          <a:ext cx="0" cy="0"/>
-          <a:chOff x="0" y="0"/>
-          <a:chExt cx="0" cy="0"/>
-        </a:xfrm>
-      </p:grpSpPr>
-      <p:sp>
-        <p:nvSpPr>
-          <p:cNvPr id="2" name="Title 1"/>
-          <p:cNvSpPr>
-            <a:spLocks noGrp="1"/>
-          </p:cNvSpPr>
-          <p:nvPr>
-            <p:ph type="title"/>
-          </p:nvPr>
-        </p:nvSpPr>
-        <p:spPr>
-          <a:xfrm>
-            <a:off x="677334" y="609600"/>
-            <a:ext cx="8771466" cy="723900"/>
-          </a:xfrm>
-        </p:spPr>
-        <p:txBody>
-          <a:bodyPr/>
-          <a:lstStyle/>
-          <a:p>
-            <a:r>
-              <a:rPr lang="en-US" dirty="0" smtClean="0"/>
-              <a:t>Increment 1 – Completed</a:t>
-            </a:r>
-            <a:endParaRPr lang="en-US" dirty="0"/>
-          </a:p>
-        </p:txBody>
-      </p:sp>
-      <p:sp>
-        <p:nvSpPr>
-          <p:cNvPr id="3" name="Content Placeholder 2"/>
-          <p:cNvSpPr>
-            <a:spLocks noGrp="1"/>
-          </p:cNvSpPr>
-          <p:nvPr>
-            <p:ph idx="1"/>
-          </p:nvPr>
-        </p:nvSpPr>
-        <p:spPr>
-          <a:xfrm>
-            <a:off x="677334" y="1498600"/>
-            <a:ext cx="8596668" cy="4542762"/>
-          </a:xfrm>
-        </p:spPr>
-        <p:txBody>
-          <a:bodyPr/>
-          <a:lstStyle/>
-          <a:p>
-            <a:pPr>
-              <a:buSzPct val="100000"/>
-              <a:buFont typeface="+mj-lt"/>
-              <a:buAutoNum type="arabicPeriod" startAt="3"/>
-            </a:pPr>
-            <a:r>
-              <a:rPr lang="en-US" dirty="0" smtClean="0"/>
               <a:t>Research RF connection (</a:t>
             </a:r>
             <a:r>
@@ -6580,7 +6237,7 @@
 </p:sld>
 </file>
 
-<file path=ppt/slides/slide12.xml><?xml version="1.0" encoding="utf-8"?>
+<file path=ppt/slides/slide11.xml><?xml version="1.0" encoding="utf-8"?>
 <p:sld xmlns:a="http://schemas.openxmlformats.org/drawingml/2006/main" xmlns:r="http://schemas.openxmlformats.org/officeDocument/2006/relationships" xmlns:p="http://schemas.openxmlformats.org/presentationml/2006/main">
   <p:cSld>
     <p:spTree>
@@ -6748,7 +6405,7 @@
 </p:sld>
 </file>
 
-<file path=ppt/slides/slide13.xml><?xml version="1.0" encoding="utf-8"?>
+<file path=ppt/slides/slide12.xml><?xml version="1.0" encoding="utf-8"?>
 <p:sld xmlns:a="http://schemas.openxmlformats.org/drawingml/2006/main" xmlns:r="http://schemas.openxmlformats.org/officeDocument/2006/relationships" xmlns:p="http://schemas.openxmlformats.org/presentationml/2006/main">
   <p:cSld>
     <p:spTree>
@@ -6900,7 +6557,7 @@
 </p:sld>
 </file>
 
-<file path=ppt/slides/slide14.xml><?xml version="1.0" encoding="utf-8"?>
+<file path=ppt/slides/slide13.xml><?xml version="1.0" encoding="utf-8"?>
 <p:sld xmlns:a="http://schemas.openxmlformats.org/drawingml/2006/main" xmlns:r="http://schemas.openxmlformats.org/officeDocument/2006/relationships" xmlns:p="http://schemas.openxmlformats.org/presentationml/2006/main">
   <p:cSld>
     <p:spTree>
@@ -7090,7 +6747,7 @@
 </p:sld>
 </file>
 
-<file path=ppt/slides/slide15.xml><?xml version="1.0" encoding="utf-8"?>
+<file path=ppt/slides/slide14.xml><?xml version="1.0" encoding="utf-8"?>
 <p:sld xmlns:a="http://schemas.openxmlformats.org/drawingml/2006/main" xmlns:r="http://schemas.openxmlformats.org/officeDocument/2006/relationships" xmlns:p="http://schemas.openxmlformats.org/presentationml/2006/main">
   <p:cSld>
     <p:spTree>
@@ -7283,7 +6940,7 @@
 </p:sld>
 </file>
 
-<file path=ppt/slides/slide16.xml><?xml version="1.0" encoding="utf-8"?>
+<file path=ppt/slides/slide15.xml><?xml version="1.0" encoding="utf-8"?>
 <p:sld xmlns:a="http://schemas.openxmlformats.org/drawingml/2006/main" xmlns:r="http://schemas.openxmlformats.org/officeDocument/2006/relationships" xmlns:p="http://schemas.openxmlformats.org/presentationml/2006/main">
   <p:cSld>
     <p:spTree>
@@ -7396,7 +7053,7 @@
 </p:sld>
 </file>
 
-<file path=ppt/slides/slide17.xml><?xml version="1.0" encoding="utf-8"?>
+<file path=ppt/slides/slide16.xml><?xml version="1.0" encoding="utf-8"?>
 <p:sld xmlns:a="http://schemas.openxmlformats.org/drawingml/2006/main" xmlns:r="http://schemas.openxmlformats.org/officeDocument/2006/relationships" xmlns:p="http://schemas.openxmlformats.org/presentationml/2006/main">
   <p:cSld>
     <p:spTree>
@@ -7927,8 +7584,13 @@
             </a:pPr>
             <a:r>
               <a:rPr lang="en-US" dirty="0" smtClean="0"/>
-              <a:t>Android Application</a:t>
-            </a:r>
+              <a:t>Android </a:t>
+            </a:r>
+            <a:r>
+              <a:rPr lang="en-US" dirty="0" smtClean="0"/>
+              <a:t>Application UI</a:t>
+            </a:r>
+            <a:endParaRPr lang="en-US" dirty="0" smtClean="0"/>
           </a:p>
           <a:p>
             <a:pPr marL="400050">
@@ -9184,23 +8846,11 @@
             <a:pPr>
               <a:buSzPct val="100000"/>
               <a:buFont typeface="+mj-lt"/>
-              <a:buAutoNum type="arabicPeriod" startAt="2"/>
+              <a:buAutoNum type="arabicPeriod" startAt="3"/>
             </a:pPr>
             <a:r>
-              <a:rPr lang="en-US" dirty="0"/>
-              <a:t>Research UART </a:t>
-            </a:r>
-            <a:r>
               <a:rPr lang="en-US" dirty="0" smtClean="0"/>
-              <a:t>Protocol (</a:t>
-            </a:r>
-            <a:r>
-              <a:rPr lang="en-US" dirty="0" err="1" smtClean="0"/>
-              <a:t>Nghihh</a:t>
-            </a:r>
-            <a:r>
-              <a:rPr lang="en-US" dirty="0" smtClean="0"/>
-              <a:t>)</a:t>
+              <a:t>Research RF connection</a:t>
             </a:r>
           </a:p>
           <a:p>
@@ -9214,7 +8864,7 @@
       </p:sp>
       <p:pic>
         <p:nvPicPr>
-          <p:cNvPr id="7" name="Picture 6"/>
+          <p:cNvPr id="4" name="Picture 3"/>
           <p:cNvPicPr>
             <a:picLocks noChangeAspect="1"/>
           </p:cNvPicPr>
@@ -9228,56 +8878,8 @@
         </p:blipFill>
         <p:spPr>
           <a:xfrm>
-            <a:off x="1192595" y="2503357"/>
-            <a:ext cx="8256205" cy="1558569"/>
-          </a:xfrm>
-          <a:prstGeom prst="rect">
-            <a:avLst/>
-          </a:prstGeom>
-        </p:spPr>
-      </p:pic>
-      <p:pic>
-        <p:nvPicPr>
-          <p:cNvPr id="8" name="Picture 7"/>
-          <p:cNvPicPr>
-            <a:picLocks noChangeAspect="1"/>
-          </p:cNvPicPr>
-          <p:nvPr/>
-        </p:nvPicPr>
-        <p:blipFill>
-          <a:blip r:embed="rId3"/>
-          <a:stretch>
-            <a:fillRect/>
-          </a:stretch>
-        </p:blipFill>
-        <p:spPr>
-          <a:xfrm>
-            <a:off x="1532371" y="1948670"/>
-            <a:ext cx="7576651" cy="3642621"/>
-          </a:xfrm>
-          <a:prstGeom prst="rect">
-            <a:avLst/>
-          </a:prstGeom>
-        </p:spPr>
-      </p:pic>
-      <p:pic>
-        <p:nvPicPr>
-          <p:cNvPr id="9" name="Picture 8"/>
-          <p:cNvPicPr>
-            <a:picLocks noChangeAspect="1"/>
-          </p:cNvPicPr>
-          <p:nvPr/>
-        </p:nvPicPr>
-        <p:blipFill>
-          <a:blip r:embed="rId4"/>
-          <a:stretch>
-            <a:fillRect/>
-          </a:stretch>
-        </p:blipFill>
-        <p:spPr>
-          <a:xfrm>
-            <a:off x="1532370" y="1948670"/>
-            <a:ext cx="7576651" cy="3958314"/>
+            <a:off x="2110004" y="1961789"/>
+            <a:ext cx="5906125" cy="3616383"/>
           </a:xfrm>
           <a:prstGeom prst="rect">
             <a:avLst/>
@@ -9287,7 +8889,172 @@
     </p:spTree>
     <p:extLst>
       <p:ext uri="{BB962C8B-B14F-4D97-AF65-F5344CB8AC3E}">
-        <p14:creationId xmlns:p14="http://schemas.microsoft.com/office/powerpoint/2010/main" val="2992775757"/>
+        <p14:creationId xmlns:p14="http://schemas.microsoft.com/office/powerpoint/2010/main" val="945856341"/>
+      </p:ext>
+    </p:extLst>
+  </p:cSld>
+  <p:clrMapOvr>
+    <a:masterClrMapping/>
+  </p:clrMapOvr>
+  <p:timing>
+    <p:tnLst>
+      <p:par>
+        <p:cTn id="1" dur="indefinite" restart="never" nodeType="tmRoot"/>
+      </p:par>
+    </p:tnLst>
+  </p:timing>
+</p:sld>
+</file>
+
+<file path=ppt/slides/slide9.xml><?xml version="1.0" encoding="utf-8"?>
+<p:sld xmlns:a="http://schemas.openxmlformats.org/drawingml/2006/main" xmlns:r="http://schemas.openxmlformats.org/officeDocument/2006/relationships" xmlns:p="http://schemas.openxmlformats.org/presentationml/2006/main">
+  <p:cSld>
+    <p:spTree>
+      <p:nvGrpSpPr>
+        <p:cNvPr id="1" name=""/>
+        <p:cNvGrpSpPr/>
+        <p:nvPr/>
+      </p:nvGrpSpPr>
+      <p:grpSpPr>
+        <a:xfrm>
+          <a:off x="0" y="0"/>
+          <a:ext cx="0" cy="0"/>
+          <a:chOff x="0" y="0"/>
+          <a:chExt cx="0" cy="0"/>
+        </a:xfrm>
+      </p:grpSpPr>
+      <p:sp>
+        <p:nvSpPr>
+          <p:cNvPr id="2" name="Title 1"/>
+          <p:cNvSpPr>
+            <a:spLocks noGrp="1"/>
+          </p:cNvSpPr>
+          <p:nvPr>
+            <p:ph type="title"/>
+          </p:nvPr>
+        </p:nvSpPr>
+        <p:spPr>
+          <a:xfrm>
+            <a:off x="677334" y="609600"/>
+            <a:ext cx="8771466" cy="723900"/>
+          </a:xfrm>
+        </p:spPr>
+        <p:txBody>
+          <a:bodyPr/>
+          <a:lstStyle/>
+          <a:p>
+            <a:r>
+              <a:rPr lang="en-US" dirty="0" smtClean="0"/>
+              <a:t>Increment 1 – Completed</a:t>
+            </a:r>
+            <a:endParaRPr lang="en-US" dirty="0"/>
+          </a:p>
+        </p:txBody>
+      </p:sp>
+      <p:sp>
+        <p:nvSpPr>
+          <p:cNvPr id="3" name="Content Placeholder 2"/>
+          <p:cNvSpPr>
+            <a:spLocks noGrp="1"/>
+          </p:cNvSpPr>
+          <p:nvPr>
+            <p:ph idx="1"/>
+          </p:nvPr>
+        </p:nvSpPr>
+        <p:spPr>
+          <a:xfrm>
+            <a:off x="677334" y="1498600"/>
+            <a:ext cx="8596668" cy="4542762"/>
+          </a:xfrm>
+        </p:spPr>
+        <p:txBody>
+          <a:bodyPr/>
+          <a:lstStyle/>
+          <a:p>
+            <a:pPr>
+              <a:buSzPct val="100000"/>
+              <a:buFont typeface="+mj-lt"/>
+              <a:buAutoNum type="arabicPeriod" startAt="3"/>
+            </a:pPr>
+            <a:r>
+              <a:rPr lang="en-US" dirty="0" smtClean="0"/>
+              <a:t>Research RF connection</a:t>
+            </a:r>
+          </a:p>
+          <a:p>
+            <a:pPr lvl="1" indent="-342900">
+              <a:buSzPct val="100000"/>
+              <a:buFont typeface="+mj-lt"/>
+              <a:buAutoNum type="alphaLcPeriod"/>
+            </a:pPr>
+            <a:r>
+              <a:rPr lang="en-US" dirty="0" smtClean="0"/>
+              <a:t>AM</a:t>
+            </a:r>
+          </a:p>
+        </p:txBody>
+      </p:sp>
+      <p:pic>
+        <p:nvPicPr>
+          <p:cNvPr id="5" name="Picture 4"/>
+          <p:cNvPicPr>
+            <a:picLocks noChangeAspect="1"/>
+          </p:cNvPicPr>
+          <p:nvPr/>
+        </p:nvPicPr>
+        <p:blipFill>
+          <a:blip r:embed="rId2"/>
+          <a:stretch>
+            <a:fillRect/>
+          </a:stretch>
+        </p:blipFill>
+        <p:spPr>
+          <a:xfrm>
+            <a:off x="1787108" y="2439451"/>
+            <a:ext cx="6551918" cy="3435762"/>
+          </a:xfrm>
+          <a:prstGeom prst="rect">
+            <a:avLst/>
+          </a:prstGeom>
+        </p:spPr>
+      </p:pic>
+      <p:pic>
+        <p:nvPicPr>
+          <p:cNvPr id="6" name="Picture 5" descr="http://k1.arduino.vn/img/2014/11/02/0/845_123450-1414901133-0-how-is-data-put-on-radio-waves---mozilla-firefox-4.750x185.jpg"/>
+          <p:cNvPicPr/>
+          <p:nvPr/>
+        </p:nvPicPr>
+        <p:blipFill>
+          <a:blip r:embed="rId3">
+            <a:extLst>
+              <a:ext uri="{28A0092B-C50C-407E-A947-70E740481C1C}">
+                <a14:useLocalDpi xmlns:a14="http://schemas.microsoft.com/office/drawing/2010/main" val="0"/>
+              </a:ext>
+            </a:extLst>
+          </a:blip>
+          <a:srcRect/>
+          <a:stretch>
+            <a:fillRect/>
+          </a:stretch>
+        </p:blipFill>
+        <p:spPr bwMode="auto">
+          <a:xfrm>
+            <a:off x="1723860" y="2878111"/>
+            <a:ext cx="6496563" cy="1602118"/>
+          </a:xfrm>
+          <a:prstGeom prst="rect">
+            <a:avLst/>
+          </a:prstGeom>
+          <a:noFill/>
+          <a:ln>
+            <a:noFill/>
+          </a:ln>
+        </p:spPr>
+      </p:pic>
+    </p:spTree>
+    <p:extLst>
+      <p:ext uri="{BB962C8B-B14F-4D97-AF65-F5344CB8AC3E}">
+        <p14:creationId xmlns:p14="http://schemas.microsoft.com/office/powerpoint/2010/main" val="2935642180"/>
       </p:ext>
     </p:extLst>
   </p:cSld>
@@ -9328,7 +9095,7 @@
                                           </p:stCondLst>
                                         </p:cTn>
                                         <p:tgtEl>
-                                          <p:spTgt spid="7"/>
+                                          <p:spTgt spid="5"/>
                                         </p:tgtEl>
                                         <p:attrNameLst>
                                           <p:attrName>style.visibility</p:attrName>
@@ -9342,7 +9109,7 @@
                                       <p:cBhvr>
                                         <p:cTn id="7" dur="500"/>
                                         <p:tgtEl>
-                                          <p:spTgt spid="7"/>
+                                          <p:spTgt spid="5"/>
                                         </p:tgtEl>
                                       </p:cBhvr>
                                     </p:animEffect>
@@ -9368,20 +9135,28 @@
                             </p:stCondLst>
                             <p:childTnLst>
                               <p:par>
-                                <p:cTn id="10" presetID="1" presetClass="exit" presetSubtype="0" fill="hold" nodeType="clickEffect">
+                                <p:cTn id="10" presetID="14" presetClass="exit" presetSubtype="10" fill="hold" nodeType="clickEffect">
                                   <p:stCondLst>
                                     <p:cond delay="0"/>
                                   </p:stCondLst>
                                   <p:childTnLst>
+                                    <p:animEffect transition="out" filter="randombar(horizontal)">
+                                      <p:cBhvr>
+                                        <p:cTn id="11" dur="500"/>
+                                        <p:tgtEl>
+                                          <p:spTgt spid="5"/>
+                                        </p:tgtEl>
+                                      </p:cBhvr>
+                                    </p:animEffect>
                                     <p:set>
                                       <p:cBhvr>
-                                        <p:cTn id="11" dur="1" fill="hold">
+                                        <p:cTn id="12" dur="1" fill="hold">
                                           <p:stCondLst>
-                                            <p:cond delay="0"/>
+                                            <p:cond delay="499"/>
                                           </p:stCondLst>
                                         </p:cTn>
                                         <p:tgtEl>
-                                          <p:spTgt spid="7"/>
+                                          <p:spTgt spid="5"/>
                                         </p:tgtEl>
                                         <p:attrNameLst>
                                           <p:attrName>style.visibility</p:attrName>
@@ -9401,32 +9176,32 @@
                     </p:cTn>
                   </p:par>
                   <p:par>
-                    <p:cTn id="12" fill="hold">
+                    <p:cTn id="13" fill="hold">
                       <p:stCondLst>
                         <p:cond delay="indefinite"/>
                       </p:stCondLst>
                       <p:childTnLst>
                         <p:par>
-                          <p:cTn id="13" fill="hold">
+                          <p:cTn id="14" fill="hold">
                             <p:stCondLst>
                               <p:cond delay="0"/>
                             </p:stCondLst>
                             <p:childTnLst>
                               <p:par>
-                                <p:cTn id="14" presetID="10" presetClass="entr" presetSubtype="0" fill="hold" nodeType="clickEffect">
+                                <p:cTn id="15" presetID="10" presetClass="entr" presetSubtype="0" fill="hold" nodeType="clickEffect">
                                   <p:stCondLst>
                                     <p:cond delay="0"/>
                                   </p:stCondLst>
                                   <p:childTnLst>
                                     <p:set>
                                       <p:cBhvr>
-                                        <p:cTn id="15" dur="1" fill="hold">
+                                        <p:cTn id="16" dur="1" fill="hold">
                                           <p:stCondLst>
                                             <p:cond delay="0"/>
                                           </p:stCondLst>
                                         </p:cTn>
                                         <p:tgtEl>
-                                          <p:spTgt spid="8"/>
+                                          <p:spTgt spid="6"/>
                                         </p:tgtEl>
                                         <p:attrNameLst>
                                           <p:attrName>style.visibility</p:attrName>
@@ -9438,171 +9213,12 @@
                                     </p:set>
                                     <p:animEffect transition="in" filter="fade">
                                       <p:cBhvr>
-                                        <p:cTn id="16" dur="500"/>
+                                        <p:cTn id="17" dur="500"/>
                                         <p:tgtEl>
-                                          <p:spTgt spid="8"/>
+                                          <p:spTgt spid="6"/>
                                         </p:tgtEl>
                                       </p:cBhvr>
                                     </p:animEffect>
-                                  </p:childTnLst>
-                                </p:cTn>
-                              </p:par>
-                            </p:childTnLst>
-                          </p:cTn>
-                        </p:par>
-                      </p:childTnLst>
-                    </p:cTn>
-                  </p:par>
-                  <p:par>
-                    <p:cTn id="17" fill="hold">
-                      <p:stCondLst>
-                        <p:cond delay="indefinite"/>
-                      </p:stCondLst>
-                      <p:childTnLst>
-                        <p:par>
-                          <p:cTn id="18" fill="hold">
-                            <p:stCondLst>
-                              <p:cond delay="0"/>
-                            </p:stCondLst>
-                            <p:childTnLst>
-                              <p:par>
-                                <p:cTn id="19" presetID="16" presetClass="exit" presetSubtype="21" fill="hold" nodeType="clickEffect">
-                                  <p:stCondLst>
-                                    <p:cond delay="0"/>
-                                  </p:stCondLst>
-                                  <p:childTnLst>
-                                    <p:animEffect transition="out" filter="barn(inVertical)">
-                                      <p:cBhvr>
-                                        <p:cTn id="20" dur="500"/>
-                                        <p:tgtEl>
-                                          <p:spTgt spid="8"/>
-                                        </p:tgtEl>
-                                      </p:cBhvr>
-                                    </p:animEffect>
-                                    <p:set>
-                                      <p:cBhvr>
-                                        <p:cTn id="21" dur="1" fill="hold">
-                                          <p:stCondLst>
-                                            <p:cond delay="499"/>
-                                          </p:stCondLst>
-                                        </p:cTn>
-                                        <p:tgtEl>
-                                          <p:spTgt spid="8"/>
-                                        </p:tgtEl>
-                                        <p:attrNameLst>
-                                          <p:attrName>style.visibility</p:attrName>
-                                        </p:attrNameLst>
-                                      </p:cBhvr>
-                                      <p:to>
-                                        <p:strVal val="hidden"/>
-                                      </p:to>
-                                    </p:set>
-                                  </p:childTnLst>
-                                </p:cTn>
-                              </p:par>
-                            </p:childTnLst>
-                          </p:cTn>
-                        </p:par>
-                      </p:childTnLst>
-                    </p:cTn>
-                  </p:par>
-                  <p:par>
-                    <p:cTn id="22" fill="hold">
-                      <p:stCondLst>
-                        <p:cond delay="indefinite"/>
-                      </p:stCondLst>
-                      <p:childTnLst>
-                        <p:par>
-                          <p:cTn id="23" fill="hold">
-                            <p:stCondLst>
-                              <p:cond delay="0"/>
-                            </p:stCondLst>
-                            <p:childTnLst>
-                              <p:par>
-                                <p:cTn id="24" presetID="10" presetClass="entr" presetSubtype="0" fill="hold" nodeType="clickEffect">
-                                  <p:stCondLst>
-                                    <p:cond delay="0"/>
-                                  </p:stCondLst>
-                                  <p:childTnLst>
-                                    <p:set>
-                                      <p:cBhvr>
-                                        <p:cTn id="25" dur="1" fill="hold">
-                                          <p:stCondLst>
-                                            <p:cond delay="0"/>
-                                          </p:stCondLst>
-                                        </p:cTn>
-                                        <p:tgtEl>
-                                          <p:spTgt spid="9"/>
-                                        </p:tgtEl>
-                                        <p:attrNameLst>
-                                          <p:attrName>style.visibility</p:attrName>
-                                        </p:attrNameLst>
-                                      </p:cBhvr>
-                                      <p:to>
-                                        <p:strVal val="visible"/>
-                                      </p:to>
-                                    </p:set>
-                                    <p:animEffect transition="in" filter="fade">
-                                      <p:cBhvr>
-                                        <p:cTn id="26" dur="500"/>
-                                        <p:tgtEl>
-                                          <p:spTgt spid="9"/>
-                                        </p:tgtEl>
-                                      </p:cBhvr>
-                                    </p:animEffect>
-                                  </p:childTnLst>
-                                </p:cTn>
-                              </p:par>
-                            </p:childTnLst>
-                          </p:cTn>
-                        </p:par>
-                      </p:childTnLst>
-                    </p:cTn>
-                  </p:par>
-                  <p:par>
-                    <p:cTn id="27" fill="hold">
-                      <p:stCondLst>
-                        <p:cond delay="indefinite"/>
-                      </p:stCondLst>
-                      <p:childTnLst>
-                        <p:par>
-                          <p:cTn id="28" fill="hold">
-                            <p:stCondLst>
-                              <p:cond delay="0"/>
-                            </p:stCondLst>
-                            <p:childTnLst>
-                              <p:par>
-                                <p:cTn id="29" presetID="22" presetClass="exit" presetSubtype="4" fill="hold" nodeType="clickEffect">
-                                  <p:stCondLst>
-                                    <p:cond delay="0"/>
-                                  </p:stCondLst>
-                                  <p:childTnLst>
-                                    <p:animEffect transition="out" filter="wipe(down)">
-                                      <p:cBhvr>
-                                        <p:cTn id="30" dur="500"/>
-                                        <p:tgtEl>
-                                          <p:spTgt spid="9"/>
-                                        </p:tgtEl>
-                                      </p:cBhvr>
-                                    </p:animEffect>
-                                    <p:set>
-                                      <p:cBhvr>
-                                        <p:cTn id="31" dur="1" fill="hold">
-                                          <p:stCondLst>
-                                            <p:cond delay="499"/>
-                                          </p:stCondLst>
-                                        </p:cTn>
-                                        <p:tgtEl>
-                                          <p:spTgt spid="9"/>
-                                        </p:tgtEl>
-                                        <p:attrNameLst>
-                                          <p:attrName>style.visibility</p:attrName>
-                                        </p:attrNameLst>
-                                      </p:cBhvr>
-                                      <p:to>
-                                        <p:strVal val="hidden"/>
-                                      </p:to>
-                                    </p:set>
                                   </p:childTnLst>
                                 </p:cTn>
                               </p:par>
@@ -9631,134 +9247,6 @@
             </p:seq>
           </p:childTnLst>
         </p:cTn>
-      </p:par>
-    </p:tnLst>
-  </p:timing>
-</p:sld>
-</file>
-
-<file path=ppt/slides/slide9.xml><?xml version="1.0" encoding="utf-8"?>
-<p:sld xmlns:a="http://schemas.openxmlformats.org/drawingml/2006/main" xmlns:r="http://schemas.openxmlformats.org/officeDocument/2006/relationships" xmlns:p="http://schemas.openxmlformats.org/presentationml/2006/main">
-  <p:cSld>
-    <p:spTree>
-      <p:nvGrpSpPr>
-        <p:cNvPr id="1" name=""/>
-        <p:cNvGrpSpPr/>
-        <p:nvPr/>
-      </p:nvGrpSpPr>
-      <p:grpSpPr>
-        <a:xfrm>
-          <a:off x="0" y="0"/>
-          <a:ext cx="0" cy="0"/>
-          <a:chOff x="0" y="0"/>
-          <a:chExt cx="0" cy="0"/>
-        </a:xfrm>
-      </p:grpSpPr>
-      <p:sp>
-        <p:nvSpPr>
-          <p:cNvPr id="2" name="Title 1"/>
-          <p:cNvSpPr>
-            <a:spLocks noGrp="1"/>
-          </p:cNvSpPr>
-          <p:nvPr>
-            <p:ph type="title"/>
-          </p:nvPr>
-        </p:nvSpPr>
-        <p:spPr>
-          <a:xfrm>
-            <a:off x="677334" y="609600"/>
-            <a:ext cx="8771466" cy="723900"/>
-          </a:xfrm>
-        </p:spPr>
-        <p:txBody>
-          <a:bodyPr/>
-          <a:lstStyle/>
-          <a:p>
-            <a:r>
-              <a:rPr lang="en-US" dirty="0" smtClean="0"/>
-              <a:t>Increment 1 – Completed</a:t>
-            </a:r>
-            <a:endParaRPr lang="en-US" dirty="0"/>
-          </a:p>
-        </p:txBody>
-      </p:sp>
-      <p:sp>
-        <p:nvSpPr>
-          <p:cNvPr id="3" name="Content Placeholder 2"/>
-          <p:cNvSpPr>
-            <a:spLocks noGrp="1"/>
-          </p:cNvSpPr>
-          <p:nvPr>
-            <p:ph idx="1"/>
-          </p:nvPr>
-        </p:nvSpPr>
-        <p:spPr>
-          <a:xfrm>
-            <a:off x="677334" y="1498600"/>
-            <a:ext cx="8596668" cy="4542762"/>
-          </a:xfrm>
-        </p:spPr>
-        <p:txBody>
-          <a:bodyPr/>
-          <a:lstStyle/>
-          <a:p>
-            <a:pPr>
-              <a:buSzPct val="100000"/>
-              <a:buFont typeface="+mj-lt"/>
-              <a:buAutoNum type="arabicPeriod" startAt="3"/>
-            </a:pPr>
-            <a:r>
-              <a:rPr lang="en-US" dirty="0" smtClean="0"/>
-              <a:t>Research RF connection</a:t>
-            </a:r>
-          </a:p>
-          <a:p>
-            <a:pPr marL="400050" lvl="1" indent="0">
-              <a:buSzPct val="100000"/>
-              <a:buNone/>
-            </a:pPr>
-            <a:endParaRPr lang="en-US" dirty="0" smtClean="0"/>
-          </a:p>
-        </p:txBody>
-      </p:sp>
-      <p:pic>
-        <p:nvPicPr>
-          <p:cNvPr id="4" name="Picture 3"/>
-          <p:cNvPicPr>
-            <a:picLocks noChangeAspect="1"/>
-          </p:cNvPicPr>
-          <p:nvPr/>
-        </p:nvPicPr>
-        <p:blipFill>
-          <a:blip r:embed="rId2"/>
-          <a:stretch>
-            <a:fillRect/>
-          </a:stretch>
-        </p:blipFill>
-        <p:spPr>
-          <a:xfrm>
-            <a:off x="2110004" y="1961789"/>
-            <a:ext cx="5906125" cy="3616383"/>
-          </a:xfrm>
-          <a:prstGeom prst="rect">
-            <a:avLst/>
-          </a:prstGeom>
-        </p:spPr>
-      </p:pic>
-    </p:spTree>
-    <p:extLst>
-      <p:ext uri="{BB962C8B-B14F-4D97-AF65-F5344CB8AC3E}">
-        <p14:creationId xmlns:p14="http://schemas.microsoft.com/office/powerpoint/2010/main" val="945856341"/>
-      </p:ext>
-    </p:extLst>
-  </p:cSld>
-  <p:clrMapOvr>
-    <a:masterClrMapping/>
-  </p:clrMapOvr>
-  <p:timing>
-    <p:tnLst>
-      <p:par>
-        <p:cTn id="1" dur="indefinite" restart="never" nodeType="tmRoot"/>
       </p:par>
     </p:tnLst>
   </p:timing>

--- a/Document/Presentation/Progress Reporting (Week 3).pptx
+++ b/Document/Presentation/Progress Reporting (Week 3).pptx
@@ -20,7 +20,8 @@
     <p:sldId id="272" r:id="rId14"/>
     <p:sldId id="273" r:id="rId15"/>
     <p:sldId id="274" r:id="rId16"/>
-    <p:sldId id="275" r:id="rId17"/>
+    <p:sldId id="276" r:id="rId17"/>
+    <p:sldId id="275" r:id="rId18"/>
   </p:sldIdLst>
   <p:sldSz cx="12192000" cy="6858000"/>
   <p:notesSz cx="6858000" cy="9144000"/>
@@ -705,7 +706,7 @@
           </a:lstStyle>
           <a:p>
             <a:r>
-              <a:rPr lang="en-US" smtClean="0"/>
+              <a:rPr lang="en-US"/>
               <a:t>Click to edit Master title style</a:t>
             </a:r>
             <a:endParaRPr lang="en-US" dirty="0"/>
@@ -825,7 +826,7 @@
           </a:lstStyle>
           <a:p>
             <a:r>
-              <a:rPr lang="en-US" smtClean="0"/>
+              <a:rPr lang="en-US"/>
               <a:t>Click to edit Master subtitle style</a:t>
             </a:r>
             <a:endParaRPr lang="en-US" dirty="0"/>
@@ -951,7 +952,7 @@
           </a:lstStyle>
           <a:p>
             <a:r>
-              <a:rPr lang="en-US" smtClean="0"/>
+              <a:rPr lang="en-US"/>
               <a:t>Click to edit Master title style</a:t>
             </a:r>
             <a:endParaRPr lang="en-US" dirty="0"/>
@@ -1074,7 +1075,7 @@
           <a:p>
             <a:pPr lvl="0"/>
             <a:r>
-              <a:rPr lang="en-US" smtClean="0"/>
+              <a:rPr lang="en-US"/>
               <a:t>Click to edit Master text styles</a:t>
             </a:r>
           </a:p>
@@ -1199,7 +1200,7 @@
           </a:lstStyle>
           <a:p>
             <a:r>
-              <a:rPr lang="en-US" smtClean="0"/>
+              <a:rPr lang="en-US"/>
               <a:t>Click to edit Master title style</a:t>
             </a:r>
             <a:endParaRPr lang="en-US" dirty="0"/>
@@ -1263,7 +1264,7 @@
           <a:p>
             <a:pPr lvl="0"/>
             <a:r>
-              <a:rPr lang="en-US" smtClean="0"/>
+              <a:rPr lang="en-US"/>
               <a:t>Click to edit Master text styles</a:t>
             </a:r>
           </a:p>
@@ -1385,7 +1386,7 @@
           <a:p>
             <a:pPr lvl="0"/>
             <a:r>
-              <a:rPr lang="en-US" smtClean="0"/>
+              <a:rPr lang="en-US"/>
               <a:t>Click to edit Master text styles</a:t>
             </a:r>
           </a:p>
@@ -1600,7 +1601,7 @@
           </a:lstStyle>
           <a:p>
             <a:r>
-              <a:rPr lang="en-US" smtClean="0"/>
+              <a:rPr lang="en-US"/>
               <a:t>Click to edit Master title style</a:t>
             </a:r>
             <a:endParaRPr lang="en-US" dirty="0"/>
@@ -1723,7 +1724,7 @@
           <a:p>
             <a:pPr lvl="0"/>
             <a:r>
-              <a:rPr lang="en-US" smtClean="0"/>
+              <a:rPr lang="en-US"/>
               <a:t>Click to edit Master text styles</a:t>
             </a:r>
           </a:p>
@@ -1848,7 +1849,7 @@
           </a:lstStyle>
           <a:p>
             <a:r>
-              <a:rPr lang="en-US" smtClean="0"/>
+              <a:rPr lang="en-US"/>
               <a:t>Click to edit Master title style</a:t>
             </a:r>
             <a:endParaRPr lang="en-US" dirty="0"/>
@@ -1912,7 +1913,7 @@
           <a:p>
             <a:pPr lvl="0"/>
             <a:r>
-              <a:rPr lang="en-US" smtClean="0"/>
+              <a:rPr lang="en-US"/>
               <a:t>Click to edit Master text styles</a:t>
             </a:r>
           </a:p>
@@ -2034,7 +2035,7 @@
           <a:p>
             <a:pPr lvl="0"/>
             <a:r>
-              <a:rPr lang="en-US" smtClean="0"/>
+              <a:rPr lang="en-US"/>
               <a:t>Click to edit Master text styles</a:t>
             </a:r>
           </a:p>
@@ -2241,7 +2242,7 @@
           </a:lstStyle>
           <a:p>
             <a:r>
-              <a:rPr lang="en-US" smtClean="0"/>
+              <a:rPr lang="en-US"/>
               <a:t>Click to edit Master title style</a:t>
             </a:r>
             <a:endParaRPr lang="en-US" dirty="0"/>
@@ -2302,7 +2303,7 @@
           <a:p>
             <a:pPr lvl="0"/>
             <a:r>
-              <a:rPr lang="en-US" smtClean="0"/>
+              <a:rPr lang="en-US"/>
               <a:t>Click to edit Master text styles</a:t>
             </a:r>
           </a:p>
@@ -2424,7 +2425,7 @@
           <a:p>
             <a:pPr lvl="0"/>
             <a:r>
-              <a:rPr lang="en-US" smtClean="0"/>
+              <a:rPr lang="en-US"/>
               <a:t>Click to edit Master text styles</a:t>
             </a:r>
           </a:p>
@@ -2538,7 +2539,7 @@
           <a:lstStyle/>
           <a:p>
             <a:r>
-              <a:rPr lang="en-US" smtClean="0"/>
+              <a:rPr lang="en-US"/>
               <a:t>Click to edit Master title style</a:t>
             </a:r>
             <a:endParaRPr lang="en-US" dirty="0"/>
@@ -2562,35 +2563,35 @@
           <a:p>
             <a:pPr lvl="0"/>
             <a:r>
-              <a:rPr lang="en-US" smtClean="0"/>
+              <a:rPr lang="en-US"/>
               <a:t>Click to edit Master text styles</a:t>
             </a:r>
           </a:p>
           <a:p>
             <a:pPr lvl="1"/>
             <a:r>
-              <a:rPr lang="en-US" smtClean="0"/>
+              <a:rPr lang="en-US"/>
               <a:t>Second level</a:t>
             </a:r>
           </a:p>
           <a:p>
             <a:pPr lvl="2"/>
             <a:r>
-              <a:rPr lang="en-US" smtClean="0"/>
+              <a:rPr lang="en-US"/>
               <a:t>Third level</a:t>
             </a:r>
           </a:p>
           <a:p>
             <a:pPr lvl="3"/>
             <a:r>
-              <a:rPr lang="en-US" smtClean="0"/>
+              <a:rPr lang="en-US"/>
               <a:t>Fourth level</a:t>
             </a:r>
           </a:p>
           <a:p>
             <a:pPr lvl="4"/>
             <a:r>
-              <a:rPr lang="en-US" smtClean="0"/>
+              <a:rPr lang="en-US"/>
               <a:t>Fifth level</a:t>
             </a:r>
             <a:endParaRPr lang="en-US" dirty="0"/>
@@ -2708,7 +2709,7 @@
           <a:lstStyle/>
           <a:p>
             <a:r>
-              <a:rPr lang="en-US" smtClean="0"/>
+              <a:rPr lang="en-US"/>
               <a:t>Click to edit Master title style</a:t>
             </a:r>
             <a:endParaRPr lang="en-US" dirty="0"/>
@@ -2737,35 +2738,35 @@
           <a:p>
             <a:pPr lvl="0"/>
             <a:r>
-              <a:rPr lang="en-US" smtClean="0"/>
+              <a:rPr lang="en-US"/>
               <a:t>Click to edit Master text styles</a:t>
             </a:r>
           </a:p>
           <a:p>
             <a:pPr lvl="1"/>
             <a:r>
-              <a:rPr lang="en-US" smtClean="0"/>
+              <a:rPr lang="en-US"/>
               <a:t>Second level</a:t>
             </a:r>
           </a:p>
           <a:p>
             <a:pPr lvl="2"/>
             <a:r>
-              <a:rPr lang="en-US" smtClean="0"/>
+              <a:rPr lang="en-US"/>
               <a:t>Third level</a:t>
             </a:r>
           </a:p>
           <a:p>
             <a:pPr lvl="3"/>
             <a:r>
-              <a:rPr lang="en-US" smtClean="0"/>
+              <a:rPr lang="en-US"/>
               <a:t>Fourth level</a:t>
             </a:r>
           </a:p>
           <a:p>
             <a:pPr lvl="4"/>
             <a:r>
-              <a:rPr lang="en-US" smtClean="0"/>
+              <a:rPr lang="en-US"/>
               <a:t>Fifth level</a:t>
             </a:r>
             <a:endParaRPr lang="en-US" dirty="0"/>
@@ -2886,7 +2887,7 @@
           </a:lstStyle>
           <a:p>
             <a:r>
-              <a:rPr lang="en-US" smtClean="0"/>
+              <a:rPr lang="en-US"/>
               <a:t>Click to edit Master title style</a:t>
             </a:r>
             <a:endParaRPr lang="en-US" dirty="0"/>
@@ -2910,35 +2911,35 @@
           <a:p>
             <a:pPr lvl="0"/>
             <a:r>
-              <a:rPr lang="en-US" smtClean="0"/>
+              <a:rPr lang="en-US"/>
               <a:t>Click to edit Master text styles</a:t>
             </a:r>
           </a:p>
           <a:p>
             <a:pPr lvl="1"/>
             <a:r>
-              <a:rPr lang="en-US" smtClean="0"/>
+              <a:rPr lang="en-US"/>
               <a:t>Second level</a:t>
             </a:r>
           </a:p>
           <a:p>
             <a:pPr lvl="2"/>
             <a:r>
-              <a:rPr lang="en-US" smtClean="0"/>
+              <a:rPr lang="en-US"/>
               <a:t>Third level</a:t>
             </a:r>
           </a:p>
           <a:p>
             <a:pPr lvl="3"/>
             <a:r>
-              <a:rPr lang="en-US" smtClean="0"/>
+              <a:rPr lang="en-US"/>
               <a:t>Fourth level</a:t>
             </a:r>
           </a:p>
           <a:p>
             <a:pPr lvl="4"/>
             <a:r>
-              <a:rPr lang="en-US" smtClean="0"/>
+              <a:rPr lang="en-US"/>
               <a:t>Fifth level</a:t>
             </a:r>
             <a:endParaRPr lang="en-US" dirty="0"/>
@@ -3062,7 +3063,7 @@
           </a:lstStyle>
           <a:p>
             <a:r>
-              <a:rPr lang="en-US" smtClean="0"/>
+              <a:rPr lang="en-US"/>
               <a:t>Click to edit Master title style</a:t>
             </a:r>
             <a:endParaRPr lang="en-US" dirty="0"/>
@@ -3183,7 +3184,7 @@
           <a:p>
             <a:pPr lvl="0"/>
             <a:r>
-              <a:rPr lang="en-US" smtClean="0"/>
+              <a:rPr lang="en-US"/>
               <a:t>Click to edit Master text styles</a:t>
             </a:r>
           </a:p>
@@ -3297,7 +3298,7 @@
           <a:lstStyle/>
           <a:p>
             <a:r>
-              <a:rPr lang="en-US" smtClean="0"/>
+              <a:rPr lang="en-US"/>
               <a:t>Click to edit Master title style</a:t>
             </a:r>
             <a:endParaRPr lang="en-US" dirty="0"/>
@@ -3326,35 +3327,35 @@
           <a:p>
             <a:pPr lvl="0"/>
             <a:r>
-              <a:rPr lang="en-US" smtClean="0"/>
+              <a:rPr lang="en-US"/>
               <a:t>Click to edit Master text styles</a:t>
             </a:r>
           </a:p>
           <a:p>
             <a:pPr lvl="1"/>
             <a:r>
-              <a:rPr lang="en-US" smtClean="0"/>
+              <a:rPr lang="en-US"/>
               <a:t>Second level</a:t>
             </a:r>
           </a:p>
           <a:p>
             <a:pPr lvl="2"/>
             <a:r>
-              <a:rPr lang="en-US" smtClean="0"/>
+              <a:rPr lang="en-US"/>
               <a:t>Third level</a:t>
             </a:r>
           </a:p>
           <a:p>
             <a:pPr lvl="3"/>
             <a:r>
-              <a:rPr lang="en-US" smtClean="0"/>
+              <a:rPr lang="en-US"/>
               <a:t>Fourth level</a:t>
             </a:r>
           </a:p>
           <a:p>
             <a:pPr lvl="4"/>
             <a:r>
-              <a:rPr lang="en-US" smtClean="0"/>
+              <a:rPr lang="en-US"/>
               <a:t>Fifth level</a:t>
             </a:r>
             <a:endParaRPr lang="en-US" dirty="0"/>
@@ -3383,35 +3384,35 @@
           <a:p>
             <a:pPr lvl="0"/>
             <a:r>
-              <a:rPr lang="en-US" smtClean="0"/>
+              <a:rPr lang="en-US"/>
               <a:t>Click to edit Master text styles</a:t>
             </a:r>
           </a:p>
           <a:p>
             <a:pPr lvl="1"/>
             <a:r>
-              <a:rPr lang="en-US" smtClean="0"/>
+              <a:rPr lang="en-US"/>
               <a:t>Second level</a:t>
             </a:r>
           </a:p>
           <a:p>
             <a:pPr lvl="2"/>
             <a:r>
-              <a:rPr lang="en-US" smtClean="0"/>
+              <a:rPr lang="en-US"/>
               <a:t>Third level</a:t>
             </a:r>
           </a:p>
           <a:p>
             <a:pPr lvl="3"/>
             <a:r>
-              <a:rPr lang="en-US" smtClean="0"/>
+              <a:rPr lang="en-US"/>
               <a:t>Fourth level</a:t>
             </a:r>
           </a:p>
           <a:p>
             <a:pPr lvl="4"/>
             <a:r>
-              <a:rPr lang="en-US" smtClean="0"/>
+              <a:rPr lang="en-US"/>
               <a:t>Fifth level</a:t>
             </a:r>
             <a:endParaRPr lang="en-US" dirty="0"/>
@@ -3528,7 +3529,7 @@
           </a:lstStyle>
           <a:p>
             <a:r>
-              <a:rPr lang="en-US" smtClean="0"/>
+              <a:rPr lang="en-US"/>
               <a:t>Click to edit Master title style</a:t>
             </a:r>
             <a:endParaRPr lang="en-US" dirty="0"/>
@@ -3596,7 +3597,7 @@
           <a:p>
             <a:pPr lvl="0"/>
             <a:r>
-              <a:rPr lang="en-US" smtClean="0"/>
+              <a:rPr lang="en-US"/>
               <a:t>Click to edit Master text styles</a:t>
             </a:r>
           </a:p>
@@ -3626,35 +3627,35 @@
           <a:p>
             <a:pPr lvl="0"/>
             <a:r>
-              <a:rPr lang="en-US" smtClean="0"/>
+              <a:rPr lang="en-US"/>
               <a:t>Click to edit Master text styles</a:t>
             </a:r>
           </a:p>
           <a:p>
             <a:pPr lvl="1"/>
             <a:r>
-              <a:rPr lang="en-US" smtClean="0"/>
+              <a:rPr lang="en-US"/>
               <a:t>Second level</a:t>
             </a:r>
           </a:p>
           <a:p>
             <a:pPr lvl="2"/>
             <a:r>
-              <a:rPr lang="en-US" smtClean="0"/>
+              <a:rPr lang="en-US"/>
               <a:t>Third level</a:t>
             </a:r>
           </a:p>
           <a:p>
             <a:pPr lvl="3"/>
             <a:r>
-              <a:rPr lang="en-US" smtClean="0"/>
+              <a:rPr lang="en-US"/>
               <a:t>Fourth level</a:t>
             </a:r>
           </a:p>
           <a:p>
             <a:pPr lvl="4"/>
             <a:r>
-              <a:rPr lang="en-US" smtClean="0"/>
+              <a:rPr lang="en-US"/>
               <a:t>Fifth level</a:t>
             </a:r>
             <a:endParaRPr lang="en-US" dirty="0"/>
@@ -3722,7 +3723,7 @@
           <a:p>
             <a:pPr lvl="0"/>
             <a:r>
-              <a:rPr lang="en-US" smtClean="0"/>
+              <a:rPr lang="en-US"/>
               <a:t>Click to edit Master text styles</a:t>
             </a:r>
           </a:p>
@@ -3752,35 +3753,35 @@
           <a:p>
             <a:pPr lvl="0"/>
             <a:r>
-              <a:rPr lang="en-US" smtClean="0"/>
+              <a:rPr lang="en-US"/>
               <a:t>Click to edit Master text styles</a:t>
             </a:r>
           </a:p>
           <a:p>
             <a:pPr lvl="1"/>
             <a:r>
-              <a:rPr lang="en-US" smtClean="0"/>
+              <a:rPr lang="en-US"/>
               <a:t>Second level</a:t>
             </a:r>
           </a:p>
           <a:p>
             <a:pPr lvl="2"/>
             <a:r>
-              <a:rPr lang="en-US" smtClean="0"/>
+              <a:rPr lang="en-US"/>
               <a:t>Third level</a:t>
             </a:r>
           </a:p>
           <a:p>
             <a:pPr lvl="3"/>
             <a:r>
-              <a:rPr lang="en-US" smtClean="0"/>
+              <a:rPr lang="en-US"/>
               <a:t>Fourth level</a:t>
             </a:r>
           </a:p>
           <a:p>
             <a:pPr lvl="4"/>
             <a:r>
-              <a:rPr lang="en-US" smtClean="0"/>
+              <a:rPr lang="en-US"/>
               <a:t>Fifth level</a:t>
             </a:r>
             <a:endParaRPr lang="en-US" dirty="0"/>
@@ -3900,7 +3901,7 @@
           <a:lstStyle/>
           <a:p>
             <a:r>
-              <a:rPr lang="en-US" smtClean="0"/>
+              <a:rPr lang="en-US"/>
               <a:t>Click to edit Master title style</a:t>
             </a:r>
             <a:endParaRPr lang="en-US" dirty="0"/>
@@ -4118,7 +4119,7 @@
           </a:lstStyle>
           <a:p>
             <a:r>
-              <a:rPr lang="en-US" smtClean="0"/>
+              <a:rPr lang="en-US"/>
               <a:t>Click to edit Master title style</a:t>
             </a:r>
             <a:endParaRPr lang="en-US" dirty="0"/>
@@ -4149,35 +4150,35 @@
           <a:p>
             <a:pPr lvl="0"/>
             <a:r>
-              <a:rPr lang="en-US" smtClean="0"/>
+              <a:rPr lang="en-US"/>
               <a:t>Click to edit Master text styles</a:t>
             </a:r>
           </a:p>
           <a:p>
             <a:pPr lvl="1"/>
             <a:r>
-              <a:rPr lang="en-US" smtClean="0"/>
+              <a:rPr lang="en-US"/>
               <a:t>Second level</a:t>
             </a:r>
           </a:p>
           <a:p>
             <a:pPr lvl="2"/>
             <a:r>
-              <a:rPr lang="en-US" smtClean="0"/>
+              <a:rPr lang="en-US"/>
               <a:t>Third level</a:t>
             </a:r>
           </a:p>
           <a:p>
             <a:pPr lvl="3"/>
             <a:r>
-              <a:rPr lang="en-US" smtClean="0"/>
+              <a:rPr lang="en-US"/>
               <a:t>Fourth level</a:t>
             </a:r>
           </a:p>
           <a:p>
             <a:pPr lvl="4"/>
             <a:r>
-              <a:rPr lang="en-US" smtClean="0"/>
+              <a:rPr lang="en-US"/>
               <a:t>Fifth level</a:t>
             </a:r>
             <a:endParaRPr lang="en-US" dirty="0"/>
@@ -4245,7 +4246,7 @@
           <a:p>
             <a:pPr lvl="0"/>
             <a:r>
-              <a:rPr lang="en-US" smtClean="0"/>
+              <a:rPr lang="en-US"/>
               <a:t>Click to edit Master text styles</a:t>
             </a:r>
           </a:p>
@@ -4368,7 +4369,7 @@
           </a:lstStyle>
           <a:p>
             <a:r>
-              <a:rPr lang="en-US" smtClean="0"/>
+              <a:rPr lang="en-US"/>
               <a:t>Click to edit Master title style</a:t>
             </a:r>
             <a:endParaRPr lang="en-US" dirty="0"/>
@@ -4435,7 +4436,7 @@
           </a:lstStyle>
           <a:p>
             <a:r>
-              <a:rPr lang="en-US" smtClean="0"/>
+              <a:rPr lang="en-US"/>
               <a:t>Click icon to add picture</a:t>
             </a:r>
             <a:endParaRPr lang="en-US" dirty="0"/>
@@ -4503,7 +4504,7 @@
           <a:p>
             <a:pPr lvl="0"/>
             <a:r>
-              <a:rPr lang="en-US" smtClean="0"/>
+              <a:rPr lang="en-US"/>
               <a:t>Click to edit Master text styles</a:t>
             </a:r>
           </a:p>
@@ -5162,7 +5163,7 @@
           <a:lstStyle/>
           <a:p>
             <a:r>
-              <a:rPr lang="en-US" smtClean="0"/>
+              <a:rPr lang="en-US"/>
               <a:t>Click to edit Master title style</a:t>
             </a:r>
             <a:endParaRPr lang="en-US" dirty="0"/>
@@ -5196,35 +5197,35 @@
           <a:p>
             <a:pPr lvl="0"/>
             <a:r>
-              <a:rPr lang="en-US" smtClean="0"/>
+              <a:rPr lang="en-US"/>
               <a:t>Click to edit Master text styles</a:t>
             </a:r>
           </a:p>
           <a:p>
             <a:pPr lvl="1"/>
             <a:r>
-              <a:rPr lang="en-US" smtClean="0"/>
+              <a:rPr lang="en-US"/>
               <a:t>Second level</a:t>
             </a:r>
           </a:p>
           <a:p>
             <a:pPr lvl="2"/>
             <a:r>
-              <a:rPr lang="en-US" smtClean="0"/>
+              <a:rPr lang="en-US"/>
               <a:t>Third level</a:t>
             </a:r>
           </a:p>
           <a:p>
             <a:pPr lvl="3"/>
             <a:r>
-              <a:rPr lang="en-US" smtClean="0"/>
+              <a:rPr lang="en-US"/>
               <a:t>Fourth level</a:t>
             </a:r>
           </a:p>
           <a:p>
             <a:pPr lvl="4"/>
             <a:r>
-              <a:rPr lang="en-US" smtClean="0"/>
+              <a:rPr lang="en-US"/>
               <a:t>Fifth level</a:t>
             </a:r>
             <a:endParaRPr lang="en-US" dirty="0"/>
@@ -5803,10 +5804,9 @@
           <a:lstStyle/>
           <a:p>
             <a:r>
-              <a:rPr lang="en-US" dirty="0" smtClean="0"/>
+              <a:rPr lang="en-US" dirty="0"/>
               <a:t>Progress Reporting (Week 3)</a:t>
             </a:r>
-            <a:endParaRPr lang="en-US" dirty="0"/>
           </a:p>
         </p:txBody>
       </p:sp>
@@ -5837,19 +5837,12 @@
                 <a:latin typeface="Calibri" panose="020F0502020204030204" pitchFamily="34" charset="0"/>
                 <a:cs typeface="Calibri" panose="020F0502020204030204" pitchFamily="34" charset="0"/>
               </a:rPr>
-              <a:t>Design and implement the model of smart </a:t>
-            </a:r>
-            <a:r>
-              <a:rPr lang="en-US" dirty="0" smtClean="0">
-                <a:latin typeface="Calibri" panose="020F0502020204030204" pitchFamily="34" charset="0"/>
-                <a:cs typeface="Calibri" panose="020F0502020204030204" pitchFamily="34" charset="0"/>
-              </a:rPr>
-              <a:t>garden</a:t>
-            </a:r>
-          </a:p>
-          <a:p>
-            <a:r>
-              <a:rPr lang="en-US" dirty="0" smtClean="0">
+              <a:t>Design and implement the model of smart garden</a:t>
+            </a:r>
+          </a:p>
+          <a:p>
+            <a:r>
+              <a:rPr lang="en-US" dirty="0">
                 <a:latin typeface="Calibri" panose="020F0502020204030204" pitchFamily="34" charset="0"/>
                 <a:cs typeface="Calibri" panose="020F0502020204030204" pitchFamily="34" charset="0"/>
               </a:rPr>
@@ -5868,13 +5861,6 @@
   <p:clrMapOvr>
     <a:masterClrMapping/>
   </p:clrMapOvr>
-  <p:timing>
-    <p:tnLst>
-      <p:par>
-        <p:cTn id="1" dur="indefinite" restart="never" nodeType="tmRoot"/>
-      </p:par>
-    </p:tnLst>
-  </p:timing>
 </p:sld>
 </file>
 
@@ -5916,10 +5902,9 @@
           <a:lstStyle/>
           <a:p>
             <a:r>
-              <a:rPr lang="en-US" dirty="0" smtClean="0"/>
+              <a:rPr lang="en-US" dirty="0"/>
               <a:t>Increment 1 – Completed</a:t>
             </a:r>
-            <a:endParaRPr lang="en-US" dirty="0"/>
           </a:p>
         </p:txBody>
       </p:sp>
@@ -5949,15 +5934,15 @@
               <a:buAutoNum type="arabicPeriod" startAt="3"/>
             </a:pPr>
             <a:r>
-              <a:rPr lang="en-US" dirty="0" smtClean="0"/>
+              <a:rPr lang="en-US" dirty="0"/>
               <a:t>Research RF connection (</a:t>
             </a:r>
             <a:r>
-              <a:rPr lang="en-US" dirty="0" err="1" smtClean="0"/>
+              <a:rPr lang="en-US" dirty="0" err="1"/>
               <a:t>Chinhph</a:t>
             </a:r>
             <a:r>
-              <a:rPr lang="en-US" dirty="0" smtClean="0"/>
+              <a:rPr lang="en-US" dirty="0"/>
               <a:t>)</a:t>
             </a:r>
           </a:p>
@@ -5969,11 +5954,7 @@
             </a:pPr>
             <a:r>
               <a:rPr lang="en-US" dirty="0"/>
-              <a:t>F</a:t>
-            </a:r>
-            <a:r>
-              <a:rPr lang="en-US" dirty="0" smtClean="0"/>
-              <a:t>M</a:t>
+              <a:t>FM</a:t>
             </a:r>
           </a:p>
         </p:txBody>
@@ -6275,10 +6256,9 @@
           <a:lstStyle/>
           <a:p>
             <a:r>
-              <a:rPr lang="en-US" dirty="0" smtClean="0"/>
+              <a:rPr lang="en-US" dirty="0"/>
               <a:t>Increment 1 – Completed</a:t>
             </a:r>
-            <a:endParaRPr lang="en-US" dirty="0"/>
           </a:p>
         </p:txBody>
       </p:sp>
@@ -6308,18 +6288,17 @@
               <a:buAutoNum type="arabicPeriod" startAt="4"/>
             </a:pPr>
             <a:r>
-              <a:rPr lang="en-US" dirty="0" smtClean="0"/>
+              <a:rPr lang="en-US" dirty="0"/>
               <a:t>Tools &amp; Technique to build Web server (</a:t>
             </a:r>
             <a:r>
-              <a:rPr lang="en-US" dirty="0" err="1" smtClean="0"/>
+              <a:rPr lang="en-US" dirty="0" err="1"/>
               <a:t>Phaplv</a:t>
             </a:r>
             <a:r>
-              <a:rPr lang="en-US" dirty="0" smtClean="0"/>
+              <a:rPr lang="en-US" dirty="0"/>
               <a:t>)</a:t>
             </a:r>
-            <a:endParaRPr lang="en-US" dirty="0"/>
           </a:p>
           <a:p>
             <a:pPr>
@@ -6327,7 +6306,7 @@
               <a:buFont typeface="+mj-lt"/>
               <a:buAutoNum type="arabicPeriod" startAt="4"/>
             </a:pPr>
-            <a:endParaRPr lang="en-US" dirty="0" smtClean="0"/>
+            <a:endParaRPr lang="en-US" dirty="0"/>
           </a:p>
         </p:txBody>
       </p:sp>
@@ -6395,13 +6374,6 @@
   <p:clrMapOvr>
     <a:masterClrMapping/>
   </p:clrMapOvr>
-  <p:timing>
-    <p:tnLst>
-      <p:par>
-        <p:cTn id="1" dur="indefinite" restart="never" nodeType="tmRoot"/>
-      </p:par>
-    </p:tnLst>
-  </p:timing>
 </p:sld>
 </file>
 
@@ -6473,10 +6445,9 @@
           <a:lstStyle/>
           <a:p>
             <a:r>
-              <a:rPr lang="en-US" dirty="0" smtClean="0"/>
+              <a:rPr lang="en-US" dirty="0"/>
               <a:t>Increment 1 – Completed</a:t>
             </a:r>
-            <a:endParaRPr lang="en-US" dirty="0"/>
           </a:p>
         </p:txBody>
       </p:sp>
@@ -6506,26 +6477,25 @@
               <a:buAutoNum type="arabicPeriod" startAt="5"/>
             </a:pPr>
             <a:r>
-              <a:rPr lang="en-US" dirty="0" smtClean="0"/>
+              <a:rPr lang="en-US" dirty="0"/>
               <a:t>Design Database (</a:t>
             </a:r>
             <a:r>
-              <a:rPr lang="en-US" dirty="0" err="1" smtClean="0"/>
+              <a:rPr lang="en-US" dirty="0" err="1"/>
               <a:t>Sangpt</a:t>
             </a:r>
             <a:r>
-              <a:rPr lang="en-US" dirty="0" smtClean="0"/>
+              <a:rPr lang="en-US" dirty="0"/>
               <a:t>, </a:t>
             </a:r>
             <a:r>
-              <a:rPr lang="en-US" dirty="0" err="1" smtClean="0"/>
+              <a:rPr lang="en-US" dirty="0" err="1"/>
               <a:t>Phaplv</a:t>
             </a:r>
             <a:r>
-              <a:rPr lang="en-US" dirty="0" smtClean="0"/>
+              <a:rPr lang="en-US" dirty="0"/>
               <a:t>)</a:t>
             </a:r>
-            <a:endParaRPr lang="en-US" dirty="0"/>
           </a:p>
           <a:p>
             <a:pPr>
@@ -6533,7 +6503,7 @@
               <a:buFont typeface="+mj-lt"/>
               <a:buAutoNum type="arabicPeriod" startAt="5"/>
             </a:pPr>
-            <a:endParaRPr lang="en-US" dirty="0" smtClean="0"/>
+            <a:endParaRPr lang="en-US" dirty="0"/>
           </a:p>
         </p:txBody>
       </p:sp>
@@ -6547,13 +6517,6 @@
   <p:clrMapOvr>
     <a:masterClrMapping/>
   </p:clrMapOvr>
-  <p:timing>
-    <p:tnLst>
-      <p:par>
-        <p:cTn id="1" dur="indefinite" restart="never" nodeType="tmRoot"/>
-      </p:par>
-    </p:tnLst>
-  </p:timing>
 </p:sld>
 </file>
 
@@ -6595,10 +6558,9 @@
           <a:lstStyle/>
           <a:p>
             <a:r>
-              <a:rPr lang="en-US" dirty="0" smtClean="0"/>
+              <a:rPr lang="en-US" dirty="0"/>
               <a:t>Increment 1 – In progress</a:t>
             </a:r>
-            <a:endParaRPr lang="en-US" dirty="0"/>
           </a:p>
         </p:txBody>
       </p:sp>
@@ -6629,21 +6591,16 @@
             </a:pPr>
             <a:r>
               <a:rPr lang="en-US" dirty="0"/>
-              <a:t>Temperature and humidity </a:t>
-            </a:r>
-            <a:r>
-              <a:rPr lang="en-US" dirty="0" smtClean="0"/>
-              <a:t>sensors (</a:t>
-            </a:r>
-            <a:r>
-              <a:rPr lang="en-US" dirty="0" err="1" smtClean="0"/>
+              <a:t>Temperature and humidity sensors (</a:t>
+            </a:r>
+            <a:r>
+              <a:rPr lang="en-US" dirty="0" err="1"/>
               <a:t>Sangpt</a:t>
             </a:r>
             <a:r>
-              <a:rPr lang="en-US" dirty="0" smtClean="0"/>
+              <a:rPr lang="en-US" dirty="0"/>
               <a:t>)</a:t>
             </a:r>
-            <a:endParaRPr lang="en-US" dirty="0"/>
           </a:p>
           <a:p>
             <a:pPr>
@@ -6651,7 +6608,7 @@
               <a:buFont typeface="+mj-lt"/>
               <a:buAutoNum type="arabicPeriod"/>
             </a:pPr>
-            <a:endParaRPr lang="en-US" dirty="0" smtClean="0"/>
+            <a:endParaRPr lang="en-US" dirty="0"/>
           </a:p>
         </p:txBody>
       </p:sp>
@@ -6737,13 +6694,6 @@
   <p:clrMapOvr>
     <a:masterClrMapping/>
   </p:clrMapOvr>
-  <p:timing>
-    <p:tnLst>
-      <p:par>
-        <p:cTn id="1" dur="indefinite" restart="never" nodeType="tmRoot"/>
-      </p:par>
-    </p:tnLst>
-  </p:timing>
 </p:sld>
 </file>
 
@@ -6785,7 +6735,7 @@
           <a:lstStyle/>
           <a:p>
             <a:r>
-              <a:rPr lang="en-US" smtClean="0"/>
+              <a:rPr lang="en-US"/>
               <a:t>Increment 1 – In progress</a:t>
             </a:r>
             <a:endParaRPr lang="en-US" dirty="0"/>
@@ -6818,7 +6768,7 @@
               <a:buAutoNum type="arabicPeriod"/>
             </a:pPr>
             <a:r>
-              <a:rPr lang="en-US" smtClean="0"/>
+              <a:rPr lang="en-US"/>
               <a:t>Load indexes of sensors (Sangpt)</a:t>
             </a:r>
           </a:p>
@@ -6828,7 +6778,7 @@
               <a:buFont typeface="+mj-lt"/>
               <a:buAutoNum type="arabicPeriod"/>
             </a:pPr>
-            <a:endParaRPr lang="en-US" dirty="0" smtClean="0"/>
+            <a:endParaRPr lang="en-US" dirty="0"/>
           </a:p>
         </p:txBody>
       </p:sp>
@@ -6930,13 +6880,6 @@
   <p:clrMapOvr>
     <a:masterClrMapping/>
   </p:clrMapOvr>
-  <p:timing>
-    <p:tnLst>
-      <p:par>
-        <p:cTn id="1" dur="indefinite" restart="never" nodeType="tmRoot"/>
-      </p:par>
-    </p:tnLst>
-  </p:timing>
 </p:sld>
 </file>
 
@@ -6978,7 +6921,7 @@
           <a:lstStyle/>
           <a:p>
             <a:r>
-              <a:rPr lang="en-US" smtClean="0"/>
+              <a:rPr lang="en-US"/>
               <a:t>Increment 1 – In progress</a:t>
             </a:r>
             <a:endParaRPr lang="en-US" dirty="0"/>
@@ -7011,15 +6954,15 @@
               <a:buAutoNum type="arabicPeriod" startAt="2"/>
             </a:pPr>
             <a:r>
-              <a:rPr lang="en-US" dirty="0" smtClean="0"/>
+              <a:rPr lang="en-US" dirty="0"/>
               <a:t>Design Webserver – MVC (</a:t>
             </a:r>
             <a:r>
-              <a:rPr lang="en-US" dirty="0" err="1" smtClean="0"/>
+              <a:rPr lang="en-US" dirty="0" err="1"/>
               <a:t>Phaplv</a:t>
             </a:r>
             <a:r>
-              <a:rPr lang="en-US" dirty="0" smtClean="0"/>
+              <a:rPr lang="en-US" dirty="0"/>
               <a:t>)</a:t>
             </a:r>
           </a:p>
@@ -7029,7 +6972,7 @@
               <a:buFont typeface="+mj-lt"/>
               <a:buAutoNum type="arabicPeriod" startAt="2"/>
             </a:pPr>
-            <a:endParaRPr lang="en-US" dirty="0" smtClean="0"/>
+            <a:endParaRPr lang="en-US" dirty="0"/>
           </a:p>
         </p:txBody>
       </p:sp>
@@ -7043,17 +6986,7003 @@
   <p:clrMapOvr>
     <a:masterClrMapping/>
   </p:clrMapOvr>
-  <p:timing>
-    <p:tnLst>
-      <p:par>
-        <p:cTn id="1" dur="indefinite" restart="never" nodeType="tmRoot"/>
-      </p:par>
-    </p:tnLst>
-  </p:timing>
 </p:sld>
 </file>
 
 <file path=ppt/slides/slide16.xml><?xml version="1.0" encoding="utf-8"?>
+<p:sld xmlns:a="http://schemas.openxmlformats.org/drawingml/2006/main" xmlns:r="http://schemas.openxmlformats.org/officeDocument/2006/relationships" xmlns:p="http://schemas.openxmlformats.org/presentationml/2006/main">
+  <p:cSld>
+    <p:spTree>
+      <p:nvGrpSpPr>
+        <p:cNvPr id="1" name=""/>
+        <p:cNvGrpSpPr/>
+        <p:nvPr/>
+      </p:nvGrpSpPr>
+      <p:grpSpPr>
+        <a:xfrm>
+          <a:off x="0" y="0"/>
+          <a:ext cx="0" cy="0"/>
+          <a:chOff x="0" y="0"/>
+          <a:chExt cx="0" cy="0"/>
+        </a:xfrm>
+      </p:grpSpPr>
+      <p:graphicFrame>
+        <p:nvGraphicFramePr>
+          <p:cNvPr id="3" name="Table 2"/>
+          <p:cNvGraphicFramePr>
+            <a:graphicFrameLocks noGrp="1"/>
+          </p:cNvGraphicFramePr>
+          <p:nvPr>
+            <p:extLst>
+              <p:ext uri="{D42A27DB-BD31-4B8C-83A1-F6EECF244321}">
+                <p14:modId xmlns:p14="http://schemas.microsoft.com/office/powerpoint/2010/main" val="2687761114"/>
+              </p:ext>
+            </p:extLst>
+          </p:nvPr>
+        </p:nvGraphicFramePr>
+        <p:xfrm>
+          <a:off x="2039938" y="0"/>
+          <a:ext cx="5084761" cy="6857994"/>
+        </p:xfrm>
+        <a:graphic>
+          <a:graphicData uri="http://schemas.openxmlformats.org/drawingml/2006/table">
+            <a:tbl>
+              <a:tblPr>
+                <a:tableStyleId>{5C22544A-7EE6-4342-B048-85BDC9FD1C3A}</a:tableStyleId>
+              </a:tblPr>
+              <a:tblGrid>
+                <a:gridCol w="899959">
+                  <a:extLst>
+                    <a:ext uri="{9D8B030D-6E8A-4147-A177-3AD203B41FA5}">
+                      <a16:colId xmlns:a16="http://schemas.microsoft.com/office/drawing/2014/main" val="3242913182"/>
+                    </a:ext>
+                  </a:extLst>
+                </a:gridCol>
+                <a:gridCol w="593972">
+                  <a:extLst>
+                    <a:ext uri="{9D8B030D-6E8A-4147-A177-3AD203B41FA5}">
+                      <a16:colId xmlns:a16="http://schemas.microsoft.com/office/drawing/2014/main" val="2455851633"/>
+                    </a:ext>
+                  </a:extLst>
+                </a:gridCol>
+                <a:gridCol w="917957">
+                  <a:extLst>
+                    <a:ext uri="{9D8B030D-6E8A-4147-A177-3AD203B41FA5}">
+                      <a16:colId xmlns:a16="http://schemas.microsoft.com/office/drawing/2014/main" val="2636895492"/>
+                    </a:ext>
+                  </a:extLst>
+                </a:gridCol>
+                <a:gridCol w="620970">
+                  <a:extLst>
+                    <a:ext uri="{9D8B030D-6E8A-4147-A177-3AD203B41FA5}">
+                      <a16:colId xmlns:a16="http://schemas.microsoft.com/office/drawing/2014/main" val="3969962045"/>
+                    </a:ext>
+                  </a:extLst>
+                </a:gridCol>
+                <a:gridCol w="935956">
+                  <a:extLst>
+                    <a:ext uri="{9D8B030D-6E8A-4147-A177-3AD203B41FA5}">
+                      <a16:colId xmlns:a16="http://schemas.microsoft.com/office/drawing/2014/main" val="143859425"/>
+                    </a:ext>
+                  </a:extLst>
+                </a:gridCol>
+                <a:gridCol w="1115947">
+                  <a:extLst>
+                    <a:ext uri="{9D8B030D-6E8A-4147-A177-3AD203B41FA5}">
+                      <a16:colId xmlns:a16="http://schemas.microsoft.com/office/drawing/2014/main" val="2092018517"/>
+                    </a:ext>
+                  </a:extLst>
+                </a:gridCol>
+              </a:tblGrid>
+              <a:tr h="248862">
+                <a:tc>
+                  <a:txBody>
+                    <a:bodyPr/>
+                    <a:lstStyle/>
+                    <a:p>
+                      <a:pPr algn="l" fontAlgn="b"/>
+                      <a:r>
+                        <a:rPr lang="en-US" sz="500" u="none" strike="noStrike">
+                          <a:effectLst/>
+                        </a:rPr>
+                        <a:t>Plant</a:t>
+                      </a:r>
+                      <a:endParaRPr lang="en-US" sz="500" b="1" i="0" u="none" strike="noStrike">
+                        <a:solidFill>
+                          <a:srgbClr val="000000"/>
+                        </a:solidFill>
+                        <a:effectLst/>
+                        <a:latin typeface="Calibri" panose="020F0502020204030204" pitchFamily="34" charset="0"/>
+                      </a:endParaRPr>
+                    </a:p>
+                  </a:txBody>
+                  <a:tcPr marL="3624" marR="3624" marT="3624" marB="0" anchor="b"/>
+                </a:tc>
+                <a:tc>
+                  <a:txBody>
+                    <a:bodyPr/>
+                    <a:lstStyle/>
+                    <a:p>
+                      <a:pPr algn="l" fontAlgn="b"/>
+                      <a:r>
+                        <a:rPr lang="en-US" sz="500" u="none" strike="noStrike">
+                          <a:effectLst/>
+                        </a:rPr>
+                        <a:t>PH</a:t>
+                      </a:r>
+                      <a:endParaRPr lang="en-US" sz="500" b="1" i="0" u="none" strike="noStrike">
+                        <a:solidFill>
+                          <a:srgbClr val="000000"/>
+                        </a:solidFill>
+                        <a:effectLst/>
+                        <a:latin typeface="Calibri" panose="020F0502020204030204" pitchFamily="34" charset="0"/>
+                      </a:endParaRPr>
+                    </a:p>
+                  </a:txBody>
+                  <a:tcPr marL="3624" marR="3624" marT="3624" marB="0" anchor="b"/>
+                </a:tc>
+                <a:tc>
+                  <a:txBody>
+                    <a:bodyPr/>
+                    <a:lstStyle/>
+                    <a:p>
+                      <a:pPr algn="l" fontAlgn="b"/>
+                      <a:r>
+                        <a:rPr lang="en-US" sz="500" u="none" strike="noStrike">
+                          <a:effectLst/>
+                        </a:rPr>
+                        <a:t>Light</a:t>
+                      </a:r>
+                      <a:endParaRPr lang="en-US" sz="500" b="1" i="0" u="none" strike="noStrike">
+                        <a:solidFill>
+                          <a:srgbClr val="000000"/>
+                        </a:solidFill>
+                        <a:effectLst/>
+                        <a:latin typeface="Calibri" panose="020F0502020204030204" pitchFamily="34" charset="0"/>
+                      </a:endParaRPr>
+                    </a:p>
+                  </a:txBody>
+                  <a:tcPr marL="3624" marR="3624" marT="3624" marB="0" anchor="b"/>
+                </a:tc>
+                <a:tc>
+                  <a:txBody>
+                    <a:bodyPr/>
+                    <a:lstStyle/>
+                    <a:p>
+                      <a:pPr algn="l" fontAlgn="b"/>
+                      <a:r>
+                        <a:rPr lang="en-US" sz="500" u="none" strike="noStrike">
+                          <a:effectLst/>
+                        </a:rPr>
+                        <a:t>Humidity(%)</a:t>
+                      </a:r>
+                      <a:endParaRPr lang="en-US" sz="500" b="1" i="0" u="none" strike="noStrike">
+                        <a:solidFill>
+                          <a:srgbClr val="000000"/>
+                        </a:solidFill>
+                        <a:effectLst/>
+                        <a:latin typeface="Calibri" panose="020F0502020204030204" pitchFamily="34" charset="0"/>
+                      </a:endParaRPr>
+                    </a:p>
+                  </a:txBody>
+                  <a:tcPr marL="3624" marR="3624" marT="3624" marB="0" anchor="b"/>
+                </a:tc>
+                <a:tc>
+                  <a:txBody>
+                    <a:bodyPr/>
+                    <a:lstStyle/>
+                    <a:p>
+                      <a:pPr algn="l" fontAlgn="b"/>
+                      <a:r>
+                        <a:rPr lang="en-US" sz="500" u="none" strike="noStrike">
+                          <a:effectLst/>
+                        </a:rPr>
+                        <a:t>Temperature(độ C)</a:t>
+                      </a:r>
+                      <a:endParaRPr lang="en-US" sz="500" b="1" i="0" u="none" strike="noStrike">
+                        <a:solidFill>
+                          <a:srgbClr val="000000"/>
+                        </a:solidFill>
+                        <a:effectLst/>
+                        <a:latin typeface="Calibri" panose="020F0502020204030204" pitchFamily="34" charset="0"/>
+                      </a:endParaRPr>
+                    </a:p>
+                  </a:txBody>
+                  <a:tcPr marL="3624" marR="3624" marT="3624" marB="0" anchor="b"/>
+                </a:tc>
+                <a:tc>
+                  <a:txBody>
+                    <a:bodyPr/>
+                    <a:lstStyle/>
+                    <a:p>
+                      <a:pPr algn="l" fontAlgn="b"/>
+                      <a:r>
+                        <a:rPr lang="en-US" sz="500" u="none" strike="noStrike">
+                          <a:effectLst/>
+                        </a:rPr>
+                        <a:t>Temperature of soil(%)</a:t>
+                      </a:r>
+                      <a:endParaRPr lang="en-US" sz="500" b="1" i="0" u="none" strike="noStrike">
+                        <a:solidFill>
+                          <a:srgbClr val="000000"/>
+                        </a:solidFill>
+                        <a:effectLst/>
+                        <a:latin typeface="Calibri" panose="020F0502020204030204" pitchFamily="34" charset="0"/>
+                      </a:endParaRPr>
+                    </a:p>
+                  </a:txBody>
+                  <a:tcPr marL="3624" marR="3624" marT="3624" marB="0" anchor="b"/>
+                </a:tc>
+                <a:extLst>
+                  <a:ext uri="{0D108BD9-81ED-4DB2-BD59-A6C34878D82A}">
+                    <a16:rowId xmlns:a16="http://schemas.microsoft.com/office/drawing/2014/main" val="3752653741"/>
+                  </a:ext>
+                </a:extLst>
+              </a:tr>
+              <a:tr h="248862">
+                <a:tc>
+                  <a:txBody>
+                    <a:bodyPr/>
+                    <a:lstStyle/>
+                    <a:p>
+                      <a:pPr algn="l" fontAlgn="b"/>
+                      <a:r>
+                        <a:rPr lang="en-US" sz="500" u="none" strike="noStrike">
+                          <a:effectLst/>
+                        </a:rPr>
+                        <a:t>Bắp (Ngô)</a:t>
+                      </a:r>
+                      <a:endParaRPr lang="en-US" sz="500" b="0" i="0" u="none" strike="noStrike">
+                        <a:solidFill>
+                          <a:srgbClr val="FF0000"/>
+                        </a:solidFill>
+                        <a:effectLst/>
+                        <a:latin typeface="Calibri" panose="020F0502020204030204" pitchFamily="34" charset="0"/>
+                      </a:endParaRPr>
+                    </a:p>
+                  </a:txBody>
+                  <a:tcPr marL="3624" marR="3624" marT="3624" marB="0" anchor="b"/>
+                </a:tc>
+                <a:tc>
+                  <a:txBody>
+                    <a:bodyPr/>
+                    <a:lstStyle/>
+                    <a:p>
+                      <a:pPr algn="l" fontAlgn="b"/>
+                      <a:r>
+                        <a:rPr lang="en-US" sz="500" u="none" strike="noStrike">
+                          <a:effectLst/>
+                        </a:rPr>
+                        <a:t>5.7 – 7.5</a:t>
+                      </a:r>
+                      <a:endParaRPr lang="en-US" sz="500" b="0" i="0" u="none" strike="noStrike">
+                        <a:solidFill>
+                          <a:srgbClr val="FF0000"/>
+                        </a:solidFill>
+                        <a:effectLst/>
+                        <a:latin typeface="Calibri" panose="020F0502020204030204" pitchFamily="34" charset="0"/>
+                      </a:endParaRPr>
+                    </a:p>
+                  </a:txBody>
+                  <a:tcPr marL="3624" marR="3624" marT="3624" marB="0" anchor="b"/>
+                </a:tc>
+                <a:tc>
+                  <a:txBody>
+                    <a:bodyPr/>
+                    <a:lstStyle/>
+                    <a:p>
+                      <a:pPr algn="l" fontAlgn="b"/>
+                      <a:r>
+                        <a:rPr lang="en-US" sz="500" u="none" strike="noStrike">
+                          <a:effectLst/>
+                        </a:rPr>
+                        <a:t>cây sáng ngắn ngày</a:t>
+                      </a:r>
+                      <a:endParaRPr lang="en-US" sz="500" b="0" i="0" u="none" strike="noStrike">
+                        <a:solidFill>
+                          <a:srgbClr val="FF0000"/>
+                        </a:solidFill>
+                        <a:effectLst/>
+                        <a:latin typeface="Calibri" panose="020F0502020204030204" pitchFamily="34" charset="0"/>
+                      </a:endParaRPr>
+                    </a:p>
+                  </a:txBody>
+                  <a:tcPr marL="3624" marR="3624" marT="3624" marB="0" anchor="b"/>
+                </a:tc>
+                <a:tc>
+                  <a:txBody>
+                    <a:bodyPr/>
+                    <a:lstStyle/>
+                    <a:p>
+                      <a:pPr algn="r" fontAlgn="b"/>
+                      <a:r>
+                        <a:rPr lang="en-US" sz="500" u="none" strike="noStrike">
+                          <a:effectLst/>
+                        </a:rPr>
+                        <a:t>45</a:t>
+                      </a:r>
+                      <a:endParaRPr lang="en-US" sz="500" b="0" i="0" u="none" strike="noStrike">
+                        <a:solidFill>
+                          <a:srgbClr val="FF0000"/>
+                        </a:solidFill>
+                        <a:effectLst/>
+                        <a:latin typeface="Calibri" panose="020F0502020204030204" pitchFamily="34" charset="0"/>
+                      </a:endParaRPr>
+                    </a:p>
+                  </a:txBody>
+                  <a:tcPr marL="3624" marR="3624" marT="3624" marB="0" anchor="b"/>
+                </a:tc>
+                <a:tc>
+                  <a:txBody>
+                    <a:bodyPr/>
+                    <a:lstStyle/>
+                    <a:p>
+                      <a:pPr algn="l" fontAlgn="b"/>
+                      <a:r>
+                        <a:rPr lang="en-US" sz="500" u="none" strike="noStrike">
+                          <a:effectLst/>
+                        </a:rPr>
+                        <a:t>32-35</a:t>
+                      </a:r>
+                      <a:endParaRPr lang="en-US" sz="500" b="0" i="0" u="none" strike="noStrike">
+                        <a:solidFill>
+                          <a:srgbClr val="FF0000"/>
+                        </a:solidFill>
+                        <a:effectLst/>
+                        <a:latin typeface="Calibri" panose="020F0502020204030204" pitchFamily="34" charset="0"/>
+                      </a:endParaRPr>
+                    </a:p>
+                  </a:txBody>
+                  <a:tcPr marL="3624" marR="3624" marT="3624" marB="0" anchor="b"/>
+                </a:tc>
+                <a:tc>
+                  <a:txBody>
+                    <a:bodyPr/>
+                    <a:lstStyle/>
+                    <a:p>
+                      <a:pPr algn="l" fontAlgn="b"/>
+                      <a:r>
+                        <a:rPr lang="en-US" sz="500" u="none" strike="noStrike">
+                          <a:effectLst/>
+                        </a:rPr>
+                        <a:t>60-70</a:t>
+                      </a:r>
+                      <a:endParaRPr lang="en-US" sz="500" b="0" i="0" u="none" strike="noStrike">
+                        <a:solidFill>
+                          <a:srgbClr val="FF0000"/>
+                        </a:solidFill>
+                        <a:effectLst/>
+                        <a:latin typeface="Calibri" panose="020F0502020204030204" pitchFamily="34" charset="0"/>
+                      </a:endParaRPr>
+                    </a:p>
+                  </a:txBody>
+                  <a:tcPr marL="3624" marR="3624" marT="3624" marB="0" anchor="b"/>
+                </a:tc>
+                <a:extLst>
+                  <a:ext uri="{0D108BD9-81ED-4DB2-BD59-A6C34878D82A}">
+                    <a16:rowId xmlns:a16="http://schemas.microsoft.com/office/drawing/2014/main" val="3330073021"/>
+                  </a:ext>
+                </a:extLst>
+              </a:tr>
+              <a:tr h="127321">
+                <a:tc>
+                  <a:txBody>
+                    <a:bodyPr/>
+                    <a:lstStyle/>
+                    <a:p>
+                      <a:pPr algn="l" fontAlgn="b"/>
+                      <a:r>
+                        <a:rPr lang="en-US" sz="500" u="none" strike="noStrike">
+                          <a:effectLst/>
+                        </a:rPr>
+                        <a:t>Họ bầu bí</a:t>
+                      </a:r>
+                      <a:endParaRPr lang="en-US" sz="500" b="0" i="0" u="none" strike="noStrike">
+                        <a:solidFill>
+                          <a:srgbClr val="000000"/>
+                        </a:solidFill>
+                        <a:effectLst/>
+                        <a:latin typeface="Calibri" panose="020F0502020204030204" pitchFamily="34" charset="0"/>
+                      </a:endParaRPr>
+                    </a:p>
+                  </a:txBody>
+                  <a:tcPr marL="3624" marR="3624" marT="3624" marB="0" anchor="b"/>
+                </a:tc>
+                <a:tc>
+                  <a:txBody>
+                    <a:bodyPr/>
+                    <a:lstStyle/>
+                    <a:p>
+                      <a:pPr algn="l" fontAlgn="b"/>
+                      <a:r>
+                        <a:rPr lang="en-US" sz="500" u="none" strike="noStrike">
+                          <a:effectLst/>
+                        </a:rPr>
+                        <a:t>5.5 – 6.8</a:t>
+                      </a:r>
+                      <a:endParaRPr lang="en-US" sz="500" b="0" i="0" u="none" strike="noStrike">
+                        <a:solidFill>
+                          <a:srgbClr val="000000"/>
+                        </a:solidFill>
+                        <a:effectLst/>
+                        <a:latin typeface="Calibri" panose="020F0502020204030204" pitchFamily="34" charset="0"/>
+                      </a:endParaRPr>
+                    </a:p>
+                  </a:txBody>
+                  <a:tcPr marL="3624" marR="3624" marT="3624" marB="0" anchor="b"/>
+                </a:tc>
+                <a:tc>
+                  <a:txBody>
+                    <a:bodyPr/>
+                    <a:lstStyle/>
+                    <a:p>
+                      <a:pPr algn="l" fontAlgn="b"/>
+                      <a:r>
+                        <a:rPr lang="en-US" sz="500" u="none" strike="noStrike">
+                          <a:effectLst/>
+                        </a:rPr>
+                        <a:t> </a:t>
+                      </a:r>
+                      <a:endParaRPr lang="en-US" sz="500" b="0" i="0" u="none" strike="noStrike">
+                        <a:solidFill>
+                          <a:srgbClr val="000000"/>
+                        </a:solidFill>
+                        <a:effectLst/>
+                        <a:latin typeface="Calibri" panose="020F0502020204030204" pitchFamily="34" charset="0"/>
+                      </a:endParaRPr>
+                    </a:p>
+                  </a:txBody>
+                  <a:tcPr marL="3624" marR="3624" marT="3624" marB="0" anchor="b"/>
+                </a:tc>
+                <a:tc>
+                  <a:txBody>
+                    <a:bodyPr/>
+                    <a:lstStyle/>
+                    <a:p>
+                      <a:pPr algn="l" fontAlgn="b"/>
+                      <a:r>
+                        <a:rPr lang="en-US" sz="500" u="none" strike="noStrike">
+                          <a:effectLst/>
+                        </a:rPr>
+                        <a:t> </a:t>
+                      </a:r>
+                      <a:endParaRPr lang="en-US" sz="500" b="0" i="0" u="none" strike="noStrike">
+                        <a:solidFill>
+                          <a:srgbClr val="000000"/>
+                        </a:solidFill>
+                        <a:effectLst/>
+                        <a:latin typeface="Calibri" panose="020F0502020204030204" pitchFamily="34" charset="0"/>
+                      </a:endParaRPr>
+                    </a:p>
+                  </a:txBody>
+                  <a:tcPr marL="3624" marR="3624" marT="3624" marB="0" anchor="b"/>
+                </a:tc>
+                <a:tc>
+                  <a:txBody>
+                    <a:bodyPr/>
+                    <a:lstStyle/>
+                    <a:p>
+                      <a:pPr algn="l" fontAlgn="b"/>
+                      <a:r>
+                        <a:rPr lang="en-US" sz="500" u="none" strike="noStrike">
+                          <a:effectLst/>
+                        </a:rPr>
+                        <a:t> </a:t>
+                      </a:r>
+                      <a:endParaRPr lang="en-US" sz="500" b="0" i="0" u="none" strike="noStrike">
+                        <a:solidFill>
+                          <a:srgbClr val="000000"/>
+                        </a:solidFill>
+                        <a:effectLst/>
+                        <a:latin typeface="Calibri" panose="020F0502020204030204" pitchFamily="34" charset="0"/>
+                      </a:endParaRPr>
+                    </a:p>
+                  </a:txBody>
+                  <a:tcPr marL="3624" marR="3624" marT="3624" marB="0" anchor="b"/>
+                </a:tc>
+                <a:tc>
+                  <a:txBody>
+                    <a:bodyPr/>
+                    <a:lstStyle/>
+                    <a:p>
+                      <a:pPr algn="l" fontAlgn="b"/>
+                      <a:r>
+                        <a:rPr lang="en-US" sz="500" u="none" strike="noStrike">
+                          <a:effectLst/>
+                        </a:rPr>
+                        <a:t> </a:t>
+                      </a:r>
+                      <a:endParaRPr lang="en-US" sz="500" b="0" i="0" u="none" strike="noStrike">
+                        <a:solidFill>
+                          <a:srgbClr val="000000"/>
+                        </a:solidFill>
+                        <a:effectLst/>
+                        <a:latin typeface="Calibri" panose="020F0502020204030204" pitchFamily="34" charset="0"/>
+                      </a:endParaRPr>
+                    </a:p>
+                  </a:txBody>
+                  <a:tcPr marL="3624" marR="3624" marT="3624" marB="0" anchor="b"/>
+                </a:tc>
+                <a:extLst>
+                  <a:ext uri="{0D108BD9-81ED-4DB2-BD59-A6C34878D82A}">
+                    <a16:rowId xmlns:a16="http://schemas.microsoft.com/office/drawing/2014/main" val="3387283523"/>
+                  </a:ext>
+                </a:extLst>
+              </a:tr>
+              <a:tr h="127321">
+                <a:tc>
+                  <a:txBody>
+                    <a:bodyPr/>
+                    <a:lstStyle/>
+                    <a:p>
+                      <a:pPr algn="l" fontAlgn="b"/>
+                      <a:r>
+                        <a:rPr lang="en-US" sz="500" u="none" strike="noStrike">
+                          <a:effectLst/>
+                        </a:rPr>
+                        <a:t>Bông cải xanh</a:t>
+                      </a:r>
+                      <a:endParaRPr lang="en-US" sz="500" b="0" i="0" u="none" strike="noStrike">
+                        <a:solidFill>
+                          <a:srgbClr val="000000"/>
+                        </a:solidFill>
+                        <a:effectLst/>
+                        <a:latin typeface="Calibri" panose="020F0502020204030204" pitchFamily="34" charset="0"/>
+                      </a:endParaRPr>
+                    </a:p>
+                  </a:txBody>
+                  <a:tcPr marL="3624" marR="3624" marT="3624" marB="0" anchor="b"/>
+                </a:tc>
+                <a:tc>
+                  <a:txBody>
+                    <a:bodyPr/>
+                    <a:lstStyle/>
+                    <a:p>
+                      <a:pPr algn="l" fontAlgn="b"/>
+                      <a:r>
+                        <a:rPr lang="en-US" sz="500" u="none" strike="noStrike">
+                          <a:effectLst/>
+                        </a:rPr>
+                        <a:t>6.0 – 6.5</a:t>
+                      </a:r>
+                      <a:endParaRPr lang="en-US" sz="500" b="0" i="0" u="none" strike="noStrike">
+                        <a:solidFill>
+                          <a:srgbClr val="000000"/>
+                        </a:solidFill>
+                        <a:effectLst/>
+                        <a:latin typeface="Calibri" panose="020F0502020204030204" pitchFamily="34" charset="0"/>
+                      </a:endParaRPr>
+                    </a:p>
+                  </a:txBody>
+                  <a:tcPr marL="3624" marR="3624" marT="3624" marB="0" anchor="b"/>
+                </a:tc>
+                <a:tc>
+                  <a:txBody>
+                    <a:bodyPr/>
+                    <a:lstStyle/>
+                    <a:p>
+                      <a:pPr algn="l" fontAlgn="b"/>
+                      <a:endParaRPr lang="en-US" sz="500" b="0" i="0" u="none" strike="noStrike">
+                        <a:solidFill>
+                          <a:srgbClr val="000000"/>
+                        </a:solidFill>
+                        <a:effectLst/>
+                        <a:latin typeface="Calibri" panose="020F0502020204030204" pitchFamily="34" charset="0"/>
+                      </a:endParaRPr>
+                    </a:p>
+                  </a:txBody>
+                  <a:tcPr marL="3624" marR="3624" marT="3624" marB="0" anchor="b"/>
+                </a:tc>
+                <a:tc>
+                  <a:txBody>
+                    <a:bodyPr/>
+                    <a:lstStyle/>
+                    <a:p>
+                      <a:pPr algn="l" fontAlgn="b"/>
+                      <a:endParaRPr lang="en-US" sz="500" b="0" i="0" u="none" strike="noStrike">
+                        <a:solidFill>
+                          <a:srgbClr val="000000"/>
+                        </a:solidFill>
+                        <a:effectLst/>
+                        <a:latin typeface="Calibri" panose="020F0502020204030204" pitchFamily="34" charset="0"/>
+                      </a:endParaRPr>
+                    </a:p>
+                  </a:txBody>
+                  <a:tcPr marL="3624" marR="3624" marT="3624" marB="0" anchor="b"/>
+                </a:tc>
+                <a:tc>
+                  <a:txBody>
+                    <a:bodyPr/>
+                    <a:lstStyle/>
+                    <a:p>
+                      <a:pPr algn="l" fontAlgn="b"/>
+                      <a:endParaRPr lang="en-US" sz="500" b="0" i="0" u="none" strike="noStrike">
+                        <a:solidFill>
+                          <a:srgbClr val="000000"/>
+                        </a:solidFill>
+                        <a:effectLst/>
+                        <a:latin typeface="Calibri" panose="020F0502020204030204" pitchFamily="34" charset="0"/>
+                      </a:endParaRPr>
+                    </a:p>
+                  </a:txBody>
+                  <a:tcPr marL="3624" marR="3624" marT="3624" marB="0" anchor="b"/>
+                </a:tc>
+                <a:tc>
+                  <a:txBody>
+                    <a:bodyPr/>
+                    <a:lstStyle/>
+                    <a:p>
+                      <a:pPr algn="l" fontAlgn="b"/>
+                      <a:endParaRPr lang="en-US" sz="500" b="0" i="0" u="none" strike="noStrike">
+                        <a:solidFill>
+                          <a:srgbClr val="000000"/>
+                        </a:solidFill>
+                        <a:effectLst/>
+                        <a:latin typeface="Calibri" panose="020F0502020204030204" pitchFamily="34" charset="0"/>
+                      </a:endParaRPr>
+                    </a:p>
+                  </a:txBody>
+                  <a:tcPr marL="3624" marR="3624" marT="3624" marB="0" anchor="b"/>
+                </a:tc>
+                <a:extLst>
+                  <a:ext uri="{0D108BD9-81ED-4DB2-BD59-A6C34878D82A}">
+                    <a16:rowId xmlns:a16="http://schemas.microsoft.com/office/drawing/2014/main" val="2871693167"/>
+                  </a:ext>
+                </a:extLst>
+              </a:tr>
+              <a:tr h="127321">
+                <a:tc>
+                  <a:txBody>
+                    <a:bodyPr/>
+                    <a:lstStyle/>
+                    <a:p>
+                      <a:pPr algn="l" fontAlgn="b"/>
+                      <a:r>
+                        <a:rPr lang="en-US" sz="500" u="none" strike="noStrike">
+                          <a:effectLst/>
+                        </a:rPr>
+                        <a:t>Cà chua</a:t>
+                      </a:r>
+                      <a:endParaRPr lang="en-US" sz="500" b="0" i="0" u="none" strike="noStrike">
+                        <a:solidFill>
+                          <a:srgbClr val="FF0000"/>
+                        </a:solidFill>
+                        <a:effectLst/>
+                        <a:latin typeface="Calibri" panose="020F0502020204030204" pitchFamily="34" charset="0"/>
+                      </a:endParaRPr>
+                    </a:p>
+                  </a:txBody>
+                  <a:tcPr marL="3624" marR="3624" marT="3624" marB="0" anchor="b"/>
+                </a:tc>
+                <a:tc>
+                  <a:txBody>
+                    <a:bodyPr/>
+                    <a:lstStyle/>
+                    <a:p>
+                      <a:pPr algn="l" fontAlgn="b"/>
+                      <a:r>
+                        <a:rPr lang="en-US" sz="500" u="none" strike="noStrike">
+                          <a:effectLst/>
+                        </a:rPr>
+                        <a:t>6.0 – 7.0</a:t>
+                      </a:r>
+                      <a:endParaRPr lang="en-US" sz="500" b="0" i="0" u="none" strike="noStrike">
+                        <a:solidFill>
+                          <a:srgbClr val="FF0000"/>
+                        </a:solidFill>
+                        <a:effectLst/>
+                        <a:latin typeface="Calibri" panose="020F0502020204030204" pitchFamily="34" charset="0"/>
+                      </a:endParaRPr>
+                    </a:p>
+                  </a:txBody>
+                  <a:tcPr marL="3624" marR="3624" marT="3624" marB="0" anchor="b"/>
+                </a:tc>
+                <a:tc>
+                  <a:txBody>
+                    <a:bodyPr/>
+                    <a:lstStyle/>
+                    <a:p>
+                      <a:pPr algn="l" fontAlgn="b"/>
+                      <a:r>
+                        <a:rPr lang="vi-VN" sz="500" u="none" strike="noStrike">
+                          <a:effectLst/>
+                        </a:rPr>
+                        <a:t>cây ưa sáng</a:t>
+                      </a:r>
+                      <a:endParaRPr lang="vi-VN" sz="500" b="0" i="0" u="none" strike="noStrike">
+                        <a:solidFill>
+                          <a:srgbClr val="FF0000"/>
+                        </a:solidFill>
+                        <a:effectLst/>
+                        <a:latin typeface="Calibri" panose="020F0502020204030204" pitchFamily="34" charset="0"/>
+                      </a:endParaRPr>
+                    </a:p>
+                  </a:txBody>
+                  <a:tcPr marL="3624" marR="3624" marT="3624" marB="0" anchor="b"/>
+                </a:tc>
+                <a:tc>
+                  <a:txBody>
+                    <a:bodyPr/>
+                    <a:lstStyle/>
+                    <a:p>
+                      <a:pPr algn="l" fontAlgn="b"/>
+                      <a:r>
+                        <a:rPr lang="en-US" sz="500" u="none" strike="noStrike">
+                          <a:effectLst/>
+                        </a:rPr>
+                        <a:t>40-60</a:t>
+                      </a:r>
+                      <a:endParaRPr lang="en-US" sz="500" b="0" i="0" u="none" strike="noStrike">
+                        <a:solidFill>
+                          <a:srgbClr val="FF0000"/>
+                        </a:solidFill>
+                        <a:effectLst/>
+                        <a:latin typeface="Calibri" panose="020F0502020204030204" pitchFamily="34" charset="0"/>
+                      </a:endParaRPr>
+                    </a:p>
+                  </a:txBody>
+                  <a:tcPr marL="3624" marR="3624" marT="3624" marB="0" anchor="b"/>
+                </a:tc>
+                <a:tc>
+                  <a:txBody>
+                    <a:bodyPr/>
+                    <a:lstStyle/>
+                    <a:p>
+                      <a:pPr algn="l" fontAlgn="b"/>
+                      <a:r>
+                        <a:rPr lang="en-US" sz="500" u="none" strike="noStrike">
+                          <a:effectLst/>
+                        </a:rPr>
+                        <a:t>21-24</a:t>
+                      </a:r>
+                      <a:endParaRPr lang="en-US" sz="500" b="0" i="0" u="none" strike="noStrike">
+                        <a:solidFill>
+                          <a:srgbClr val="FF0000"/>
+                        </a:solidFill>
+                        <a:effectLst/>
+                        <a:latin typeface="Calibri" panose="020F0502020204030204" pitchFamily="34" charset="0"/>
+                      </a:endParaRPr>
+                    </a:p>
+                  </a:txBody>
+                  <a:tcPr marL="3624" marR="3624" marT="3624" marB="0" anchor="b"/>
+                </a:tc>
+                <a:tc>
+                  <a:txBody>
+                    <a:bodyPr/>
+                    <a:lstStyle/>
+                    <a:p>
+                      <a:pPr algn="l" fontAlgn="b"/>
+                      <a:r>
+                        <a:rPr lang="en-US" sz="500" u="none" strike="noStrike">
+                          <a:effectLst/>
+                        </a:rPr>
+                        <a:t> </a:t>
+                      </a:r>
+                      <a:endParaRPr lang="en-US" sz="500" b="0" i="0" u="none" strike="noStrike">
+                        <a:solidFill>
+                          <a:srgbClr val="FF0000"/>
+                        </a:solidFill>
+                        <a:effectLst/>
+                        <a:latin typeface="Calibri" panose="020F0502020204030204" pitchFamily="34" charset="0"/>
+                      </a:endParaRPr>
+                    </a:p>
+                  </a:txBody>
+                  <a:tcPr marL="3624" marR="3624" marT="3624" marB="0" anchor="b"/>
+                </a:tc>
+                <a:extLst>
+                  <a:ext uri="{0D108BD9-81ED-4DB2-BD59-A6C34878D82A}">
+                    <a16:rowId xmlns:a16="http://schemas.microsoft.com/office/drawing/2014/main" val="209194766"/>
+                  </a:ext>
+                </a:extLst>
+              </a:tr>
+              <a:tr h="127321">
+                <a:tc>
+                  <a:txBody>
+                    <a:bodyPr/>
+                    <a:lstStyle/>
+                    <a:p>
+                      <a:pPr algn="l" fontAlgn="b"/>
+                      <a:r>
+                        <a:rPr lang="en-US" sz="500" u="none" strike="noStrike">
+                          <a:effectLst/>
+                        </a:rPr>
+                        <a:t>Cà phê</a:t>
+                      </a:r>
+                      <a:endParaRPr lang="en-US" sz="500" b="0" i="0" u="none" strike="noStrike">
+                        <a:solidFill>
+                          <a:srgbClr val="FF0000"/>
+                        </a:solidFill>
+                        <a:effectLst/>
+                        <a:latin typeface="Calibri" panose="020F0502020204030204" pitchFamily="34" charset="0"/>
+                      </a:endParaRPr>
+                    </a:p>
+                  </a:txBody>
+                  <a:tcPr marL="3624" marR="3624" marT="3624" marB="0" anchor="b"/>
+                </a:tc>
+                <a:tc>
+                  <a:txBody>
+                    <a:bodyPr/>
+                    <a:lstStyle/>
+                    <a:p>
+                      <a:pPr algn="l" fontAlgn="b"/>
+                      <a:r>
+                        <a:rPr lang="en-US" sz="500" u="none" strike="noStrike">
+                          <a:effectLst/>
+                        </a:rPr>
+                        <a:t>6.0 – 6.5</a:t>
+                      </a:r>
+                      <a:endParaRPr lang="en-US" sz="500" b="0" i="0" u="none" strike="noStrike">
+                        <a:solidFill>
+                          <a:srgbClr val="FF0000"/>
+                        </a:solidFill>
+                        <a:effectLst/>
+                        <a:latin typeface="Calibri" panose="020F0502020204030204" pitchFamily="34" charset="0"/>
+                      </a:endParaRPr>
+                    </a:p>
+                  </a:txBody>
+                  <a:tcPr marL="3624" marR="3624" marT="3624" marB="0" anchor="b"/>
+                </a:tc>
+                <a:tc>
+                  <a:txBody>
+                    <a:bodyPr/>
+                    <a:lstStyle/>
+                    <a:p>
+                      <a:pPr algn="l" fontAlgn="b"/>
+                      <a:r>
+                        <a:rPr lang="en-US" sz="500" u="none" strike="noStrike">
+                          <a:effectLst/>
+                        </a:rPr>
+                        <a:t>thích as tán xạ</a:t>
+                      </a:r>
+                      <a:endParaRPr lang="en-US" sz="500" b="0" i="0" u="none" strike="noStrike">
+                        <a:solidFill>
+                          <a:srgbClr val="FF0000"/>
+                        </a:solidFill>
+                        <a:effectLst/>
+                        <a:latin typeface="Calibri" panose="020F0502020204030204" pitchFamily="34" charset="0"/>
+                      </a:endParaRPr>
+                    </a:p>
+                  </a:txBody>
+                  <a:tcPr marL="3624" marR="3624" marT="3624" marB="0" anchor="b"/>
+                </a:tc>
+                <a:tc>
+                  <a:txBody>
+                    <a:bodyPr/>
+                    <a:lstStyle/>
+                    <a:p>
+                      <a:pPr algn="l" fontAlgn="b"/>
+                      <a:r>
+                        <a:rPr lang="en-US" sz="500" u="none" strike="noStrike">
+                          <a:effectLst/>
+                        </a:rPr>
+                        <a:t>&gt;70</a:t>
+                      </a:r>
+                      <a:endParaRPr lang="en-US" sz="500" b="0" i="0" u="none" strike="noStrike">
+                        <a:solidFill>
+                          <a:srgbClr val="FF0000"/>
+                        </a:solidFill>
+                        <a:effectLst/>
+                        <a:latin typeface="Calibri" panose="020F0502020204030204" pitchFamily="34" charset="0"/>
+                      </a:endParaRPr>
+                    </a:p>
+                  </a:txBody>
+                  <a:tcPr marL="3624" marR="3624" marT="3624" marB="0" anchor="b"/>
+                </a:tc>
+                <a:tc>
+                  <a:txBody>
+                    <a:bodyPr/>
+                    <a:lstStyle/>
+                    <a:p>
+                      <a:pPr algn="l" fontAlgn="b"/>
+                      <a:r>
+                        <a:rPr lang="en-US" sz="500" u="none" strike="noStrike">
+                          <a:effectLst/>
+                        </a:rPr>
+                        <a:t>20-22</a:t>
+                      </a:r>
+                      <a:endParaRPr lang="en-US" sz="500" b="0" i="0" u="none" strike="noStrike">
+                        <a:solidFill>
+                          <a:srgbClr val="FF0000"/>
+                        </a:solidFill>
+                        <a:effectLst/>
+                        <a:latin typeface="Calibri" panose="020F0502020204030204" pitchFamily="34" charset="0"/>
+                      </a:endParaRPr>
+                    </a:p>
+                  </a:txBody>
+                  <a:tcPr marL="3624" marR="3624" marT="3624" marB="0" anchor="b"/>
+                </a:tc>
+                <a:tc>
+                  <a:txBody>
+                    <a:bodyPr/>
+                    <a:lstStyle/>
+                    <a:p>
+                      <a:pPr algn="l" fontAlgn="b"/>
+                      <a:endParaRPr lang="en-US" sz="500" b="0" i="0" u="none" strike="noStrike">
+                        <a:solidFill>
+                          <a:srgbClr val="FF0000"/>
+                        </a:solidFill>
+                        <a:effectLst/>
+                        <a:latin typeface="Calibri" panose="020F0502020204030204" pitchFamily="34" charset="0"/>
+                      </a:endParaRPr>
+                    </a:p>
+                  </a:txBody>
+                  <a:tcPr marL="3624" marR="3624" marT="3624" marB="0" anchor="b"/>
+                </a:tc>
+                <a:extLst>
+                  <a:ext uri="{0D108BD9-81ED-4DB2-BD59-A6C34878D82A}">
+                    <a16:rowId xmlns:a16="http://schemas.microsoft.com/office/drawing/2014/main" val="3230300942"/>
+                  </a:ext>
+                </a:extLst>
+              </a:tr>
+              <a:tr h="127321">
+                <a:tc>
+                  <a:txBody>
+                    <a:bodyPr/>
+                    <a:lstStyle/>
+                    <a:p>
+                      <a:pPr algn="l" fontAlgn="b"/>
+                      <a:r>
+                        <a:rPr lang="en-US" sz="500" u="none" strike="noStrike">
+                          <a:effectLst/>
+                        </a:rPr>
+                        <a:t>Cà rốt</a:t>
+                      </a:r>
+                      <a:endParaRPr lang="en-US" sz="500" b="0" i="0" u="none" strike="noStrike">
+                        <a:solidFill>
+                          <a:srgbClr val="000000"/>
+                        </a:solidFill>
+                        <a:effectLst/>
+                        <a:latin typeface="Calibri" panose="020F0502020204030204" pitchFamily="34" charset="0"/>
+                      </a:endParaRPr>
+                    </a:p>
+                  </a:txBody>
+                  <a:tcPr marL="3624" marR="3624" marT="3624" marB="0" anchor="b"/>
+                </a:tc>
+                <a:tc>
+                  <a:txBody>
+                    <a:bodyPr/>
+                    <a:lstStyle/>
+                    <a:p>
+                      <a:pPr algn="l" fontAlgn="b"/>
+                      <a:r>
+                        <a:rPr lang="en-US" sz="500" u="none" strike="noStrike">
+                          <a:effectLst/>
+                        </a:rPr>
+                        <a:t>5.5 – 7.0</a:t>
+                      </a:r>
+                      <a:endParaRPr lang="en-US" sz="500" b="0" i="0" u="none" strike="noStrike">
+                        <a:solidFill>
+                          <a:srgbClr val="000000"/>
+                        </a:solidFill>
+                        <a:effectLst/>
+                        <a:latin typeface="Calibri" panose="020F0502020204030204" pitchFamily="34" charset="0"/>
+                      </a:endParaRPr>
+                    </a:p>
+                  </a:txBody>
+                  <a:tcPr marL="3624" marR="3624" marT="3624" marB="0" anchor="b"/>
+                </a:tc>
+                <a:tc>
+                  <a:txBody>
+                    <a:bodyPr/>
+                    <a:lstStyle/>
+                    <a:p>
+                      <a:pPr algn="l" fontAlgn="b"/>
+                      <a:r>
+                        <a:rPr lang="en-US" sz="500" u="none" strike="noStrike">
+                          <a:effectLst/>
+                        </a:rPr>
+                        <a:t> </a:t>
+                      </a:r>
+                      <a:endParaRPr lang="en-US" sz="500" b="0" i="0" u="none" strike="noStrike">
+                        <a:solidFill>
+                          <a:srgbClr val="000000"/>
+                        </a:solidFill>
+                        <a:effectLst/>
+                        <a:latin typeface="Calibri" panose="020F0502020204030204" pitchFamily="34" charset="0"/>
+                      </a:endParaRPr>
+                    </a:p>
+                  </a:txBody>
+                  <a:tcPr marL="3624" marR="3624" marT="3624" marB="0" anchor="b"/>
+                </a:tc>
+                <a:tc>
+                  <a:txBody>
+                    <a:bodyPr/>
+                    <a:lstStyle/>
+                    <a:p>
+                      <a:pPr algn="l" fontAlgn="b"/>
+                      <a:r>
+                        <a:rPr lang="en-US" sz="500" u="none" strike="noStrike">
+                          <a:effectLst/>
+                        </a:rPr>
+                        <a:t> </a:t>
+                      </a:r>
+                      <a:endParaRPr lang="en-US" sz="500" b="0" i="0" u="none" strike="noStrike">
+                        <a:solidFill>
+                          <a:srgbClr val="000000"/>
+                        </a:solidFill>
+                        <a:effectLst/>
+                        <a:latin typeface="Calibri" panose="020F0502020204030204" pitchFamily="34" charset="0"/>
+                      </a:endParaRPr>
+                    </a:p>
+                  </a:txBody>
+                  <a:tcPr marL="3624" marR="3624" marT="3624" marB="0" anchor="b"/>
+                </a:tc>
+                <a:tc>
+                  <a:txBody>
+                    <a:bodyPr/>
+                    <a:lstStyle/>
+                    <a:p>
+                      <a:pPr algn="l" fontAlgn="b"/>
+                      <a:r>
+                        <a:rPr lang="en-US" sz="500" u="none" strike="noStrike">
+                          <a:effectLst/>
+                        </a:rPr>
+                        <a:t> </a:t>
+                      </a:r>
+                      <a:endParaRPr lang="en-US" sz="500" b="0" i="0" u="none" strike="noStrike">
+                        <a:solidFill>
+                          <a:srgbClr val="000000"/>
+                        </a:solidFill>
+                        <a:effectLst/>
+                        <a:latin typeface="Calibri" panose="020F0502020204030204" pitchFamily="34" charset="0"/>
+                      </a:endParaRPr>
+                    </a:p>
+                  </a:txBody>
+                  <a:tcPr marL="3624" marR="3624" marT="3624" marB="0" anchor="b"/>
+                </a:tc>
+                <a:tc>
+                  <a:txBody>
+                    <a:bodyPr/>
+                    <a:lstStyle/>
+                    <a:p>
+                      <a:pPr algn="l" fontAlgn="b"/>
+                      <a:r>
+                        <a:rPr lang="en-US" sz="500" u="none" strike="noStrike">
+                          <a:effectLst/>
+                        </a:rPr>
+                        <a:t> </a:t>
+                      </a:r>
+                      <a:endParaRPr lang="en-US" sz="500" b="0" i="0" u="none" strike="noStrike">
+                        <a:solidFill>
+                          <a:srgbClr val="000000"/>
+                        </a:solidFill>
+                        <a:effectLst/>
+                        <a:latin typeface="Calibri" panose="020F0502020204030204" pitchFamily="34" charset="0"/>
+                      </a:endParaRPr>
+                    </a:p>
+                  </a:txBody>
+                  <a:tcPr marL="3624" marR="3624" marT="3624" marB="0" anchor="b"/>
+                </a:tc>
+                <a:extLst>
+                  <a:ext uri="{0D108BD9-81ED-4DB2-BD59-A6C34878D82A}">
+                    <a16:rowId xmlns:a16="http://schemas.microsoft.com/office/drawing/2014/main" val="1443060950"/>
+                  </a:ext>
+                </a:extLst>
+              </a:tr>
+              <a:tr h="127321">
+                <a:tc>
+                  <a:txBody>
+                    <a:bodyPr/>
+                    <a:lstStyle/>
+                    <a:p>
+                      <a:pPr algn="l" fontAlgn="b"/>
+                      <a:r>
+                        <a:rPr lang="en-US" sz="500" u="none" strike="noStrike">
+                          <a:effectLst/>
+                        </a:rPr>
+                        <a:t>Cà tím</a:t>
+                      </a:r>
+                      <a:endParaRPr lang="en-US" sz="500" b="0" i="0" u="none" strike="noStrike">
+                        <a:solidFill>
+                          <a:srgbClr val="000000"/>
+                        </a:solidFill>
+                        <a:effectLst/>
+                        <a:latin typeface="Calibri" panose="020F0502020204030204" pitchFamily="34" charset="0"/>
+                      </a:endParaRPr>
+                    </a:p>
+                  </a:txBody>
+                  <a:tcPr marL="3624" marR="3624" marT="3624" marB="0" anchor="b"/>
+                </a:tc>
+                <a:tc>
+                  <a:txBody>
+                    <a:bodyPr/>
+                    <a:lstStyle/>
+                    <a:p>
+                      <a:pPr algn="l" fontAlgn="b"/>
+                      <a:r>
+                        <a:rPr lang="en-US" sz="500" u="none" strike="noStrike">
+                          <a:effectLst/>
+                        </a:rPr>
+                        <a:t>6.0 – 7.0</a:t>
+                      </a:r>
+                      <a:endParaRPr lang="en-US" sz="500" b="0" i="0" u="none" strike="noStrike">
+                        <a:solidFill>
+                          <a:srgbClr val="000000"/>
+                        </a:solidFill>
+                        <a:effectLst/>
+                        <a:latin typeface="Calibri" panose="020F0502020204030204" pitchFamily="34" charset="0"/>
+                      </a:endParaRPr>
+                    </a:p>
+                  </a:txBody>
+                  <a:tcPr marL="3624" marR="3624" marT="3624" marB="0" anchor="b"/>
+                </a:tc>
+                <a:tc>
+                  <a:txBody>
+                    <a:bodyPr/>
+                    <a:lstStyle/>
+                    <a:p>
+                      <a:pPr algn="l" fontAlgn="b"/>
+                      <a:endParaRPr lang="en-US" sz="500" b="0" i="0" u="none" strike="noStrike">
+                        <a:solidFill>
+                          <a:srgbClr val="000000"/>
+                        </a:solidFill>
+                        <a:effectLst/>
+                        <a:latin typeface="Calibri" panose="020F0502020204030204" pitchFamily="34" charset="0"/>
+                      </a:endParaRPr>
+                    </a:p>
+                  </a:txBody>
+                  <a:tcPr marL="3624" marR="3624" marT="3624" marB="0" anchor="b"/>
+                </a:tc>
+                <a:tc>
+                  <a:txBody>
+                    <a:bodyPr/>
+                    <a:lstStyle/>
+                    <a:p>
+                      <a:pPr algn="l" fontAlgn="b"/>
+                      <a:endParaRPr lang="en-US" sz="500" b="0" i="0" u="none" strike="noStrike">
+                        <a:solidFill>
+                          <a:srgbClr val="000000"/>
+                        </a:solidFill>
+                        <a:effectLst/>
+                        <a:latin typeface="Calibri" panose="020F0502020204030204" pitchFamily="34" charset="0"/>
+                      </a:endParaRPr>
+                    </a:p>
+                  </a:txBody>
+                  <a:tcPr marL="3624" marR="3624" marT="3624" marB="0" anchor="b"/>
+                </a:tc>
+                <a:tc>
+                  <a:txBody>
+                    <a:bodyPr/>
+                    <a:lstStyle/>
+                    <a:p>
+                      <a:pPr algn="l" fontAlgn="b"/>
+                      <a:endParaRPr lang="en-US" sz="500" b="0" i="0" u="none" strike="noStrike">
+                        <a:solidFill>
+                          <a:srgbClr val="000000"/>
+                        </a:solidFill>
+                        <a:effectLst/>
+                        <a:latin typeface="Calibri" panose="020F0502020204030204" pitchFamily="34" charset="0"/>
+                      </a:endParaRPr>
+                    </a:p>
+                  </a:txBody>
+                  <a:tcPr marL="3624" marR="3624" marT="3624" marB="0" anchor="b"/>
+                </a:tc>
+                <a:tc>
+                  <a:txBody>
+                    <a:bodyPr/>
+                    <a:lstStyle/>
+                    <a:p>
+                      <a:pPr algn="l" fontAlgn="b"/>
+                      <a:endParaRPr lang="en-US" sz="500" b="0" i="0" u="none" strike="noStrike">
+                        <a:solidFill>
+                          <a:srgbClr val="000000"/>
+                        </a:solidFill>
+                        <a:effectLst/>
+                        <a:latin typeface="Calibri" panose="020F0502020204030204" pitchFamily="34" charset="0"/>
+                      </a:endParaRPr>
+                    </a:p>
+                  </a:txBody>
+                  <a:tcPr marL="3624" marR="3624" marT="3624" marB="0" anchor="b"/>
+                </a:tc>
+                <a:extLst>
+                  <a:ext uri="{0D108BD9-81ED-4DB2-BD59-A6C34878D82A}">
+                    <a16:rowId xmlns:a16="http://schemas.microsoft.com/office/drawing/2014/main" val="541752645"/>
+                  </a:ext>
+                </a:extLst>
+              </a:tr>
+              <a:tr h="127321">
+                <a:tc>
+                  <a:txBody>
+                    <a:bodyPr/>
+                    <a:lstStyle/>
+                    <a:p>
+                      <a:pPr algn="l" fontAlgn="b"/>
+                      <a:r>
+                        <a:rPr lang="en-US" sz="500" u="none" strike="noStrike">
+                          <a:effectLst/>
+                        </a:rPr>
+                        <a:t>Cải bắp</a:t>
+                      </a:r>
+                      <a:endParaRPr lang="en-US" sz="500" b="0" i="0" u="none" strike="noStrike">
+                        <a:solidFill>
+                          <a:srgbClr val="000000"/>
+                        </a:solidFill>
+                        <a:effectLst/>
+                        <a:latin typeface="Calibri" panose="020F0502020204030204" pitchFamily="34" charset="0"/>
+                      </a:endParaRPr>
+                    </a:p>
+                  </a:txBody>
+                  <a:tcPr marL="3624" marR="3624" marT="3624" marB="0" anchor="b"/>
+                </a:tc>
+                <a:tc>
+                  <a:txBody>
+                    <a:bodyPr/>
+                    <a:lstStyle/>
+                    <a:p>
+                      <a:pPr algn="l" fontAlgn="b"/>
+                      <a:r>
+                        <a:rPr lang="en-US" sz="500" u="none" strike="noStrike">
+                          <a:effectLst/>
+                        </a:rPr>
+                        <a:t>6.5 – 7.0</a:t>
+                      </a:r>
+                      <a:endParaRPr lang="en-US" sz="500" b="0" i="0" u="none" strike="noStrike">
+                        <a:solidFill>
+                          <a:srgbClr val="000000"/>
+                        </a:solidFill>
+                        <a:effectLst/>
+                        <a:latin typeface="Calibri" panose="020F0502020204030204" pitchFamily="34" charset="0"/>
+                      </a:endParaRPr>
+                    </a:p>
+                  </a:txBody>
+                  <a:tcPr marL="3624" marR="3624" marT="3624" marB="0" anchor="b"/>
+                </a:tc>
+                <a:tc>
+                  <a:txBody>
+                    <a:bodyPr/>
+                    <a:lstStyle/>
+                    <a:p>
+                      <a:pPr algn="l" fontAlgn="b"/>
+                      <a:r>
+                        <a:rPr lang="en-US" sz="500" u="none" strike="noStrike">
+                          <a:effectLst/>
+                        </a:rPr>
+                        <a:t> </a:t>
+                      </a:r>
+                      <a:endParaRPr lang="en-US" sz="500" b="0" i="0" u="none" strike="noStrike">
+                        <a:solidFill>
+                          <a:srgbClr val="000000"/>
+                        </a:solidFill>
+                        <a:effectLst/>
+                        <a:latin typeface="Calibri" panose="020F0502020204030204" pitchFamily="34" charset="0"/>
+                      </a:endParaRPr>
+                    </a:p>
+                  </a:txBody>
+                  <a:tcPr marL="3624" marR="3624" marT="3624" marB="0" anchor="b"/>
+                </a:tc>
+                <a:tc>
+                  <a:txBody>
+                    <a:bodyPr/>
+                    <a:lstStyle/>
+                    <a:p>
+                      <a:pPr algn="l" fontAlgn="b"/>
+                      <a:r>
+                        <a:rPr lang="en-US" sz="500" u="none" strike="noStrike">
+                          <a:effectLst/>
+                        </a:rPr>
+                        <a:t> </a:t>
+                      </a:r>
+                      <a:endParaRPr lang="en-US" sz="500" b="0" i="0" u="none" strike="noStrike">
+                        <a:solidFill>
+                          <a:srgbClr val="000000"/>
+                        </a:solidFill>
+                        <a:effectLst/>
+                        <a:latin typeface="Calibri" panose="020F0502020204030204" pitchFamily="34" charset="0"/>
+                      </a:endParaRPr>
+                    </a:p>
+                  </a:txBody>
+                  <a:tcPr marL="3624" marR="3624" marT="3624" marB="0" anchor="b"/>
+                </a:tc>
+                <a:tc>
+                  <a:txBody>
+                    <a:bodyPr/>
+                    <a:lstStyle/>
+                    <a:p>
+                      <a:pPr algn="l" fontAlgn="b"/>
+                      <a:r>
+                        <a:rPr lang="en-US" sz="500" u="none" strike="noStrike">
+                          <a:effectLst/>
+                        </a:rPr>
+                        <a:t> </a:t>
+                      </a:r>
+                      <a:endParaRPr lang="en-US" sz="500" b="0" i="0" u="none" strike="noStrike">
+                        <a:solidFill>
+                          <a:srgbClr val="000000"/>
+                        </a:solidFill>
+                        <a:effectLst/>
+                        <a:latin typeface="Calibri" panose="020F0502020204030204" pitchFamily="34" charset="0"/>
+                      </a:endParaRPr>
+                    </a:p>
+                  </a:txBody>
+                  <a:tcPr marL="3624" marR="3624" marT="3624" marB="0" anchor="b"/>
+                </a:tc>
+                <a:tc>
+                  <a:txBody>
+                    <a:bodyPr/>
+                    <a:lstStyle/>
+                    <a:p>
+                      <a:pPr algn="l" fontAlgn="b"/>
+                      <a:r>
+                        <a:rPr lang="en-US" sz="500" u="none" strike="noStrike">
+                          <a:effectLst/>
+                        </a:rPr>
+                        <a:t> </a:t>
+                      </a:r>
+                      <a:endParaRPr lang="en-US" sz="500" b="0" i="0" u="none" strike="noStrike">
+                        <a:solidFill>
+                          <a:srgbClr val="000000"/>
+                        </a:solidFill>
+                        <a:effectLst/>
+                        <a:latin typeface="Calibri" panose="020F0502020204030204" pitchFamily="34" charset="0"/>
+                      </a:endParaRPr>
+                    </a:p>
+                  </a:txBody>
+                  <a:tcPr marL="3624" marR="3624" marT="3624" marB="0" anchor="b"/>
+                </a:tc>
+                <a:extLst>
+                  <a:ext uri="{0D108BD9-81ED-4DB2-BD59-A6C34878D82A}">
+                    <a16:rowId xmlns:a16="http://schemas.microsoft.com/office/drawing/2014/main" val="2918214855"/>
+                  </a:ext>
+                </a:extLst>
+              </a:tr>
+              <a:tr h="127321">
+                <a:tc>
+                  <a:txBody>
+                    <a:bodyPr/>
+                    <a:lstStyle/>
+                    <a:p>
+                      <a:pPr algn="l" fontAlgn="b"/>
+                      <a:r>
+                        <a:rPr lang="en-US" sz="500" u="none" strike="noStrike">
+                          <a:effectLst/>
+                        </a:rPr>
+                        <a:t>Củ cải</a:t>
+                      </a:r>
+                      <a:endParaRPr lang="en-US" sz="500" b="0" i="0" u="none" strike="noStrike">
+                        <a:solidFill>
+                          <a:srgbClr val="000000"/>
+                        </a:solidFill>
+                        <a:effectLst/>
+                        <a:latin typeface="Calibri" panose="020F0502020204030204" pitchFamily="34" charset="0"/>
+                      </a:endParaRPr>
+                    </a:p>
+                  </a:txBody>
+                  <a:tcPr marL="3624" marR="3624" marT="3624" marB="0" anchor="b"/>
+                </a:tc>
+                <a:tc>
+                  <a:txBody>
+                    <a:bodyPr/>
+                    <a:lstStyle/>
+                    <a:p>
+                      <a:pPr algn="l" fontAlgn="b"/>
+                      <a:r>
+                        <a:rPr lang="en-US" sz="500" u="none" strike="noStrike">
+                          <a:effectLst/>
+                        </a:rPr>
+                        <a:t>5.8 – 6.8</a:t>
+                      </a:r>
+                      <a:endParaRPr lang="en-US" sz="500" b="0" i="0" u="none" strike="noStrike">
+                        <a:solidFill>
+                          <a:srgbClr val="000000"/>
+                        </a:solidFill>
+                        <a:effectLst/>
+                        <a:latin typeface="Calibri" panose="020F0502020204030204" pitchFamily="34" charset="0"/>
+                      </a:endParaRPr>
+                    </a:p>
+                  </a:txBody>
+                  <a:tcPr marL="3624" marR="3624" marT="3624" marB="0" anchor="b"/>
+                </a:tc>
+                <a:tc>
+                  <a:txBody>
+                    <a:bodyPr/>
+                    <a:lstStyle/>
+                    <a:p>
+                      <a:pPr algn="l" fontAlgn="b"/>
+                      <a:endParaRPr lang="en-US" sz="500" b="0" i="0" u="none" strike="noStrike">
+                        <a:solidFill>
+                          <a:srgbClr val="000000"/>
+                        </a:solidFill>
+                        <a:effectLst/>
+                        <a:latin typeface="Calibri" panose="020F0502020204030204" pitchFamily="34" charset="0"/>
+                      </a:endParaRPr>
+                    </a:p>
+                  </a:txBody>
+                  <a:tcPr marL="3624" marR="3624" marT="3624" marB="0" anchor="b"/>
+                </a:tc>
+                <a:tc>
+                  <a:txBody>
+                    <a:bodyPr/>
+                    <a:lstStyle/>
+                    <a:p>
+                      <a:pPr algn="l" fontAlgn="b"/>
+                      <a:endParaRPr lang="en-US" sz="500" b="0" i="0" u="none" strike="noStrike">
+                        <a:solidFill>
+                          <a:srgbClr val="000000"/>
+                        </a:solidFill>
+                        <a:effectLst/>
+                        <a:latin typeface="Calibri" panose="020F0502020204030204" pitchFamily="34" charset="0"/>
+                      </a:endParaRPr>
+                    </a:p>
+                  </a:txBody>
+                  <a:tcPr marL="3624" marR="3624" marT="3624" marB="0" anchor="b"/>
+                </a:tc>
+                <a:tc>
+                  <a:txBody>
+                    <a:bodyPr/>
+                    <a:lstStyle/>
+                    <a:p>
+                      <a:pPr algn="l" fontAlgn="b"/>
+                      <a:endParaRPr lang="en-US" sz="500" b="0" i="0" u="none" strike="noStrike">
+                        <a:solidFill>
+                          <a:srgbClr val="000000"/>
+                        </a:solidFill>
+                        <a:effectLst/>
+                        <a:latin typeface="Calibri" panose="020F0502020204030204" pitchFamily="34" charset="0"/>
+                      </a:endParaRPr>
+                    </a:p>
+                  </a:txBody>
+                  <a:tcPr marL="3624" marR="3624" marT="3624" marB="0" anchor="b"/>
+                </a:tc>
+                <a:tc>
+                  <a:txBody>
+                    <a:bodyPr/>
+                    <a:lstStyle/>
+                    <a:p>
+                      <a:pPr algn="l" fontAlgn="b"/>
+                      <a:endParaRPr lang="en-US" sz="500" b="0" i="0" u="none" strike="noStrike">
+                        <a:solidFill>
+                          <a:srgbClr val="000000"/>
+                        </a:solidFill>
+                        <a:effectLst/>
+                        <a:latin typeface="Calibri" panose="020F0502020204030204" pitchFamily="34" charset="0"/>
+                      </a:endParaRPr>
+                    </a:p>
+                  </a:txBody>
+                  <a:tcPr marL="3624" marR="3624" marT="3624" marB="0" anchor="b"/>
+                </a:tc>
+                <a:extLst>
+                  <a:ext uri="{0D108BD9-81ED-4DB2-BD59-A6C34878D82A}">
+                    <a16:rowId xmlns:a16="http://schemas.microsoft.com/office/drawing/2014/main" val="977359255"/>
+                  </a:ext>
+                </a:extLst>
+              </a:tr>
+              <a:tr h="127321">
+                <a:tc>
+                  <a:txBody>
+                    <a:bodyPr/>
+                    <a:lstStyle/>
+                    <a:p>
+                      <a:pPr algn="l" fontAlgn="b"/>
+                      <a:r>
+                        <a:rPr lang="en-US" sz="500" u="none" strike="noStrike">
+                          <a:effectLst/>
+                        </a:rPr>
+                        <a:t>Cải thảo</a:t>
+                      </a:r>
+                      <a:endParaRPr lang="en-US" sz="500" b="0" i="0" u="none" strike="noStrike">
+                        <a:solidFill>
+                          <a:srgbClr val="000000"/>
+                        </a:solidFill>
+                        <a:effectLst/>
+                        <a:latin typeface="Calibri" panose="020F0502020204030204" pitchFamily="34" charset="0"/>
+                      </a:endParaRPr>
+                    </a:p>
+                  </a:txBody>
+                  <a:tcPr marL="3624" marR="3624" marT="3624" marB="0" anchor="b"/>
+                </a:tc>
+                <a:tc>
+                  <a:txBody>
+                    <a:bodyPr/>
+                    <a:lstStyle/>
+                    <a:p>
+                      <a:pPr algn="l" fontAlgn="b"/>
+                      <a:r>
+                        <a:rPr lang="en-US" sz="500" u="none" strike="noStrike">
+                          <a:effectLst/>
+                        </a:rPr>
+                        <a:t>6.5 – 7.0</a:t>
+                      </a:r>
+                      <a:endParaRPr lang="en-US" sz="500" b="0" i="0" u="none" strike="noStrike">
+                        <a:solidFill>
+                          <a:srgbClr val="000000"/>
+                        </a:solidFill>
+                        <a:effectLst/>
+                        <a:latin typeface="Calibri" panose="020F0502020204030204" pitchFamily="34" charset="0"/>
+                      </a:endParaRPr>
+                    </a:p>
+                  </a:txBody>
+                  <a:tcPr marL="3624" marR="3624" marT="3624" marB="0" anchor="b"/>
+                </a:tc>
+                <a:tc>
+                  <a:txBody>
+                    <a:bodyPr/>
+                    <a:lstStyle/>
+                    <a:p>
+                      <a:pPr algn="l" fontAlgn="b"/>
+                      <a:r>
+                        <a:rPr lang="en-US" sz="500" u="none" strike="noStrike">
+                          <a:effectLst/>
+                        </a:rPr>
+                        <a:t> </a:t>
+                      </a:r>
+                      <a:endParaRPr lang="en-US" sz="500" b="0" i="0" u="none" strike="noStrike">
+                        <a:solidFill>
+                          <a:srgbClr val="000000"/>
+                        </a:solidFill>
+                        <a:effectLst/>
+                        <a:latin typeface="Calibri" panose="020F0502020204030204" pitchFamily="34" charset="0"/>
+                      </a:endParaRPr>
+                    </a:p>
+                  </a:txBody>
+                  <a:tcPr marL="3624" marR="3624" marT="3624" marB="0" anchor="b"/>
+                </a:tc>
+                <a:tc>
+                  <a:txBody>
+                    <a:bodyPr/>
+                    <a:lstStyle/>
+                    <a:p>
+                      <a:pPr algn="l" fontAlgn="b"/>
+                      <a:r>
+                        <a:rPr lang="en-US" sz="500" u="none" strike="noStrike">
+                          <a:effectLst/>
+                        </a:rPr>
+                        <a:t> </a:t>
+                      </a:r>
+                      <a:endParaRPr lang="en-US" sz="500" b="0" i="0" u="none" strike="noStrike">
+                        <a:solidFill>
+                          <a:srgbClr val="000000"/>
+                        </a:solidFill>
+                        <a:effectLst/>
+                        <a:latin typeface="Calibri" panose="020F0502020204030204" pitchFamily="34" charset="0"/>
+                      </a:endParaRPr>
+                    </a:p>
+                  </a:txBody>
+                  <a:tcPr marL="3624" marR="3624" marT="3624" marB="0" anchor="b"/>
+                </a:tc>
+                <a:tc>
+                  <a:txBody>
+                    <a:bodyPr/>
+                    <a:lstStyle/>
+                    <a:p>
+                      <a:pPr algn="l" fontAlgn="b"/>
+                      <a:r>
+                        <a:rPr lang="en-US" sz="500" u="none" strike="noStrike">
+                          <a:effectLst/>
+                        </a:rPr>
+                        <a:t> </a:t>
+                      </a:r>
+                      <a:endParaRPr lang="en-US" sz="500" b="0" i="0" u="none" strike="noStrike">
+                        <a:solidFill>
+                          <a:srgbClr val="000000"/>
+                        </a:solidFill>
+                        <a:effectLst/>
+                        <a:latin typeface="Calibri" panose="020F0502020204030204" pitchFamily="34" charset="0"/>
+                      </a:endParaRPr>
+                    </a:p>
+                  </a:txBody>
+                  <a:tcPr marL="3624" marR="3624" marT="3624" marB="0" anchor="b"/>
+                </a:tc>
+                <a:tc>
+                  <a:txBody>
+                    <a:bodyPr/>
+                    <a:lstStyle/>
+                    <a:p>
+                      <a:pPr algn="l" fontAlgn="b"/>
+                      <a:r>
+                        <a:rPr lang="en-US" sz="500" u="none" strike="noStrike">
+                          <a:effectLst/>
+                        </a:rPr>
+                        <a:t> </a:t>
+                      </a:r>
+                      <a:endParaRPr lang="en-US" sz="500" b="0" i="0" u="none" strike="noStrike">
+                        <a:solidFill>
+                          <a:srgbClr val="000000"/>
+                        </a:solidFill>
+                        <a:effectLst/>
+                        <a:latin typeface="Calibri" panose="020F0502020204030204" pitchFamily="34" charset="0"/>
+                      </a:endParaRPr>
+                    </a:p>
+                  </a:txBody>
+                  <a:tcPr marL="3624" marR="3624" marT="3624" marB="0" anchor="b"/>
+                </a:tc>
+                <a:extLst>
+                  <a:ext uri="{0D108BD9-81ED-4DB2-BD59-A6C34878D82A}">
+                    <a16:rowId xmlns:a16="http://schemas.microsoft.com/office/drawing/2014/main" val="1229683918"/>
+                  </a:ext>
+                </a:extLst>
+              </a:tr>
+              <a:tr h="127321">
+                <a:tc>
+                  <a:txBody>
+                    <a:bodyPr/>
+                    <a:lstStyle/>
+                    <a:p>
+                      <a:pPr algn="l" fontAlgn="b"/>
+                      <a:r>
+                        <a:rPr lang="en-US" sz="500" u="none" strike="noStrike">
+                          <a:effectLst/>
+                        </a:rPr>
+                        <a:t>Cam quýt</a:t>
+                      </a:r>
+                      <a:endParaRPr lang="en-US" sz="500" b="0" i="0" u="none" strike="noStrike">
+                        <a:solidFill>
+                          <a:srgbClr val="000000"/>
+                        </a:solidFill>
+                        <a:effectLst/>
+                        <a:latin typeface="Calibri" panose="020F0502020204030204" pitchFamily="34" charset="0"/>
+                      </a:endParaRPr>
+                    </a:p>
+                  </a:txBody>
+                  <a:tcPr marL="3624" marR="3624" marT="3624" marB="0" anchor="b"/>
+                </a:tc>
+                <a:tc>
+                  <a:txBody>
+                    <a:bodyPr/>
+                    <a:lstStyle/>
+                    <a:p>
+                      <a:pPr algn="l" fontAlgn="b"/>
+                      <a:r>
+                        <a:rPr lang="en-US" sz="500" u="none" strike="noStrike">
+                          <a:effectLst/>
+                        </a:rPr>
+                        <a:t>5.5 -6.0</a:t>
+                      </a:r>
+                      <a:endParaRPr lang="en-US" sz="500" b="0" i="0" u="none" strike="noStrike">
+                        <a:solidFill>
+                          <a:srgbClr val="000000"/>
+                        </a:solidFill>
+                        <a:effectLst/>
+                        <a:latin typeface="Calibri" panose="020F0502020204030204" pitchFamily="34" charset="0"/>
+                      </a:endParaRPr>
+                    </a:p>
+                  </a:txBody>
+                  <a:tcPr marL="3624" marR="3624" marT="3624" marB="0" anchor="b"/>
+                </a:tc>
+                <a:tc>
+                  <a:txBody>
+                    <a:bodyPr/>
+                    <a:lstStyle/>
+                    <a:p>
+                      <a:pPr algn="l" fontAlgn="b"/>
+                      <a:endParaRPr lang="en-US" sz="500" b="0" i="0" u="none" strike="noStrike">
+                        <a:solidFill>
+                          <a:srgbClr val="000000"/>
+                        </a:solidFill>
+                        <a:effectLst/>
+                        <a:latin typeface="Calibri" panose="020F0502020204030204" pitchFamily="34" charset="0"/>
+                      </a:endParaRPr>
+                    </a:p>
+                  </a:txBody>
+                  <a:tcPr marL="3624" marR="3624" marT="3624" marB="0" anchor="b"/>
+                </a:tc>
+                <a:tc>
+                  <a:txBody>
+                    <a:bodyPr/>
+                    <a:lstStyle/>
+                    <a:p>
+                      <a:pPr algn="l" fontAlgn="b"/>
+                      <a:endParaRPr lang="en-US" sz="500" b="0" i="0" u="none" strike="noStrike">
+                        <a:solidFill>
+                          <a:srgbClr val="000000"/>
+                        </a:solidFill>
+                        <a:effectLst/>
+                        <a:latin typeface="Calibri" panose="020F0502020204030204" pitchFamily="34" charset="0"/>
+                      </a:endParaRPr>
+                    </a:p>
+                  </a:txBody>
+                  <a:tcPr marL="3624" marR="3624" marT="3624" marB="0" anchor="b"/>
+                </a:tc>
+                <a:tc>
+                  <a:txBody>
+                    <a:bodyPr/>
+                    <a:lstStyle/>
+                    <a:p>
+                      <a:pPr algn="l" fontAlgn="b"/>
+                      <a:endParaRPr lang="en-US" sz="500" b="0" i="0" u="none" strike="noStrike">
+                        <a:solidFill>
+                          <a:srgbClr val="000000"/>
+                        </a:solidFill>
+                        <a:effectLst/>
+                        <a:latin typeface="Calibri" panose="020F0502020204030204" pitchFamily="34" charset="0"/>
+                      </a:endParaRPr>
+                    </a:p>
+                  </a:txBody>
+                  <a:tcPr marL="3624" marR="3624" marT="3624" marB="0" anchor="b"/>
+                </a:tc>
+                <a:tc>
+                  <a:txBody>
+                    <a:bodyPr/>
+                    <a:lstStyle/>
+                    <a:p>
+                      <a:pPr algn="l" fontAlgn="b"/>
+                      <a:endParaRPr lang="en-US" sz="500" b="0" i="0" u="none" strike="noStrike">
+                        <a:solidFill>
+                          <a:srgbClr val="000000"/>
+                        </a:solidFill>
+                        <a:effectLst/>
+                        <a:latin typeface="Calibri" panose="020F0502020204030204" pitchFamily="34" charset="0"/>
+                      </a:endParaRPr>
+                    </a:p>
+                  </a:txBody>
+                  <a:tcPr marL="3624" marR="3624" marT="3624" marB="0" anchor="b"/>
+                </a:tc>
+                <a:extLst>
+                  <a:ext uri="{0D108BD9-81ED-4DB2-BD59-A6C34878D82A}">
+                    <a16:rowId xmlns:a16="http://schemas.microsoft.com/office/drawing/2014/main" val="3797133829"/>
+                  </a:ext>
+                </a:extLst>
+              </a:tr>
+              <a:tr h="127321">
+                <a:tc>
+                  <a:txBody>
+                    <a:bodyPr/>
+                    <a:lstStyle/>
+                    <a:p>
+                      <a:pPr algn="l" fontAlgn="b"/>
+                      <a:r>
+                        <a:rPr lang="en-US" sz="500" u="none" strike="noStrike">
+                          <a:effectLst/>
+                        </a:rPr>
+                        <a:t>Cao su</a:t>
+                      </a:r>
+                      <a:endParaRPr lang="en-US" sz="500" b="0" i="0" u="none" strike="noStrike">
+                        <a:solidFill>
+                          <a:srgbClr val="000000"/>
+                        </a:solidFill>
+                        <a:effectLst/>
+                        <a:latin typeface="Calibri" panose="020F0502020204030204" pitchFamily="34" charset="0"/>
+                      </a:endParaRPr>
+                    </a:p>
+                  </a:txBody>
+                  <a:tcPr marL="3624" marR="3624" marT="3624" marB="0" anchor="b"/>
+                </a:tc>
+                <a:tc>
+                  <a:txBody>
+                    <a:bodyPr/>
+                    <a:lstStyle/>
+                    <a:p>
+                      <a:pPr algn="l" fontAlgn="b"/>
+                      <a:r>
+                        <a:rPr lang="en-US" sz="500" u="none" strike="noStrike">
+                          <a:effectLst/>
+                        </a:rPr>
+                        <a:t>5.0 – 6.8</a:t>
+                      </a:r>
+                      <a:endParaRPr lang="en-US" sz="500" b="0" i="0" u="none" strike="noStrike">
+                        <a:solidFill>
+                          <a:srgbClr val="000000"/>
+                        </a:solidFill>
+                        <a:effectLst/>
+                        <a:latin typeface="Calibri" panose="020F0502020204030204" pitchFamily="34" charset="0"/>
+                      </a:endParaRPr>
+                    </a:p>
+                  </a:txBody>
+                  <a:tcPr marL="3624" marR="3624" marT="3624" marB="0" anchor="b"/>
+                </a:tc>
+                <a:tc>
+                  <a:txBody>
+                    <a:bodyPr/>
+                    <a:lstStyle/>
+                    <a:p>
+                      <a:pPr algn="l" fontAlgn="b"/>
+                      <a:r>
+                        <a:rPr lang="en-US" sz="500" u="none" strike="noStrike">
+                          <a:effectLst/>
+                        </a:rPr>
+                        <a:t> </a:t>
+                      </a:r>
+                      <a:endParaRPr lang="en-US" sz="500" b="0" i="0" u="none" strike="noStrike">
+                        <a:solidFill>
+                          <a:srgbClr val="000000"/>
+                        </a:solidFill>
+                        <a:effectLst/>
+                        <a:latin typeface="Calibri" panose="020F0502020204030204" pitchFamily="34" charset="0"/>
+                      </a:endParaRPr>
+                    </a:p>
+                  </a:txBody>
+                  <a:tcPr marL="3624" marR="3624" marT="3624" marB="0" anchor="b"/>
+                </a:tc>
+                <a:tc>
+                  <a:txBody>
+                    <a:bodyPr/>
+                    <a:lstStyle/>
+                    <a:p>
+                      <a:pPr algn="l" fontAlgn="b"/>
+                      <a:r>
+                        <a:rPr lang="en-US" sz="500" u="none" strike="noStrike">
+                          <a:effectLst/>
+                        </a:rPr>
+                        <a:t> </a:t>
+                      </a:r>
+                      <a:endParaRPr lang="en-US" sz="500" b="0" i="0" u="none" strike="noStrike">
+                        <a:solidFill>
+                          <a:srgbClr val="000000"/>
+                        </a:solidFill>
+                        <a:effectLst/>
+                        <a:latin typeface="Calibri" panose="020F0502020204030204" pitchFamily="34" charset="0"/>
+                      </a:endParaRPr>
+                    </a:p>
+                  </a:txBody>
+                  <a:tcPr marL="3624" marR="3624" marT="3624" marB="0" anchor="b"/>
+                </a:tc>
+                <a:tc>
+                  <a:txBody>
+                    <a:bodyPr/>
+                    <a:lstStyle/>
+                    <a:p>
+                      <a:pPr algn="l" fontAlgn="b"/>
+                      <a:r>
+                        <a:rPr lang="en-US" sz="500" u="none" strike="noStrike">
+                          <a:effectLst/>
+                        </a:rPr>
+                        <a:t> </a:t>
+                      </a:r>
+                      <a:endParaRPr lang="en-US" sz="500" b="0" i="0" u="none" strike="noStrike">
+                        <a:solidFill>
+                          <a:srgbClr val="000000"/>
+                        </a:solidFill>
+                        <a:effectLst/>
+                        <a:latin typeface="Calibri" panose="020F0502020204030204" pitchFamily="34" charset="0"/>
+                      </a:endParaRPr>
+                    </a:p>
+                  </a:txBody>
+                  <a:tcPr marL="3624" marR="3624" marT="3624" marB="0" anchor="b"/>
+                </a:tc>
+                <a:tc>
+                  <a:txBody>
+                    <a:bodyPr/>
+                    <a:lstStyle/>
+                    <a:p>
+                      <a:pPr algn="l" fontAlgn="b"/>
+                      <a:r>
+                        <a:rPr lang="en-US" sz="500" u="none" strike="noStrike">
+                          <a:effectLst/>
+                        </a:rPr>
+                        <a:t> </a:t>
+                      </a:r>
+                      <a:endParaRPr lang="en-US" sz="500" b="0" i="0" u="none" strike="noStrike">
+                        <a:solidFill>
+                          <a:srgbClr val="000000"/>
+                        </a:solidFill>
+                        <a:effectLst/>
+                        <a:latin typeface="Calibri" panose="020F0502020204030204" pitchFamily="34" charset="0"/>
+                      </a:endParaRPr>
+                    </a:p>
+                  </a:txBody>
+                  <a:tcPr marL="3624" marR="3624" marT="3624" marB="0" anchor="b"/>
+                </a:tc>
+                <a:extLst>
+                  <a:ext uri="{0D108BD9-81ED-4DB2-BD59-A6C34878D82A}">
+                    <a16:rowId xmlns:a16="http://schemas.microsoft.com/office/drawing/2014/main" val="3100586634"/>
+                  </a:ext>
+                </a:extLst>
+              </a:tr>
+              <a:tr h="127321">
+                <a:tc>
+                  <a:txBody>
+                    <a:bodyPr/>
+                    <a:lstStyle/>
+                    <a:p>
+                      <a:pPr algn="l" fontAlgn="b"/>
+                      <a:r>
+                        <a:rPr lang="vi-VN" sz="500" u="none" strike="noStrike">
+                          <a:effectLst/>
+                        </a:rPr>
+                        <a:t>Cát tường</a:t>
+                      </a:r>
+                      <a:endParaRPr lang="vi-VN" sz="500" b="0" i="0" u="none" strike="noStrike">
+                        <a:solidFill>
+                          <a:srgbClr val="000000"/>
+                        </a:solidFill>
+                        <a:effectLst/>
+                        <a:latin typeface="Calibri" panose="020F0502020204030204" pitchFamily="34" charset="0"/>
+                      </a:endParaRPr>
+                    </a:p>
+                  </a:txBody>
+                  <a:tcPr marL="3624" marR="3624" marT="3624" marB="0" anchor="b"/>
+                </a:tc>
+                <a:tc>
+                  <a:txBody>
+                    <a:bodyPr/>
+                    <a:lstStyle/>
+                    <a:p>
+                      <a:pPr algn="l" fontAlgn="b"/>
+                      <a:r>
+                        <a:rPr lang="en-US" sz="500" u="none" strike="noStrike">
+                          <a:effectLst/>
+                        </a:rPr>
+                        <a:t>5.5 – 7.5</a:t>
+                      </a:r>
+                      <a:endParaRPr lang="en-US" sz="500" b="0" i="0" u="none" strike="noStrike">
+                        <a:solidFill>
+                          <a:srgbClr val="000000"/>
+                        </a:solidFill>
+                        <a:effectLst/>
+                        <a:latin typeface="Calibri" panose="020F0502020204030204" pitchFamily="34" charset="0"/>
+                      </a:endParaRPr>
+                    </a:p>
+                  </a:txBody>
+                  <a:tcPr marL="3624" marR="3624" marT="3624" marB="0" anchor="b"/>
+                </a:tc>
+                <a:tc>
+                  <a:txBody>
+                    <a:bodyPr/>
+                    <a:lstStyle/>
+                    <a:p>
+                      <a:pPr algn="l" fontAlgn="b"/>
+                      <a:endParaRPr lang="en-US" sz="500" b="0" i="0" u="none" strike="noStrike">
+                        <a:solidFill>
+                          <a:srgbClr val="000000"/>
+                        </a:solidFill>
+                        <a:effectLst/>
+                        <a:latin typeface="Calibri" panose="020F0502020204030204" pitchFamily="34" charset="0"/>
+                      </a:endParaRPr>
+                    </a:p>
+                  </a:txBody>
+                  <a:tcPr marL="3624" marR="3624" marT="3624" marB="0" anchor="b"/>
+                </a:tc>
+                <a:tc>
+                  <a:txBody>
+                    <a:bodyPr/>
+                    <a:lstStyle/>
+                    <a:p>
+                      <a:pPr algn="l" fontAlgn="b"/>
+                      <a:endParaRPr lang="en-US" sz="500" b="0" i="0" u="none" strike="noStrike">
+                        <a:solidFill>
+                          <a:srgbClr val="000000"/>
+                        </a:solidFill>
+                        <a:effectLst/>
+                        <a:latin typeface="Calibri" panose="020F0502020204030204" pitchFamily="34" charset="0"/>
+                      </a:endParaRPr>
+                    </a:p>
+                  </a:txBody>
+                  <a:tcPr marL="3624" marR="3624" marT="3624" marB="0" anchor="b"/>
+                </a:tc>
+                <a:tc>
+                  <a:txBody>
+                    <a:bodyPr/>
+                    <a:lstStyle/>
+                    <a:p>
+                      <a:pPr algn="l" fontAlgn="b"/>
+                      <a:endParaRPr lang="en-US" sz="500" b="0" i="0" u="none" strike="noStrike">
+                        <a:solidFill>
+                          <a:srgbClr val="000000"/>
+                        </a:solidFill>
+                        <a:effectLst/>
+                        <a:latin typeface="Calibri" panose="020F0502020204030204" pitchFamily="34" charset="0"/>
+                      </a:endParaRPr>
+                    </a:p>
+                  </a:txBody>
+                  <a:tcPr marL="3624" marR="3624" marT="3624" marB="0" anchor="b"/>
+                </a:tc>
+                <a:tc>
+                  <a:txBody>
+                    <a:bodyPr/>
+                    <a:lstStyle/>
+                    <a:p>
+                      <a:pPr algn="l" fontAlgn="b"/>
+                      <a:endParaRPr lang="en-US" sz="500" b="0" i="0" u="none" strike="noStrike">
+                        <a:solidFill>
+                          <a:srgbClr val="000000"/>
+                        </a:solidFill>
+                        <a:effectLst/>
+                        <a:latin typeface="Calibri" panose="020F0502020204030204" pitchFamily="34" charset="0"/>
+                      </a:endParaRPr>
+                    </a:p>
+                  </a:txBody>
+                  <a:tcPr marL="3624" marR="3624" marT="3624" marB="0" anchor="b"/>
+                </a:tc>
+                <a:extLst>
+                  <a:ext uri="{0D108BD9-81ED-4DB2-BD59-A6C34878D82A}">
+                    <a16:rowId xmlns:a16="http://schemas.microsoft.com/office/drawing/2014/main" val="2620988028"/>
+                  </a:ext>
+                </a:extLst>
+              </a:tr>
+              <a:tr h="127321">
+                <a:tc>
+                  <a:txBody>
+                    <a:bodyPr/>
+                    <a:lstStyle/>
+                    <a:p>
+                      <a:pPr algn="l" fontAlgn="b"/>
+                      <a:r>
+                        <a:rPr lang="vi-VN" sz="500" u="none" strike="noStrike">
+                          <a:effectLst/>
+                        </a:rPr>
+                        <a:t>Cẩm chướng</a:t>
+                      </a:r>
+                      <a:endParaRPr lang="vi-VN" sz="500" b="0" i="0" u="none" strike="noStrike">
+                        <a:solidFill>
+                          <a:srgbClr val="000000"/>
+                        </a:solidFill>
+                        <a:effectLst/>
+                        <a:latin typeface="Calibri" panose="020F0502020204030204" pitchFamily="34" charset="0"/>
+                      </a:endParaRPr>
+                    </a:p>
+                  </a:txBody>
+                  <a:tcPr marL="3624" marR="3624" marT="3624" marB="0" anchor="b"/>
+                </a:tc>
+                <a:tc>
+                  <a:txBody>
+                    <a:bodyPr/>
+                    <a:lstStyle/>
+                    <a:p>
+                      <a:pPr algn="l" fontAlgn="b"/>
+                      <a:r>
+                        <a:rPr lang="en-US" sz="500" u="none" strike="noStrike">
+                          <a:effectLst/>
+                        </a:rPr>
+                        <a:t>6.0 – 6.8</a:t>
+                      </a:r>
+                      <a:endParaRPr lang="en-US" sz="500" b="0" i="0" u="none" strike="noStrike">
+                        <a:solidFill>
+                          <a:srgbClr val="000000"/>
+                        </a:solidFill>
+                        <a:effectLst/>
+                        <a:latin typeface="Calibri" panose="020F0502020204030204" pitchFamily="34" charset="0"/>
+                      </a:endParaRPr>
+                    </a:p>
+                  </a:txBody>
+                  <a:tcPr marL="3624" marR="3624" marT="3624" marB="0" anchor="b"/>
+                </a:tc>
+                <a:tc>
+                  <a:txBody>
+                    <a:bodyPr/>
+                    <a:lstStyle/>
+                    <a:p>
+                      <a:pPr algn="l" fontAlgn="b"/>
+                      <a:r>
+                        <a:rPr lang="en-US" sz="500" u="none" strike="noStrike">
+                          <a:effectLst/>
+                        </a:rPr>
+                        <a:t> </a:t>
+                      </a:r>
+                      <a:endParaRPr lang="en-US" sz="500" b="0" i="0" u="none" strike="noStrike">
+                        <a:solidFill>
+                          <a:srgbClr val="000000"/>
+                        </a:solidFill>
+                        <a:effectLst/>
+                        <a:latin typeface="Calibri" panose="020F0502020204030204" pitchFamily="34" charset="0"/>
+                      </a:endParaRPr>
+                    </a:p>
+                  </a:txBody>
+                  <a:tcPr marL="3624" marR="3624" marT="3624" marB="0" anchor="b"/>
+                </a:tc>
+                <a:tc>
+                  <a:txBody>
+                    <a:bodyPr/>
+                    <a:lstStyle/>
+                    <a:p>
+                      <a:pPr algn="l" fontAlgn="b"/>
+                      <a:r>
+                        <a:rPr lang="en-US" sz="500" u="none" strike="noStrike">
+                          <a:effectLst/>
+                        </a:rPr>
+                        <a:t> </a:t>
+                      </a:r>
+                      <a:endParaRPr lang="en-US" sz="500" b="0" i="0" u="none" strike="noStrike">
+                        <a:solidFill>
+                          <a:srgbClr val="000000"/>
+                        </a:solidFill>
+                        <a:effectLst/>
+                        <a:latin typeface="Calibri" panose="020F0502020204030204" pitchFamily="34" charset="0"/>
+                      </a:endParaRPr>
+                    </a:p>
+                  </a:txBody>
+                  <a:tcPr marL="3624" marR="3624" marT="3624" marB="0" anchor="b"/>
+                </a:tc>
+                <a:tc>
+                  <a:txBody>
+                    <a:bodyPr/>
+                    <a:lstStyle/>
+                    <a:p>
+                      <a:pPr algn="l" fontAlgn="b"/>
+                      <a:r>
+                        <a:rPr lang="en-US" sz="500" u="none" strike="noStrike">
+                          <a:effectLst/>
+                        </a:rPr>
+                        <a:t> </a:t>
+                      </a:r>
+                      <a:endParaRPr lang="en-US" sz="500" b="0" i="0" u="none" strike="noStrike">
+                        <a:solidFill>
+                          <a:srgbClr val="000000"/>
+                        </a:solidFill>
+                        <a:effectLst/>
+                        <a:latin typeface="Calibri" panose="020F0502020204030204" pitchFamily="34" charset="0"/>
+                      </a:endParaRPr>
+                    </a:p>
+                  </a:txBody>
+                  <a:tcPr marL="3624" marR="3624" marT="3624" marB="0" anchor="b"/>
+                </a:tc>
+                <a:tc>
+                  <a:txBody>
+                    <a:bodyPr/>
+                    <a:lstStyle/>
+                    <a:p>
+                      <a:pPr algn="l" fontAlgn="b"/>
+                      <a:r>
+                        <a:rPr lang="en-US" sz="500" u="none" strike="noStrike">
+                          <a:effectLst/>
+                        </a:rPr>
+                        <a:t> </a:t>
+                      </a:r>
+                      <a:endParaRPr lang="en-US" sz="500" b="0" i="0" u="none" strike="noStrike">
+                        <a:solidFill>
+                          <a:srgbClr val="000000"/>
+                        </a:solidFill>
+                        <a:effectLst/>
+                        <a:latin typeface="Calibri" panose="020F0502020204030204" pitchFamily="34" charset="0"/>
+                      </a:endParaRPr>
+                    </a:p>
+                  </a:txBody>
+                  <a:tcPr marL="3624" marR="3624" marT="3624" marB="0" anchor="b"/>
+                </a:tc>
+                <a:extLst>
+                  <a:ext uri="{0D108BD9-81ED-4DB2-BD59-A6C34878D82A}">
+                    <a16:rowId xmlns:a16="http://schemas.microsoft.com/office/drawing/2014/main" val="251746601"/>
+                  </a:ext>
+                </a:extLst>
+              </a:tr>
+              <a:tr h="127321">
+                <a:tc>
+                  <a:txBody>
+                    <a:bodyPr/>
+                    <a:lstStyle/>
+                    <a:p>
+                      <a:pPr algn="l" fontAlgn="b"/>
+                      <a:r>
+                        <a:rPr lang="en-US" sz="500" u="none" strike="noStrike">
+                          <a:effectLst/>
+                        </a:rPr>
+                        <a:t>Cẩm tú cầu</a:t>
+                      </a:r>
+                      <a:endParaRPr lang="en-US" sz="500" b="0" i="0" u="none" strike="noStrike">
+                        <a:solidFill>
+                          <a:srgbClr val="000000"/>
+                        </a:solidFill>
+                        <a:effectLst/>
+                        <a:latin typeface="Calibri" panose="020F0502020204030204" pitchFamily="34" charset="0"/>
+                      </a:endParaRPr>
+                    </a:p>
+                  </a:txBody>
+                  <a:tcPr marL="3624" marR="3624" marT="3624" marB="0" anchor="b"/>
+                </a:tc>
+                <a:tc>
+                  <a:txBody>
+                    <a:bodyPr/>
+                    <a:lstStyle/>
+                    <a:p>
+                      <a:pPr algn="l" fontAlgn="b"/>
+                      <a:r>
+                        <a:rPr lang="en-US" sz="500" u="none" strike="noStrike">
+                          <a:effectLst/>
+                        </a:rPr>
+                        <a:t>4.5 – 8.0</a:t>
+                      </a:r>
+                      <a:endParaRPr lang="en-US" sz="500" b="0" i="0" u="none" strike="noStrike">
+                        <a:solidFill>
+                          <a:srgbClr val="000000"/>
+                        </a:solidFill>
+                        <a:effectLst/>
+                        <a:latin typeface="Calibri" panose="020F0502020204030204" pitchFamily="34" charset="0"/>
+                      </a:endParaRPr>
+                    </a:p>
+                  </a:txBody>
+                  <a:tcPr marL="3624" marR="3624" marT="3624" marB="0" anchor="b"/>
+                </a:tc>
+                <a:tc>
+                  <a:txBody>
+                    <a:bodyPr/>
+                    <a:lstStyle/>
+                    <a:p>
+                      <a:pPr algn="l" fontAlgn="b"/>
+                      <a:endParaRPr lang="en-US" sz="500" b="0" i="0" u="none" strike="noStrike">
+                        <a:solidFill>
+                          <a:srgbClr val="000000"/>
+                        </a:solidFill>
+                        <a:effectLst/>
+                        <a:latin typeface="Calibri" panose="020F0502020204030204" pitchFamily="34" charset="0"/>
+                      </a:endParaRPr>
+                    </a:p>
+                  </a:txBody>
+                  <a:tcPr marL="3624" marR="3624" marT="3624" marB="0" anchor="b"/>
+                </a:tc>
+                <a:tc>
+                  <a:txBody>
+                    <a:bodyPr/>
+                    <a:lstStyle/>
+                    <a:p>
+                      <a:pPr algn="l" fontAlgn="b"/>
+                      <a:endParaRPr lang="en-US" sz="500" b="0" i="0" u="none" strike="noStrike">
+                        <a:solidFill>
+                          <a:srgbClr val="000000"/>
+                        </a:solidFill>
+                        <a:effectLst/>
+                        <a:latin typeface="Calibri" panose="020F0502020204030204" pitchFamily="34" charset="0"/>
+                      </a:endParaRPr>
+                    </a:p>
+                  </a:txBody>
+                  <a:tcPr marL="3624" marR="3624" marT="3624" marB="0" anchor="b"/>
+                </a:tc>
+                <a:tc>
+                  <a:txBody>
+                    <a:bodyPr/>
+                    <a:lstStyle/>
+                    <a:p>
+                      <a:pPr algn="l" fontAlgn="b"/>
+                      <a:endParaRPr lang="en-US" sz="500" b="0" i="0" u="none" strike="noStrike">
+                        <a:solidFill>
+                          <a:srgbClr val="000000"/>
+                        </a:solidFill>
+                        <a:effectLst/>
+                        <a:latin typeface="Calibri" panose="020F0502020204030204" pitchFamily="34" charset="0"/>
+                      </a:endParaRPr>
+                    </a:p>
+                  </a:txBody>
+                  <a:tcPr marL="3624" marR="3624" marT="3624" marB="0" anchor="b"/>
+                </a:tc>
+                <a:tc>
+                  <a:txBody>
+                    <a:bodyPr/>
+                    <a:lstStyle/>
+                    <a:p>
+                      <a:pPr algn="l" fontAlgn="b"/>
+                      <a:endParaRPr lang="en-US" sz="500" b="0" i="0" u="none" strike="noStrike">
+                        <a:solidFill>
+                          <a:srgbClr val="000000"/>
+                        </a:solidFill>
+                        <a:effectLst/>
+                        <a:latin typeface="Calibri" panose="020F0502020204030204" pitchFamily="34" charset="0"/>
+                      </a:endParaRPr>
+                    </a:p>
+                  </a:txBody>
+                  <a:tcPr marL="3624" marR="3624" marT="3624" marB="0" anchor="b"/>
+                </a:tc>
+                <a:extLst>
+                  <a:ext uri="{0D108BD9-81ED-4DB2-BD59-A6C34878D82A}">
+                    <a16:rowId xmlns:a16="http://schemas.microsoft.com/office/drawing/2014/main" val="433523674"/>
+                  </a:ext>
+                </a:extLst>
+              </a:tr>
+              <a:tr h="248862">
+                <a:tc>
+                  <a:txBody>
+                    <a:bodyPr/>
+                    <a:lstStyle/>
+                    <a:p>
+                      <a:pPr algn="l" fontAlgn="b"/>
+                      <a:r>
+                        <a:rPr lang="vi-VN" sz="500" u="none" strike="noStrike">
+                          <a:effectLst/>
+                        </a:rPr>
+                        <a:t>Đậu đỗ (đỗ tương)</a:t>
+                      </a:r>
+                      <a:endParaRPr lang="vi-VN" sz="500" b="0" i="0" u="none" strike="noStrike">
+                        <a:solidFill>
+                          <a:srgbClr val="000000"/>
+                        </a:solidFill>
+                        <a:effectLst/>
+                        <a:latin typeface="Calibri" panose="020F0502020204030204" pitchFamily="34" charset="0"/>
+                      </a:endParaRPr>
+                    </a:p>
+                  </a:txBody>
+                  <a:tcPr marL="3624" marR="3624" marT="3624" marB="0" anchor="b"/>
+                </a:tc>
+                <a:tc>
+                  <a:txBody>
+                    <a:bodyPr/>
+                    <a:lstStyle/>
+                    <a:p>
+                      <a:pPr algn="l" fontAlgn="b"/>
+                      <a:r>
+                        <a:rPr lang="en-US" sz="500" u="none" strike="noStrike">
+                          <a:effectLst/>
+                        </a:rPr>
+                        <a:t>6.0-7.0</a:t>
+                      </a:r>
+                      <a:endParaRPr lang="en-US" sz="500" b="0" i="0" u="none" strike="noStrike">
+                        <a:solidFill>
+                          <a:srgbClr val="000000"/>
+                        </a:solidFill>
+                        <a:effectLst/>
+                        <a:latin typeface="Calibri" panose="020F0502020204030204" pitchFamily="34" charset="0"/>
+                      </a:endParaRPr>
+                    </a:p>
+                  </a:txBody>
+                  <a:tcPr marL="3624" marR="3624" marT="3624" marB="0" anchor="b"/>
+                </a:tc>
+                <a:tc>
+                  <a:txBody>
+                    <a:bodyPr/>
+                    <a:lstStyle/>
+                    <a:p>
+                      <a:pPr algn="l" fontAlgn="b"/>
+                      <a:r>
+                        <a:rPr lang="en-US" sz="500" u="none" strike="noStrike">
+                          <a:effectLst/>
+                        </a:rPr>
+                        <a:t> </a:t>
+                      </a:r>
+                      <a:endParaRPr lang="en-US" sz="500" b="0" i="0" u="none" strike="noStrike">
+                        <a:solidFill>
+                          <a:srgbClr val="000000"/>
+                        </a:solidFill>
+                        <a:effectLst/>
+                        <a:latin typeface="Calibri" panose="020F0502020204030204" pitchFamily="34" charset="0"/>
+                      </a:endParaRPr>
+                    </a:p>
+                  </a:txBody>
+                  <a:tcPr marL="3624" marR="3624" marT="3624" marB="0" anchor="b"/>
+                </a:tc>
+                <a:tc>
+                  <a:txBody>
+                    <a:bodyPr/>
+                    <a:lstStyle/>
+                    <a:p>
+                      <a:pPr algn="l" fontAlgn="b"/>
+                      <a:r>
+                        <a:rPr lang="en-US" sz="500" u="none" strike="noStrike">
+                          <a:effectLst/>
+                        </a:rPr>
+                        <a:t> </a:t>
+                      </a:r>
+                      <a:endParaRPr lang="en-US" sz="500" b="0" i="0" u="none" strike="noStrike">
+                        <a:solidFill>
+                          <a:srgbClr val="000000"/>
+                        </a:solidFill>
+                        <a:effectLst/>
+                        <a:latin typeface="Calibri" panose="020F0502020204030204" pitchFamily="34" charset="0"/>
+                      </a:endParaRPr>
+                    </a:p>
+                  </a:txBody>
+                  <a:tcPr marL="3624" marR="3624" marT="3624" marB="0" anchor="b"/>
+                </a:tc>
+                <a:tc>
+                  <a:txBody>
+                    <a:bodyPr/>
+                    <a:lstStyle/>
+                    <a:p>
+                      <a:pPr algn="l" fontAlgn="b"/>
+                      <a:r>
+                        <a:rPr lang="en-US" sz="500" u="none" strike="noStrike">
+                          <a:effectLst/>
+                        </a:rPr>
+                        <a:t> </a:t>
+                      </a:r>
+                      <a:endParaRPr lang="en-US" sz="500" b="0" i="0" u="none" strike="noStrike">
+                        <a:solidFill>
+                          <a:srgbClr val="000000"/>
+                        </a:solidFill>
+                        <a:effectLst/>
+                        <a:latin typeface="Calibri" panose="020F0502020204030204" pitchFamily="34" charset="0"/>
+                      </a:endParaRPr>
+                    </a:p>
+                  </a:txBody>
+                  <a:tcPr marL="3624" marR="3624" marT="3624" marB="0" anchor="b"/>
+                </a:tc>
+                <a:tc>
+                  <a:txBody>
+                    <a:bodyPr/>
+                    <a:lstStyle/>
+                    <a:p>
+                      <a:pPr algn="l" fontAlgn="b"/>
+                      <a:r>
+                        <a:rPr lang="en-US" sz="500" u="none" strike="noStrike">
+                          <a:effectLst/>
+                        </a:rPr>
+                        <a:t> </a:t>
+                      </a:r>
+                      <a:endParaRPr lang="en-US" sz="500" b="0" i="0" u="none" strike="noStrike">
+                        <a:solidFill>
+                          <a:srgbClr val="000000"/>
+                        </a:solidFill>
+                        <a:effectLst/>
+                        <a:latin typeface="Calibri" panose="020F0502020204030204" pitchFamily="34" charset="0"/>
+                      </a:endParaRPr>
+                    </a:p>
+                  </a:txBody>
+                  <a:tcPr marL="3624" marR="3624" marT="3624" marB="0" anchor="b"/>
+                </a:tc>
+                <a:extLst>
+                  <a:ext uri="{0D108BD9-81ED-4DB2-BD59-A6C34878D82A}">
+                    <a16:rowId xmlns:a16="http://schemas.microsoft.com/office/drawing/2014/main" val="3461384977"/>
+                  </a:ext>
+                </a:extLst>
+              </a:tr>
+              <a:tr h="127321">
+                <a:tc>
+                  <a:txBody>
+                    <a:bodyPr/>
+                    <a:lstStyle/>
+                    <a:p>
+                      <a:pPr algn="l" fontAlgn="b"/>
+                      <a:r>
+                        <a:rPr lang="en-US" sz="500" u="none" strike="noStrike">
+                          <a:effectLst/>
+                        </a:rPr>
+                        <a:t>Đậu phộng</a:t>
+                      </a:r>
+                      <a:endParaRPr lang="en-US" sz="500" b="0" i="0" u="none" strike="noStrike">
+                        <a:solidFill>
+                          <a:srgbClr val="000000"/>
+                        </a:solidFill>
+                        <a:effectLst/>
+                        <a:latin typeface="Calibri" panose="020F0502020204030204" pitchFamily="34" charset="0"/>
+                      </a:endParaRPr>
+                    </a:p>
+                  </a:txBody>
+                  <a:tcPr marL="3624" marR="3624" marT="3624" marB="0" anchor="b"/>
+                </a:tc>
+                <a:tc>
+                  <a:txBody>
+                    <a:bodyPr/>
+                    <a:lstStyle/>
+                    <a:p>
+                      <a:pPr algn="l" fontAlgn="b"/>
+                      <a:r>
+                        <a:rPr lang="en-US" sz="500" u="none" strike="noStrike">
+                          <a:effectLst/>
+                        </a:rPr>
+                        <a:t>5.3 – 6.6</a:t>
+                      </a:r>
+                      <a:endParaRPr lang="en-US" sz="500" b="0" i="0" u="none" strike="noStrike">
+                        <a:solidFill>
+                          <a:srgbClr val="000000"/>
+                        </a:solidFill>
+                        <a:effectLst/>
+                        <a:latin typeface="Calibri" panose="020F0502020204030204" pitchFamily="34" charset="0"/>
+                      </a:endParaRPr>
+                    </a:p>
+                  </a:txBody>
+                  <a:tcPr marL="3624" marR="3624" marT="3624" marB="0" anchor="b"/>
+                </a:tc>
+                <a:tc>
+                  <a:txBody>
+                    <a:bodyPr/>
+                    <a:lstStyle/>
+                    <a:p>
+                      <a:pPr algn="l" fontAlgn="b"/>
+                      <a:endParaRPr lang="en-US" sz="500" b="0" i="0" u="none" strike="noStrike">
+                        <a:solidFill>
+                          <a:srgbClr val="000000"/>
+                        </a:solidFill>
+                        <a:effectLst/>
+                        <a:latin typeface="Calibri" panose="020F0502020204030204" pitchFamily="34" charset="0"/>
+                      </a:endParaRPr>
+                    </a:p>
+                  </a:txBody>
+                  <a:tcPr marL="3624" marR="3624" marT="3624" marB="0" anchor="b"/>
+                </a:tc>
+                <a:tc>
+                  <a:txBody>
+                    <a:bodyPr/>
+                    <a:lstStyle/>
+                    <a:p>
+                      <a:pPr algn="l" fontAlgn="b"/>
+                      <a:endParaRPr lang="en-US" sz="500" b="0" i="0" u="none" strike="noStrike">
+                        <a:solidFill>
+                          <a:srgbClr val="000000"/>
+                        </a:solidFill>
+                        <a:effectLst/>
+                        <a:latin typeface="Calibri" panose="020F0502020204030204" pitchFamily="34" charset="0"/>
+                      </a:endParaRPr>
+                    </a:p>
+                  </a:txBody>
+                  <a:tcPr marL="3624" marR="3624" marT="3624" marB="0" anchor="b"/>
+                </a:tc>
+                <a:tc>
+                  <a:txBody>
+                    <a:bodyPr/>
+                    <a:lstStyle/>
+                    <a:p>
+                      <a:pPr algn="l" fontAlgn="b"/>
+                      <a:endParaRPr lang="en-US" sz="500" b="0" i="0" u="none" strike="noStrike">
+                        <a:solidFill>
+                          <a:srgbClr val="000000"/>
+                        </a:solidFill>
+                        <a:effectLst/>
+                        <a:latin typeface="Calibri" panose="020F0502020204030204" pitchFamily="34" charset="0"/>
+                      </a:endParaRPr>
+                    </a:p>
+                  </a:txBody>
+                  <a:tcPr marL="3624" marR="3624" marT="3624" marB="0" anchor="b"/>
+                </a:tc>
+                <a:tc>
+                  <a:txBody>
+                    <a:bodyPr/>
+                    <a:lstStyle/>
+                    <a:p>
+                      <a:pPr algn="l" fontAlgn="b"/>
+                      <a:endParaRPr lang="en-US" sz="500" b="0" i="0" u="none" strike="noStrike">
+                        <a:solidFill>
+                          <a:srgbClr val="000000"/>
+                        </a:solidFill>
+                        <a:effectLst/>
+                        <a:latin typeface="Calibri" panose="020F0502020204030204" pitchFamily="34" charset="0"/>
+                      </a:endParaRPr>
+                    </a:p>
+                  </a:txBody>
+                  <a:tcPr marL="3624" marR="3624" marT="3624" marB="0" anchor="b"/>
+                </a:tc>
+                <a:extLst>
+                  <a:ext uri="{0D108BD9-81ED-4DB2-BD59-A6C34878D82A}">
+                    <a16:rowId xmlns:a16="http://schemas.microsoft.com/office/drawing/2014/main" val="3518643106"/>
+                  </a:ext>
+                </a:extLst>
+              </a:tr>
+              <a:tr h="127321">
+                <a:tc>
+                  <a:txBody>
+                    <a:bodyPr/>
+                    <a:lstStyle/>
+                    <a:p>
+                      <a:pPr algn="l" fontAlgn="b"/>
+                      <a:r>
+                        <a:rPr lang="en-US" sz="500" u="none" strike="noStrike">
+                          <a:effectLst/>
+                        </a:rPr>
+                        <a:t>Dâu tây</a:t>
+                      </a:r>
+                      <a:endParaRPr lang="en-US" sz="500" b="0" i="0" u="none" strike="noStrike">
+                        <a:solidFill>
+                          <a:srgbClr val="000000"/>
+                        </a:solidFill>
+                        <a:effectLst/>
+                        <a:latin typeface="Calibri" panose="020F0502020204030204" pitchFamily="34" charset="0"/>
+                      </a:endParaRPr>
+                    </a:p>
+                  </a:txBody>
+                  <a:tcPr marL="3624" marR="3624" marT="3624" marB="0" anchor="b"/>
+                </a:tc>
+                <a:tc>
+                  <a:txBody>
+                    <a:bodyPr/>
+                    <a:lstStyle/>
+                    <a:p>
+                      <a:pPr algn="l" fontAlgn="b"/>
+                      <a:r>
+                        <a:rPr lang="en-US" sz="500" u="none" strike="noStrike">
+                          <a:effectLst/>
+                        </a:rPr>
+                        <a:t>5.5 – 6.8</a:t>
+                      </a:r>
+                      <a:endParaRPr lang="en-US" sz="500" b="0" i="0" u="none" strike="noStrike">
+                        <a:solidFill>
+                          <a:srgbClr val="000000"/>
+                        </a:solidFill>
+                        <a:effectLst/>
+                        <a:latin typeface="Calibri" panose="020F0502020204030204" pitchFamily="34" charset="0"/>
+                      </a:endParaRPr>
+                    </a:p>
+                  </a:txBody>
+                  <a:tcPr marL="3624" marR="3624" marT="3624" marB="0" anchor="b"/>
+                </a:tc>
+                <a:tc>
+                  <a:txBody>
+                    <a:bodyPr/>
+                    <a:lstStyle/>
+                    <a:p>
+                      <a:pPr algn="l" fontAlgn="b"/>
+                      <a:r>
+                        <a:rPr lang="en-US" sz="500" u="none" strike="noStrike">
+                          <a:effectLst/>
+                        </a:rPr>
+                        <a:t> </a:t>
+                      </a:r>
+                      <a:endParaRPr lang="en-US" sz="500" b="0" i="0" u="none" strike="noStrike">
+                        <a:solidFill>
+                          <a:srgbClr val="000000"/>
+                        </a:solidFill>
+                        <a:effectLst/>
+                        <a:latin typeface="Calibri" panose="020F0502020204030204" pitchFamily="34" charset="0"/>
+                      </a:endParaRPr>
+                    </a:p>
+                  </a:txBody>
+                  <a:tcPr marL="3624" marR="3624" marT="3624" marB="0" anchor="b"/>
+                </a:tc>
+                <a:tc>
+                  <a:txBody>
+                    <a:bodyPr/>
+                    <a:lstStyle/>
+                    <a:p>
+                      <a:pPr algn="l" fontAlgn="b"/>
+                      <a:r>
+                        <a:rPr lang="en-US" sz="500" u="none" strike="noStrike">
+                          <a:effectLst/>
+                        </a:rPr>
+                        <a:t> </a:t>
+                      </a:r>
+                      <a:endParaRPr lang="en-US" sz="500" b="0" i="0" u="none" strike="noStrike">
+                        <a:solidFill>
+                          <a:srgbClr val="000000"/>
+                        </a:solidFill>
+                        <a:effectLst/>
+                        <a:latin typeface="Calibri" panose="020F0502020204030204" pitchFamily="34" charset="0"/>
+                      </a:endParaRPr>
+                    </a:p>
+                  </a:txBody>
+                  <a:tcPr marL="3624" marR="3624" marT="3624" marB="0" anchor="b"/>
+                </a:tc>
+                <a:tc>
+                  <a:txBody>
+                    <a:bodyPr/>
+                    <a:lstStyle/>
+                    <a:p>
+                      <a:pPr algn="l" fontAlgn="b"/>
+                      <a:r>
+                        <a:rPr lang="en-US" sz="500" u="none" strike="noStrike">
+                          <a:effectLst/>
+                        </a:rPr>
+                        <a:t> </a:t>
+                      </a:r>
+                      <a:endParaRPr lang="en-US" sz="500" b="0" i="0" u="none" strike="noStrike">
+                        <a:solidFill>
+                          <a:srgbClr val="000000"/>
+                        </a:solidFill>
+                        <a:effectLst/>
+                        <a:latin typeface="Calibri" panose="020F0502020204030204" pitchFamily="34" charset="0"/>
+                      </a:endParaRPr>
+                    </a:p>
+                  </a:txBody>
+                  <a:tcPr marL="3624" marR="3624" marT="3624" marB="0" anchor="b"/>
+                </a:tc>
+                <a:tc>
+                  <a:txBody>
+                    <a:bodyPr/>
+                    <a:lstStyle/>
+                    <a:p>
+                      <a:pPr algn="l" fontAlgn="b"/>
+                      <a:r>
+                        <a:rPr lang="en-US" sz="500" u="none" strike="noStrike">
+                          <a:effectLst/>
+                        </a:rPr>
+                        <a:t> </a:t>
+                      </a:r>
+                      <a:endParaRPr lang="en-US" sz="500" b="0" i="0" u="none" strike="noStrike">
+                        <a:solidFill>
+                          <a:srgbClr val="000000"/>
+                        </a:solidFill>
+                        <a:effectLst/>
+                        <a:latin typeface="Calibri" panose="020F0502020204030204" pitchFamily="34" charset="0"/>
+                      </a:endParaRPr>
+                    </a:p>
+                  </a:txBody>
+                  <a:tcPr marL="3624" marR="3624" marT="3624" marB="0" anchor="b"/>
+                </a:tc>
+                <a:extLst>
+                  <a:ext uri="{0D108BD9-81ED-4DB2-BD59-A6C34878D82A}">
+                    <a16:rowId xmlns:a16="http://schemas.microsoft.com/office/drawing/2014/main" val="1708509636"/>
+                  </a:ext>
+                </a:extLst>
+              </a:tr>
+              <a:tr h="127321">
+                <a:tc>
+                  <a:txBody>
+                    <a:bodyPr/>
+                    <a:lstStyle/>
+                    <a:p>
+                      <a:pPr algn="l" fontAlgn="b"/>
+                      <a:r>
+                        <a:rPr lang="vi-VN" sz="500" u="none" strike="noStrike">
+                          <a:effectLst/>
+                        </a:rPr>
+                        <a:t>Đậu tương</a:t>
+                      </a:r>
+                      <a:endParaRPr lang="vi-VN" sz="500" b="0" i="0" u="none" strike="noStrike">
+                        <a:solidFill>
+                          <a:srgbClr val="000000"/>
+                        </a:solidFill>
+                        <a:effectLst/>
+                        <a:latin typeface="Calibri" panose="020F0502020204030204" pitchFamily="34" charset="0"/>
+                      </a:endParaRPr>
+                    </a:p>
+                  </a:txBody>
+                  <a:tcPr marL="3624" marR="3624" marT="3624" marB="0" anchor="b"/>
+                </a:tc>
+                <a:tc>
+                  <a:txBody>
+                    <a:bodyPr/>
+                    <a:lstStyle/>
+                    <a:p>
+                      <a:pPr algn="l" fontAlgn="b"/>
+                      <a:r>
+                        <a:rPr lang="en-US" sz="500" u="none" strike="noStrike">
+                          <a:effectLst/>
+                        </a:rPr>
+                        <a:t>5.5 – 7.0</a:t>
+                      </a:r>
+                      <a:endParaRPr lang="en-US" sz="500" b="0" i="0" u="none" strike="noStrike">
+                        <a:solidFill>
+                          <a:srgbClr val="000000"/>
+                        </a:solidFill>
+                        <a:effectLst/>
+                        <a:latin typeface="Calibri" panose="020F0502020204030204" pitchFamily="34" charset="0"/>
+                      </a:endParaRPr>
+                    </a:p>
+                  </a:txBody>
+                  <a:tcPr marL="3624" marR="3624" marT="3624" marB="0" anchor="b"/>
+                </a:tc>
+                <a:tc>
+                  <a:txBody>
+                    <a:bodyPr/>
+                    <a:lstStyle/>
+                    <a:p>
+                      <a:pPr algn="l" fontAlgn="b"/>
+                      <a:endParaRPr lang="en-US" sz="500" b="0" i="0" u="none" strike="noStrike">
+                        <a:solidFill>
+                          <a:srgbClr val="000000"/>
+                        </a:solidFill>
+                        <a:effectLst/>
+                        <a:latin typeface="Calibri" panose="020F0502020204030204" pitchFamily="34" charset="0"/>
+                      </a:endParaRPr>
+                    </a:p>
+                  </a:txBody>
+                  <a:tcPr marL="3624" marR="3624" marT="3624" marB="0" anchor="b"/>
+                </a:tc>
+                <a:tc>
+                  <a:txBody>
+                    <a:bodyPr/>
+                    <a:lstStyle/>
+                    <a:p>
+                      <a:pPr algn="l" fontAlgn="b"/>
+                      <a:endParaRPr lang="en-US" sz="500" b="0" i="0" u="none" strike="noStrike">
+                        <a:solidFill>
+                          <a:srgbClr val="000000"/>
+                        </a:solidFill>
+                        <a:effectLst/>
+                        <a:latin typeface="Calibri" panose="020F0502020204030204" pitchFamily="34" charset="0"/>
+                      </a:endParaRPr>
+                    </a:p>
+                  </a:txBody>
+                  <a:tcPr marL="3624" marR="3624" marT="3624" marB="0" anchor="b"/>
+                </a:tc>
+                <a:tc>
+                  <a:txBody>
+                    <a:bodyPr/>
+                    <a:lstStyle/>
+                    <a:p>
+                      <a:pPr algn="l" fontAlgn="b"/>
+                      <a:endParaRPr lang="en-US" sz="500" b="0" i="0" u="none" strike="noStrike">
+                        <a:solidFill>
+                          <a:srgbClr val="000000"/>
+                        </a:solidFill>
+                        <a:effectLst/>
+                        <a:latin typeface="Calibri" panose="020F0502020204030204" pitchFamily="34" charset="0"/>
+                      </a:endParaRPr>
+                    </a:p>
+                  </a:txBody>
+                  <a:tcPr marL="3624" marR="3624" marT="3624" marB="0" anchor="b"/>
+                </a:tc>
+                <a:tc>
+                  <a:txBody>
+                    <a:bodyPr/>
+                    <a:lstStyle/>
+                    <a:p>
+                      <a:pPr algn="l" fontAlgn="b"/>
+                      <a:endParaRPr lang="en-US" sz="500" b="0" i="0" u="none" strike="noStrike">
+                        <a:solidFill>
+                          <a:srgbClr val="000000"/>
+                        </a:solidFill>
+                        <a:effectLst/>
+                        <a:latin typeface="Calibri" panose="020F0502020204030204" pitchFamily="34" charset="0"/>
+                      </a:endParaRPr>
+                    </a:p>
+                  </a:txBody>
+                  <a:tcPr marL="3624" marR="3624" marT="3624" marB="0" anchor="b"/>
+                </a:tc>
+                <a:extLst>
+                  <a:ext uri="{0D108BD9-81ED-4DB2-BD59-A6C34878D82A}">
+                    <a16:rowId xmlns:a16="http://schemas.microsoft.com/office/drawing/2014/main" val="1853165608"/>
+                  </a:ext>
+                </a:extLst>
+              </a:tr>
+              <a:tr h="127321">
+                <a:tc>
+                  <a:txBody>
+                    <a:bodyPr/>
+                    <a:lstStyle/>
+                    <a:p>
+                      <a:pPr algn="l" fontAlgn="b"/>
+                      <a:r>
+                        <a:rPr lang="en-US" sz="500" u="none" strike="noStrike">
+                          <a:effectLst/>
+                        </a:rPr>
+                        <a:t>Đồng tiền</a:t>
+                      </a:r>
+                      <a:endParaRPr lang="en-US" sz="500" b="0" i="0" u="none" strike="noStrike">
+                        <a:solidFill>
+                          <a:srgbClr val="000000"/>
+                        </a:solidFill>
+                        <a:effectLst/>
+                        <a:latin typeface="Calibri" panose="020F0502020204030204" pitchFamily="34" charset="0"/>
+                      </a:endParaRPr>
+                    </a:p>
+                  </a:txBody>
+                  <a:tcPr marL="3624" marR="3624" marT="3624" marB="0" anchor="b"/>
+                </a:tc>
+                <a:tc>
+                  <a:txBody>
+                    <a:bodyPr/>
+                    <a:lstStyle/>
+                    <a:p>
+                      <a:pPr algn="l" fontAlgn="b"/>
+                      <a:r>
+                        <a:rPr lang="en-US" sz="500" u="none" strike="noStrike">
+                          <a:effectLst/>
+                        </a:rPr>
+                        <a:t>6.5 – 7.0</a:t>
+                      </a:r>
+                      <a:endParaRPr lang="en-US" sz="500" b="0" i="0" u="none" strike="noStrike">
+                        <a:solidFill>
+                          <a:srgbClr val="000000"/>
+                        </a:solidFill>
+                        <a:effectLst/>
+                        <a:latin typeface="Calibri" panose="020F0502020204030204" pitchFamily="34" charset="0"/>
+                      </a:endParaRPr>
+                    </a:p>
+                  </a:txBody>
+                  <a:tcPr marL="3624" marR="3624" marT="3624" marB="0" anchor="b"/>
+                </a:tc>
+                <a:tc>
+                  <a:txBody>
+                    <a:bodyPr/>
+                    <a:lstStyle/>
+                    <a:p>
+                      <a:pPr algn="l" fontAlgn="b"/>
+                      <a:r>
+                        <a:rPr lang="en-US" sz="500" u="none" strike="noStrike">
+                          <a:effectLst/>
+                        </a:rPr>
+                        <a:t> </a:t>
+                      </a:r>
+                      <a:endParaRPr lang="en-US" sz="500" b="0" i="0" u="none" strike="noStrike">
+                        <a:solidFill>
+                          <a:srgbClr val="000000"/>
+                        </a:solidFill>
+                        <a:effectLst/>
+                        <a:latin typeface="Calibri" panose="020F0502020204030204" pitchFamily="34" charset="0"/>
+                      </a:endParaRPr>
+                    </a:p>
+                  </a:txBody>
+                  <a:tcPr marL="3624" marR="3624" marT="3624" marB="0" anchor="b"/>
+                </a:tc>
+                <a:tc>
+                  <a:txBody>
+                    <a:bodyPr/>
+                    <a:lstStyle/>
+                    <a:p>
+                      <a:pPr algn="l" fontAlgn="b"/>
+                      <a:r>
+                        <a:rPr lang="en-US" sz="500" u="none" strike="noStrike">
+                          <a:effectLst/>
+                        </a:rPr>
+                        <a:t> </a:t>
+                      </a:r>
+                      <a:endParaRPr lang="en-US" sz="500" b="0" i="0" u="none" strike="noStrike">
+                        <a:solidFill>
+                          <a:srgbClr val="000000"/>
+                        </a:solidFill>
+                        <a:effectLst/>
+                        <a:latin typeface="Calibri" panose="020F0502020204030204" pitchFamily="34" charset="0"/>
+                      </a:endParaRPr>
+                    </a:p>
+                  </a:txBody>
+                  <a:tcPr marL="3624" marR="3624" marT="3624" marB="0" anchor="b"/>
+                </a:tc>
+                <a:tc>
+                  <a:txBody>
+                    <a:bodyPr/>
+                    <a:lstStyle/>
+                    <a:p>
+                      <a:pPr algn="l" fontAlgn="b"/>
+                      <a:r>
+                        <a:rPr lang="en-US" sz="500" u="none" strike="noStrike">
+                          <a:effectLst/>
+                        </a:rPr>
+                        <a:t> </a:t>
+                      </a:r>
+                      <a:endParaRPr lang="en-US" sz="500" b="0" i="0" u="none" strike="noStrike">
+                        <a:solidFill>
+                          <a:srgbClr val="000000"/>
+                        </a:solidFill>
+                        <a:effectLst/>
+                        <a:latin typeface="Calibri" panose="020F0502020204030204" pitchFamily="34" charset="0"/>
+                      </a:endParaRPr>
+                    </a:p>
+                  </a:txBody>
+                  <a:tcPr marL="3624" marR="3624" marT="3624" marB="0" anchor="b"/>
+                </a:tc>
+                <a:tc>
+                  <a:txBody>
+                    <a:bodyPr/>
+                    <a:lstStyle/>
+                    <a:p>
+                      <a:pPr algn="l" fontAlgn="b"/>
+                      <a:r>
+                        <a:rPr lang="en-US" sz="500" u="none" strike="noStrike">
+                          <a:effectLst/>
+                        </a:rPr>
+                        <a:t> </a:t>
+                      </a:r>
+                      <a:endParaRPr lang="en-US" sz="500" b="0" i="0" u="none" strike="noStrike">
+                        <a:solidFill>
+                          <a:srgbClr val="000000"/>
+                        </a:solidFill>
+                        <a:effectLst/>
+                        <a:latin typeface="Calibri" panose="020F0502020204030204" pitchFamily="34" charset="0"/>
+                      </a:endParaRPr>
+                    </a:p>
+                  </a:txBody>
+                  <a:tcPr marL="3624" marR="3624" marT="3624" marB="0" anchor="b"/>
+                </a:tc>
+                <a:extLst>
+                  <a:ext uri="{0D108BD9-81ED-4DB2-BD59-A6C34878D82A}">
+                    <a16:rowId xmlns:a16="http://schemas.microsoft.com/office/drawing/2014/main" val="1022151015"/>
+                  </a:ext>
+                </a:extLst>
+              </a:tr>
+              <a:tr h="127321">
+                <a:tc>
+                  <a:txBody>
+                    <a:bodyPr/>
+                    <a:lstStyle/>
+                    <a:p>
+                      <a:pPr algn="l" fontAlgn="b"/>
+                      <a:r>
+                        <a:rPr lang="vi-VN" sz="500" u="none" strike="noStrike">
+                          <a:effectLst/>
+                        </a:rPr>
+                        <a:t>Dưa hấu</a:t>
+                      </a:r>
+                      <a:endParaRPr lang="vi-VN" sz="500" b="0" i="0" u="none" strike="noStrike">
+                        <a:solidFill>
+                          <a:srgbClr val="FF0000"/>
+                        </a:solidFill>
+                        <a:effectLst/>
+                        <a:latin typeface="Calibri" panose="020F0502020204030204" pitchFamily="34" charset="0"/>
+                      </a:endParaRPr>
+                    </a:p>
+                  </a:txBody>
+                  <a:tcPr marL="3624" marR="3624" marT="3624" marB="0" anchor="b"/>
+                </a:tc>
+                <a:tc>
+                  <a:txBody>
+                    <a:bodyPr/>
+                    <a:lstStyle/>
+                    <a:p>
+                      <a:pPr algn="l" fontAlgn="b"/>
+                      <a:r>
+                        <a:rPr lang="en-US" sz="500" u="none" strike="noStrike">
+                          <a:effectLst/>
+                        </a:rPr>
+                        <a:t>5.5 – 6.5</a:t>
+                      </a:r>
+                      <a:endParaRPr lang="en-US" sz="500" b="0" i="0" u="none" strike="noStrike">
+                        <a:solidFill>
+                          <a:srgbClr val="FF0000"/>
+                        </a:solidFill>
+                        <a:effectLst/>
+                        <a:latin typeface="Calibri" panose="020F0502020204030204" pitchFamily="34" charset="0"/>
+                      </a:endParaRPr>
+                    </a:p>
+                  </a:txBody>
+                  <a:tcPr marL="3624" marR="3624" marT="3624" marB="0" anchor="b"/>
+                </a:tc>
+                <a:tc>
+                  <a:txBody>
+                    <a:bodyPr/>
+                    <a:lstStyle/>
+                    <a:p>
+                      <a:pPr algn="l" fontAlgn="b"/>
+                      <a:r>
+                        <a:rPr lang="vi-VN" sz="500" u="none" strike="noStrike">
+                          <a:effectLst/>
+                        </a:rPr>
+                        <a:t>Cây ưa sáng</a:t>
+                      </a:r>
+                      <a:endParaRPr lang="vi-VN" sz="500" b="0" i="0" u="none" strike="noStrike">
+                        <a:solidFill>
+                          <a:srgbClr val="FF0000"/>
+                        </a:solidFill>
+                        <a:effectLst/>
+                        <a:latin typeface="Calibri" panose="020F0502020204030204" pitchFamily="34" charset="0"/>
+                      </a:endParaRPr>
+                    </a:p>
+                  </a:txBody>
+                  <a:tcPr marL="3624" marR="3624" marT="3624" marB="0" anchor="b"/>
+                </a:tc>
+                <a:tc>
+                  <a:txBody>
+                    <a:bodyPr/>
+                    <a:lstStyle/>
+                    <a:p>
+                      <a:pPr algn="l" fontAlgn="b"/>
+                      <a:r>
+                        <a:rPr lang="en-US" sz="500" u="none" strike="noStrike">
+                          <a:effectLst/>
+                        </a:rPr>
+                        <a:t>40-60</a:t>
+                      </a:r>
+                      <a:endParaRPr lang="en-US" sz="500" b="0" i="0" u="none" strike="noStrike">
+                        <a:solidFill>
+                          <a:srgbClr val="FF0000"/>
+                        </a:solidFill>
+                        <a:effectLst/>
+                        <a:latin typeface="Calibri" panose="020F0502020204030204" pitchFamily="34" charset="0"/>
+                      </a:endParaRPr>
+                    </a:p>
+                  </a:txBody>
+                  <a:tcPr marL="3624" marR="3624" marT="3624" marB="0" anchor="b"/>
+                </a:tc>
+                <a:tc>
+                  <a:txBody>
+                    <a:bodyPr/>
+                    <a:lstStyle/>
+                    <a:p>
+                      <a:pPr algn="l" fontAlgn="b"/>
+                      <a:r>
+                        <a:rPr lang="en-US" sz="500" u="none" strike="noStrike">
+                          <a:effectLst/>
+                        </a:rPr>
+                        <a:t>25-30</a:t>
+                      </a:r>
+                      <a:endParaRPr lang="en-US" sz="500" b="0" i="0" u="none" strike="noStrike">
+                        <a:solidFill>
+                          <a:srgbClr val="FF0000"/>
+                        </a:solidFill>
+                        <a:effectLst/>
+                        <a:latin typeface="Calibri" panose="020F0502020204030204" pitchFamily="34" charset="0"/>
+                      </a:endParaRPr>
+                    </a:p>
+                  </a:txBody>
+                  <a:tcPr marL="3624" marR="3624" marT="3624" marB="0" anchor="b"/>
+                </a:tc>
+                <a:tc>
+                  <a:txBody>
+                    <a:bodyPr/>
+                    <a:lstStyle/>
+                    <a:p>
+                      <a:pPr algn="l" fontAlgn="b"/>
+                      <a:endParaRPr lang="en-US" sz="500" b="0" i="0" u="none" strike="noStrike">
+                        <a:solidFill>
+                          <a:srgbClr val="FF0000"/>
+                        </a:solidFill>
+                        <a:effectLst/>
+                        <a:latin typeface="Calibri" panose="020F0502020204030204" pitchFamily="34" charset="0"/>
+                      </a:endParaRPr>
+                    </a:p>
+                  </a:txBody>
+                  <a:tcPr marL="3624" marR="3624" marT="3624" marB="0" anchor="b"/>
+                </a:tc>
+                <a:extLst>
+                  <a:ext uri="{0D108BD9-81ED-4DB2-BD59-A6C34878D82A}">
+                    <a16:rowId xmlns:a16="http://schemas.microsoft.com/office/drawing/2014/main" val="317232048"/>
+                  </a:ext>
+                </a:extLst>
+              </a:tr>
+              <a:tr h="127321">
+                <a:tc>
+                  <a:txBody>
+                    <a:bodyPr/>
+                    <a:lstStyle/>
+                    <a:p>
+                      <a:pPr algn="l" fontAlgn="b"/>
+                      <a:r>
+                        <a:rPr lang="en-US" sz="500" u="none" strike="noStrike">
+                          <a:effectLst/>
+                        </a:rPr>
+                        <a:t>Xà lách</a:t>
+                      </a:r>
+                      <a:endParaRPr lang="en-US" sz="500" b="0" i="0" u="none" strike="noStrike">
+                        <a:solidFill>
+                          <a:srgbClr val="000000"/>
+                        </a:solidFill>
+                        <a:effectLst/>
+                        <a:latin typeface="Calibri" panose="020F0502020204030204" pitchFamily="34" charset="0"/>
+                      </a:endParaRPr>
+                    </a:p>
+                  </a:txBody>
+                  <a:tcPr marL="3624" marR="3624" marT="3624" marB="0" anchor="b"/>
+                </a:tc>
+                <a:tc>
+                  <a:txBody>
+                    <a:bodyPr/>
+                    <a:lstStyle/>
+                    <a:p>
+                      <a:pPr algn="l" fontAlgn="b"/>
+                      <a:r>
+                        <a:rPr lang="en-US" sz="500" u="none" strike="noStrike">
+                          <a:effectLst/>
+                        </a:rPr>
+                        <a:t>6.0 – 7.0</a:t>
+                      </a:r>
+                      <a:endParaRPr lang="en-US" sz="500" b="0" i="0" u="none" strike="noStrike">
+                        <a:solidFill>
+                          <a:srgbClr val="000000"/>
+                        </a:solidFill>
+                        <a:effectLst/>
+                        <a:latin typeface="Calibri" panose="020F0502020204030204" pitchFamily="34" charset="0"/>
+                      </a:endParaRPr>
+                    </a:p>
+                  </a:txBody>
+                  <a:tcPr marL="3624" marR="3624" marT="3624" marB="0" anchor="b"/>
+                </a:tc>
+                <a:tc>
+                  <a:txBody>
+                    <a:bodyPr/>
+                    <a:lstStyle/>
+                    <a:p>
+                      <a:pPr algn="l" fontAlgn="b"/>
+                      <a:r>
+                        <a:rPr lang="en-US" sz="500" u="none" strike="noStrike">
+                          <a:effectLst/>
+                        </a:rPr>
+                        <a:t> </a:t>
+                      </a:r>
+                      <a:endParaRPr lang="en-US" sz="500" b="0" i="0" u="none" strike="noStrike">
+                        <a:solidFill>
+                          <a:srgbClr val="000000"/>
+                        </a:solidFill>
+                        <a:effectLst/>
+                        <a:latin typeface="Calibri" panose="020F0502020204030204" pitchFamily="34" charset="0"/>
+                      </a:endParaRPr>
+                    </a:p>
+                  </a:txBody>
+                  <a:tcPr marL="3624" marR="3624" marT="3624" marB="0" anchor="b"/>
+                </a:tc>
+                <a:tc>
+                  <a:txBody>
+                    <a:bodyPr/>
+                    <a:lstStyle/>
+                    <a:p>
+                      <a:pPr algn="l" fontAlgn="b"/>
+                      <a:r>
+                        <a:rPr lang="en-US" sz="500" u="none" strike="noStrike">
+                          <a:effectLst/>
+                        </a:rPr>
+                        <a:t> </a:t>
+                      </a:r>
+                      <a:endParaRPr lang="en-US" sz="500" b="0" i="0" u="none" strike="noStrike">
+                        <a:solidFill>
+                          <a:srgbClr val="000000"/>
+                        </a:solidFill>
+                        <a:effectLst/>
+                        <a:latin typeface="Calibri" panose="020F0502020204030204" pitchFamily="34" charset="0"/>
+                      </a:endParaRPr>
+                    </a:p>
+                  </a:txBody>
+                  <a:tcPr marL="3624" marR="3624" marT="3624" marB="0" anchor="b"/>
+                </a:tc>
+                <a:tc>
+                  <a:txBody>
+                    <a:bodyPr/>
+                    <a:lstStyle/>
+                    <a:p>
+                      <a:pPr algn="l" fontAlgn="b"/>
+                      <a:r>
+                        <a:rPr lang="en-US" sz="500" u="none" strike="noStrike">
+                          <a:effectLst/>
+                        </a:rPr>
+                        <a:t> </a:t>
+                      </a:r>
+                      <a:endParaRPr lang="en-US" sz="500" b="0" i="0" u="none" strike="noStrike">
+                        <a:solidFill>
+                          <a:srgbClr val="000000"/>
+                        </a:solidFill>
+                        <a:effectLst/>
+                        <a:latin typeface="Calibri" panose="020F0502020204030204" pitchFamily="34" charset="0"/>
+                      </a:endParaRPr>
+                    </a:p>
+                  </a:txBody>
+                  <a:tcPr marL="3624" marR="3624" marT="3624" marB="0" anchor="b"/>
+                </a:tc>
+                <a:tc>
+                  <a:txBody>
+                    <a:bodyPr/>
+                    <a:lstStyle/>
+                    <a:p>
+                      <a:pPr algn="l" fontAlgn="b"/>
+                      <a:r>
+                        <a:rPr lang="en-US" sz="500" u="none" strike="noStrike">
+                          <a:effectLst/>
+                        </a:rPr>
+                        <a:t> </a:t>
+                      </a:r>
+                      <a:endParaRPr lang="en-US" sz="500" b="0" i="0" u="none" strike="noStrike">
+                        <a:solidFill>
+                          <a:srgbClr val="000000"/>
+                        </a:solidFill>
+                        <a:effectLst/>
+                        <a:latin typeface="Calibri" panose="020F0502020204030204" pitchFamily="34" charset="0"/>
+                      </a:endParaRPr>
+                    </a:p>
+                  </a:txBody>
+                  <a:tcPr marL="3624" marR="3624" marT="3624" marB="0" anchor="b"/>
+                </a:tc>
+                <a:extLst>
+                  <a:ext uri="{0D108BD9-81ED-4DB2-BD59-A6C34878D82A}">
+                    <a16:rowId xmlns:a16="http://schemas.microsoft.com/office/drawing/2014/main" val="3885913665"/>
+                  </a:ext>
+                </a:extLst>
+              </a:tr>
+              <a:tr h="127321">
+                <a:tc>
+                  <a:txBody>
+                    <a:bodyPr/>
+                    <a:lstStyle/>
+                    <a:p>
+                      <a:pPr algn="l" fontAlgn="b"/>
+                      <a:r>
+                        <a:rPr lang="en-US" sz="500" u="none" strike="noStrike">
+                          <a:effectLst/>
+                        </a:rPr>
+                        <a:t>Bông</a:t>
+                      </a:r>
+                      <a:endParaRPr lang="en-US" sz="500" b="0" i="0" u="none" strike="noStrike">
+                        <a:solidFill>
+                          <a:srgbClr val="000000"/>
+                        </a:solidFill>
+                        <a:effectLst/>
+                        <a:latin typeface="Calibri" panose="020F0502020204030204" pitchFamily="34" charset="0"/>
+                      </a:endParaRPr>
+                    </a:p>
+                  </a:txBody>
+                  <a:tcPr marL="3624" marR="3624" marT="3624" marB="0" anchor="b"/>
+                </a:tc>
+                <a:tc>
+                  <a:txBody>
+                    <a:bodyPr/>
+                    <a:lstStyle/>
+                    <a:p>
+                      <a:pPr algn="l" fontAlgn="b"/>
+                      <a:r>
+                        <a:rPr lang="en-US" sz="500" u="none" strike="noStrike">
+                          <a:effectLst/>
+                        </a:rPr>
+                        <a:t>5.0 -7.0</a:t>
+                      </a:r>
+                      <a:endParaRPr lang="en-US" sz="500" b="0" i="0" u="none" strike="noStrike">
+                        <a:solidFill>
+                          <a:srgbClr val="000000"/>
+                        </a:solidFill>
+                        <a:effectLst/>
+                        <a:latin typeface="Calibri" panose="020F0502020204030204" pitchFamily="34" charset="0"/>
+                      </a:endParaRPr>
+                    </a:p>
+                  </a:txBody>
+                  <a:tcPr marL="3624" marR="3624" marT="3624" marB="0" anchor="b"/>
+                </a:tc>
+                <a:tc>
+                  <a:txBody>
+                    <a:bodyPr/>
+                    <a:lstStyle/>
+                    <a:p>
+                      <a:pPr algn="l" fontAlgn="b"/>
+                      <a:endParaRPr lang="en-US" sz="500" b="0" i="0" u="none" strike="noStrike">
+                        <a:solidFill>
+                          <a:srgbClr val="000000"/>
+                        </a:solidFill>
+                        <a:effectLst/>
+                        <a:latin typeface="Calibri" panose="020F0502020204030204" pitchFamily="34" charset="0"/>
+                      </a:endParaRPr>
+                    </a:p>
+                  </a:txBody>
+                  <a:tcPr marL="3624" marR="3624" marT="3624" marB="0" anchor="b"/>
+                </a:tc>
+                <a:tc>
+                  <a:txBody>
+                    <a:bodyPr/>
+                    <a:lstStyle/>
+                    <a:p>
+                      <a:pPr algn="l" fontAlgn="b"/>
+                      <a:endParaRPr lang="en-US" sz="500" b="0" i="0" u="none" strike="noStrike">
+                        <a:solidFill>
+                          <a:srgbClr val="000000"/>
+                        </a:solidFill>
+                        <a:effectLst/>
+                        <a:latin typeface="Calibri" panose="020F0502020204030204" pitchFamily="34" charset="0"/>
+                      </a:endParaRPr>
+                    </a:p>
+                  </a:txBody>
+                  <a:tcPr marL="3624" marR="3624" marT="3624" marB="0" anchor="b"/>
+                </a:tc>
+                <a:tc>
+                  <a:txBody>
+                    <a:bodyPr/>
+                    <a:lstStyle/>
+                    <a:p>
+                      <a:pPr algn="l" fontAlgn="b"/>
+                      <a:endParaRPr lang="en-US" sz="500" b="0" i="0" u="none" strike="noStrike">
+                        <a:solidFill>
+                          <a:srgbClr val="000000"/>
+                        </a:solidFill>
+                        <a:effectLst/>
+                        <a:latin typeface="Calibri" panose="020F0502020204030204" pitchFamily="34" charset="0"/>
+                      </a:endParaRPr>
+                    </a:p>
+                  </a:txBody>
+                  <a:tcPr marL="3624" marR="3624" marT="3624" marB="0" anchor="b"/>
+                </a:tc>
+                <a:tc>
+                  <a:txBody>
+                    <a:bodyPr/>
+                    <a:lstStyle/>
+                    <a:p>
+                      <a:pPr algn="l" fontAlgn="b"/>
+                      <a:endParaRPr lang="en-US" sz="500" b="0" i="0" u="none" strike="noStrike">
+                        <a:solidFill>
+                          <a:srgbClr val="000000"/>
+                        </a:solidFill>
+                        <a:effectLst/>
+                        <a:latin typeface="Calibri" panose="020F0502020204030204" pitchFamily="34" charset="0"/>
+                      </a:endParaRPr>
+                    </a:p>
+                  </a:txBody>
+                  <a:tcPr marL="3624" marR="3624" marT="3624" marB="0" anchor="b"/>
+                </a:tc>
+                <a:extLst>
+                  <a:ext uri="{0D108BD9-81ED-4DB2-BD59-A6C34878D82A}">
+                    <a16:rowId xmlns:a16="http://schemas.microsoft.com/office/drawing/2014/main" val="2667432621"/>
+                  </a:ext>
+                </a:extLst>
+              </a:tr>
+              <a:tr h="127321">
+                <a:tc>
+                  <a:txBody>
+                    <a:bodyPr/>
+                    <a:lstStyle/>
+                    <a:p>
+                      <a:pPr algn="l" fontAlgn="b"/>
+                      <a:r>
+                        <a:rPr lang="en-US" sz="500" u="none" strike="noStrike">
+                          <a:effectLst/>
+                        </a:rPr>
+                        <a:t>Cây chè</a:t>
+                      </a:r>
+                      <a:endParaRPr lang="en-US" sz="500" b="0" i="0" u="none" strike="noStrike">
+                        <a:solidFill>
+                          <a:srgbClr val="000000"/>
+                        </a:solidFill>
+                        <a:effectLst/>
+                        <a:latin typeface="Calibri" panose="020F0502020204030204" pitchFamily="34" charset="0"/>
+                      </a:endParaRPr>
+                    </a:p>
+                  </a:txBody>
+                  <a:tcPr marL="3624" marR="3624" marT="3624" marB="0" anchor="b"/>
+                </a:tc>
+                <a:tc>
+                  <a:txBody>
+                    <a:bodyPr/>
+                    <a:lstStyle/>
+                    <a:p>
+                      <a:pPr algn="l" fontAlgn="b"/>
+                      <a:r>
+                        <a:rPr lang="en-US" sz="500" u="none" strike="noStrike">
+                          <a:effectLst/>
+                        </a:rPr>
+                        <a:t>4.5-5.5</a:t>
+                      </a:r>
+                      <a:endParaRPr lang="en-US" sz="500" b="0" i="0" u="none" strike="noStrike">
+                        <a:solidFill>
+                          <a:srgbClr val="000000"/>
+                        </a:solidFill>
+                        <a:effectLst/>
+                        <a:latin typeface="Calibri" panose="020F0502020204030204" pitchFamily="34" charset="0"/>
+                      </a:endParaRPr>
+                    </a:p>
+                  </a:txBody>
+                  <a:tcPr marL="3624" marR="3624" marT="3624" marB="0" anchor="b"/>
+                </a:tc>
+                <a:tc>
+                  <a:txBody>
+                    <a:bodyPr/>
+                    <a:lstStyle/>
+                    <a:p>
+                      <a:pPr algn="l" fontAlgn="b"/>
+                      <a:r>
+                        <a:rPr lang="en-US" sz="500" u="none" strike="noStrike">
+                          <a:effectLst/>
+                        </a:rPr>
+                        <a:t> </a:t>
+                      </a:r>
+                      <a:endParaRPr lang="en-US" sz="500" b="0" i="0" u="none" strike="noStrike">
+                        <a:solidFill>
+                          <a:srgbClr val="000000"/>
+                        </a:solidFill>
+                        <a:effectLst/>
+                        <a:latin typeface="Calibri" panose="020F0502020204030204" pitchFamily="34" charset="0"/>
+                      </a:endParaRPr>
+                    </a:p>
+                  </a:txBody>
+                  <a:tcPr marL="3624" marR="3624" marT="3624" marB="0" anchor="b"/>
+                </a:tc>
+                <a:tc>
+                  <a:txBody>
+                    <a:bodyPr/>
+                    <a:lstStyle/>
+                    <a:p>
+                      <a:pPr algn="l" fontAlgn="b"/>
+                      <a:r>
+                        <a:rPr lang="en-US" sz="500" u="none" strike="noStrike">
+                          <a:effectLst/>
+                        </a:rPr>
+                        <a:t>30-50</a:t>
+                      </a:r>
+                      <a:endParaRPr lang="en-US" sz="500" b="0" i="0" u="none" strike="noStrike">
+                        <a:solidFill>
+                          <a:srgbClr val="000000"/>
+                        </a:solidFill>
+                        <a:effectLst/>
+                        <a:latin typeface="Calibri" panose="020F0502020204030204" pitchFamily="34" charset="0"/>
+                      </a:endParaRPr>
+                    </a:p>
+                  </a:txBody>
+                  <a:tcPr marL="3624" marR="3624" marT="3624" marB="0" anchor="b"/>
+                </a:tc>
+                <a:tc>
+                  <a:txBody>
+                    <a:bodyPr/>
+                    <a:lstStyle/>
+                    <a:p>
+                      <a:pPr algn="l" fontAlgn="b"/>
+                      <a:r>
+                        <a:rPr lang="en-US" sz="500" u="none" strike="noStrike">
+                          <a:effectLst/>
+                        </a:rPr>
+                        <a:t> </a:t>
+                      </a:r>
+                      <a:endParaRPr lang="en-US" sz="500" b="0" i="0" u="none" strike="noStrike">
+                        <a:solidFill>
+                          <a:srgbClr val="000000"/>
+                        </a:solidFill>
+                        <a:effectLst/>
+                        <a:latin typeface="Calibri" panose="020F0502020204030204" pitchFamily="34" charset="0"/>
+                      </a:endParaRPr>
+                    </a:p>
+                  </a:txBody>
+                  <a:tcPr marL="3624" marR="3624" marT="3624" marB="0" anchor="b"/>
+                </a:tc>
+                <a:tc>
+                  <a:txBody>
+                    <a:bodyPr/>
+                    <a:lstStyle/>
+                    <a:p>
+                      <a:pPr algn="l" fontAlgn="b"/>
+                      <a:r>
+                        <a:rPr lang="en-US" sz="500" u="none" strike="noStrike">
+                          <a:effectLst/>
+                        </a:rPr>
+                        <a:t> </a:t>
+                      </a:r>
+                      <a:endParaRPr lang="en-US" sz="500" b="0" i="0" u="none" strike="noStrike">
+                        <a:solidFill>
+                          <a:srgbClr val="000000"/>
+                        </a:solidFill>
+                        <a:effectLst/>
+                        <a:latin typeface="Calibri" panose="020F0502020204030204" pitchFamily="34" charset="0"/>
+                      </a:endParaRPr>
+                    </a:p>
+                  </a:txBody>
+                  <a:tcPr marL="3624" marR="3624" marT="3624" marB="0" anchor="b"/>
+                </a:tc>
+                <a:extLst>
+                  <a:ext uri="{0D108BD9-81ED-4DB2-BD59-A6C34878D82A}">
+                    <a16:rowId xmlns:a16="http://schemas.microsoft.com/office/drawing/2014/main" val="1418641095"/>
+                  </a:ext>
+                </a:extLst>
+              </a:tr>
+              <a:tr h="127321">
+                <a:tc>
+                  <a:txBody>
+                    <a:bodyPr/>
+                    <a:lstStyle/>
+                    <a:p>
+                      <a:pPr algn="l" fontAlgn="b"/>
+                      <a:r>
+                        <a:rPr lang="en-US" sz="500" u="none" strike="noStrike">
+                          <a:effectLst/>
+                        </a:rPr>
+                        <a:t>Hành tây</a:t>
+                      </a:r>
+                      <a:endParaRPr lang="en-US" sz="500" b="0" i="0" u="none" strike="noStrike">
+                        <a:solidFill>
+                          <a:srgbClr val="000000"/>
+                        </a:solidFill>
+                        <a:effectLst/>
+                        <a:latin typeface="Calibri" panose="020F0502020204030204" pitchFamily="34" charset="0"/>
+                      </a:endParaRPr>
+                    </a:p>
+                  </a:txBody>
+                  <a:tcPr marL="3624" marR="3624" marT="3624" marB="0" anchor="b"/>
+                </a:tc>
+                <a:tc>
+                  <a:txBody>
+                    <a:bodyPr/>
+                    <a:lstStyle/>
+                    <a:p>
+                      <a:pPr algn="l" fontAlgn="b"/>
+                      <a:r>
+                        <a:rPr lang="en-US" sz="500" u="none" strike="noStrike">
+                          <a:effectLst/>
+                        </a:rPr>
+                        <a:t>6.4-7.9</a:t>
+                      </a:r>
+                      <a:endParaRPr lang="en-US" sz="500" b="0" i="0" u="none" strike="noStrike">
+                        <a:solidFill>
+                          <a:srgbClr val="000000"/>
+                        </a:solidFill>
+                        <a:effectLst/>
+                        <a:latin typeface="Calibri" panose="020F0502020204030204" pitchFamily="34" charset="0"/>
+                      </a:endParaRPr>
+                    </a:p>
+                  </a:txBody>
+                  <a:tcPr marL="3624" marR="3624" marT="3624" marB="0" anchor="b"/>
+                </a:tc>
+                <a:tc>
+                  <a:txBody>
+                    <a:bodyPr/>
+                    <a:lstStyle/>
+                    <a:p>
+                      <a:pPr algn="l" fontAlgn="b"/>
+                      <a:endParaRPr lang="en-US" sz="500" b="0" i="0" u="none" strike="noStrike">
+                        <a:solidFill>
+                          <a:srgbClr val="000000"/>
+                        </a:solidFill>
+                        <a:effectLst/>
+                        <a:latin typeface="Calibri" panose="020F0502020204030204" pitchFamily="34" charset="0"/>
+                      </a:endParaRPr>
+                    </a:p>
+                  </a:txBody>
+                  <a:tcPr marL="3624" marR="3624" marT="3624" marB="0" anchor="b"/>
+                </a:tc>
+                <a:tc>
+                  <a:txBody>
+                    <a:bodyPr/>
+                    <a:lstStyle/>
+                    <a:p>
+                      <a:pPr algn="l" fontAlgn="b"/>
+                      <a:endParaRPr lang="en-US" sz="500" b="0" i="0" u="none" strike="noStrike">
+                        <a:solidFill>
+                          <a:srgbClr val="000000"/>
+                        </a:solidFill>
+                        <a:effectLst/>
+                        <a:latin typeface="Calibri" panose="020F0502020204030204" pitchFamily="34" charset="0"/>
+                      </a:endParaRPr>
+                    </a:p>
+                  </a:txBody>
+                  <a:tcPr marL="3624" marR="3624" marT="3624" marB="0" anchor="b"/>
+                </a:tc>
+                <a:tc>
+                  <a:txBody>
+                    <a:bodyPr/>
+                    <a:lstStyle/>
+                    <a:p>
+                      <a:pPr algn="l" fontAlgn="b"/>
+                      <a:endParaRPr lang="en-US" sz="500" b="0" i="0" u="none" strike="noStrike">
+                        <a:solidFill>
+                          <a:srgbClr val="000000"/>
+                        </a:solidFill>
+                        <a:effectLst/>
+                        <a:latin typeface="Calibri" panose="020F0502020204030204" pitchFamily="34" charset="0"/>
+                      </a:endParaRPr>
+                    </a:p>
+                  </a:txBody>
+                  <a:tcPr marL="3624" marR="3624" marT="3624" marB="0" anchor="b"/>
+                </a:tc>
+                <a:tc>
+                  <a:txBody>
+                    <a:bodyPr/>
+                    <a:lstStyle/>
+                    <a:p>
+                      <a:pPr algn="l" fontAlgn="b"/>
+                      <a:endParaRPr lang="en-US" sz="500" b="0" i="0" u="none" strike="noStrike">
+                        <a:solidFill>
+                          <a:srgbClr val="000000"/>
+                        </a:solidFill>
+                        <a:effectLst/>
+                        <a:latin typeface="Calibri" panose="020F0502020204030204" pitchFamily="34" charset="0"/>
+                      </a:endParaRPr>
+                    </a:p>
+                  </a:txBody>
+                  <a:tcPr marL="3624" marR="3624" marT="3624" marB="0" anchor="b"/>
+                </a:tc>
+                <a:extLst>
+                  <a:ext uri="{0D108BD9-81ED-4DB2-BD59-A6C34878D82A}">
+                    <a16:rowId xmlns:a16="http://schemas.microsoft.com/office/drawing/2014/main" val="3061280924"/>
+                  </a:ext>
+                </a:extLst>
+              </a:tr>
+              <a:tr h="127321">
+                <a:tc>
+                  <a:txBody>
+                    <a:bodyPr/>
+                    <a:lstStyle/>
+                    <a:p>
+                      <a:pPr algn="l" fontAlgn="b"/>
+                      <a:r>
+                        <a:rPr lang="en-US" sz="500" u="none" strike="noStrike">
+                          <a:effectLst/>
+                        </a:rPr>
+                        <a:t>Cà chua</a:t>
+                      </a:r>
+                      <a:endParaRPr lang="en-US" sz="500" b="0" i="0" u="none" strike="noStrike">
+                        <a:solidFill>
+                          <a:srgbClr val="000000"/>
+                        </a:solidFill>
+                        <a:effectLst/>
+                        <a:latin typeface="Calibri" panose="020F0502020204030204" pitchFamily="34" charset="0"/>
+                      </a:endParaRPr>
+                    </a:p>
+                  </a:txBody>
+                  <a:tcPr marL="3624" marR="3624" marT="3624" marB="0" anchor="b"/>
+                </a:tc>
+                <a:tc>
+                  <a:txBody>
+                    <a:bodyPr/>
+                    <a:lstStyle/>
+                    <a:p>
+                      <a:pPr algn="l" fontAlgn="b"/>
+                      <a:r>
+                        <a:rPr lang="en-US" sz="500" u="none" strike="noStrike">
+                          <a:effectLst/>
+                        </a:rPr>
+                        <a:t>6.3-6.7</a:t>
+                      </a:r>
+                      <a:endParaRPr lang="en-US" sz="500" b="0" i="0" u="none" strike="noStrike">
+                        <a:solidFill>
+                          <a:srgbClr val="000000"/>
+                        </a:solidFill>
+                        <a:effectLst/>
+                        <a:latin typeface="Calibri" panose="020F0502020204030204" pitchFamily="34" charset="0"/>
+                      </a:endParaRPr>
+                    </a:p>
+                  </a:txBody>
+                  <a:tcPr marL="3624" marR="3624" marT="3624" marB="0" anchor="b"/>
+                </a:tc>
+                <a:tc>
+                  <a:txBody>
+                    <a:bodyPr/>
+                    <a:lstStyle/>
+                    <a:p>
+                      <a:pPr algn="l" fontAlgn="b"/>
+                      <a:r>
+                        <a:rPr lang="en-US" sz="500" u="none" strike="noStrike">
+                          <a:effectLst/>
+                        </a:rPr>
+                        <a:t> </a:t>
+                      </a:r>
+                      <a:endParaRPr lang="en-US" sz="500" b="0" i="0" u="none" strike="noStrike">
+                        <a:solidFill>
+                          <a:srgbClr val="000000"/>
+                        </a:solidFill>
+                        <a:effectLst/>
+                        <a:latin typeface="Calibri" panose="020F0502020204030204" pitchFamily="34" charset="0"/>
+                      </a:endParaRPr>
+                    </a:p>
+                  </a:txBody>
+                  <a:tcPr marL="3624" marR="3624" marT="3624" marB="0" anchor="b"/>
+                </a:tc>
+                <a:tc>
+                  <a:txBody>
+                    <a:bodyPr/>
+                    <a:lstStyle/>
+                    <a:p>
+                      <a:pPr algn="l" fontAlgn="b"/>
+                      <a:r>
+                        <a:rPr lang="en-US" sz="500" u="none" strike="noStrike">
+                          <a:effectLst/>
+                        </a:rPr>
+                        <a:t> </a:t>
+                      </a:r>
+                      <a:endParaRPr lang="en-US" sz="500" b="0" i="0" u="none" strike="noStrike">
+                        <a:solidFill>
+                          <a:srgbClr val="000000"/>
+                        </a:solidFill>
+                        <a:effectLst/>
+                        <a:latin typeface="Calibri" panose="020F0502020204030204" pitchFamily="34" charset="0"/>
+                      </a:endParaRPr>
+                    </a:p>
+                  </a:txBody>
+                  <a:tcPr marL="3624" marR="3624" marT="3624" marB="0" anchor="b"/>
+                </a:tc>
+                <a:tc>
+                  <a:txBody>
+                    <a:bodyPr/>
+                    <a:lstStyle/>
+                    <a:p>
+                      <a:pPr algn="l" fontAlgn="b"/>
+                      <a:r>
+                        <a:rPr lang="en-US" sz="500" u="none" strike="noStrike">
+                          <a:effectLst/>
+                        </a:rPr>
+                        <a:t> </a:t>
+                      </a:r>
+                      <a:endParaRPr lang="en-US" sz="500" b="0" i="0" u="none" strike="noStrike">
+                        <a:solidFill>
+                          <a:srgbClr val="000000"/>
+                        </a:solidFill>
+                        <a:effectLst/>
+                        <a:latin typeface="Calibri" panose="020F0502020204030204" pitchFamily="34" charset="0"/>
+                      </a:endParaRPr>
+                    </a:p>
+                  </a:txBody>
+                  <a:tcPr marL="3624" marR="3624" marT="3624" marB="0" anchor="b"/>
+                </a:tc>
+                <a:tc>
+                  <a:txBody>
+                    <a:bodyPr/>
+                    <a:lstStyle/>
+                    <a:p>
+                      <a:pPr algn="l" fontAlgn="b"/>
+                      <a:r>
+                        <a:rPr lang="en-US" sz="500" u="none" strike="noStrike">
+                          <a:effectLst/>
+                        </a:rPr>
+                        <a:t> </a:t>
+                      </a:r>
+                      <a:endParaRPr lang="en-US" sz="500" b="0" i="0" u="none" strike="noStrike">
+                        <a:solidFill>
+                          <a:srgbClr val="000000"/>
+                        </a:solidFill>
+                        <a:effectLst/>
+                        <a:latin typeface="Calibri" panose="020F0502020204030204" pitchFamily="34" charset="0"/>
+                      </a:endParaRPr>
+                    </a:p>
+                  </a:txBody>
+                  <a:tcPr marL="3624" marR="3624" marT="3624" marB="0" anchor="b"/>
+                </a:tc>
+                <a:extLst>
+                  <a:ext uri="{0D108BD9-81ED-4DB2-BD59-A6C34878D82A}">
+                    <a16:rowId xmlns:a16="http://schemas.microsoft.com/office/drawing/2014/main" val="2137722100"/>
+                  </a:ext>
+                </a:extLst>
+              </a:tr>
+              <a:tr h="127321">
+                <a:tc>
+                  <a:txBody>
+                    <a:bodyPr/>
+                    <a:lstStyle/>
+                    <a:p>
+                      <a:pPr algn="l" fontAlgn="b"/>
+                      <a:r>
+                        <a:rPr lang="en-US" sz="500" u="none" strike="noStrike">
+                          <a:effectLst/>
+                        </a:rPr>
+                        <a:t>Trà</a:t>
+                      </a:r>
+                      <a:endParaRPr lang="en-US" sz="500" b="0" i="0" u="none" strike="noStrike">
+                        <a:solidFill>
+                          <a:srgbClr val="000000"/>
+                        </a:solidFill>
+                        <a:effectLst/>
+                        <a:latin typeface="Calibri" panose="020F0502020204030204" pitchFamily="34" charset="0"/>
+                      </a:endParaRPr>
+                    </a:p>
+                  </a:txBody>
+                  <a:tcPr marL="3624" marR="3624" marT="3624" marB="0" anchor="b"/>
+                </a:tc>
+                <a:tc>
+                  <a:txBody>
+                    <a:bodyPr/>
+                    <a:lstStyle/>
+                    <a:p>
+                      <a:pPr algn="l" fontAlgn="b"/>
+                      <a:r>
+                        <a:rPr lang="en-US" sz="500" u="none" strike="noStrike">
+                          <a:effectLst/>
+                        </a:rPr>
+                        <a:t>5.0 – 6.0</a:t>
+                      </a:r>
+                      <a:endParaRPr lang="en-US" sz="500" b="0" i="0" u="none" strike="noStrike">
+                        <a:solidFill>
+                          <a:srgbClr val="000000"/>
+                        </a:solidFill>
+                        <a:effectLst/>
+                        <a:latin typeface="Calibri" panose="020F0502020204030204" pitchFamily="34" charset="0"/>
+                      </a:endParaRPr>
+                    </a:p>
+                  </a:txBody>
+                  <a:tcPr marL="3624" marR="3624" marT="3624" marB="0" anchor="b"/>
+                </a:tc>
+                <a:tc>
+                  <a:txBody>
+                    <a:bodyPr/>
+                    <a:lstStyle/>
+                    <a:p>
+                      <a:pPr algn="l" fontAlgn="b"/>
+                      <a:endParaRPr lang="en-US" sz="500" b="0" i="0" u="none" strike="noStrike">
+                        <a:solidFill>
+                          <a:srgbClr val="000000"/>
+                        </a:solidFill>
+                        <a:effectLst/>
+                        <a:latin typeface="Calibri" panose="020F0502020204030204" pitchFamily="34" charset="0"/>
+                      </a:endParaRPr>
+                    </a:p>
+                  </a:txBody>
+                  <a:tcPr marL="3624" marR="3624" marT="3624" marB="0" anchor="b"/>
+                </a:tc>
+                <a:tc>
+                  <a:txBody>
+                    <a:bodyPr/>
+                    <a:lstStyle/>
+                    <a:p>
+                      <a:pPr algn="l" fontAlgn="b"/>
+                      <a:endParaRPr lang="en-US" sz="500" b="0" i="0" u="none" strike="noStrike">
+                        <a:solidFill>
+                          <a:srgbClr val="000000"/>
+                        </a:solidFill>
+                        <a:effectLst/>
+                        <a:latin typeface="Calibri" panose="020F0502020204030204" pitchFamily="34" charset="0"/>
+                      </a:endParaRPr>
+                    </a:p>
+                  </a:txBody>
+                  <a:tcPr marL="3624" marR="3624" marT="3624" marB="0" anchor="b"/>
+                </a:tc>
+                <a:tc>
+                  <a:txBody>
+                    <a:bodyPr/>
+                    <a:lstStyle/>
+                    <a:p>
+                      <a:pPr algn="l" fontAlgn="b"/>
+                      <a:endParaRPr lang="en-US" sz="500" b="0" i="0" u="none" strike="noStrike">
+                        <a:solidFill>
+                          <a:srgbClr val="000000"/>
+                        </a:solidFill>
+                        <a:effectLst/>
+                        <a:latin typeface="Calibri" panose="020F0502020204030204" pitchFamily="34" charset="0"/>
+                      </a:endParaRPr>
+                    </a:p>
+                  </a:txBody>
+                  <a:tcPr marL="3624" marR="3624" marT="3624" marB="0" anchor="b"/>
+                </a:tc>
+                <a:tc>
+                  <a:txBody>
+                    <a:bodyPr/>
+                    <a:lstStyle/>
+                    <a:p>
+                      <a:pPr algn="l" fontAlgn="b"/>
+                      <a:endParaRPr lang="en-US" sz="500" b="0" i="0" u="none" strike="noStrike">
+                        <a:solidFill>
+                          <a:srgbClr val="000000"/>
+                        </a:solidFill>
+                        <a:effectLst/>
+                        <a:latin typeface="Calibri" panose="020F0502020204030204" pitchFamily="34" charset="0"/>
+                      </a:endParaRPr>
+                    </a:p>
+                  </a:txBody>
+                  <a:tcPr marL="3624" marR="3624" marT="3624" marB="0" anchor="b"/>
+                </a:tc>
+                <a:extLst>
+                  <a:ext uri="{0D108BD9-81ED-4DB2-BD59-A6C34878D82A}">
+                    <a16:rowId xmlns:a16="http://schemas.microsoft.com/office/drawing/2014/main" val="666624346"/>
+                  </a:ext>
+                </a:extLst>
+              </a:tr>
+              <a:tr h="127321">
+                <a:tc>
+                  <a:txBody>
+                    <a:bodyPr/>
+                    <a:lstStyle/>
+                    <a:p>
+                      <a:pPr algn="l" fontAlgn="b"/>
+                      <a:r>
+                        <a:rPr lang="en-US" sz="500" u="none" strike="noStrike">
+                          <a:effectLst/>
+                        </a:rPr>
+                        <a:t>Cây tiêu</a:t>
+                      </a:r>
+                      <a:endParaRPr lang="en-US" sz="500" b="0" i="0" u="none" strike="noStrike">
+                        <a:solidFill>
+                          <a:srgbClr val="000000"/>
+                        </a:solidFill>
+                        <a:effectLst/>
+                        <a:latin typeface="Calibri" panose="020F0502020204030204" pitchFamily="34" charset="0"/>
+                      </a:endParaRPr>
+                    </a:p>
+                  </a:txBody>
+                  <a:tcPr marL="3624" marR="3624" marT="3624" marB="0" anchor="b"/>
+                </a:tc>
+                <a:tc>
+                  <a:txBody>
+                    <a:bodyPr/>
+                    <a:lstStyle/>
+                    <a:p>
+                      <a:pPr algn="l" fontAlgn="b"/>
+                      <a:r>
+                        <a:rPr lang="en-US" sz="500" u="none" strike="noStrike">
+                          <a:effectLst/>
+                        </a:rPr>
+                        <a:t>5.5 – 7.0</a:t>
+                      </a:r>
+                      <a:endParaRPr lang="en-US" sz="500" b="0" i="0" u="none" strike="noStrike">
+                        <a:solidFill>
+                          <a:srgbClr val="000000"/>
+                        </a:solidFill>
+                        <a:effectLst/>
+                        <a:latin typeface="Calibri" panose="020F0502020204030204" pitchFamily="34" charset="0"/>
+                      </a:endParaRPr>
+                    </a:p>
+                  </a:txBody>
+                  <a:tcPr marL="3624" marR="3624" marT="3624" marB="0" anchor="b"/>
+                </a:tc>
+                <a:tc>
+                  <a:txBody>
+                    <a:bodyPr/>
+                    <a:lstStyle/>
+                    <a:p>
+                      <a:pPr algn="l" fontAlgn="b"/>
+                      <a:r>
+                        <a:rPr lang="en-US" sz="500" u="none" strike="noStrike">
+                          <a:effectLst/>
+                        </a:rPr>
+                        <a:t> </a:t>
+                      </a:r>
+                      <a:endParaRPr lang="en-US" sz="500" b="0" i="0" u="none" strike="noStrike">
+                        <a:solidFill>
+                          <a:srgbClr val="000000"/>
+                        </a:solidFill>
+                        <a:effectLst/>
+                        <a:latin typeface="Calibri" panose="020F0502020204030204" pitchFamily="34" charset="0"/>
+                      </a:endParaRPr>
+                    </a:p>
+                  </a:txBody>
+                  <a:tcPr marL="3624" marR="3624" marT="3624" marB="0" anchor="b"/>
+                </a:tc>
+                <a:tc>
+                  <a:txBody>
+                    <a:bodyPr/>
+                    <a:lstStyle/>
+                    <a:p>
+                      <a:pPr algn="l" fontAlgn="b"/>
+                      <a:r>
+                        <a:rPr lang="en-US" sz="500" u="none" strike="noStrike">
+                          <a:effectLst/>
+                        </a:rPr>
+                        <a:t> </a:t>
+                      </a:r>
+                      <a:endParaRPr lang="en-US" sz="500" b="0" i="0" u="none" strike="noStrike">
+                        <a:solidFill>
+                          <a:srgbClr val="000000"/>
+                        </a:solidFill>
+                        <a:effectLst/>
+                        <a:latin typeface="Calibri" panose="020F0502020204030204" pitchFamily="34" charset="0"/>
+                      </a:endParaRPr>
+                    </a:p>
+                  </a:txBody>
+                  <a:tcPr marL="3624" marR="3624" marT="3624" marB="0" anchor="b"/>
+                </a:tc>
+                <a:tc>
+                  <a:txBody>
+                    <a:bodyPr/>
+                    <a:lstStyle/>
+                    <a:p>
+                      <a:pPr algn="l" fontAlgn="b"/>
+                      <a:r>
+                        <a:rPr lang="en-US" sz="500" u="none" strike="noStrike">
+                          <a:effectLst/>
+                        </a:rPr>
+                        <a:t> </a:t>
+                      </a:r>
+                      <a:endParaRPr lang="en-US" sz="500" b="0" i="0" u="none" strike="noStrike">
+                        <a:solidFill>
+                          <a:srgbClr val="000000"/>
+                        </a:solidFill>
+                        <a:effectLst/>
+                        <a:latin typeface="Calibri" panose="020F0502020204030204" pitchFamily="34" charset="0"/>
+                      </a:endParaRPr>
+                    </a:p>
+                  </a:txBody>
+                  <a:tcPr marL="3624" marR="3624" marT="3624" marB="0" anchor="b"/>
+                </a:tc>
+                <a:tc>
+                  <a:txBody>
+                    <a:bodyPr/>
+                    <a:lstStyle/>
+                    <a:p>
+                      <a:pPr algn="l" fontAlgn="b"/>
+                      <a:r>
+                        <a:rPr lang="en-US" sz="500" u="none" strike="noStrike">
+                          <a:effectLst/>
+                        </a:rPr>
+                        <a:t> </a:t>
+                      </a:r>
+                      <a:endParaRPr lang="en-US" sz="500" b="0" i="0" u="none" strike="noStrike">
+                        <a:solidFill>
+                          <a:srgbClr val="000000"/>
+                        </a:solidFill>
+                        <a:effectLst/>
+                        <a:latin typeface="Calibri" panose="020F0502020204030204" pitchFamily="34" charset="0"/>
+                      </a:endParaRPr>
+                    </a:p>
+                  </a:txBody>
+                  <a:tcPr marL="3624" marR="3624" marT="3624" marB="0" anchor="b"/>
+                </a:tc>
+                <a:extLst>
+                  <a:ext uri="{0D108BD9-81ED-4DB2-BD59-A6C34878D82A}">
+                    <a16:rowId xmlns:a16="http://schemas.microsoft.com/office/drawing/2014/main" val="4054941783"/>
+                  </a:ext>
+                </a:extLst>
+              </a:tr>
+              <a:tr h="127321">
+                <a:tc>
+                  <a:txBody>
+                    <a:bodyPr/>
+                    <a:lstStyle/>
+                    <a:p>
+                      <a:pPr algn="l" fontAlgn="b"/>
+                      <a:r>
+                        <a:rPr lang="en-US" sz="500" u="none" strike="noStrike">
+                          <a:effectLst/>
+                        </a:rPr>
+                        <a:t>Thuốc lá</a:t>
+                      </a:r>
+                      <a:endParaRPr lang="en-US" sz="500" b="0" i="0" u="none" strike="noStrike">
+                        <a:solidFill>
+                          <a:srgbClr val="000000"/>
+                        </a:solidFill>
+                        <a:effectLst/>
+                        <a:latin typeface="Calibri" panose="020F0502020204030204" pitchFamily="34" charset="0"/>
+                      </a:endParaRPr>
+                    </a:p>
+                  </a:txBody>
+                  <a:tcPr marL="3624" marR="3624" marT="3624" marB="0" anchor="b"/>
+                </a:tc>
+                <a:tc>
+                  <a:txBody>
+                    <a:bodyPr/>
+                    <a:lstStyle/>
+                    <a:p>
+                      <a:pPr algn="l" fontAlgn="b"/>
+                      <a:r>
+                        <a:rPr lang="en-US" sz="500" u="none" strike="noStrike">
+                          <a:effectLst/>
+                        </a:rPr>
+                        <a:t>5.5 – 6.5</a:t>
+                      </a:r>
+                      <a:endParaRPr lang="en-US" sz="500" b="0" i="0" u="none" strike="noStrike">
+                        <a:solidFill>
+                          <a:srgbClr val="000000"/>
+                        </a:solidFill>
+                        <a:effectLst/>
+                        <a:latin typeface="Calibri" panose="020F0502020204030204" pitchFamily="34" charset="0"/>
+                      </a:endParaRPr>
+                    </a:p>
+                  </a:txBody>
+                  <a:tcPr marL="3624" marR="3624" marT="3624" marB="0" anchor="b"/>
+                </a:tc>
+                <a:tc>
+                  <a:txBody>
+                    <a:bodyPr/>
+                    <a:lstStyle/>
+                    <a:p>
+                      <a:pPr algn="l" fontAlgn="b"/>
+                      <a:endParaRPr lang="en-US" sz="500" b="0" i="0" u="none" strike="noStrike">
+                        <a:solidFill>
+                          <a:srgbClr val="000000"/>
+                        </a:solidFill>
+                        <a:effectLst/>
+                        <a:latin typeface="Calibri" panose="020F0502020204030204" pitchFamily="34" charset="0"/>
+                      </a:endParaRPr>
+                    </a:p>
+                  </a:txBody>
+                  <a:tcPr marL="3624" marR="3624" marT="3624" marB="0" anchor="b"/>
+                </a:tc>
+                <a:tc>
+                  <a:txBody>
+                    <a:bodyPr/>
+                    <a:lstStyle/>
+                    <a:p>
+                      <a:pPr algn="l" fontAlgn="b"/>
+                      <a:endParaRPr lang="en-US" sz="500" b="0" i="0" u="none" strike="noStrike">
+                        <a:solidFill>
+                          <a:srgbClr val="000000"/>
+                        </a:solidFill>
+                        <a:effectLst/>
+                        <a:latin typeface="Calibri" panose="020F0502020204030204" pitchFamily="34" charset="0"/>
+                      </a:endParaRPr>
+                    </a:p>
+                  </a:txBody>
+                  <a:tcPr marL="3624" marR="3624" marT="3624" marB="0" anchor="b"/>
+                </a:tc>
+                <a:tc>
+                  <a:txBody>
+                    <a:bodyPr/>
+                    <a:lstStyle/>
+                    <a:p>
+                      <a:pPr algn="l" fontAlgn="b"/>
+                      <a:endParaRPr lang="en-US" sz="500" b="0" i="0" u="none" strike="noStrike">
+                        <a:solidFill>
+                          <a:srgbClr val="000000"/>
+                        </a:solidFill>
+                        <a:effectLst/>
+                        <a:latin typeface="Calibri" panose="020F0502020204030204" pitchFamily="34" charset="0"/>
+                      </a:endParaRPr>
+                    </a:p>
+                  </a:txBody>
+                  <a:tcPr marL="3624" marR="3624" marT="3624" marB="0" anchor="b"/>
+                </a:tc>
+                <a:tc>
+                  <a:txBody>
+                    <a:bodyPr/>
+                    <a:lstStyle/>
+                    <a:p>
+                      <a:pPr algn="l" fontAlgn="b"/>
+                      <a:endParaRPr lang="en-US" sz="500" b="0" i="0" u="none" strike="noStrike">
+                        <a:solidFill>
+                          <a:srgbClr val="000000"/>
+                        </a:solidFill>
+                        <a:effectLst/>
+                        <a:latin typeface="Calibri" panose="020F0502020204030204" pitchFamily="34" charset="0"/>
+                      </a:endParaRPr>
+                    </a:p>
+                  </a:txBody>
+                  <a:tcPr marL="3624" marR="3624" marT="3624" marB="0" anchor="b"/>
+                </a:tc>
+                <a:extLst>
+                  <a:ext uri="{0D108BD9-81ED-4DB2-BD59-A6C34878D82A}">
+                    <a16:rowId xmlns:a16="http://schemas.microsoft.com/office/drawing/2014/main" val="4188694522"/>
+                  </a:ext>
+                </a:extLst>
+              </a:tr>
+              <a:tr h="127321">
+                <a:tc>
+                  <a:txBody>
+                    <a:bodyPr/>
+                    <a:lstStyle/>
+                    <a:p>
+                      <a:pPr algn="l" fontAlgn="b"/>
+                      <a:r>
+                        <a:rPr lang="en-US" sz="500" u="none" strike="noStrike">
+                          <a:effectLst/>
+                        </a:rPr>
+                        <a:t>Thanh long</a:t>
+                      </a:r>
+                      <a:endParaRPr lang="en-US" sz="500" b="0" i="0" u="none" strike="noStrike">
+                        <a:solidFill>
+                          <a:srgbClr val="000000"/>
+                        </a:solidFill>
+                        <a:effectLst/>
+                        <a:latin typeface="Calibri" panose="020F0502020204030204" pitchFamily="34" charset="0"/>
+                      </a:endParaRPr>
+                    </a:p>
+                  </a:txBody>
+                  <a:tcPr marL="3624" marR="3624" marT="3624" marB="0" anchor="b"/>
+                </a:tc>
+                <a:tc>
+                  <a:txBody>
+                    <a:bodyPr/>
+                    <a:lstStyle/>
+                    <a:p>
+                      <a:pPr algn="l" fontAlgn="b"/>
+                      <a:r>
+                        <a:rPr lang="en-US" sz="500" u="none" strike="noStrike">
+                          <a:effectLst/>
+                        </a:rPr>
+                        <a:t>4.0 – 6.0</a:t>
+                      </a:r>
+                      <a:endParaRPr lang="en-US" sz="500" b="0" i="0" u="none" strike="noStrike">
+                        <a:solidFill>
+                          <a:srgbClr val="000000"/>
+                        </a:solidFill>
+                        <a:effectLst/>
+                        <a:latin typeface="Calibri" panose="020F0502020204030204" pitchFamily="34" charset="0"/>
+                      </a:endParaRPr>
+                    </a:p>
+                  </a:txBody>
+                  <a:tcPr marL="3624" marR="3624" marT="3624" marB="0" anchor="b"/>
+                </a:tc>
+                <a:tc>
+                  <a:txBody>
+                    <a:bodyPr/>
+                    <a:lstStyle/>
+                    <a:p>
+                      <a:pPr algn="l" fontAlgn="b"/>
+                      <a:r>
+                        <a:rPr lang="en-US" sz="500" u="none" strike="noStrike">
+                          <a:effectLst/>
+                        </a:rPr>
+                        <a:t> </a:t>
+                      </a:r>
+                      <a:endParaRPr lang="en-US" sz="500" b="0" i="0" u="none" strike="noStrike">
+                        <a:solidFill>
+                          <a:srgbClr val="000000"/>
+                        </a:solidFill>
+                        <a:effectLst/>
+                        <a:latin typeface="Calibri" panose="020F0502020204030204" pitchFamily="34" charset="0"/>
+                      </a:endParaRPr>
+                    </a:p>
+                  </a:txBody>
+                  <a:tcPr marL="3624" marR="3624" marT="3624" marB="0" anchor="b"/>
+                </a:tc>
+                <a:tc>
+                  <a:txBody>
+                    <a:bodyPr/>
+                    <a:lstStyle/>
+                    <a:p>
+                      <a:pPr algn="l" fontAlgn="b"/>
+                      <a:r>
+                        <a:rPr lang="en-US" sz="500" u="none" strike="noStrike">
+                          <a:effectLst/>
+                        </a:rPr>
+                        <a:t> </a:t>
+                      </a:r>
+                      <a:endParaRPr lang="en-US" sz="500" b="0" i="0" u="none" strike="noStrike">
+                        <a:solidFill>
+                          <a:srgbClr val="000000"/>
+                        </a:solidFill>
+                        <a:effectLst/>
+                        <a:latin typeface="Calibri" panose="020F0502020204030204" pitchFamily="34" charset="0"/>
+                      </a:endParaRPr>
+                    </a:p>
+                  </a:txBody>
+                  <a:tcPr marL="3624" marR="3624" marT="3624" marB="0" anchor="b"/>
+                </a:tc>
+                <a:tc>
+                  <a:txBody>
+                    <a:bodyPr/>
+                    <a:lstStyle/>
+                    <a:p>
+                      <a:pPr algn="l" fontAlgn="b"/>
+                      <a:r>
+                        <a:rPr lang="en-US" sz="500" u="none" strike="noStrike">
+                          <a:effectLst/>
+                        </a:rPr>
+                        <a:t> </a:t>
+                      </a:r>
+                      <a:endParaRPr lang="en-US" sz="500" b="0" i="0" u="none" strike="noStrike">
+                        <a:solidFill>
+                          <a:srgbClr val="000000"/>
+                        </a:solidFill>
+                        <a:effectLst/>
+                        <a:latin typeface="Calibri" panose="020F0502020204030204" pitchFamily="34" charset="0"/>
+                      </a:endParaRPr>
+                    </a:p>
+                  </a:txBody>
+                  <a:tcPr marL="3624" marR="3624" marT="3624" marB="0" anchor="b"/>
+                </a:tc>
+                <a:tc>
+                  <a:txBody>
+                    <a:bodyPr/>
+                    <a:lstStyle/>
+                    <a:p>
+                      <a:pPr algn="l" fontAlgn="b"/>
+                      <a:r>
+                        <a:rPr lang="en-US" sz="500" u="none" strike="noStrike">
+                          <a:effectLst/>
+                        </a:rPr>
+                        <a:t> </a:t>
+                      </a:r>
+                      <a:endParaRPr lang="en-US" sz="500" b="0" i="0" u="none" strike="noStrike">
+                        <a:solidFill>
+                          <a:srgbClr val="000000"/>
+                        </a:solidFill>
+                        <a:effectLst/>
+                        <a:latin typeface="Calibri" panose="020F0502020204030204" pitchFamily="34" charset="0"/>
+                      </a:endParaRPr>
+                    </a:p>
+                  </a:txBody>
+                  <a:tcPr marL="3624" marR="3624" marT="3624" marB="0" anchor="b"/>
+                </a:tc>
+                <a:extLst>
+                  <a:ext uri="{0D108BD9-81ED-4DB2-BD59-A6C34878D82A}">
+                    <a16:rowId xmlns:a16="http://schemas.microsoft.com/office/drawing/2014/main" val="637278843"/>
+                  </a:ext>
+                </a:extLst>
+              </a:tr>
+              <a:tr h="127321">
+                <a:tc>
+                  <a:txBody>
+                    <a:bodyPr/>
+                    <a:lstStyle/>
+                    <a:p>
+                      <a:pPr algn="l" fontAlgn="b"/>
+                      <a:r>
+                        <a:rPr lang="vi-VN" sz="500" u="none" strike="noStrike">
+                          <a:effectLst/>
+                        </a:rPr>
+                        <a:t>Súp lơ</a:t>
+                      </a:r>
+                      <a:endParaRPr lang="vi-VN" sz="500" b="0" i="0" u="none" strike="noStrike">
+                        <a:solidFill>
+                          <a:srgbClr val="000000"/>
+                        </a:solidFill>
+                        <a:effectLst/>
+                        <a:latin typeface="Calibri" panose="020F0502020204030204" pitchFamily="34" charset="0"/>
+                      </a:endParaRPr>
+                    </a:p>
+                  </a:txBody>
+                  <a:tcPr marL="3624" marR="3624" marT="3624" marB="0" anchor="b"/>
+                </a:tc>
+                <a:tc>
+                  <a:txBody>
+                    <a:bodyPr/>
+                    <a:lstStyle/>
+                    <a:p>
+                      <a:pPr algn="l" fontAlgn="b"/>
+                      <a:r>
+                        <a:rPr lang="en-US" sz="500" u="none" strike="noStrike">
+                          <a:effectLst/>
+                        </a:rPr>
+                        <a:t>5.5 – 7.0</a:t>
+                      </a:r>
+                      <a:endParaRPr lang="en-US" sz="500" b="0" i="0" u="none" strike="noStrike">
+                        <a:solidFill>
+                          <a:srgbClr val="000000"/>
+                        </a:solidFill>
+                        <a:effectLst/>
+                        <a:latin typeface="Calibri" panose="020F0502020204030204" pitchFamily="34" charset="0"/>
+                      </a:endParaRPr>
+                    </a:p>
+                  </a:txBody>
+                  <a:tcPr marL="3624" marR="3624" marT="3624" marB="0" anchor="b"/>
+                </a:tc>
+                <a:tc>
+                  <a:txBody>
+                    <a:bodyPr/>
+                    <a:lstStyle/>
+                    <a:p>
+                      <a:pPr algn="l" fontAlgn="b"/>
+                      <a:endParaRPr lang="en-US" sz="500" b="0" i="0" u="none" strike="noStrike">
+                        <a:solidFill>
+                          <a:srgbClr val="000000"/>
+                        </a:solidFill>
+                        <a:effectLst/>
+                        <a:latin typeface="Calibri" panose="020F0502020204030204" pitchFamily="34" charset="0"/>
+                      </a:endParaRPr>
+                    </a:p>
+                  </a:txBody>
+                  <a:tcPr marL="3624" marR="3624" marT="3624" marB="0" anchor="b"/>
+                </a:tc>
+                <a:tc>
+                  <a:txBody>
+                    <a:bodyPr/>
+                    <a:lstStyle/>
+                    <a:p>
+                      <a:pPr algn="l" fontAlgn="b"/>
+                      <a:endParaRPr lang="en-US" sz="500" b="0" i="0" u="none" strike="noStrike">
+                        <a:solidFill>
+                          <a:srgbClr val="000000"/>
+                        </a:solidFill>
+                        <a:effectLst/>
+                        <a:latin typeface="Calibri" panose="020F0502020204030204" pitchFamily="34" charset="0"/>
+                      </a:endParaRPr>
+                    </a:p>
+                  </a:txBody>
+                  <a:tcPr marL="3624" marR="3624" marT="3624" marB="0" anchor="b"/>
+                </a:tc>
+                <a:tc>
+                  <a:txBody>
+                    <a:bodyPr/>
+                    <a:lstStyle/>
+                    <a:p>
+                      <a:pPr algn="l" fontAlgn="b"/>
+                      <a:endParaRPr lang="en-US" sz="500" b="0" i="0" u="none" strike="noStrike">
+                        <a:solidFill>
+                          <a:srgbClr val="000000"/>
+                        </a:solidFill>
+                        <a:effectLst/>
+                        <a:latin typeface="Calibri" panose="020F0502020204030204" pitchFamily="34" charset="0"/>
+                      </a:endParaRPr>
+                    </a:p>
+                  </a:txBody>
+                  <a:tcPr marL="3624" marR="3624" marT="3624" marB="0" anchor="b"/>
+                </a:tc>
+                <a:tc>
+                  <a:txBody>
+                    <a:bodyPr/>
+                    <a:lstStyle/>
+                    <a:p>
+                      <a:pPr algn="l" fontAlgn="b"/>
+                      <a:endParaRPr lang="en-US" sz="500" b="0" i="0" u="none" strike="noStrike">
+                        <a:solidFill>
+                          <a:srgbClr val="000000"/>
+                        </a:solidFill>
+                        <a:effectLst/>
+                        <a:latin typeface="Calibri" panose="020F0502020204030204" pitchFamily="34" charset="0"/>
+                      </a:endParaRPr>
+                    </a:p>
+                  </a:txBody>
+                  <a:tcPr marL="3624" marR="3624" marT="3624" marB="0" anchor="b"/>
+                </a:tc>
+                <a:extLst>
+                  <a:ext uri="{0D108BD9-81ED-4DB2-BD59-A6C34878D82A}">
+                    <a16:rowId xmlns:a16="http://schemas.microsoft.com/office/drawing/2014/main" val="496736508"/>
+                  </a:ext>
+                </a:extLst>
+              </a:tr>
+              <a:tr h="127321">
+                <a:tc>
+                  <a:txBody>
+                    <a:bodyPr/>
+                    <a:lstStyle/>
+                    <a:p>
+                      <a:pPr algn="l" fontAlgn="b"/>
+                      <a:r>
+                        <a:rPr lang="en-US" sz="500" u="none" strike="noStrike">
+                          <a:effectLst/>
+                        </a:rPr>
+                        <a:t>Ớt</a:t>
+                      </a:r>
+                      <a:endParaRPr lang="en-US" sz="500" b="0" i="0" u="none" strike="noStrike">
+                        <a:solidFill>
+                          <a:srgbClr val="000000"/>
+                        </a:solidFill>
+                        <a:effectLst/>
+                        <a:latin typeface="Calibri" panose="020F0502020204030204" pitchFamily="34" charset="0"/>
+                      </a:endParaRPr>
+                    </a:p>
+                  </a:txBody>
+                  <a:tcPr marL="3624" marR="3624" marT="3624" marB="0" anchor="b"/>
+                </a:tc>
+                <a:tc>
+                  <a:txBody>
+                    <a:bodyPr/>
+                    <a:lstStyle/>
+                    <a:p>
+                      <a:pPr algn="l" fontAlgn="b"/>
+                      <a:r>
+                        <a:rPr lang="en-US" sz="500" u="none" strike="noStrike">
+                          <a:effectLst/>
+                        </a:rPr>
+                        <a:t>6.0 – 7.5</a:t>
+                      </a:r>
+                      <a:endParaRPr lang="en-US" sz="500" b="0" i="0" u="none" strike="noStrike">
+                        <a:solidFill>
+                          <a:srgbClr val="000000"/>
+                        </a:solidFill>
+                        <a:effectLst/>
+                        <a:latin typeface="Calibri" panose="020F0502020204030204" pitchFamily="34" charset="0"/>
+                      </a:endParaRPr>
+                    </a:p>
+                  </a:txBody>
+                  <a:tcPr marL="3624" marR="3624" marT="3624" marB="0" anchor="b"/>
+                </a:tc>
+                <a:tc>
+                  <a:txBody>
+                    <a:bodyPr/>
+                    <a:lstStyle/>
+                    <a:p>
+                      <a:pPr algn="l" fontAlgn="b"/>
+                      <a:r>
+                        <a:rPr lang="en-US" sz="500" u="none" strike="noStrike">
+                          <a:effectLst/>
+                        </a:rPr>
+                        <a:t> </a:t>
+                      </a:r>
+                      <a:endParaRPr lang="en-US" sz="500" b="0" i="0" u="none" strike="noStrike">
+                        <a:solidFill>
+                          <a:srgbClr val="000000"/>
+                        </a:solidFill>
+                        <a:effectLst/>
+                        <a:latin typeface="Calibri" panose="020F0502020204030204" pitchFamily="34" charset="0"/>
+                      </a:endParaRPr>
+                    </a:p>
+                  </a:txBody>
+                  <a:tcPr marL="3624" marR="3624" marT="3624" marB="0" anchor="b"/>
+                </a:tc>
+                <a:tc>
+                  <a:txBody>
+                    <a:bodyPr/>
+                    <a:lstStyle/>
+                    <a:p>
+                      <a:pPr algn="l" fontAlgn="b"/>
+                      <a:r>
+                        <a:rPr lang="en-US" sz="500" u="none" strike="noStrike">
+                          <a:effectLst/>
+                        </a:rPr>
+                        <a:t> </a:t>
+                      </a:r>
+                      <a:endParaRPr lang="en-US" sz="500" b="0" i="0" u="none" strike="noStrike">
+                        <a:solidFill>
+                          <a:srgbClr val="000000"/>
+                        </a:solidFill>
+                        <a:effectLst/>
+                        <a:latin typeface="Calibri" panose="020F0502020204030204" pitchFamily="34" charset="0"/>
+                      </a:endParaRPr>
+                    </a:p>
+                  </a:txBody>
+                  <a:tcPr marL="3624" marR="3624" marT="3624" marB="0" anchor="b"/>
+                </a:tc>
+                <a:tc>
+                  <a:txBody>
+                    <a:bodyPr/>
+                    <a:lstStyle/>
+                    <a:p>
+                      <a:pPr algn="l" fontAlgn="b"/>
+                      <a:r>
+                        <a:rPr lang="en-US" sz="500" u="none" strike="noStrike">
+                          <a:effectLst/>
+                        </a:rPr>
+                        <a:t> </a:t>
+                      </a:r>
+                      <a:endParaRPr lang="en-US" sz="500" b="0" i="0" u="none" strike="noStrike">
+                        <a:solidFill>
+                          <a:srgbClr val="000000"/>
+                        </a:solidFill>
+                        <a:effectLst/>
+                        <a:latin typeface="Calibri" panose="020F0502020204030204" pitchFamily="34" charset="0"/>
+                      </a:endParaRPr>
+                    </a:p>
+                  </a:txBody>
+                  <a:tcPr marL="3624" marR="3624" marT="3624" marB="0" anchor="b"/>
+                </a:tc>
+                <a:tc>
+                  <a:txBody>
+                    <a:bodyPr/>
+                    <a:lstStyle/>
+                    <a:p>
+                      <a:pPr algn="l" fontAlgn="b"/>
+                      <a:r>
+                        <a:rPr lang="en-US" sz="500" u="none" strike="noStrike">
+                          <a:effectLst/>
+                        </a:rPr>
+                        <a:t> </a:t>
+                      </a:r>
+                      <a:endParaRPr lang="en-US" sz="500" b="0" i="0" u="none" strike="noStrike">
+                        <a:solidFill>
+                          <a:srgbClr val="000000"/>
+                        </a:solidFill>
+                        <a:effectLst/>
+                        <a:latin typeface="Calibri" panose="020F0502020204030204" pitchFamily="34" charset="0"/>
+                      </a:endParaRPr>
+                    </a:p>
+                  </a:txBody>
+                  <a:tcPr marL="3624" marR="3624" marT="3624" marB="0" anchor="b"/>
+                </a:tc>
+                <a:extLst>
+                  <a:ext uri="{0D108BD9-81ED-4DB2-BD59-A6C34878D82A}">
+                    <a16:rowId xmlns:a16="http://schemas.microsoft.com/office/drawing/2014/main" val="1362709098"/>
+                  </a:ext>
+                </a:extLst>
+              </a:tr>
+              <a:tr h="127321">
+                <a:tc>
+                  <a:txBody>
+                    <a:bodyPr/>
+                    <a:lstStyle/>
+                    <a:p>
+                      <a:pPr algn="l" fontAlgn="b"/>
+                      <a:r>
+                        <a:rPr lang="en-US" sz="500" u="none" strike="noStrike">
+                          <a:effectLst/>
+                        </a:rPr>
+                        <a:t>Nho</a:t>
+                      </a:r>
+                      <a:endParaRPr lang="en-US" sz="500" b="0" i="0" u="none" strike="noStrike">
+                        <a:solidFill>
+                          <a:srgbClr val="000000"/>
+                        </a:solidFill>
+                        <a:effectLst/>
+                        <a:latin typeface="Calibri" panose="020F0502020204030204" pitchFamily="34" charset="0"/>
+                      </a:endParaRPr>
+                    </a:p>
+                  </a:txBody>
+                  <a:tcPr marL="3624" marR="3624" marT="3624" marB="0" anchor="b"/>
+                </a:tc>
+                <a:tc>
+                  <a:txBody>
+                    <a:bodyPr/>
+                    <a:lstStyle/>
+                    <a:p>
+                      <a:pPr algn="l" fontAlgn="b"/>
+                      <a:r>
+                        <a:rPr lang="en-US" sz="500" u="none" strike="noStrike">
+                          <a:effectLst/>
+                        </a:rPr>
+                        <a:t>6.0 – 7.5</a:t>
+                      </a:r>
+                      <a:endParaRPr lang="en-US" sz="500" b="0" i="0" u="none" strike="noStrike">
+                        <a:solidFill>
+                          <a:srgbClr val="000000"/>
+                        </a:solidFill>
+                        <a:effectLst/>
+                        <a:latin typeface="Calibri" panose="020F0502020204030204" pitchFamily="34" charset="0"/>
+                      </a:endParaRPr>
+                    </a:p>
+                  </a:txBody>
+                  <a:tcPr marL="3624" marR="3624" marT="3624" marB="0" anchor="b"/>
+                </a:tc>
+                <a:tc>
+                  <a:txBody>
+                    <a:bodyPr/>
+                    <a:lstStyle/>
+                    <a:p>
+                      <a:pPr algn="l" fontAlgn="b"/>
+                      <a:endParaRPr lang="en-US" sz="500" b="0" i="0" u="none" strike="noStrike">
+                        <a:solidFill>
+                          <a:srgbClr val="000000"/>
+                        </a:solidFill>
+                        <a:effectLst/>
+                        <a:latin typeface="Calibri" panose="020F0502020204030204" pitchFamily="34" charset="0"/>
+                      </a:endParaRPr>
+                    </a:p>
+                  </a:txBody>
+                  <a:tcPr marL="3624" marR="3624" marT="3624" marB="0" anchor="b"/>
+                </a:tc>
+                <a:tc>
+                  <a:txBody>
+                    <a:bodyPr/>
+                    <a:lstStyle/>
+                    <a:p>
+                      <a:pPr algn="l" fontAlgn="b"/>
+                      <a:r>
+                        <a:rPr lang="en-US" sz="500" u="none" strike="noStrike">
+                          <a:effectLst/>
+                        </a:rPr>
+                        <a:t>30-50</a:t>
+                      </a:r>
+                      <a:endParaRPr lang="en-US" sz="500" b="0" i="0" u="none" strike="noStrike">
+                        <a:solidFill>
+                          <a:srgbClr val="000000"/>
+                        </a:solidFill>
+                        <a:effectLst/>
+                        <a:latin typeface="Calibri" panose="020F0502020204030204" pitchFamily="34" charset="0"/>
+                      </a:endParaRPr>
+                    </a:p>
+                  </a:txBody>
+                  <a:tcPr marL="3624" marR="3624" marT="3624" marB="0" anchor="b"/>
+                </a:tc>
+                <a:tc>
+                  <a:txBody>
+                    <a:bodyPr/>
+                    <a:lstStyle/>
+                    <a:p>
+                      <a:pPr algn="l" fontAlgn="b"/>
+                      <a:endParaRPr lang="en-US" sz="500" b="0" i="0" u="none" strike="noStrike">
+                        <a:solidFill>
+                          <a:srgbClr val="000000"/>
+                        </a:solidFill>
+                        <a:effectLst/>
+                        <a:latin typeface="Calibri" panose="020F0502020204030204" pitchFamily="34" charset="0"/>
+                      </a:endParaRPr>
+                    </a:p>
+                  </a:txBody>
+                  <a:tcPr marL="3624" marR="3624" marT="3624" marB="0" anchor="b"/>
+                </a:tc>
+                <a:tc>
+                  <a:txBody>
+                    <a:bodyPr/>
+                    <a:lstStyle/>
+                    <a:p>
+                      <a:pPr algn="l" fontAlgn="b"/>
+                      <a:endParaRPr lang="en-US" sz="500" b="0" i="0" u="none" strike="noStrike">
+                        <a:solidFill>
+                          <a:srgbClr val="000000"/>
+                        </a:solidFill>
+                        <a:effectLst/>
+                        <a:latin typeface="Calibri" panose="020F0502020204030204" pitchFamily="34" charset="0"/>
+                      </a:endParaRPr>
+                    </a:p>
+                  </a:txBody>
+                  <a:tcPr marL="3624" marR="3624" marT="3624" marB="0" anchor="b"/>
+                </a:tc>
+                <a:extLst>
+                  <a:ext uri="{0D108BD9-81ED-4DB2-BD59-A6C34878D82A}">
+                    <a16:rowId xmlns:a16="http://schemas.microsoft.com/office/drawing/2014/main" val="3298299792"/>
+                  </a:ext>
+                </a:extLst>
+              </a:tr>
+              <a:tr h="127321">
+                <a:tc>
+                  <a:txBody>
+                    <a:bodyPr/>
+                    <a:lstStyle/>
+                    <a:p>
+                      <a:pPr algn="l" fontAlgn="b"/>
+                      <a:r>
+                        <a:rPr lang="en-US" sz="500" u="none" strike="noStrike">
+                          <a:effectLst/>
+                        </a:rPr>
+                        <a:t>Mía</a:t>
+                      </a:r>
+                      <a:endParaRPr lang="en-US" sz="500" b="0" i="0" u="none" strike="noStrike">
+                        <a:solidFill>
+                          <a:srgbClr val="000000"/>
+                        </a:solidFill>
+                        <a:effectLst/>
+                        <a:latin typeface="Calibri" panose="020F0502020204030204" pitchFamily="34" charset="0"/>
+                      </a:endParaRPr>
+                    </a:p>
+                  </a:txBody>
+                  <a:tcPr marL="3624" marR="3624" marT="3624" marB="0" anchor="b"/>
+                </a:tc>
+                <a:tc>
+                  <a:txBody>
+                    <a:bodyPr/>
+                    <a:lstStyle/>
+                    <a:p>
+                      <a:pPr algn="l" fontAlgn="b"/>
+                      <a:r>
+                        <a:rPr lang="en-US" sz="500" u="none" strike="noStrike">
+                          <a:effectLst/>
+                        </a:rPr>
+                        <a:t>5.0 – 8.0</a:t>
+                      </a:r>
+                      <a:endParaRPr lang="en-US" sz="500" b="0" i="0" u="none" strike="noStrike">
+                        <a:solidFill>
+                          <a:srgbClr val="000000"/>
+                        </a:solidFill>
+                        <a:effectLst/>
+                        <a:latin typeface="Calibri" panose="020F0502020204030204" pitchFamily="34" charset="0"/>
+                      </a:endParaRPr>
+                    </a:p>
+                  </a:txBody>
+                  <a:tcPr marL="3624" marR="3624" marT="3624" marB="0" anchor="b"/>
+                </a:tc>
+                <a:tc>
+                  <a:txBody>
+                    <a:bodyPr/>
+                    <a:lstStyle/>
+                    <a:p>
+                      <a:pPr algn="l" fontAlgn="b"/>
+                      <a:r>
+                        <a:rPr lang="en-US" sz="500" u="none" strike="noStrike">
+                          <a:effectLst/>
+                        </a:rPr>
+                        <a:t> </a:t>
+                      </a:r>
+                      <a:endParaRPr lang="en-US" sz="500" b="0" i="0" u="none" strike="noStrike">
+                        <a:solidFill>
+                          <a:srgbClr val="000000"/>
+                        </a:solidFill>
+                        <a:effectLst/>
+                        <a:latin typeface="Calibri" panose="020F0502020204030204" pitchFamily="34" charset="0"/>
+                      </a:endParaRPr>
+                    </a:p>
+                  </a:txBody>
+                  <a:tcPr marL="3624" marR="3624" marT="3624" marB="0" anchor="b"/>
+                </a:tc>
+                <a:tc>
+                  <a:txBody>
+                    <a:bodyPr/>
+                    <a:lstStyle/>
+                    <a:p>
+                      <a:pPr algn="l" fontAlgn="b"/>
+                      <a:r>
+                        <a:rPr lang="en-US" sz="500" u="none" strike="noStrike">
+                          <a:effectLst/>
+                        </a:rPr>
+                        <a:t> </a:t>
+                      </a:r>
+                      <a:endParaRPr lang="en-US" sz="500" b="0" i="0" u="none" strike="noStrike">
+                        <a:solidFill>
+                          <a:srgbClr val="000000"/>
+                        </a:solidFill>
+                        <a:effectLst/>
+                        <a:latin typeface="Calibri" panose="020F0502020204030204" pitchFamily="34" charset="0"/>
+                      </a:endParaRPr>
+                    </a:p>
+                  </a:txBody>
+                  <a:tcPr marL="3624" marR="3624" marT="3624" marB="0" anchor="b"/>
+                </a:tc>
+                <a:tc>
+                  <a:txBody>
+                    <a:bodyPr/>
+                    <a:lstStyle/>
+                    <a:p>
+                      <a:pPr algn="l" fontAlgn="b"/>
+                      <a:r>
+                        <a:rPr lang="en-US" sz="500" u="none" strike="noStrike">
+                          <a:effectLst/>
+                        </a:rPr>
+                        <a:t> </a:t>
+                      </a:r>
+                      <a:endParaRPr lang="en-US" sz="500" b="0" i="0" u="none" strike="noStrike">
+                        <a:solidFill>
+                          <a:srgbClr val="000000"/>
+                        </a:solidFill>
+                        <a:effectLst/>
+                        <a:latin typeface="Calibri" panose="020F0502020204030204" pitchFamily="34" charset="0"/>
+                      </a:endParaRPr>
+                    </a:p>
+                  </a:txBody>
+                  <a:tcPr marL="3624" marR="3624" marT="3624" marB="0" anchor="b"/>
+                </a:tc>
+                <a:tc>
+                  <a:txBody>
+                    <a:bodyPr/>
+                    <a:lstStyle/>
+                    <a:p>
+                      <a:pPr algn="l" fontAlgn="b"/>
+                      <a:r>
+                        <a:rPr lang="en-US" sz="500" u="none" strike="noStrike">
+                          <a:effectLst/>
+                        </a:rPr>
+                        <a:t> </a:t>
+                      </a:r>
+                      <a:endParaRPr lang="en-US" sz="500" b="0" i="0" u="none" strike="noStrike">
+                        <a:solidFill>
+                          <a:srgbClr val="000000"/>
+                        </a:solidFill>
+                        <a:effectLst/>
+                        <a:latin typeface="Calibri" panose="020F0502020204030204" pitchFamily="34" charset="0"/>
+                      </a:endParaRPr>
+                    </a:p>
+                  </a:txBody>
+                  <a:tcPr marL="3624" marR="3624" marT="3624" marB="0" anchor="b"/>
+                </a:tc>
+                <a:extLst>
+                  <a:ext uri="{0D108BD9-81ED-4DB2-BD59-A6C34878D82A}">
+                    <a16:rowId xmlns:a16="http://schemas.microsoft.com/office/drawing/2014/main" val="2577929212"/>
+                  </a:ext>
+                </a:extLst>
+              </a:tr>
+              <a:tr h="127321">
+                <a:tc>
+                  <a:txBody>
+                    <a:bodyPr/>
+                    <a:lstStyle/>
+                    <a:p>
+                      <a:pPr algn="l" fontAlgn="b"/>
+                      <a:r>
+                        <a:rPr lang="en-US" sz="500" u="none" strike="noStrike">
+                          <a:effectLst/>
+                        </a:rPr>
+                        <a:t>Mai vàng</a:t>
+                      </a:r>
+                      <a:endParaRPr lang="en-US" sz="500" b="0" i="0" u="none" strike="noStrike">
+                        <a:solidFill>
+                          <a:srgbClr val="000000"/>
+                        </a:solidFill>
+                        <a:effectLst/>
+                        <a:latin typeface="Calibri" panose="020F0502020204030204" pitchFamily="34" charset="0"/>
+                      </a:endParaRPr>
+                    </a:p>
+                  </a:txBody>
+                  <a:tcPr marL="3624" marR="3624" marT="3624" marB="0" anchor="b"/>
+                </a:tc>
+                <a:tc>
+                  <a:txBody>
+                    <a:bodyPr/>
+                    <a:lstStyle/>
+                    <a:p>
+                      <a:pPr algn="l" fontAlgn="b"/>
+                      <a:r>
+                        <a:rPr lang="en-US" sz="500" u="none" strike="noStrike">
+                          <a:effectLst/>
+                        </a:rPr>
+                        <a:t>6.5 – 7.0</a:t>
+                      </a:r>
+                      <a:endParaRPr lang="en-US" sz="500" b="0" i="0" u="none" strike="noStrike">
+                        <a:solidFill>
+                          <a:srgbClr val="000000"/>
+                        </a:solidFill>
+                        <a:effectLst/>
+                        <a:latin typeface="Calibri" panose="020F0502020204030204" pitchFamily="34" charset="0"/>
+                      </a:endParaRPr>
+                    </a:p>
+                  </a:txBody>
+                  <a:tcPr marL="3624" marR="3624" marT="3624" marB="0" anchor="b"/>
+                </a:tc>
+                <a:tc>
+                  <a:txBody>
+                    <a:bodyPr/>
+                    <a:lstStyle/>
+                    <a:p>
+                      <a:pPr algn="l" fontAlgn="b"/>
+                      <a:endParaRPr lang="en-US" sz="500" b="0" i="0" u="none" strike="noStrike">
+                        <a:solidFill>
+                          <a:srgbClr val="000000"/>
+                        </a:solidFill>
+                        <a:effectLst/>
+                        <a:latin typeface="Calibri" panose="020F0502020204030204" pitchFamily="34" charset="0"/>
+                      </a:endParaRPr>
+                    </a:p>
+                  </a:txBody>
+                  <a:tcPr marL="3624" marR="3624" marT="3624" marB="0" anchor="b"/>
+                </a:tc>
+                <a:tc>
+                  <a:txBody>
+                    <a:bodyPr/>
+                    <a:lstStyle/>
+                    <a:p>
+                      <a:pPr algn="l" fontAlgn="b"/>
+                      <a:endParaRPr lang="en-US" sz="500" b="0" i="0" u="none" strike="noStrike">
+                        <a:solidFill>
+                          <a:srgbClr val="000000"/>
+                        </a:solidFill>
+                        <a:effectLst/>
+                        <a:latin typeface="Calibri" panose="020F0502020204030204" pitchFamily="34" charset="0"/>
+                      </a:endParaRPr>
+                    </a:p>
+                  </a:txBody>
+                  <a:tcPr marL="3624" marR="3624" marT="3624" marB="0" anchor="b"/>
+                </a:tc>
+                <a:tc>
+                  <a:txBody>
+                    <a:bodyPr/>
+                    <a:lstStyle/>
+                    <a:p>
+                      <a:pPr algn="l" fontAlgn="b"/>
+                      <a:endParaRPr lang="en-US" sz="500" b="0" i="0" u="none" strike="noStrike">
+                        <a:solidFill>
+                          <a:srgbClr val="000000"/>
+                        </a:solidFill>
+                        <a:effectLst/>
+                        <a:latin typeface="Calibri" panose="020F0502020204030204" pitchFamily="34" charset="0"/>
+                      </a:endParaRPr>
+                    </a:p>
+                  </a:txBody>
+                  <a:tcPr marL="3624" marR="3624" marT="3624" marB="0" anchor="b"/>
+                </a:tc>
+                <a:tc>
+                  <a:txBody>
+                    <a:bodyPr/>
+                    <a:lstStyle/>
+                    <a:p>
+                      <a:pPr algn="l" fontAlgn="b"/>
+                      <a:endParaRPr lang="en-US" sz="500" b="0" i="0" u="none" strike="noStrike">
+                        <a:solidFill>
+                          <a:srgbClr val="000000"/>
+                        </a:solidFill>
+                        <a:effectLst/>
+                        <a:latin typeface="Calibri" panose="020F0502020204030204" pitchFamily="34" charset="0"/>
+                      </a:endParaRPr>
+                    </a:p>
+                  </a:txBody>
+                  <a:tcPr marL="3624" marR="3624" marT="3624" marB="0" anchor="b"/>
+                </a:tc>
+                <a:extLst>
+                  <a:ext uri="{0D108BD9-81ED-4DB2-BD59-A6C34878D82A}">
+                    <a16:rowId xmlns:a16="http://schemas.microsoft.com/office/drawing/2014/main" val="760604085"/>
+                  </a:ext>
+                </a:extLst>
+              </a:tr>
+              <a:tr h="127321">
+                <a:tc>
+                  <a:txBody>
+                    <a:bodyPr/>
+                    <a:lstStyle/>
+                    <a:p>
+                      <a:pPr algn="l" fontAlgn="b"/>
+                      <a:r>
+                        <a:rPr lang="en-US" sz="500" u="none" strike="noStrike">
+                          <a:effectLst/>
+                        </a:rPr>
+                        <a:t>Lúa</a:t>
+                      </a:r>
+                      <a:endParaRPr lang="en-US" sz="500" b="0" i="0" u="none" strike="noStrike">
+                        <a:solidFill>
+                          <a:srgbClr val="000000"/>
+                        </a:solidFill>
+                        <a:effectLst/>
+                        <a:latin typeface="Calibri" panose="020F0502020204030204" pitchFamily="34" charset="0"/>
+                      </a:endParaRPr>
+                    </a:p>
+                  </a:txBody>
+                  <a:tcPr marL="3624" marR="3624" marT="3624" marB="0" anchor="b"/>
+                </a:tc>
+                <a:tc>
+                  <a:txBody>
+                    <a:bodyPr/>
+                    <a:lstStyle/>
+                    <a:p>
+                      <a:pPr algn="l" fontAlgn="b"/>
+                      <a:r>
+                        <a:rPr lang="en-US" sz="500" u="none" strike="noStrike">
+                          <a:effectLst/>
+                        </a:rPr>
+                        <a:t>5.5 – 6.5</a:t>
+                      </a:r>
+                      <a:endParaRPr lang="en-US" sz="500" b="0" i="0" u="none" strike="noStrike">
+                        <a:solidFill>
+                          <a:srgbClr val="000000"/>
+                        </a:solidFill>
+                        <a:effectLst/>
+                        <a:latin typeface="Calibri" panose="020F0502020204030204" pitchFamily="34" charset="0"/>
+                      </a:endParaRPr>
+                    </a:p>
+                  </a:txBody>
+                  <a:tcPr marL="3624" marR="3624" marT="3624" marB="0" anchor="b"/>
+                </a:tc>
+                <a:tc>
+                  <a:txBody>
+                    <a:bodyPr/>
+                    <a:lstStyle/>
+                    <a:p>
+                      <a:pPr algn="l" fontAlgn="b"/>
+                      <a:r>
+                        <a:rPr lang="en-US" sz="500" u="none" strike="noStrike">
+                          <a:effectLst/>
+                        </a:rPr>
+                        <a:t> </a:t>
+                      </a:r>
+                      <a:endParaRPr lang="en-US" sz="500" b="0" i="0" u="none" strike="noStrike">
+                        <a:solidFill>
+                          <a:srgbClr val="000000"/>
+                        </a:solidFill>
+                        <a:effectLst/>
+                        <a:latin typeface="Calibri" panose="020F0502020204030204" pitchFamily="34" charset="0"/>
+                      </a:endParaRPr>
+                    </a:p>
+                  </a:txBody>
+                  <a:tcPr marL="3624" marR="3624" marT="3624" marB="0" anchor="b"/>
+                </a:tc>
+                <a:tc>
+                  <a:txBody>
+                    <a:bodyPr/>
+                    <a:lstStyle/>
+                    <a:p>
+                      <a:pPr algn="l" fontAlgn="b"/>
+                      <a:r>
+                        <a:rPr lang="en-US" sz="500" u="none" strike="noStrike">
+                          <a:effectLst/>
+                        </a:rPr>
+                        <a:t> </a:t>
+                      </a:r>
+                      <a:endParaRPr lang="en-US" sz="500" b="0" i="0" u="none" strike="noStrike">
+                        <a:solidFill>
+                          <a:srgbClr val="000000"/>
+                        </a:solidFill>
+                        <a:effectLst/>
+                        <a:latin typeface="Calibri" panose="020F0502020204030204" pitchFamily="34" charset="0"/>
+                      </a:endParaRPr>
+                    </a:p>
+                  </a:txBody>
+                  <a:tcPr marL="3624" marR="3624" marT="3624" marB="0" anchor="b"/>
+                </a:tc>
+                <a:tc>
+                  <a:txBody>
+                    <a:bodyPr/>
+                    <a:lstStyle/>
+                    <a:p>
+                      <a:pPr algn="l" fontAlgn="b"/>
+                      <a:r>
+                        <a:rPr lang="en-US" sz="500" u="none" strike="noStrike">
+                          <a:effectLst/>
+                        </a:rPr>
+                        <a:t>32-37</a:t>
+                      </a:r>
+                      <a:endParaRPr lang="en-US" sz="500" b="0" i="0" u="none" strike="noStrike">
+                        <a:solidFill>
+                          <a:srgbClr val="000000"/>
+                        </a:solidFill>
+                        <a:effectLst/>
+                        <a:latin typeface="Calibri" panose="020F0502020204030204" pitchFamily="34" charset="0"/>
+                      </a:endParaRPr>
+                    </a:p>
+                  </a:txBody>
+                  <a:tcPr marL="3624" marR="3624" marT="3624" marB="0" anchor="b"/>
+                </a:tc>
+                <a:tc>
+                  <a:txBody>
+                    <a:bodyPr/>
+                    <a:lstStyle/>
+                    <a:p>
+                      <a:pPr algn="l" fontAlgn="b"/>
+                      <a:r>
+                        <a:rPr lang="en-US" sz="500" u="none" strike="noStrike">
+                          <a:effectLst/>
+                        </a:rPr>
+                        <a:t> </a:t>
+                      </a:r>
+                      <a:endParaRPr lang="en-US" sz="500" b="0" i="0" u="none" strike="noStrike">
+                        <a:solidFill>
+                          <a:srgbClr val="000000"/>
+                        </a:solidFill>
+                        <a:effectLst/>
+                        <a:latin typeface="Calibri" panose="020F0502020204030204" pitchFamily="34" charset="0"/>
+                      </a:endParaRPr>
+                    </a:p>
+                  </a:txBody>
+                  <a:tcPr marL="3624" marR="3624" marT="3624" marB="0" anchor="b"/>
+                </a:tc>
+                <a:extLst>
+                  <a:ext uri="{0D108BD9-81ED-4DB2-BD59-A6C34878D82A}">
+                    <a16:rowId xmlns:a16="http://schemas.microsoft.com/office/drawing/2014/main" val="3167116288"/>
+                  </a:ext>
+                </a:extLst>
+              </a:tr>
+              <a:tr h="127321">
+                <a:tc>
+                  <a:txBody>
+                    <a:bodyPr/>
+                    <a:lstStyle/>
+                    <a:p>
+                      <a:pPr algn="l" fontAlgn="b"/>
+                      <a:r>
+                        <a:rPr lang="en-US" sz="500" u="none" strike="noStrike">
+                          <a:effectLst/>
+                        </a:rPr>
+                        <a:t>Lily</a:t>
+                      </a:r>
+                      <a:endParaRPr lang="en-US" sz="500" b="0" i="0" u="none" strike="noStrike">
+                        <a:solidFill>
+                          <a:srgbClr val="000000"/>
+                        </a:solidFill>
+                        <a:effectLst/>
+                        <a:latin typeface="Calibri" panose="020F0502020204030204" pitchFamily="34" charset="0"/>
+                      </a:endParaRPr>
+                    </a:p>
+                  </a:txBody>
+                  <a:tcPr marL="3624" marR="3624" marT="3624" marB="0" anchor="b"/>
+                </a:tc>
+                <a:tc>
+                  <a:txBody>
+                    <a:bodyPr/>
+                    <a:lstStyle/>
+                    <a:p>
+                      <a:pPr algn="l" fontAlgn="b"/>
+                      <a:r>
+                        <a:rPr lang="en-US" sz="500" u="none" strike="noStrike">
+                          <a:effectLst/>
+                        </a:rPr>
+                        <a:t>6.0 – 8.0</a:t>
+                      </a:r>
+                      <a:endParaRPr lang="en-US" sz="500" b="0" i="0" u="none" strike="noStrike">
+                        <a:solidFill>
+                          <a:srgbClr val="000000"/>
+                        </a:solidFill>
+                        <a:effectLst/>
+                        <a:latin typeface="Calibri" panose="020F0502020204030204" pitchFamily="34" charset="0"/>
+                      </a:endParaRPr>
+                    </a:p>
+                  </a:txBody>
+                  <a:tcPr marL="3624" marR="3624" marT="3624" marB="0" anchor="b"/>
+                </a:tc>
+                <a:tc>
+                  <a:txBody>
+                    <a:bodyPr/>
+                    <a:lstStyle/>
+                    <a:p>
+                      <a:pPr algn="l" fontAlgn="b"/>
+                      <a:endParaRPr lang="en-US" sz="500" b="0" i="0" u="none" strike="noStrike">
+                        <a:solidFill>
+                          <a:srgbClr val="000000"/>
+                        </a:solidFill>
+                        <a:effectLst/>
+                        <a:latin typeface="Calibri" panose="020F0502020204030204" pitchFamily="34" charset="0"/>
+                      </a:endParaRPr>
+                    </a:p>
+                  </a:txBody>
+                  <a:tcPr marL="3624" marR="3624" marT="3624" marB="0" anchor="b"/>
+                </a:tc>
+                <a:tc>
+                  <a:txBody>
+                    <a:bodyPr/>
+                    <a:lstStyle/>
+                    <a:p>
+                      <a:pPr algn="l" fontAlgn="b"/>
+                      <a:r>
+                        <a:rPr lang="en-US" sz="500" u="none" strike="noStrike">
+                          <a:effectLst/>
+                        </a:rPr>
+                        <a:t>20-30</a:t>
+                      </a:r>
+                      <a:endParaRPr lang="en-US" sz="500" b="0" i="0" u="none" strike="noStrike">
+                        <a:solidFill>
+                          <a:srgbClr val="000000"/>
+                        </a:solidFill>
+                        <a:effectLst/>
+                        <a:latin typeface="Calibri" panose="020F0502020204030204" pitchFamily="34" charset="0"/>
+                      </a:endParaRPr>
+                    </a:p>
+                  </a:txBody>
+                  <a:tcPr marL="3624" marR="3624" marT="3624" marB="0" anchor="b"/>
+                </a:tc>
+                <a:tc>
+                  <a:txBody>
+                    <a:bodyPr/>
+                    <a:lstStyle/>
+                    <a:p>
+                      <a:pPr algn="l" fontAlgn="b"/>
+                      <a:endParaRPr lang="en-US" sz="500" b="0" i="0" u="none" strike="noStrike">
+                        <a:solidFill>
+                          <a:srgbClr val="000000"/>
+                        </a:solidFill>
+                        <a:effectLst/>
+                        <a:latin typeface="Calibri" panose="020F0502020204030204" pitchFamily="34" charset="0"/>
+                      </a:endParaRPr>
+                    </a:p>
+                  </a:txBody>
+                  <a:tcPr marL="3624" marR="3624" marT="3624" marB="0" anchor="b"/>
+                </a:tc>
+                <a:tc>
+                  <a:txBody>
+                    <a:bodyPr/>
+                    <a:lstStyle/>
+                    <a:p>
+                      <a:pPr algn="l" fontAlgn="b"/>
+                      <a:endParaRPr lang="en-US" sz="500" b="0" i="0" u="none" strike="noStrike">
+                        <a:solidFill>
+                          <a:srgbClr val="000000"/>
+                        </a:solidFill>
+                        <a:effectLst/>
+                        <a:latin typeface="Calibri" panose="020F0502020204030204" pitchFamily="34" charset="0"/>
+                      </a:endParaRPr>
+                    </a:p>
+                  </a:txBody>
+                  <a:tcPr marL="3624" marR="3624" marT="3624" marB="0" anchor="b"/>
+                </a:tc>
+                <a:extLst>
+                  <a:ext uri="{0D108BD9-81ED-4DB2-BD59-A6C34878D82A}">
+                    <a16:rowId xmlns:a16="http://schemas.microsoft.com/office/drawing/2014/main" val="2498398325"/>
+                  </a:ext>
+                </a:extLst>
+              </a:tr>
+              <a:tr h="127321">
+                <a:tc>
+                  <a:txBody>
+                    <a:bodyPr/>
+                    <a:lstStyle/>
+                    <a:p>
+                      <a:pPr algn="l" fontAlgn="b"/>
+                      <a:r>
+                        <a:rPr lang="en-US" sz="500" u="none" strike="noStrike">
+                          <a:effectLst/>
+                        </a:rPr>
+                        <a:t>Khoai tây</a:t>
+                      </a:r>
+                      <a:endParaRPr lang="en-US" sz="500" b="0" i="0" u="none" strike="noStrike">
+                        <a:solidFill>
+                          <a:srgbClr val="000000"/>
+                        </a:solidFill>
+                        <a:effectLst/>
+                        <a:latin typeface="Calibri" panose="020F0502020204030204" pitchFamily="34" charset="0"/>
+                      </a:endParaRPr>
+                    </a:p>
+                  </a:txBody>
+                  <a:tcPr marL="3624" marR="3624" marT="3624" marB="0" anchor="b"/>
+                </a:tc>
+                <a:tc>
+                  <a:txBody>
+                    <a:bodyPr/>
+                    <a:lstStyle/>
+                    <a:p>
+                      <a:pPr algn="l" fontAlgn="b"/>
+                      <a:r>
+                        <a:rPr lang="en-US" sz="500" u="none" strike="noStrike">
+                          <a:effectLst/>
+                        </a:rPr>
+                        <a:t>5.0 – 6.0</a:t>
+                      </a:r>
+                      <a:endParaRPr lang="en-US" sz="500" b="0" i="0" u="none" strike="noStrike">
+                        <a:solidFill>
+                          <a:srgbClr val="000000"/>
+                        </a:solidFill>
+                        <a:effectLst/>
+                        <a:latin typeface="Calibri" panose="020F0502020204030204" pitchFamily="34" charset="0"/>
+                      </a:endParaRPr>
+                    </a:p>
+                  </a:txBody>
+                  <a:tcPr marL="3624" marR="3624" marT="3624" marB="0" anchor="b"/>
+                </a:tc>
+                <a:tc>
+                  <a:txBody>
+                    <a:bodyPr/>
+                    <a:lstStyle/>
+                    <a:p>
+                      <a:pPr algn="l" fontAlgn="b"/>
+                      <a:r>
+                        <a:rPr lang="en-US" sz="500" u="none" strike="noStrike">
+                          <a:effectLst/>
+                        </a:rPr>
+                        <a:t> </a:t>
+                      </a:r>
+                      <a:endParaRPr lang="en-US" sz="500" b="0" i="0" u="none" strike="noStrike">
+                        <a:solidFill>
+                          <a:srgbClr val="000000"/>
+                        </a:solidFill>
+                        <a:effectLst/>
+                        <a:latin typeface="Calibri" panose="020F0502020204030204" pitchFamily="34" charset="0"/>
+                      </a:endParaRPr>
+                    </a:p>
+                  </a:txBody>
+                  <a:tcPr marL="3624" marR="3624" marT="3624" marB="0" anchor="b"/>
+                </a:tc>
+                <a:tc>
+                  <a:txBody>
+                    <a:bodyPr/>
+                    <a:lstStyle/>
+                    <a:p>
+                      <a:pPr algn="l" fontAlgn="b"/>
+                      <a:r>
+                        <a:rPr lang="en-US" sz="500" u="none" strike="noStrike">
+                          <a:effectLst/>
+                        </a:rPr>
+                        <a:t>30-50</a:t>
+                      </a:r>
+                      <a:endParaRPr lang="en-US" sz="500" b="0" i="0" u="none" strike="noStrike">
+                        <a:solidFill>
+                          <a:srgbClr val="000000"/>
+                        </a:solidFill>
+                        <a:effectLst/>
+                        <a:latin typeface="Calibri" panose="020F0502020204030204" pitchFamily="34" charset="0"/>
+                      </a:endParaRPr>
+                    </a:p>
+                  </a:txBody>
+                  <a:tcPr marL="3624" marR="3624" marT="3624" marB="0" anchor="b"/>
+                </a:tc>
+                <a:tc>
+                  <a:txBody>
+                    <a:bodyPr/>
+                    <a:lstStyle/>
+                    <a:p>
+                      <a:pPr algn="l" fontAlgn="b"/>
+                      <a:r>
+                        <a:rPr lang="en-US" sz="500" u="none" strike="noStrike">
+                          <a:effectLst/>
+                        </a:rPr>
+                        <a:t> </a:t>
+                      </a:r>
+                      <a:endParaRPr lang="en-US" sz="500" b="0" i="0" u="none" strike="noStrike">
+                        <a:solidFill>
+                          <a:srgbClr val="000000"/>
+                        </a:solidFill>
+                        <a:effectLst/>
+                        <a:latin typeface="Calibri" panose="020F0502020204030204" pitchFamily="34" charset="0"/>
+                      </a:endParaRPr>
+                    </a:p>
+                  </a:txBody>
+                  <a:tcPr marL="3624" marR="3624" marT="3624" marB="0" anchor="b"/>
+                </a:tc>
+                <a:tc>
+                  <a:txBody>
+                    <a:bodyPr/>
+                    <a:lstStyle/>
+                    <a:p>
+                      <a:pPr algn="l" fontAlgn="b"/>
+                      <a:r>
+                        <a:rPr lang="en-US" sz="500" u="none" strike="noStrike">
+                          <a:effectLst/>
+                        </a:rPr>
+                        <a:t> </a:t>
+                      </a:r>
+                      <a:endParaRPr lang="en-US" sz="500" b="0" i="0" u="none" strike="noStrike">
+                        <a:solidFill>
+                          <a:srgbClr val="000000"/>
+                        </a:solidFill>
+                        <a:effectLst/>
+                        <a:latin typeface="Calibri" panose="020F0502020204030204" pitchFamily="34" charset="0"/>
+                      </a:endParaRPr>
+                    </a:p>
+                  </a:txBody>
+                  <a:tcPr marL="3624" marR="3624" marT="3624" marB="0" anchor="b"/>
+                </a:tc>
+                <a:extLst>
+                  <a:ext uri="{0D108BD9-81ED-4DB2-BD59-A6C34878D82A}">
+                    <a16:rowId xmlns:a16="http://schemas.microsoft.com/office/drawing/2014/main" val="3206933821"/>
+                  </a:ext>
+                </a:extLst>
+              </a:tr>
+              <a:tr h="127321">
+                <a:tc>
+                  <a:txBody>
+                    <a:bodyPr/>
+                    <a:lstStyle/>
+                    <a:p>
+                      <a:pPr algn="l" fontAlgn="b"/>
+                      <a:r>
+                        <a:rPr lang="en-US" sz="500" u="none" strike="noStrike">
+                          <a:effectLst/>
+                        </a:rPr>
+                        <a:t>Khoai lang</a:t>
+                      </a:r>
+                      <a:endParaRPr lang="en-US" sz="500" b="0" i="0" u="none" strike="noStrike">
+                        <a:solidFill>
+                          <a:srgbClr val="000000"/>
+                        </a:solidFill>
+                        <a:effectLst/>
+                        <a:latin typeface="Calibri" panose="020F0502020204030204" pitchFamily="34" charset="0"/>
+                      </a:endParaRPr>
+                    </a:p>
+                  </a:txBody>
+                  <a:tcPr marL="3624" marR="3624" marT="3624" marB="0" anchor="b"/>
+                </a:tc>
+                <a:tc>
+                  <a:txBody>
+                    <a:bodyPr/>
+                    <a:lstStyle/>
+                    <a:p>
+                      <a:pPr algn="l" fontAlgn="b"/>
+                      <a:r>
+                        <a:rPr lang="en-US" sz="500" u="none" strike="noStrike">
+                          <a:effectLst/>
+                        </a:rPr>
+                        <a:t>5.5 – 6.8</a:t>
+                      </a:r>
+                      <a:endParaRPr lang="en-US" sz="500" b="0" i="0" u="none" strike="noStrike">
+                        <a:solidFill>
+                          <a:srgbClr val="000000"/>
+                        </a:solidFill>
+                        <a:effectLst/>
+                        <a:latin typeface="Calibri" panose="020F0502020204030204" pitchFamily="34" charset="0"/>
+                      </a:endParaRPr>
+                    </a:p>
+                  </a:txBody>
+                  <a:tcPr marL="3624" marR="3624" marT="3624" marB="0" anchor="b"/>
+                </a:tc>
+                <a:tc>
+                  <a:txBody>
+                    <a:bodyPr/>
+                    <a:lstStyle/>
+                    <a:p>
+                      <a:pPr algn="l" fontAlgn="b"/>
+                      <a:endParaRPr lang="en-US" sz="500" b="0" i="0" u="none" strike="noStrike">
+                        <a:solidFill>
+                          <a:srgbClr val="000000"/>
+                        </a:solidFill>
+                        <a:effectLst/>
+                        <a:latin typeface="Calibri" panose="020F0502020204030204" pitchFamily="34" charset="0"/>
+                      </a:endParaRPr>
+                    </a:p>
+                  </a:txBody>
+                  <a:tcPr marL="3624" marR="3624" marT="3624" marB="0" anchor="b"/>
+                </a:tc>
+                <a:tc>
+                  <a:txBody>
+                    <a:bodyPr/>
+                    <a:lstStyle/>
+                    <a:p>
+                      <a:pPr algn="l" fontAlgn="b"/>
+                      <a:endParaRPr lang="en-US" sz="500" b="0" i="0" u="none" strike="noStrike">
+                        <a:solidFill>
+                          <a:srgbClr val="000000"/>
+                        </a:solidFill>
+                        <a:effectLst/>
+                        <a:latin typeface="Calibri" panose="020F0502020204030204" pitchFamily="34" charset="0"/>
+                      </a:endParaRPr>
+                    </a:p>
+                  </a:txBody>
+                  <a:tcPr marL="3624" marR="3624" marT="3624" marB="0" anchor="b"/>
+                </a:tc>
+                <a:tc>
+                  <a:txBody>
+                    <a:bodyPr/>
+                    <a:lstStyle/>
+                    <a:p>
+                      <a:pPr algn="l" fontAlgn="b"/>
+                      <a:endParaRPr lang="en-US" sz="500" b="0" i="0" u="none" strike="noStrike">
+                        <a:solidFill>
+                          <a:srgbClr val="000000"/>
+                        </a:solidFill>
+                        <a:effectLst/>
+                        <a:latin typeface="Calibri" panose="020F0502020204030204" pitchFamily="34" charset="0"/>
+                      </a:endParaRPr>
+                    </a:p>
+                  </a:txBody>
+                  <a:tcPr marL="3624" marR="3624" marT="3624" marB="0" anchor="b"/>
+                </a:tc>
+                <a:tc>
+                  <a:txBody>
+                    <a:bodyPr/>
+                    <a:lstStyle/>
+                    <a:p>
+                      <a:pPr algn="l" fontAlgn="b"/>
+                      <a:endParaRPr lang="en-US" sz="500" b="0" i="0" u="none" strike="noStrike">
+                        <a:solidFill>
+                          <a:srgbClr val="000000"/>
+                        </a:solidFill>
+                        <a:effectLst/>
+                        <a:latin typeface="Calibri" panose="020F0502020204030204" pitchFamily="34" charset="0"/>
+                      </a:endParaRPr>
+                    </a:p>
+                  </a:txBody>
+                  <a:tcPr marL="3624" marR="3624" marT="3624" marB="0" anchor="b"/>
+                </a:tc>
+                <a:extLst>
+                  <a:ext uri="{0D108BD9-81ED-4DB2-BD59-A6C34878D82A}">
+                    <a16:rowId xmlns:a16="http://schemas.microsoft.com/office/drawing/2014/main" val="3340859805"/>
+                  </a:ext>
+                </a:extLst>
+              </a:tr>
+              <a:tr h="127321">
+                <a:tc>
+                  <a:txBody>
+                    <a:bodyPr/>
+                    <a:lstStyle/>
+                    <a:p>
+                      <a:pPr algn="l" fontAlgn="b"/>
+                      <a:r>
+                        <a:rPr lang="en-US" sz="500" u="none" strike="noStrike">
+                          <a:effectLst/>
+                        </a:rPr>
+                        <a:t>Hoa lan</a:t>
+                      </a:r>
+                      <a:endParaRPr lang="en-US" sz="500" b="0" i="0" u="none" strike="noStrike">
+                        <a:solidFill>
+                          <a:srgbClr val="000000"/>
+                        </a:solidFill>
+                        <a:effectLst/>
+                        <a:latin typeface="Calibri" panose="020F0502020204030204" pitchFamily="34" charset="0"/>
+                      </a:endParaRPr>
+                    </a:p>
+                  </a:txBody>
+                  <a:tcPr marL="3624" marR="3624" marT="3624" marB="0" anchor="b"/>
+                </a:tc>
+                <a:tc>
+                  <a:txBody>
+                    <a:bodyPr/>
+                    <a:lstStyle/>
+                    <a:p>
+                      <a:pPr algn="l" fontAlgn="b"/>
+                      <a:r>
+                        <a:rPr lang="en-US" sz="500" u="none" strike="noStrike">
+                          <a:effectLst/>
+                        </a:rPr>
+                        <a:t>6.5 – 7.0</a:t>
+                      </a:r>
+                      <a:endParaRPr lang="en-US" sz="500" b="0" i="0" u="none" strike="noStrike">
+                        <a:solidFill>
+                          <a:srgbClr val="000000"/>
+                        </a:solidFill>
+                        <a:effectLst/>
+                        <a:latin typeface="Calibri" panose="020F0502020204030204" pitchFamily="34" charset="0"/>
+                      </a:endParaRPr>
+                    </a:p>
+                  </a:txBody>
+                  <a:tcPr marL="3624" marR="3624" marT="3624" marB="0" anchor="b"/>
+                </a:tc>
+                <a:tc>
+                  <a:txBody>
+                    <a:bodyPr/>
+                    <a:lstStyle/>
+                    <a:p>
+                      <a:pPr algn="l" fontAlgn="b"/>
+                      <a:r>
+                        <a:rPr lang="en-US" sz="500" u="none" strike="noStrike">
+                          <a:effectLst/>
+                        </a:rPr>
+                        <a:t> </a:t>
+                      </a:r>
+                      <a:endParaRPr lang="en-US" sz="500" b="0" i="0" u="none" strike="noStrike">
+                        <a:solidFill>
+                          <a:srgbClr val="000000"/>
+                        </a:solidFill>
+                        <a:effectLst/>
+                        <a:latin typeface="Calibri" panose="020F0502020204030204" pitchFamily="34" charset="0"/>
+                      </a:endParaRPr>
+                    </a:p>
+                  </a:txBody>
+                  <a:tcPr marL="3624" marR="3624" marT="3624" marB="0" anchor="b"/>
+                </a:tc>
+                <a:tc>
+                  <a:txBody>
+                    <a:bodyPr/>
+                    <a:lstStyle/>
+                    <a:p>
+                      <a:pPr algn="l" fontAlgn="b"/>
+                      <a:r>
+                        <a:rPr lang="en-US" sz="500" u="none" strike="noStrike">
+                          <a:effectLst/>
+                        </a:rPr>
+                        <a:t> </a:t>
+                      </a:r>
+                      <a:endParaRPr lang="en-US" sz="500" b="0" i="0" u="none" strike="noStrike">
+                        <a:solidFill>
+                          <a:srgbClr val="000000"/>
+                        </a:solidFill>
+                        <a:effectLst/>
+                        <a:latin typeface="Calibri" panose="020F0502020204030204" pitchFamily="34" charset="0"/>
+                      </a:endParaRPr>
+                    </a:p>
+                  </a:txBody>
+                  <a:tcPr marL="3624" marR="3624" marT="3624" marB="0" anchor="b"/>
+                </a:tc>
+                <a:tc>
+                  <a:txBody>
+                    <a:bodyPr/>
+                    <a:lstStyle/>
+                    <a:p>
+                      <a:pPr algn="l" fontAlgn="b"/>
+                      <a:r>
+                        <a:rPr lang="en-US" sz="500" u="none" strike="noStrike">
+                          <a:effectLst/>
+                        </a:rPr>
+                        <a:t> </a:t>
+                      </a:r>
+                      <a:endParaRPr lang="en-US" sz="500" b="0" i="0" u="none" strike="noStrike">
+                        <a:solidFill>
+                          <a:srgbClr val="000000"/>
+                        </a:solidFill>
+                        <a:effectLst/>
+                        <a:latin typeface="Calibri" panose="020F0502020204030204" pitchFamily="34" charset="0"/>
+                      </a:endParaRPr>
+                    </a:p>
+                  </a:txBody>
+                  <a:tcPr marL="3624" marR="3624" marT="3624" marB="0" anchor="b"/>
+                </a:tc>
+                <a:tc>
+                  <a:txBody>
+                    <a:bodyPr/>
+                    <a:lstStyle/>
+                    <a:p>
+                      <a:pPr algn="l" fontAlgn="b"/>
+                      <a:r>
+                        <a:rPr lang="en-US" sz="500" u="none" strike="noStrike">
+                          <a:effectLst/>
+                        </a:rPr>
+                        <a:t> </a:t>
+                      </a:r>
+                      <a:endParaRPr lang="en-US" sz="500" b="0" i="0" u="none" strike="noStrike">
+                        <a:solidFill>
+                          <a:srgbClr val="000000"/>
+                        </a:solidFill>
+                        <a:effectLst/>
+                        <a:latin typeface="Calibri" panose="020F0502020204030204" pitchFamily="34" charset="0"/>
+                      </a:endParaRPr>
+                    </a:p>
+                  </a:txBody>
+                  <a:tcPr marL="3624" marR="3624" marT="3624" marB="0" anchor="b"/>
+                </a:tc>
+                <a:extLst>
+                  <a:ext uri="{0D108BD9-81ED-4DB2-BD59-A6C34878D82A}">
+                    <a16:rowId xmlns:a16="http://schemas.microsoft.com/office/drawing/2014/main" val="92904748"/>
+                  </a:ext>
+                </a:extLst>
+              </a:tr>
+              <a:tr h="127321">
+                <a:tc>
+                  <a:txBody>
+                    <a:bodyPr/>
+                    <a:lstStyle/>
+                    <a:p>
+                      <a:pPr algn="l" fontAlgn="b"/>
+                      <a:r>
+                        <a:rPr lang="en-US" sz="500" u="none" strike="noStrike">
+                          <a:effectLst/>
+                        </a:rPr>
+                        <a:t>Hoa hồng</a:t>
+                      </a:r>
+                      <a:endParaRPr lang="en-US" sz="500" b="0" i="0" u="none" strike="noStrike">
+                        <a:solidFill>
+                          <a:srgbClr val="000000"/>
+                        </a:solidFill>
+                        <a:effectLst/>
+                        <a:latin typeface="Calibri" panose="020F0502020204030204" pitchFamily="34" charset="0"/>
+                      </a:endParaRPr>
+                    </a:p>
+                  </a:txBody>
+                  <a:tcPr marL="3624" marR="3624" marT="3624" marB="0" anchor="b"/>
+                </a:tc>
+                <a:tc>
+                  <a:txBody>
+                    <a:bodyPr/>
+                    <a:lstStyle/>
+                    <a:p>
+                      <a:pPr algn="l" fontAlgn="b"/>
+                      <a:r>
+                        <a:rPr lang="en-US" sz="500" u="none" strike="noStrike">
+                          <a:effectLst/>
+                        </a:rPr>
+                        <a:t>5.9 – 7.0</a:t>
+                      </a:r>
+                      <a:endParaRPr lang="en-US" sz="500" b="0" i="0" u="none" strike="noStrike">
+                        <a:solidFill>
+                          <a:srgbClr val="000000"/>
+                        </a:solidFill>
+                        <a:effectLst/>
+                        <a:latin typeface="Calibri" panose="020F0502020204030204" pitchFamily="34" charset="0"/>
+                      </a:endParaRPr>
+                    </a:p>
+                  </a:txBody>
+                  <a:tcPr marL="3624" marR="3624" marT="3624" marB="0" anchor="b"/>
+                </a:tc>
+                <a:tc>
+                  <a:txBody>
+                    <a:bodyPr/>
+                    <a:lstStyle/>
+                    <a:p>
+                      <a:pPr algn="l" fontAlgn="b"/>
+                      <a:endParaRPr lang="en-US" sz="500" b="0" i="0" u="none" strike="noStrike">
+                        <a:solidFill>
+                          <a:srgbClr val="000000"/>
+                        </a:solidFill>
+                        <a:effectLst/>
+                        <a:latin typeface="Calibri" panose="020F0502020204030204" pitchFamily="34" charset="0"/>
+                      </a:endParaRPr>
+                    </a:p>
+                  </a:txBody>
+                  <a:tcPr marL="3624" marR="3624" marT="3624" marB="0" anchor="b"/>
+                </a:tc>
+                <a:tc>
+                  <a:txBody>
+                    <a:bodyPr/>
+                    <a:lstStyle/>
+                    <a:p>
+                      <a:pPr algn="l" fontAlgn="b"/>
+                      <a:r>
+                        <a:rPr lang="en-US" sz="500" u="none" strike="noStrike">
+                          <a:effectLst/>
+                        </a:rPr>
+                        <a:t>30-35</a:t>
+                      </a:r>
+                      <a:endParaRPr lang="en-US" sz="500" b="0" i="0" u="none" strike="noStrike">
+                        <a:solidFill>
+                          <a:srgbClr val="000000"/>
+                        </a:solidFill>
+                        <a:effectLst/>
+                        <a:latin typeface="Calibri" panose="020F0502020204030204" pitchFamily="34" charset="0"/>
+                      </a:endParaRPr>
+                    </a:p>
+                  </a:txBody>
+                  <a:tcPr marL="3624" marR="3624" marT="3624" marB="0" anchor="b"/>
+                </a:tc>
+                <a:tc>
+                  <a:txBody>
+                    <a:bodyPr/>
+                    <a:lstStyle/>
+                    <a:p>
+                      <a:pPr algn="l" fontAlgn="b"/>
+                      <a:endParaRPr lang="en-US" sz="500" b="0" i="0" u="none" strike="noStrike">
+                        <a:solidFill>
+                          <a:srgbClr val="000000"/>
+                        </a:solidFill>
+                        <a:effectLst/>
+                        <a:latin typeface="Calibri" panose="020F0502020204030204" pitchFamily="34" charset="0"/>
+                      </a:endParaRPr>
+                    </a:p>
+                  </a:txBody>
+                  <a:tcPr marL="3624" marR="3624" marT="3624" marB="0" anchor="b"/>
+                </a:tc>
+                <a:tc>
+                  <a:txBody>
+                    <a:bodyPr/>
+                    <a:lstStyle/>
+                    <a:p>
+                      <a:pPr algn="l" fontAlgn="b"/>
+                      <a:endParaRPr lang="en-US" sz="500" b="0" i="0" u="none" strike="noStrike">
+                        <a:solidFill>
+                          <a:srgbClr val="000000"/>
+                        </a:solidFill>
+                        <a:effectLst/>
+                        <a:latin typeface="Calibri" panose="020F0502020204030204" pitchFamily="34" charset="0"/>
+                      </a:endParaRPr>
+                    </a:p>
+                  </a:txBody>
+                  <a:tcPr marL="3624" marR="3624" marT="3624" marB="0" anchor="b"/>
+                </a:tc>
+                <a:extLst>
+                  <a:ext uri="{0D108BD9-81ED-4DB2-BD59-A6C34878D82A}">
+                    <a16:rowId xmlns:a16="http://schemas.microsoft.com/office/drawing/2014/main" val="2785872419"/>
+                  </a:ext>
+                </a:extLst>
+              </a:tr>
+              <a:tr h="127321">
+                <a:tc>
+                  <a:txBody>
+                    <a:bodyPr/>
+                    <a:lstStyle/>
+                    <a:p>
+                      <a:pPr algn="l" fontAlgn="b"/>
+                      <a:r>
+                        <a:rPr lang="en-US" sz="500" u="none" strike="noStrike">
+                          <a:effectLst/>
+                        </a:rPr>
+                        <a:t>Cúc nhật</a:t>
+                      </a:r>
+                      <a:endParaRPr lang="en-US" sz="500" b="0" i="0" u="none" strike="noStrike">
+                        <a:solidFill>
+                          <a:srgbClr val="000000"/>
+                        </a:solidFill>
+                        <a:effectLst/>
+                        <a:latin typeface="Calibri" panose="020F0502020204030204" pitchFamily="34" charset="0"/>
+                      </a:endParaRPr>
+                    </a:p>
+                  </a:txBody>
+                  <a:tcPr marL="3624" marR="3624" marT="3624" marB="0" anchor="b"/>
+                </a:tc>
+                <a:tc>
+                  <a:txBody>
+                    <a:bodyPr/>
+                    <a:lstStyle/>
+                    <a:p>
+                      <a:pPr algn="l" fontAlgn="b"/>
+                      <a:r>
+                        <a:rPr lang="en-US" sz="500" u="none" strike="noStrike">
+                          <a:effectLst/>
+                        </a:rPr>
+                        <a:t>6.0 – 8.0</a:t>
+                      </a:r>
+                      <a:endParaRPr lang="en-US" sz="500" b="0" i="0" u="none" strike="noStrike">
+                        <a:solidFill>
+                          <a:srgbClr val="000000"/>
+                        </a:solidFill>
+                        <a:effectLst/>
+                        <a:latin typeface="Calibri" panose="020F0502020204030204" pitchFamily="34" charset="0"/>
+                      </a:endParaRPr>
+                    </a:p>
+                  </a:txBody>
+                  <a:tcPr marL="3624" marR="3624" marT="3624" marB="0" anchor="b"/>
+                </a:tc>
+                <a:tc>
+                  <a:txBody>
+                    <a:bodyPr/>
+                    <a:lstStyle/>
+                    <a:p>
+                      <a:pPr algn="l" fontAlgn="b"/>
+                      <a:r>
+                        <a:rPr lang="en-US" sz="500" u="none" strike="noStrike">
+                          <a:effectLst/>
+                        </a:rPr>
+                        <a:t> </a:t>
+                      </a:r>
+                      <a:endParaRPr lang="en-US" sz="500" b="0" i="0" u="none" strike="noStrike">
+                        <a:solidFill>
+                          <a:srgbClr val="000000"/>
+                        </a:solidFill>
+                        <a:effectLst/>
+                        <a:latin typeface="Calibri" panose="020F0502020204030204" pitchFamily="34" charset="0"/>
+                      </a:endParaRPr>
+                    </a:p>
+                  </a:txBody>
+                  <a:tcPr marL="3624" marR="3624" marT="3624" marB="0" anchor="b"/>
+                </a:tc>
+                <a:tc>
+                  <a:txBody>
+                    <a:bodyPr/>
+                    <a:lstStyle/>
+                    <a:p>
+                      <a:pPr algn="l" fontAlgn="b"/>
+                      <a:r>
+                        <a:rPr lang="en-US" sz="500" u="none" strike="noStrike">
+                          <a:effectLst/>
+                        </a:rPr>
+                        <a:t> </a:t>
+                      </a:r>
+                      <a:endParaRPr lang="en-US" sz="500" b="0" i="0" u="none" strike="noStrike">
+                        <a:solidFill>
+                          <a:srgbClr val="000000"/>
+                        </a:solidFill>
+                        <a:effectLst/>
+                        <a:latin typeface="Calibri" panose="020F0502020204030204" pitchFamily="34" charset="0"/>
+                      </a:endParaRPr>
+                    </a:p>
+                  </a:txBody>
+                  <a:tcPr marL="3624" marR="3624" marT="3624" marB="0" anchor="b"/>
+                </a:tc>
+                <a:tc>
+                  <a:txBody>
+                    <a:bodyPr/>
+                    <a:lstStyle/>
+                    <a:p>
+                      <a:pPr algn="l" fontAlgn="b"/>
+                      <a:r>
+                        <a:rPr lang="en-US" sz="500" u="none" strike="noStrike">
+                          <a:effectLst/>
+                        </a:rPr>
+                        <a:t> </a:t>
+                      </a:r>
+                      <a:endParaRPr lang="en-US" sz="500" b="0" i="0" u="none" strike="noStrike">
+                        <a:solidFill>
+                          <a:srgbClr val="000000"/>
+                        </a:solidFill>
+                        <a:effectLst/>
+                        <a:latin typeface="Calibri" panose="020F0502020204030204" pitchFamily="34" charset="0"/>
+                      </a:endParaRPr>
+                    </a:p>
+                  </a:txBody>
+                  <a:tcPr marL="3624" marR="3624" marT="3624" marB="0" anchor="b"/>
+                </a:tc>
+                <a:tc>
+                  <a:txBody>
+                    <a:bodyPr/>
+                    <a:lstStyle/>
+                    <a:p>
+                      <a:pPr algn="l" fontAlgn="b"/>
+                      <a:r>
+                        <a:rPr lang="en-US" sz="500" u="none" strike="noStrike">
+                          <a:effectLst/>
+                        </a:rPr>
+                        <a:t> </a:t>
+                      </a:r>
+                      <a:endParaRPr lang="en-US" sz="500" b="0" i="0" u="none" strike="noStrike">
+                        <a:solidFill>
+                          <a:srgbClr val="000000"/>
+                        </a:solidFill>
+                        <a:effectLst/>
+                        <a:latin typeface="Calibri" panose="020F0502020204030204" pitchFamily="34" charset="0"/>
+                      </a:endParaRPr>
+                    </a:p>
+                  </a:txBody>
+                  <a:tcPr marL="3624" marR="3624" marT="3624" marB="0" anchor="b"/>
+                </a:tc>
+                <a:extLst>
+                  <a:ext uri="{0D108BD9-81ED-4DB2-BD59-A6C34878D82A}">
+                    <a16:rowId xmlns:a16="http://schemas.microsoft.com/office/drawing/2014/main" val="2696458193"/>
+                  </a:ext>
+                </a:extLst>
+              </a:tr>
+              <a:tr h="127321">
+                <a:tc>
+                  <a:txBody>
+                    <a:bodyPr/>
+                    <a:lstStyle/>
+                    <a:p>
+                      <a:pPr algn="l" fontAlgn="b"/>
+                      <a:r>
+                        <a:rPr lang="en-US" sz="500" u="none" strike="noStrike">
+                          <a:effectLst/>
+                        </a:rPr>
+                        <a:t>Hành tỏi</a:t>
+                      </a:r>
+                      <a:endParaRPr lang="en-US" sz="500" b="0" i="0" u="none" strike="noStrike">
+                        <a:solidFill>
+                          <a:srgbClr val="000000"/>
+                        </a:solidFill>
+                        <a:effectLst/>
+                        <a:latin typeface="Calibri" panose="020F0502020204030204" pitchFamily="34" charset="0"/>
+                      </a:endParaRPr>
+                    </a:p>
+                  </a:txBody>
+                  <a:tcPr marL="3624" marR="3624" marT="3624" marB="0" anchor="b"/>
+                </a:tc>
+                <a:tc>
+                  <a:txBody>
+                    <a:bodyPr/>
+                    <a:lstStyle/>
+                    <a:p>
+                      <a:pPr algn="l" fontAlgn="b"/>
+                      <a:r>
+                        <a:rPr lang="en-US" sz="500" u="none" strike="noStrike">
+                          <a:effectLst/>
+                        </a:rPr>
+                        <a:t>6.0 – 7.0</a:t>
+                      </a:r>
+                      <a:endParaRPr lang="en-US" sz="500" b="0" i="0" u="none" strike="noStrike">
+                        <a:solidFill>
+                          <a:srgbClr val="000000"/>
+                        </a:solidFill>
+                        <a:effectLst/>
+                        <a:latin typeface="Calibri" panose="020F0502020204030204" pitchFamily="34" charset="0"/>
+                      </a:endParaRPr>
+                    </a:p>
+                  </a:txBody>
+                  <a:tcPr marL="3624" marR="3624" marT="3624" marB="0" anchor="b"/>
+                </a:tc>
+                <a:tc>
+                  <a:txBody>
+                    <a:bodyPr/>
+                    <a:lstStyle/>
+                    <a:p>
+                      <a:pPr algn="l" fontAlgn="b"/>
+                      <a:endParaRPr lang="en-US" sz="500" b="0" i="0" u="none" strike="noStrike">
+                        <a:solidFill>
+                          <a:srgbClr val="000000"/>
+                        </a:solidFill>
+                        <a:effectLst/>
+                        <a:latin typeface="Calibri" panose="020F0502020204030204" pitchFamily="34" charset="0"/>
+                      </a:endParaRPr>
+                    </a:p>
+                  </a:txBody>
+                  <a:tcPr marL="3624" marR="3624" marT="3624" marB="0" anchor="b"/>
+                </a:tc>
+                <a:tc>
+                  <a:txBody>
+                    <a:bodyPr/>
+                    <a:lstStyle/>
+                    <a:p>
+                      <a:pPr algn="l" fontAlgn="b"/>
+                      <a:endParaRPr lang="en-US" sz="500" b="0" i="0" u="none" strike="noStrike">
+                        <a:solidFill>
+                          <a:srgbClr val="000000"/>
+                        </a:solidFill>
+                        <a:effectLst/>
+                        <a:latin typeface="Calibri" panose="020F0502020204030204" pitchFamily="34" charset="0"/>
+                      </a:endParaRPr>
+                    </a:p>
+                  </a:txBody>
+                  <a:tcPr marL="3624" marR="3624" marT="3624" marB="0" anchor="b"/>
+                </a:tc>
+                <a:tc>
+                  <a:txBody>
+                    <a:bodyPr/>
+                    <a:lstStyle/>
+                    <a:p>
+                      <a:pPr algn="l" fontAlgn="b"/>
+                      <a:endParaRPr lang="en-US" sz="500" b="0" i="0" u="none" strike="noStrike">
+                        <a:solidFill>
+                          <a:srgbClr val="000000"/>
+                        </a:solidFill>
+                        <a:effectLst/>
+                        <a:latin typeface="Calibri" panose="020F0502020204030204" pitchFamily="34" charset="0"/>
+                      </a:endParaRPr>
+                    </a:p>
+                  </a:txBody>
+                  <a:tcPr marL="3624" marR="3624" marT="3624" marB="0" anchor="b"/>
+                </a:tc>
+                <a:tc>
+                  <a:txBody>
+                    <a:bodyPr/>
+                    <a:lstStyle/>
+                    <a:p>
+                      <a:pPr algn="l" fontAlgn="b"/>
+                      <a:endParaRPr lang="en-US" sz="500" b="0" i="0" u="none" strike="noStrike">
+                        <a:solidFill>
+                          <a:srgbClr val="000000"/>
+                        </a:solidFill>
+                        <a:effectLst/>
+                        <a:latin typeface="Calibri" panose="020F0502020204030204" pitchFamily="34" charset="0"/>
+                      </a:endParaRPr>
+                    </a:p>
+                  </a:txBody>
+                  <a:tcPr marL="3624" marR="3624" marT="3624" marB="0" anchor="b"/>
+                </a:tc>
+                <a:extLst>
+                  <a:ext uri="{0D108BD9-81ED-4DB2-BD59-A6C34878D82A}">
+                    <a16:rowId xmlns:a16="http://schemas.microsoft.com/office/drawing/2014/main" val="3088137727"/>
+                  </a:ext>
+                </a:extLst>
+              </a:tr>
+              <a:tr h="127321">
+                <a:tc>
+                  <a:txBody>
+                    <a:bodyPr/>
+                    <a:lstStyle/>
+                    <a:p>
+                      <a:pPr algn="l" fontAlgn="b"/>
+                      <a:r>
+                        <a:rPr lang="en-US" sz="500" u="none" strike="noStrike">
+                          <a:effectLst/>
+                        </a:rPr>
+                        <a:t>Gừng</a:t>
+                      </a:r>
+                      <a:endParaRPr lang="en-US" sz="500" b="0" i="0" u="none" strike="noStrike">
+                        <a:solidFill>
+                          <a:srgbClr val="000000"/>
+                        </a:solidFill>
+                        <a:effectLst/>
+                        <a:latin typeface="Calibri" panose="020F0502020204030204" pitchFamily="34" charset="0"/>
+                      </a:endParaRPr>
+                    </a:p>
+                  </a:txBody>
+                  <a:tcPr marL="3624" marR="3624" marT="3624" marB="0" anchor="b"/>
+                </a:tc>
+                <a:tc>
+                  <a:txBody>
+                    <a:bodyPr/>
+                    <a:lstStyle/>
+                    <a:p>
+                      <a:pPr algn="l" fontAlgn="b"/>
+                      <a:r>
+                        <a:rPr lang="en-US" sz="500" u="none" strike="noStrike">
+                          <a:effectLst/>
+                        </a:rPr>
+                        <a:t>6.0 – 6.5</a:t>
+                      </a:r>
+                      <a:endParaRPr lang="en-US" sz="500" b="0" i="0" u="none" strike="noStrike">
+                        <a:solidFill>
+                          <a:srgbClr val="000000"/>
+                        </a:solidFill>
+                        <a:effectLst/>
+                        <a:latin typeface="Calibri" panose="020F0502020204030204" pitchFamily="34" charset="0"/>
+                      </a:endParaRPr>
+                    </a:p>
+                  </a:txBody>
+                  <a:tcPr marL="3624" marR="3624" marT="3624" marB="0" anchor="b"/>
+                </a:tc>
+                <a:tc>
+                  <a:txBody>
+                    <a:bodyPr/>
+                    <a:lstStyle/>
+                    <a:p>
+                      <a:pPr algn="l" fontAlgn="b"/>
+                      <a:r>
+                        <a:rPr lang="en-US" sz="500" u="none" strike="noStrike">
+                          <a:effectLst/>
+                        </a:rPr>
+                        <a:t> </a:t>
+                      </a:r>
+                      <a:endParaRPr lang="en-US" sz="500" b="0" i="0" u="none" strike="noStrike">
+                        <a:solidFill>
+                          <a:srgbClr val="000000"/>
+                        </a:solidFill>
+                        <a:effectLst/>
+                        <a:latin typeface="Calibri" panose="020F0502020204030204" pitchFamily="34" charset="0"/>
+                      </a:endParaRPr>
+                    </a:p>
+                  </a:txBody>
+                  <a:tcPr marL="3624" marR="3624" marT="3624" marB="0" anchor="b"/>
+                </a:tc>
+                <a:tc>
+                  <a:txBody>
+                    <a:bodyPr/>
+                    <a:lstStyle/>
+                    <a:p>
+                      <a:pPr algn="l" fontAlgn="b"/>
+                      <a:r>
+                        <a:rPr lang="en-US" sz="500" u="none" strike="noStrike">
+                          <a:effectLst/>
+                        </a:rPr>
+                        <a:t> </a:t>
+                      </a:r>
+                      <a:endParaRPr lang="en-US" sz="500" b="0" i="0" u="none" strike="noStrike">
+                        <a:solidFill>
+                          <a:srgbClr val="000000"/>
+                        </a:solidFill>
+                        <a:effectLst/>
+                        <a:latin typeface="Calibri" panose="020F0502020204030204" pitchFamily="34" charset="0"/>
+                      </a:endParaRPr>
+                    </a:p>
+                  </a:txBody>
+                  <a:tcPr marL="3624" marR="3624" marT="3624" marB="0" anchor="b"/>
+                </a:tc>
+                <a:tc>
+                  <a:txBody>
+                    <a:bodyPr/>
+                    <a:lstStyle/>
+                    <a:p>
+                      <a:pPr algn="l" fontAlgn="b"/>
+                      <a:r>
+                        <a:rPr lang="en-US" sz="500" u="none" strike="noStrike">
+                          <a:effectLst/>
+                        </a:rPr>
+                        <a:t> </a:t>
+                      </a:r>
+                      <a:endParaRPr lang="en-US" sz="500" b="0" i="0" u="none" strike="noStrike">
+                        <a:solidFill>
+                          <a:srgbClr val="000000"/>
+                        </a:solidFill>
+                        <a:effectLst/>
+                        <a:latin typeface="Calibri" panose="020F0502020204030204" pitchFamily="34" charset="0"/>
+                      </a:endParaRPr>
+                    </a:p>
+                  </a:txBody>
+                  <a:tcPr marL="3624" marR="3624" marT="3624" marB="0" anchor="b"/>
+                </a:tc>
+                <a:tc>
+                  <a:txBody>
+                    <a:bodyPr/>
+                    <a:lstStyle/>
+                    <a:p>
+                      <a:pPr algn="l" fontAlgn="b"/>
+                      <a:r>
+                        <a:rPr lang="en-US" sz="500" u="none" strike="noStrike">
+                          <a:effectLst/>
+                        </a:rPr>
+                        <a:t> </a:t>
+                      </a:r>
+                      <a:endParaRPr lang="en-US" sz="500" b="0" i="0" u="none" strike="noStrike">
+                        <a:solidFill>
+                          <a:srgbClr val="000000"/>
+                        </a:solidFill>
+                        <a:effectLst/>
+                        <a:latin typeface="Calibri" panose="020F0502020204030204" pitchFamily="34" charset="0"/>
+                      </a:endParaRPr>
+                    </a:p>
+                  </a:txBody>
+                  <a:tcPr marL="3624" marR="3624" marT="3624" marB="0" anchor="b"/>
+                </a:tc>
+                <a:extLst>
+                  <a:ext uri="{0D108BD9-81ED-4DB2-BD59-A6C34878D82A}">
+                    <a16:rowId xmlns:a16="http://schemas.microsoft.com/office/drawing/2014/main" val="4204249092"/>
+                  </a:ext>
+                </a:extLst>
+              </a:tr>
+              <a:tr h="127321">
+                <a:tc>
+                  <a:txBody>
+                    <a:bodyPr/>
+                    <a:lstStyle/>
+                    <a:p>
+                      <a:pPr algn="l" fontAlgn="b"/>
+                      <a:r>
+                        <a:rPr lang="vi-VN" sz="500" u="none" strike="noStrike">
+                          <a:effectLst/>
+                        </a:rPr>
+                        <a:t>Dưa leo</a:t>
+                      </a:r>
+                      <a:endParaRPr lang="vi-VN" sz="500" b="0" i="0" u="none" strike="noStrike">
+                        <a:solidFill>
+                          <a:srgbClr val="000000"/>
+                        </a:solidFill>
+                        <a:effectLst/>
+                        <a:latin typeface="Calibri" panose="020F0502020204030204" pitchFamily="34" charset="0"/>
+                      </a:endParaRPr>
+                    </a:p>
+                  </a:txBody>
+                  <a:tcPr marL="3624" marR="3624" marT="3624" marB="0" anchor="b"/>
+                </a:tc>
+                <a:tc>
+                  <a:txBody>
+                    <a:bodyPr/>
+                    <a:lstStyle/>
+                    <a:p>
+                      <a:pPr algn="l" fontAlgn="b"/>
+                      <a:r>
+                        <a:rPr lang="en-US" sz="500" u="none" strike="noStrike">
+                          <a:effectLst/>
+                        </a:rPr>
+                        <a:t>6.0 – 7.0</a:t>
+                      </a:r>
+                      <a:endParaRPr lang="en-US" sz="500" b="0" i="0" u="none" strike="noStrike">
+                        <a:solidFill>
+                          <a:srgbClr val="000000"/>
+                        </a:solidFill>
+                        <a:effectLst/>
+                        <a:latin typeface="Calibri" panose="020F0502020204030204" pitchFamily="34" charset="0"/>
+                      </a:endParaRPr>
+                    </a:p>
+                  </a:txBody>
+                  <a:tcPr marL="3624" marR="3624" marT="3624" marB="0" anchor="b"/>
+                </a:tc>
+                <a:tc>
+                  <a:txBody>
+                    <a:bodyPr/>
+                    <a:lstStyle/>
+                    <a:p>
+                      <a:pPr algn="l" fontAlgn="b"/>
+                      <a:endParaRPr lang="en-US" sz="500" b="0" i="0" u="none" strike="noStrike">
+                        <a:solidFill>
+                          <a:srgbClr val="000000"/>
+                        </a:solidFill>
+                        <a:effectLst/>
+                        <a:latin typeface="Calibri" panose="020F0502020204030204" pitchFamily="34" charset="0"/>
+                      </a:endParaRPr>
+                    </a:p>
+                  </a:txBody>
+                  <a:tcPr marL="3624" marR="3624" marT="3624" marB="0" anchor="b"/>
+                </a:tc>
+                <a:tc>
+                  <a:txBody>
+                    <a:bodyPr/>
+                    <a:lstStyle/>
+                    <a:p>
+                      <a:pPr algn="l" fontAlgn="b"/>
+                      <a:endParaRPr lang="en-US" sz="500" b="0" i="0" u="none" strike="noStrike">
+                        <a:solidFill>
+                          <a:srgbClr val="000000"/>
+                        </a:solidFill>
+                        <a:effectLst/>
+                        <a:latin typeface="Calibri" panose="020F0502020204030204" pitchFamily="34" charset="0"/>
+                      </a:endParaRPr>
+                    </a:p>
+                  </a:txBody>
+                  <a:tcPr marL="3624" marR="3624" marT="3624" marB="0" anchor="b"/>
+                </a:tc>
+                <a:tc>
+                  <a:txBody>
+                    <a:bodyPr/>
+                    <a:lstStyle/>
+                    <a:p>
+                      <a:pPr algn="l" fontAlgn="b"/>
+                      <a:endParaRPr lang="en-US" sz="500" b="0" i="0" u="none" strike="noStrike">
+                        <a:solidFill>
+                          <a:srgbClr val="000000"/>
+                        </a:solidFill>
+                        <a:effectLst/>
+                        <a:latin typeface="Calibri" panose="020F0502020204030204" pitchFamily="34" charset="0"/>
+                      </a:endParaRPr>
+                    </a:p>
+                  </a:txBody>
+                  <a:tcPr marL="3624" marR="3624" marT="3624" marB="0" anchor="b"/>
+                </a:tc>
+                <a:tc>
+                  <a:txBody>
+                    <a:bodyPr/>
+                    <a:lstStyle/>
+                    <a:p>
+                      <a:pPr algn="l" fontAlgn="b"/>
+                      <a:endParaRPr lang="en-US" sz="500" b="0" i="0" u="none" strike="noStrike">
+                        <a:solidFill>
+                          <a:srgbClr val="000000"/>
+                        </a:solidFill>
+                        <a:effectLst/>
+                        <a:latin typeface="Calibri" panose="020F0502020204030204" pitchFamily="34" charset="0"/>
+                      </a:endParaRPr>
+                    </a:p>
+                  </a:txBody>
+                  <a:tcPr marL="3624" marR="3624" marT="3624" marB="0" anchor="b"/>
+                </a:tc>
+                <a:extLst>
+                  <a:ext uri="{0D108BD9-81ED-4DB2-BD59-A6C34878D82A}">
+                    <a16:rowId xmlns:a16="http://schemas.microsoft.com/office/drawing/2014/main" val="2137108021"/>
+                  </a:ext>
+                </a:extLst>
+              </a:tr>
+              <a:tr h="127321">
+                <a:tc>
+                  <a:txBody>
+                    <a:bodyPr/>
+                    <a:lstStyle/>
+                    <a:p>
+                      <a:pPr algn="l" fontAlgn="b"/>
+                      <a:r>
+                        <a:rPr lang="en-US" sz="500" u="none" strike="noStrike">
+                          <a:effectLst/>
+                        </a:rPr>
+                        <a:t>Rau gia vị</a:t>
+                      </a:r>
+                      <a:endParaRPr lang="en-US" sz="500" b="0" i="0" u="none" strike="noStrike">
+                        <a:solidFill>
+                          <a:srgbClr val="000000"/>
+                        </a:solidFill>
+                        <a:effectLst/>
+                        <a:latin typeface="Calibri" panose="020F0502020204030204" pitchFamily="34" charset="0"/>
+                      </a:endParaRPr>
+                    </a:p>
+                  </a:txBody>
+                  <a:tcPr marL="3624" marR="3624" marT="3624" marB="0" anchor="b"/>
+                </a:tc>
+                <a:tc>
+                  <a:txBody>
+                    <a:bodyPr/>
+                    <a:lstStyle/>
+                    <a:p>
+                      <a:pPr algn="l" fontAlgn="b"/>
+                      <a:r>
+                        <a:rPr lang="en-US" sz="500" u="none" strike="noStrike">
+                          <a:effectLst/>
+                        </a:rPr>
+                        <a:t>5.5 – 7.0</a:t>
+                      </a:r>
+                      <a:endParaRPr lang="en-US" sz="500" b="0" i="0" u="none" strike="noStrike">
+                        <a:solidFill>
+                          <a:srgbClr val="000000"/>
+                        </a:solidFill>
+                        <a:effectLst/>
+                        <a:latin typeface="Calibri" panose="020F0502020204030204" pitchFamily="34" charset="0"/>
+                      </a:endParaRPr>
+                    </a:p>
+                  </a:txBody>
+                  <a:tcPr marL="3624" marR="3624" marT="3624" marB="0" anchor="b"/>
+                </a:tc>
+                <a:tc>
+                  <a:txBody>
+                    <a:bodyPr/>
+                    <a:lstStyle/>
+                    <a:p>
+                      <a:pPr algn="l" fontAlgn="b"/>
+                      <a:r>
+                        <a:rPr lang="en-US" sz="500" u="none" strike="noStrike">
+                          <a:effectLst/>
+                        </a:rPr>
+                        <a:t> </a:t>
+                      </a:r>
+                      <a:endParaRPr lang="en-US" sz="500" b="0" i="0" u="none" strike="noStrike">
+                        <a:solidFill>
+                          <a:srgbClr val="000000"/>
+                        </a:solidFill>
+                        <a:effectLst/>
+                        <a:latin typeface="Calibri" panose="020F0502020204030204" pitchFamily="34" charset="0"/>
+                      </a:endParaRPr>
+                    </a:p>
+                  </a:txBody>
+                  <a:tcPr marL="3624" marR="3624" marT="3624" marB="0" anchor="b"/>
+                </a:tc>
+                <a:tc>
+                  <a:txBody>
+                    <a:bodyPr/>
+                    <a:lstStyle/>
+                    <a:p>
+                      <a:pPr algn="l" fontAlgn="b"/>
+                      <a:r>
+                        <a:rPr lang="en-US" sz="500" u="none" strike="noStrike">
+                          <a:effectLst/>
+                        </a:rPr>
+                        <a:t> </a:t>
+                      </a:r>
+                      <a:endParaRPr lang="en-US" sz="500" b="0" i="0" u="none" strike="noStrike">
+                        <a:solidFill>
+                          <a:srgbClr val="000000"/>
+                        </a:solidFill>
+                        <a:effectLst/>
+                        <a:latin typeface="Calibri" panose="020F0502020204030204" pitchFamily="34" charset="0"/>
+                      </a:endParaRPr>
+                    </a:p>
+                  </a:txBody>
+                  <a:tcPr marL="3624" marR="3624" marT="3624" marB="0" anchor="b"/>
+                </a:tc>
+                <a:tc>
+                  <a:txBody>
+                    <a:bodyPr/>
+                    <a:lstStyle/>
+                    <a:p>
+                      <a:pPr algn="l" fontAlgn="b"/>
+                      <a:r>
+                        <a:rPr lang="en-US" sz="500" u="none" strike="noStrike">
+                          <a:effectLst/>
+                        </a:rPr>
+                        <a:t> </a:t>
+                      </a:r>
+                      <a:endParaRPr lang="en-US" sz="500" b="0" i="0" u="none" strike="noStrike">
+                        <a:solidFill>
+                          <a:srgbClr val="000000"/>
+                        </a:solidFill>
+                        <a:effectLst/>
+                        <a:latin typeface="Calibri" panose="020F0502020204030204" pitchFamily="34" charset="0"/>
+                      </a:endParaRPr>
+                    </a:p>
+                  </a:txBody>
+                  <a:tcPr marL="3624" marR="3624" marT="3624" marB="0" anchor="b"/>
+                </a:tc>
+                <a:tc>
+                  <a:txBody>
+                    <a:bodyPr/>
+                    <a:lstStyle/>
+                    <a:p>
+                      <a:pPr algn="l" fontAlgn="b"/>
+                      <a:r>
+                        <a:rPr lang="en-US" sz="500" u="none" strike="noStrike">
+                          <a:effectLst/>
+                        </a:rPr>
+                        <a:t> </a:t>
+                      </a:r>
+                      <a:endParaRPr lang="en-US" sz="500" b="0" i="0" u="none" strike="noStrike">
+                        <a:solidFill>
+                          <a:srgbClr val="000000"/>
+                        </a:solidFill>
+                        <a:effectLst/>
+                        <a:latin typeface="Calibri" panose="020F0502020204030204" pitchFamily="34" charset="0"/>
+                      </a:endParaRPr>
+                    </a:p>
+                  </a:txBody>
+                  <a:tcPr marL="3624" marR="3624" marT="3624" marB="0" anchor="b"/>
+                </a:tc>
+                <a:extLst>
+                  <a:ext uri="{0D108BD9-81ED-4DB2-BD59-A6C34878D82A}">
+                    <a16:rowId xmlns:a16="http://schemas.microsoft.com/office/drawing/2014/main" val="1838881156"/>
+                  </a:ext>
+                </a:extLst>
+              </a:tr>
+              <a:tr h="127321">
+                <a:tc>
+                  <a:txBody>
+                    <a:bodyPr/>
+                    <a:lstStyle/>
+                    <a:p>
+                      <a:pPr algn="l" fontAlgn="b"/>
+                      <a:r>
+                        <a:rPr lang="en-US" sz="500" u="none" strike="noStrike">
+                          <a:effectLst/>
+                        </a:rPr>
+                        <a:t>Khoai mì (sắn)</a:t>
+                      </a:r>
+                      <a:endParaRPr lang="en-US" sz="500" b="0" i="0" u="none" strike="noStrike">
+                        <a:solidFill>
+                          <a:srgbClr val="000000"/>
+                        </a:solidFill>
+                        <a:effectLst/>
+                        <a:latin typeface="Calibri" panose="020F0502020204030204" pitchFamily="34" charset="0"/>
+                      </a:endParaRPr>
+                    </a:p>
+                  </a:txBody>
+                  <a:tcPr marL="3624" marR="3624" marT="3624" marB="0" anchor="b"/>
+                </a:tc>
+                <a:tc>
+                  <a:txBody>
+                    <a:bodyPr/>
+                    <a:lstStyle/>
+                    <a:p>
+                      <a:pPr algn="l" fontAlgn="b"/>
+                      <a:r>
+                        <a:rPr lang="en-US" sz="500" u="none" strike="noStrike">
+                          <a:effectLst/>
+                        </a:rPr>
+                        <a:t>6.0 – 7.0</a:t>
+                      </a:r>
+                      <a:endParaRPr lang="en-US" sz="500" b="0" i="0" u="none" strike="noStrike">
+                        <a:solidFill>
+                          <a:srgbClr val="000000"/>
+                        </a:solidFill>
+                        <a:effectLst/>
+                        <a:latin typeface="Calibri" panose="020F0502020204030204" pitchFamily="34" charset="0"/>
+                      </a:endParaRPr>
+                    </a:p>
+                  </a:txBody>
+                  <a:tcPr marL="3624" marR="3624" marT="3624" marB="0" anchor="b"/>
+                </a:tc>
+                <a:tc>
+                  <a:txBody>
+                    <a:bodyPr/>
+                    <a:lstStyle/>
+                    <a:p>
+                      <a:pPr algn="l" fontAlgn="b"/>
+                      <a:endParaRPr lang="en-US" sz="500" b="0" i="0" u="none" strike="noStrike">
+                        <a:solidFill>
+                          <a:srgbClr val="000000"/>
+                        </a:solidFill>
+                        <a:effectLst/>
+                        <a:latin typeface="Calibri" panose="020F0502020204030204" pitchFamily="34" charset="0"/>
+                      </a:endParaRPr>
+                    </a:p>
+                  </a:txBody>
+                  <a:tcPr marL="3624" marR="3624" marT="3624" marB="0" anchor="b"/>
+                </a:tc>
+                <a:tc>
+                  <a:txBody>
+                    <a:bodyPr/>
+                    <a:lstStyle/>
+                    <a:p>
+                      <a:pPr algn="l" fontAlgn="b"/>
+                      <a:endParaRPr lang="en-US" sz="500" b="0" i="0" u="none" strike="noStrike">
+                        <a:solidFill>
+                          <a:srgbClr val="000000"/>
+                        </a:solidFill>
+                        <a:effectLst/>
+                        <a:latin typeface="Calibri" panose="020F0502020204030204" pitchFamily="34" charset="0"/>
+                      </a:endParaRPr>
+                    </a:p>
+                  </a:txBody>
+                  <a:tcPr marL="3624" marR="3624" marT="3624" marB="0" anchor="b"/>
+                </a:tc>
+                <a:tc>
+                  <a:txBody>
+                    <a:bodyPr/>
+                    <a:lstStyle/>
+                    <a:p>
+                      <a:pPr algn="l" fontAlgn="b"/>
+                      <a:endParaRPr lang="en-US" sz="500" b="0" i="0" u="none" strike="noStrike">
+                        <a:solidFill>
+                          <a:srgbClr val="000000"/>
+                        </a:solidFill>
+                        <a:effectLst/>
+                        <a:latin typeface="Calibri" panose="020F0502020204030204" pitchFamily="34" charset="0"/>
+                      </a:endParaRPr>
+                    </a:p>
+                  </a:txBody>
+                  <a:tcPr marL="3624" marR="3624" marT="3624" marB="0" anchor="b"/>
+                </a:tc>
+                <a:tc>
+                  <a:txBody>
+                    <a:bodyPr/>
+                    <a:lstStyle/>
+                    <a:p>
+                      <a:pPr algn="l" fontAlgn="b"/>
+                      <a:endParaRPr lang="en-US" sz="500" b="0" i="0" u="none" strike="noStrike">
+                        <a:solidFill>
+                          <a:srgbClr val="000000"/>
+                        </a:solidFill>
+                        <a:effectLst/>
+                        <a:latin typeface="Calibri" panose="020F0502020204030204" pitchFamily="34" charset="0"/>
+                      </a:endParaRPr>
+                    </a:p>
+                  </a:txBody>
+                  <a:tcPr marL="3624" marR="3624" marT="3624" marB="0" anchor="b"/>
+                </a:tc>
+                <a:extLst>
+                  <a:ext uri="{0D108BD9-81ED-4DB2-BD59-A6C34878D82A}">
+                    <a16:rowId xmlns:a16="http://schemas.microsoft.com/office/drawing/2014/main" val="2649061730"/>
+                  </a:ext>
+                </a:extLst>
+              </a:tr>
+              <a:tr h="127321">
+                <a:tc>
+                  <a:txBody>
+                    <a:bodyPr/>
+                    <a:lstStyle/>
+                    <a:p>
+                      <a:pPr algn="l" fontAlgn="b"/>
+                      <a:r>
+                        <a:rPr lang="vi-VN" sz="500" u="none" strike="noStrike">
+                          <a:effectLst/>
+                        </a:rPr>
+                        <a:t>Cây bơ</a:t>
+                      </a:r>
+                      <a:endParaRPr lang="vi-VN" sz="500" b="0" i="0" u="none" strike="noStrike">
+                        <a:solidFill>
+                          <a:srgbClr val="000000"/>
+                        </a:solidFill>
+                        <a:effectLst/>
+                        <a:latin typeface="Calibri" panose="020F0502020204030204" pitchFamily="34" charset="0"/>
+                      </a:endParaRPr>
+                    </a:p>
+                  </a:txBody>
+                  <a:tcPr marL="3624" marR="3624" marT="3624" marB="0" anchor="b"/>
+                </a:tc>
+                <a:tc>
+                  <a:txBody>
+                    <a:bodyPr/>
+                    <a:lstStyle/>
+                    <a:p>
+                      <a:pPr algn="l" fontAlgn="b"/>
+                      <a:r>
+                        <a:rPr lang="en-US" sz="500" u="none" strike="noStrike">
+                          <a:effectLst/>
+                        </a:rPr>
+                        <a:t>5.0 – 6.0</a:t>
+                      </a:r>
+                      <a:endParaRPr lang="en-US" sz="500" b="0" i="0" u="none" strike="noStrike">
+                        <a:solidFill>
+                          <a:srgbClr val="000000"/>
+                        </a:solidFill>
+                        <a:effectLst/>
+                        <a:latin typeface="Calibri" panose="020F0502020204030204" pitchFamily="34" charset="0"/>
+                      </a:endParaRPr>
+                    </a:p>
+                  </a:txBody>
+                  <a:tcPr marL="3624" marR="3624" marT="3624" marB="0" anchor="b"/>
+                </a:tc>
+                <a:tc>
+                  <a:txBody>
+                    <a:bodyPr/>
+                    <a:lstStyle/>
+                    <a:p>
+                      <a:pPr algn="l" fontAlgn="b"/>
+                      <a:r>
+                        <a:rPr lang="en-US" sz="500" u="none" strike="noStrike">
+                          <a:effectLst/>
+                        </a:rPr>
+                        <a:t> </a:t>
+                      </a:r>
+                      <a:endParaRPr lang="en-US" sz="500" b="0" i="0" u="none" strike="noStrike">
+                        <a:solidFill>
+                          <a:srgbClr val="000000"/>
+                        </a:solidFill>
+                        <a:effectLst/>
+                        <a:latin typeface="Calibri" panose="020F0502020204030204" pitchFamily="34" charset="0"/>
+                      </a:endParaRPr>
+                    </a:p>
+                  </a:txBody>
+                  <a:tcPr marL="3624" marR="3624" marT="3624" marB="0" anchor="b"/>
+                </a:tc>
+                <a:tc>
+                  <a:txBody>
+                    <a:bodyPr/>
+                    <a:lstStyle/>
+                    <a:p>
+                      <a:pPr algn="l" fontAlgn="b"/>
+                      <a:r>
+                        <a:rPr lang="en-US" sz="500" u="none" strike="noStrike">
+                          <a:effectLst/>
+                        </a:rPr>
+                        <a:t> </a:t>
+                      </a:r>
+                      <a:endParaRPr lang="en-US" sz="500" b="0" i="0" u="none" strike="noStrike">
+                        <a:solidFill>
+                          <a:srgbClr val="000000"/>
+                        </a:solidFill>
+                        <a:effectLst/>
+                        <a:latin typeface="Calibri" panose="020F0502020204030204" pitchFamily="34" charset="0"/>
+                      </a:endParaRPr>
+                    </a:p>
+                  </a:txBody>
+                  <a:tcPr marL="3624" marR="3624" marT="3624" marB="0" anchor="b"/>
+                </a:tc>
+                <a:tc>
+                  <a:txBody>
+                    <a:bodyPr/>
+                    <a:lstStyle/>
+                    <a:p>
+                      <a:pPr algn="l" fontAlgn="b"/>
+                      <a:r>
+                        <a:rPr lang="en-US" sz="500" u="none" strike="noStrike">
+                          <a:effectLst/>
+                        </a:rPr>
+                        <a:t> </a:t>
+                      </a:r>
+                      <a:endParaRPr lang="en-US" sz="500" b="0" i="0" u="none" strike="noStrike">
+                        <a:solidFill>
+                          <a:srgbClr val="000000"/>
+                        </a:solidFill>
+                        <a:effectLst/>
+                        <a:latin typeface="Calibri" panose="020F0502020204030204" pitchFamily="34" charset="0"/>
+                      </a:endParaRPr>
+                    </a:p>
+                  </a:txBody>
+                  <a:tcPr marL="3624" marR="3624" marT="3624" marB="0" anchor="b"/>
+                </a:tc>
+                <a:tc>
+                  <a:txBody>
+                    <a:bodyPr/>
+                    <a:lstStyle/>
+                    <a:p>
+                      <a:pPr algn="l" fontAlgn="b"/>
+                      <a:r>
+                        <a:rPr lang="en-US" sz="500" u="none" strike="noStrike">
+                          <a:effectLst/>
+                        </a:rPr>
+                        <a:t> </a:t>
+                      </a:r>
+                      <a:endParaRPr lang="en-US" sz="500" b="0" i="0" u="none" strike="noStrike">
+                        <a:solidFill>
+                          <a:srgbClr val="000000"/>
+                        </a:solidFill>
+                        <a:effectLst/>
+                        <a:latin typeface="Calibri" panose="020F0502020204030204" pitchFamily="34" charset="0"/>
+                      </a:endParaRPr>
+                    </a:p>
+                  </a:txBody>
+                  <a:tcPr marL="3624" marR="3624" marT="3624" marB="0" anchor="b"/>
+                </a:tc>
+                <a:extLst>
+                  <a:ext uri="{0D108BD9-81ED-4DB2-BD59-A6C34878D82A}">
+                    <a16:rowId xmlns:a16="http://schemas.microsoft.com/office/drawing/2014/main" val="140916797"/>
+                  </a:ext>
+                </a:extLst>
+              </a:tr>
+              <a:tr h="127321">
+                <a:tc>
+                  <a:txBody>
+                    <a:bodyPr/>
+                    <a:lstStyle/>
+                    <a:p>
+                      <a:pPr algn="l" fontAlgn="b"/>
+                      <a:r>
+                        <a:rPr lang="vi-VN" sz="500" u="none" strike="noStrike">
+                          <a:effectLst/>
+                        </a:rPr>
+                        <a:t>Dưa chuột</a:t>
+                      </a:r>
+                      <a:endParaRPr lang="vi-VN" sz="500" b="0" i="0" u="none" strike="noStrike">
+                        <a:solidFill>
+                          <a:srgbClr val="FF0000"/>
+                        </a:solidFill>
+                        <a:effectLst/>
+                        <a:latin typeface="Calibri" panose="020F0502020204030204" pitchFamily="34" charset="0"/>
+                      </a:endParaRPr>
+                    </a:p>
+                  </a:txBody>
+                  <a:tcPr marL="3624" marR="3624" marT="3624" marB="0" anchor="b"/>
+                </a:tc>
+                <a:tc>
+                  <a:txBody>
+                    <a:bodyPr/>
+                    <a:lstStyle/>
+                    <a:p>
+                      <a:pPr algn="l" fontAlgn="b"/>
+                      <a:r>
+                        <a:rPr lang="en-US" sz="500" u="none" strike="noStrike">
+                          <a:effectLst/>
+                        </a:rPr>
+                        <a:t>6.5-7.0</a:t>
+                      </a:r>
+                      <a:endParaRPr lang="en-US" sz="500" b="0" i="0" u="none" strike="noStrike">
+                        <a:solidFill>
+                          <a:srgbClr val="FF0000"/>
+                        </a:solidFill>
+                        <a:effectLst/>
+                        <a:latin typeface="Calibri" panose="020F0502020204030204" pitchFamily="34" charset="0"/>
+                      </a:endParaRPr>
+                    </a:p>
+                  </a:txBody>
+                  <a:tcPr marL="3624" marR="3624" marT="3624" marB="0" anchor="b"/>
+                </a:tc>
+                <a:tc>
+                  <a:txBody>
+                    <a:bodyPr/>
+                    <a:lstStyle/>
+                    <a:p>
+                      <a:pPr algn="l" fontAlgn="b"/>
+                      <a:r>
+                        <a:rPr lang="en-US" sz="500" u="none" strike="noStrike">
+                          <a:effectLst/>
+                        </a:rPr>
+                        <a:t>10-12h/ngay</a:t>
+                      </a:r>
+                      <a:endParaRPr lang="en-US" sz="500" b="0" i="0" u="none" strike="noStrike">
+                        <a:solidFill>
+                          <a:srgbClr val="FF0000"/>
+                        </a:solidFill>
+                        <a:effectLst/>
+                        <a:latin typeface="Calibri" panose="020F0502020204030204" pitchFamily="34" charset="0"/>
+                      </a:endParaRPr>
+                    </a:p>
+                  </a:txBody>
+                  <a:tcPr marL="3624" marR="3624" marT="3624" marB="0" anchor="b"/>
+                </a:tc>
+                <a:tc>
+                  <a:txBody>
+                    <a:bodyPr/>
+                    <a:lstStyle/>
+                    <a:p>
+                      <a:pPr algn="l" fontAlgn="b"/>
+                      <a:r>
+                        <a:rPr lang="en-US" sz="500" u="none" strike="noStrike">
+                          <a:effectLst/>
+                        </a:rPr>
+                        <a:t>85-95</a:t>
+                      </a:r>
+                      <a:endParaRPr lang="en-US" sz="500" b="0" i="0" u="none" strike="noStrike">
+                        <a:solidFill>
+                          <a:srgbClr val="FF0000"/>
+                        </a:solidFill>
+                        <a:effectLst/>
+                        <a:latin typeface="Calibri" panose="020F0502020204030204" pitchFamily="34" charset="0"/>
+                      </a:endParaRPr>
+                    </a:p>
+                  </a:txBody>
+                  <a:tcPr marL="3624" marR="3624" marT="3624" marB="0" anchor="b"/>
+                </a:tc>
+                <a:tc>
+                  <a:txBody>
+                    <a:bodyPr/>
+                    <a:lstStyle/>
+                    <a:p>
+                      <a:pPr algn="l" fontAlgn="b"/>
+                      <a:r>
+                        <a:rPr lang="en-US" sz="500" u="none" strike="noStrike">
+                          <a:effectLst/>
+                        </a:rPr>
+                        <a:t>20-30</a:t>
+                      </a:r>
+                      <a:endParaRPr lang="en-US" sz="500" b="0" i="0" u="none" strike="noStrike">
+                        <a:solidFill>
+                          <a:srgbClr val="FF0000"/>
+                        </a:solidFill>
+                        <a:effectLst/>
+                        <a:latin typeface="Calibri" panose="020F0502020204030204" pitchFamily="34" charset="0"/>
+                      </a:endParaRPr>
+                    </a:p>
+                  </a:txBody>
+                  <a:tcPr marL="3624" marR="3624" marT="3624" marB="0" anchor="b"/>
+                </a:tc>
+                <a:tc>
+                  <a:txBody>
+                    <a:bodyPr/>
+                    <a:lstStyle/>
+                    <a:p>
+                      <a:pPr algn="l" fontAlgn="b"/>
+                      <a:endParaRPr lang="en-US" sz="500" b="0" i="0" u="none" strike="noStrike">
+                        <a:solidFill>
+                          <a:srgbClr val="FF0000"/>
+                        </a:solidFill>
+                        <a:effectLst/>
+                        <a:latin typeface="Calibri" panose="020F0502020204030204" pitchFamily="34" charset="0"/>
+                      </a:endParaRPr>
+                    </a:p>
+                  </a:txBody>
+                  <a:tcPr marL="3624" marR="3624" marT="3624" marB="0" anchor="b"/>
+                </a:tc>
+                <a:extLst>
+                  <a:ext uri="{0D108BD9-81ED-4DB2-BD59-A6C34878D82A}">
+                    <a16:rowId xmlns:a16="http://schemas.microsoft.com/office/drawing/2014/main" val="1389347021"/>
+                  </a:ext>
+                </a:extLst>
+              </a:tr>
+              <a:tr h="127321">
+                <a:tc>
+                  <a:txBody>
+                    <a:bodyPr/>
+                    <a:lstStyle/>
+                    <a:p>
+                      <a:pPr algn="l" fontAlgn="b"/>
+                      <a:r>
+                        <a:rPr lang="en-US" sz="500" u="none" strike="noStrike">
+                          <a:effectLst/>
+                        </a:rPr>
+                        <a:t>Chuối</a:t>
+                      </a:r>
+                      <a:endParaRPr lang="en-US" sz="500" b="0" i="0" u="none" strike="noStrike">
+                        <a:solidFill>
+                          <a:srgbClr val="000000"/>
+                        </a:solidFill>
+                        <a:effectLst/>
+                        <a:latin typeface="Calibri" panose="020F0502020204030204" pitchFamily="34" charset="0"/>
+                      </a:endParaRPr>
+                    </a:p>
+                  </a:txBody>
+                  <a:tcPr marL="3624" marR="3624" marT="3624" marB="0" anchor="b"/>
+                </a:tc>
+                <a:tc>
+                  <a:txBody>
+                    <a:bodyPr/>
+                    <a:lstStyle/>
+                    <a:p>
+                      <a:pPr algn="l" fontAlgn="b"/>
+                      <a:r>
+                        <a:rPr lang="en-US" sz="500" u="none" strike="noStrike">
+                          <a:effectLst/>
+                        </a:rPr>
+                        <a:t>6.0-6.5</a:t>
+                      </a:r>
+                      <a:endParaRPr lang="en-US" sz="500" b="0" i="0" u="none" strike="noStrike">
+                        <a:solidFill>
+                          <a:srgbClr val="000000"/>
+                        </a:solidFill>
+                        <a:effectLst/>
+                        <a:latin typeface="Calibri" panose="020F0502020204030204" pitchFamily="34" charset="0"/>
+                      </a:endParaRPr>
+                    </a:p>
+                  </a:txBody>
+                  <a:tcPr marL="3624" marR="3624" marT="3624" marB="0" anchor="b"/>
+                </a:tc>
+                <a:tc>
+                  <a:txBody>
+                    <a:bodyPr/>
+                    <a:lstStyle/>
+                    <a:p>
+                      <a:pPr algn="l" fontAlgn="b"/>
+                      <a:r>
+                        <a:rPr lang="en-US" sz="500" u="none" strike="noStrike">
+                          <a:effectLst/>
+                        </a:rPr>
+                        <a:t> </a:t>
+                      </a:r>
+                      <a:endParaRPr lang="en-US" sz="500" b="0" i="0" u="none" strike="noStrike">
+                        <a:solidFill>
+                          <a:srgbClr val="000000"/>
+                        </a:solidFill>
+                        <a:effectLst/>
+                        <a:latin typeface="Calibri" panose="020F0502020204030204" pitchFamily="34" charset="0"/>
+                      </a:endParaRPr>
+                    </a:p>
+                  </a:txBody>
+                  <a:tcPr marL="3624" marR="3624" marT="3624" marB="0" anchor="b"/>
+                </a:tc>
+                <a:tc>
+                  <a:txBody>
+                    <a:bodyPr/>
+                    <a:lstStyle/>
+                    <a:p>
+                      <a:pPr algn="l" fontAlgn="b"/>
+                      <a:r>
+                        <a:rPr lang="en-US" sz="500" u="none" strike="noStrike">
+                          <a:effectLst/>
+                        </a:rPr>
+                        <a:t> </a:t>
+                      </a:r>
+                      <a:endParaRPr lang="en-US" sz="500" b="0" i="0" u="none" strike="noStrike">
+                        <a:solidFill>
+                          <a:srgbClr val="000000"/>
+                        </a:solidFill>
+                        <a:effectLst/>
+                        <a:latin typeface="Calibri" panose="020F0502020204030204" pitchFamily="34" charset="0"/>
+                      </a:endParaRPr>
+                    </a:p>
+                  </a:txBody>
+                  <a:tcPr marL="3624" marR="3624" marT="3624" marB="0" anchor="b"/>
+                </a:tc>
+                <a:tc>
+                  <a:txBody>
+                    <a:bodyPr/>
+                    <a:lstStyle/>
+                    <a:p>
+                      <a:pPr algn="l" fontAlgn="b"/>
+                      <a:r>
+                        <a:rPr lang="en-US" sz="500" u="none" strike="noStrike">
+                          <a:effectLst/>
+                        </a:rPr>
+                        <a:t> </a:t>
+                      </a:r>
+                      <a:endParaRPr lang="en-US" sz="500" b="0" i="0" u="none" strike="noStrike">
+                        <a:solidFill>
+                          <a:srgbClr val="000000"/>
+                        </a:solidFill>
+                        <a:effectLst/>
+                        <a:latin typeface="Calibri" panose="020F0502020204030204" pitchFamily="34" charset="0"/>
+                      </a:endParaRPr>
+                    </a:p>
+                  </a:txBody>
+                  <a:tcPr marL="3624" marR="3624" marT="3624" marB="0" anchor="b"/>
+                </a:tc>
+                <a:tc>
+                  <a:txBody>
+                    <a:bodyPr/>
+                    <a:lstStyle/>
+                    <a:p>
+                      <a:pPr algn="l" fontAlgn="b"/>
+                      <a:r>
+                        <a:rPr lang="en-US" sz="500" u="none" strike="noStrike" dirty="0">
+                          <a:effectLst/>
+                        </a:rPr>
+                        <a:t> </a:t>
+                      </a:r>
+                      <a:endParaRPr lang="en-US" sz="500" b="0" i="0" u="none" strike="noStrike" dirty="0">
+                        <a:solidFill>
+                          <a:srgbClr val="000000"/>
+                        </a:solidFill>
+                        <a:effectLst/>
+                        <a:latin typeface="Calibri" panose="020F0502020204030204" pitchFamily="34" charset="0"/>
+                      </a:endParaRPr>
+                    </a:p>
+                  </a:txBody>
+                  <a:tcPr marL="3624" marR="3624" marT="3624" marB="0" anchor="b"/>
+                </a:tc>
+                <a:extLst>
+                  <a:ext uri="{0D108BD9-81ED-4DB2-BD59-A6C34878D82A}">
+                    <a16:rowId xmlns:a16="http://schemas.microsoft.com/office/drawing/2014/main" val="505756662"/>
+                  </a:ext>
+                </a:extLst>
+              </a:tr>
+            </a:tbl>
+          </a:graphicData>
+        </a:graphic>
+      </p:graphicFrame>
+    </p:spTree>
+    <p:extLst>
+      <p:ext uri="{BB962C8B-B14F-4D97-AF65-F5344CB8AC3E}">
+        <p14:creationId xmlns:p14="http://schemas.microsoft.com/office/powerpoint/2010/main" val="41752437"/>
+      </p:ext>
+    </p:extLst>
+  </p:cSld>
+  <p:clrMapOvr>
+    <a:masterClrMapping/>
+  </p:clrMapOvr>
+</p:sld>
+</file>
+
+<file path=ppt/slides/slide17.xml><?xml version="1.0" encoding="utf-8"?>
 <p:sld xmlns:a="http://schemas.openxmlformats.org/drawingml/2006/main" xmlns:r="http://schemas.openxmlformats.org/officeDocument/2006/relationships" xmlns:p="http://schemas.openxmlformats.org/presentationml/2006/main">
   <p:cSld>
     <p:spTree>
@@ -7091,10 +14020,9 @@
           <a:lstStyle/>
           <a:p>
             <a:r>
-              <a:rPr lang="en-US" dirty="0" smtClean="0"/>
+              <a:rPr lang="en-US" dirty="0"/>
               <a:t>Increment 1 – Delay &amp; Risks</a:t>
             </a:r>
-            <a:endParaRPr lang="en-US" dirty="0"/>
           </a:p>
         </p:txBody>
       </p:sp>
@@ -7124,16 +14052,8 @@
               <a:buAutoNum type="arabicPeriod"/>
             </a:pPr>
             <a:r>
-              <a:rPr lang="en-US" dirty="0" smtClean="0"/>
-              <a:t>Hardware: late of order </a:t>
-            </a:r>
-            <a:r>
               <a:rPr lang="en-US" dirty="0"/>
-              <a:t>MCU </a:t>
-            </a:r>
-            <a:r>
-              <a:rPr lang="en-US" dirty="0" smtClean="0"/>
-              <a:t>and soil moisture sensor.</a:t>
+              <a:t>Hardware: late of order MCU and soil moisture sensor.</a:t>
             </a:r>
           </a:p>
           <a:p>
@@ -7143,7 +14063,7 @@
               <a:buAutoNum type="arabicPeriod"/>
             </a:pPr>
             <a:r>
-              <a:rPr lang="en-US" dirty="0" smtClean="0"/>
+              <a:rPr lang="en-US" dirty="0"/>
               <a:t>Lack of face to face working together.</a:t>
             </a:r>
           </a:p>
@@ -7155,11 +14075,7 @@
             </a:pPr>
             <a:r>
               <a:rPr lang="en-US" dirty="0"/>
-              <a:t>Lack of member share of </a:t>
-            </a:r>
-            <a:r>
-              <a:rPr lang="en-US" dirty="0" smtClean="0"/>
-              <a:t>understand.</a:t>
+              <a:t>Lack of member share of understand.</a:t>
             </a:r>
           </a:p>
           <a:p>
@@ -7168,7 +14084,7 @@
               <a:buFont typeface="+mj-lt"/>
               <a:buAutoNum type="arabicPeriod"/>
             </a:pPr>
-            <a:endParaRPr lang="en-US" dirty="0" smtClean="0"/>
+            <a:endParaRPr lang="en-US" dirty="0"/>
           </a:p>
           <a:p>
             <a:pPr>
@@ -7176,7 +14092,7 @@
               <a:buFont typeface="+mj-lt"/>
               <a:buAutoNum type="arabicPeriod"/>
             </a:pPr>
-            <a:endParaRPr lang="en-US" dirty="0" smtClean="0"/>
+            <a:endParaRPr lang="en-US" dirty="0"/>
           </a:p>
         </p:txBody>
       </p:sp>
@@ -7190,13 +14106,6 @@
   <p:clrMapOvr>
     <a:masterClrMapping/>
   </p:clrMapOvr>
-  <p:timing>
-    <p:tnLst>
-      <p:par>
-        <p:cTn id="1" dur="indefinite" restart="never" nodeType="tmRoot"/>
-      </p:par>
-    </p:tnLst>
-  </p:timing>
 </p:sld>
 </file>
 
@@ -7238,18 +14147,9 @@
           <a:lstStyle/>
           <a:p>
             <a:r>
-              <a:rPr lang="en-US" dirty="0" smtClean="0"/>
-              <a:t>Increment 1 – </a:t>
-            </a:r>
-            <a:r>
               <a:rPr lang="en-US" dirty="0"/>
-              <a:t>Goals </a:t>
-            </a:r>
-            <a:r>
-              <a:rPr lang="en-US" dirty="0" smtClean="0"/>
-              <a:t>&amp; Deliverable</a:t>
-            </a:r>
-            <a:endParaRPr lang="en-US" dirty="0"/>
+              <a:t>Increment 1 – Goals &amp; Deliverable</a:t>
+            </a:r>
           </a:p>
         </p:txBody>
       </p:sp>
@@ -7279,7 +14179,7 @@
               <a:buAutoNum type="arabicPeriod"/>
             </a:pPr>
             <a:r>
-              <a:rPr lang="en-US" dirty="0" smtClean="0"/>
+              <a:rPr lang="en-US" dirty="0"/>
               <a:t>Goals</a:t>
             </a:r>
           </a:p>
@@ -7290,7 +14190,7 @@
               <a:buAutoNum type="alphaLcPeriod"/>
             </a:pPr>
             <a:r>
-              <a:rPr lang="en-US" dirty="0" smtClean="0"/>
+              <a:rPr lang="en-US" dirty="0"/>
               <a:t>Understanding interfaces and protocol in system.</a:t>
             </a:r>
           </a:p>
@@ -7301,7 +14201,7 @@
               <a:buAutoNum type="alphaLcPeriod"/>
             </a:pPr>
             <a:r>
-              <a:rPr lang="en-US" dirty="0" smtClean="0"/>
+              <a:rPr lang="en-US" dirty="0"/>
               <a:t>Identify sensors, will be used in system.</a:t>
             </a:r>
           </a:p>
@@ -7313,11 +14213,7 @@
             </a:pPr>
             <a:r>
               <a:rPr lang="en-US" dirty="0"/>
-              <a:t>Given clearly model </a:t>
-            </a:r>
-            <a:r>
-              <a:rPr lang="en-US" dirty="0" smtClean="0"/>
-              <a:t>for overview of system.</a:t>
+              <a:t>Given clearly model for overview of system.</a:t>
             </a:r>
           </a:p>
           <a:p>
@@ -7327,7 +14223,7 @@
               <a:buAutoNum type="alphaLcPeriod"/>
             </a:pPr>
             <a:r>
-              <a:rPr lang="en-US" dirty="0" smtClean="0"/>
+              <a:rPr lang="en-US" dirty="0"/>
               <a:t>Order fixed hardware.</a:t>
             </a:r>
           </a:p>
@@ -7338,7 +14234,7 @@
               <a:buAutoNum type="alphaLcPeriod"/>
             </a:pPr>
             <a:r>
-              <a:rPr lang="en-US" dirty="0" smtClean="0"/>
+              <a:rPr lang="en-US" dirty="0"/>
               <a:t>Given a basic design in backend and framework.</a:t>
             </a:r>
           </a:p>
@@ -7349,7 +14245,7 @@
               <a:buAutoNum type="arabicPeriod"/>
             </a:pPr>
             <a:r>
-              <a:rPr lang="en-US" dirty="0" smtClean="0"/>
+              <a:rPr lang="en-US" dirty="0"/>
               <a:t>Deliverable</a:t>
             </a:r>
           </a:p>
@@ -7359,7 +14255,7 @@
               <a:buNone/>
             </a:pPr>
             <a:r>
-              <a:rPr lang="en-US" dirty="0" smtClean="0"/>
+              <a:rPr lang="en-US" dirty="0"/>
               <a:t>Software Project Management Plan</a:t>
             </a:r>
           </a:p>
@@ -7369,7 +14265,7 @@
               <a:buNone/>
             </a:pPr>
             <a:r>
-              <a:rPr lang="en-US" dirty="0" smtClean="0"/>
+              <a:rPr lang="en-US" dirty="0"/>
               <a:t>Software Requirement Specification</a:t>
             </a:r>
           </a:p>
@@ -7379,7 +14275,7 @@
               <a:buFont typeface="+mj-lt"/>
               <a:buAutoNum type="arabicPeriod"/>
             </a:pPr>
-            <a:endParaRPr lang="en-US" dirty="0" smtClean="0"/>
+            <a:endParaRPr lang="en-US" dirty="0"/>
           </a:p>
           <a:p>
             <a:pPr>
@@ -7401,13 +14297,6 @@
   <p:clrMapOvr>
     <a:masterClrMapping/>
   </p:clrMapOvr>
-  <p:timing>
-    <p:tnLst>
-      <p:par>
-        <p:cTn id="1" dur="indefinite" restart="never" nodeType="tmRoot"/>
-      </p:par>
-    </p:tnLst>
-  </p:timing>
 </p:sld>
 </file>
 
@@ -7449,10 +14338,9 @@
           <a:lstStyle/>
           <a:p>
             <a:r>
-              <a:rPr lang="en-US" dirty="0" smtClean="0"/>
+              <a:rPr lang="en-US" dirty="0"/>
               <a:t>Increment 1 – To do list</a:t>
             </a:r>
-            <a:endParaRPr lang="en-US" dirty="0"/>
           </a:p>
         </p:txBody>
       </p:sp>
@@ -7482,7 +14370,7 @@
               <a:buAutoNum type="arabicPeriod"/>
             </a:pPr>
             <a:r>
-              <a:rPr lang="en-US" dirty="0" smtClean="0"/>
+              <a:rPr lang="en-US" dirty="0"/>
               <a:t>Research:</a:t>
             </a:r>
           </a:p>
@@ -7493,16 +14381,8 @@
               <a:buAutoNum type="alphaLcPeriod"/>
             </a:pPr>
             <a:r>
-              <a:rPr lang="en-US" dirty="0" smtClean="0"/>
-              <a:t>Temperature </a:t>
-            </a:r>
-            <a:r>
               <a:rPr lang="en-US" dirty="0"/>
-              <a:t>and </a:t>
-            </a:r>
-            <a:r>
-              <a:rPr lang="en-US" dirty="0" smtClean="0"/>
-              <a:t>humidity sensors</a:t>
+              <a:t>Temperature and humidity sensors</a:t>
             </a:r>
           </a:p>
           <a:p>
@@ -7512,15 +14392,15 @@
               <a:buAutoNum type="alphaLcPeriod"/>
             </a:pPr>
             <a:r>
-              <a:rPr lang="en-US" dirty="0" smtClean="0"/>
+              <a:rPr lang="en-US" dirty="0"/>
               <a:t>I</a:t>
             </a:r>
             <a:r>
-              <a:rPr lang="en-US" baseline="30000" dirty="0" smtClean="0"/>
+              <a:rPr lang="en-US" baseline="30000" dirty="0"/>
               <a:t>2</a:t>
             </a:r>
             <a:r>
-              <a:rPr lang="en-US" dirty="0" smtClean="0"/>
+              <a:rPr lang="en-US" dirty="0"/>
               <a:t>C: connect sensors with CC1310 in Sub Controller</a:t>
             </a:r>
           </a:p>
@@ -7531,16 +14411,8 @@
               <a:buAutoNum type="alphaLcPeriod"/>
             </a:pPr>
             <a:r>
-              <a:rPr lang="en-US" dirty="0" smtClean="0"/>
-              <a:t>UART: communication in </a:t>
-            </a:r>
-            <a:r>
               <a:rPr lang="en-US" dirty="0"/>
-              <a:t>Main Controller (CC1310 with </a:t>
-            </a:r>
-            <a:r>
-              <a:rPr lang="en-US" dirty="0" smtClean="0"/>
-              <a:t>Raspberry)</a:t>
+              <a:t>UART: communication in Main Controller (CC1310 with Raspberry)</a:t>
             </a:r>
           </a:p>
           <a:p>
@@ -7550,7 +14422,7 @@
               <a:buAutoNum type="alphaLcPeriod"/>
             </a:pPr>
             <a:r>
-              <a:rPr lang="en-US" dirty="0" smtClean="0"/>
+              <a:rPr lang="en-US" dirty="0"/>
               <a:t>RF: connection between Main Controller with Sub Controller</a:t>
             </a:r>
           </a:p>
@@ -7561,7 +14433,7 @@
               <a:buAutoNum type="alphaLcPeriod"/>
             </a:pPr>
             <a:r>
-              <a:rPr lang="en-US" dirty="0" smtClean="0"/>
+              <a:rPr lang="en-US" dirty="0"/>
               <a:t>Load indexes of sensors to MCU</a:t>
             </a:r>
           </a:p>
@@ -7572,7 +14444,7 @@
               <a:buAutoNum type="alphaLcPeriod"/>
             </a:pPr>
             <a:r>
-              <a:rPr lang="en-US" dirty="0" smtClean="0"/>
+              <a:rPr lang="en-US" dirty="0"/>
               <a:t>Tools and technique to build web server</a:t>
             </a:r>
           </a:p>
@@ -7583,14 +14455,9 @@
               <a:buAutoNum type="alphaLcPeriod"/>
             </a:pPr>
             <a:r>
-              <a:rPr lang="en-US" dirty="0" smtClean="0"/>
-              <a:t>Android </a:t>
-            </a:r>
-            <a:r>
-              <a:rPr lang="en-US" dirty="0" smtClean="0"/>
-              <a:t>Application UI</a:t>
-            </a:r>
-            <a:endParaRPr lang="en-US" dirty="0" smtClean="0"/>
+              <a:rPr lang="en-US" dirty="0"/>
+              <a:t>Android Application UI</a:t>
+            </a:r>
           </a:p>
           <a:p>
             <a:pPr marL="400050">
@@ -7599,7 +14466,7 @@
               <a:buAutoNum type="arabicPeriod"/>
             </a:pPr>
             <a:r>
-              <a:rPr lang="en-US" dirty="0" smtClean="0"/>
+              <a:rPr lang="en-US" dirty="0"/>
               <a:t>Design</a:t>
             </a:r>
           </a:p>
@@ -7610,7 +14477,7 @@
               <a:buAutoNum type="alphaLcPeriod"/>
             </a:pPr>
             <a:r>
-              <a:rPr lang="en-US" dirty="0" smtClean="0"/>
+              <a:rPr lang="en-US" dirty="0"/>
               <a:t>System Database</a:t>
             </a:r>
           </a:p>
@@ -7621,7 +14488,7 @@
               <a:buAutoNum type="alphaLcPeriod"/>
             </a:pPr>
             <a:r>
-              <a:rPr lang="en-US" dirty="0" smtClean="0"/>
+              <a:rPr lang="en-US" dirty="0"/>
               <a:t>Webserver</a:t>
             </a:r>
           </a:p>
@@ -7637,13 +14504,6 @@
   <p:clrMapOvr>
     <a:masterClrMapping/>
   </p:clrMapOvr>
-  <p:timing>
-    <p:tnLst>
-      <p:par>
-        <p:cTn id="1" dur="indefinite" restart="never" nodeType="tmRoot"/>
-      </p:par>
-    </p:tnLst>
-  </p:timing>
 </p:sld>
 </file>
 
@@ -7685,10 +14545,9 @@
           <a:lstStyle/>
           <a:p>
             <a:r>
-              <a:rPr lang="en-US" dirty="0" smtClean="0"/>
+              <a:rPr lang="en-US" dirty="0"/>
               <a:t>Increment 1 – Completed</a:t>
             </a:r>
-            <a:endParaRPr lang="en-US" dirty="0"/>
           </a:p>
         </p:txBody>
       </p:sp>
@@ -7718,31 +14577,31 @@
               <a:buAutoNum type="arabicPeriod"/>
             </a:pPr>
             <a:r>
-              <a:rPr lang="en-US" dirty="0" smtClean="0"/>
+              <a:rPr lang="en-US" dirty="0"/>
               <a:t>Research I</a:t>
             </a:r>
             <a:r>
-              <a:rPr lang="en-US" baseline="30000" dirty="0" smtClean="0"/>
+              <a:rPr lang="en-US" baseline="30000" dirty="0"/>
               <a:t>2</a:t>
             </a:r>
             <a:r>
-              <a:rPr lang="en-US" dirty="0" smtClean="0"/>
+              <a:rPr lang="en-US" dirty="0"/>
               <a:t>C protocol (</a:t>
             </a:r>
             <a:r>
-              <a:rPr lang="en-US" dirty="0" err="1" smtClean="0"/>
+              <a:rPr lang="en-US" dirty="0" err="1"/>
               <a:t>Nghihh</a:t>
             </a:r>
             <a:r>
-              <a:rPr lang="en-US" dirty="0" smtClean="0"/>
+              <a:rPr lang="en-US" dirty="0"/>
               <a:t> &amp; </a:t>
             </a:r>
             <a:r>
-              <a:rPr lang="en-US" dirty="0" err="1" smtClean="0"/>
+              <a:rPr lang="en-US" dirty="0" err="1"/>
               <a:t>Chinhph</a:t>
             </a:r>
             <a:r>
-              <a:rPr lang="en-US" dirty="0" smtClean="0"/>
+              <a:rPr lang="en-US" dirty="0"/>
               <a:t>)</a:t>
             </a:r>
           </a:p>
@@ -7753,7 +14612,7 @@
               <a:buAutoNum type="alphaLcPeriod"/>
             </a:pPr>
             <a:r>
-              <a:rPr lang="en-US" dirty="0" smtClean="0"/>
+              <a:rPr lang="en-US" dirty="0"/>
               <a:t>Structure and Principles</a:t>
             </a:r>
           </a:p>
@@ -7762,7 +14621,7 @@
               <a:buSzPct val="100000"/>
               <a:buNone/>
             </a:pPr>
-            <a:endParaRPr lang="en-US" dirty="0" smtClean="0"/>
+            <a:endParaRPr lang="en-US" dirty="0"/>
           </a:p>
         </p:txBody>
       </p:sp>
@@ -7804,13 +14663,6 @@
   <p:clrMapOvr>
     <a:masterClrMapping/>
   </p:clrMapOvr>
-  <p:timing>
-    <p:tnLst>
-      <p:par>
-        <p:cTn id="1" dur="indefinite" restart="never" nodeType="tmRoot"/>
-      </p:par>
-    </p:tnLst>
-  </p:timing>
 </p:sld>
 </file>
 
@@ -7852,10 +14704,9 @@
           <a:lstStyle/>
           <a:p>
             <a:r>
-              <a:rPr lang="en-US" dirty="0" smtClean="0"/>
+              <a:rPr lang="en-US" dirty="0"/>
               <a:t>Increment 1 – Completed</a:t>
             </a:r>
-            <a:endParaRPr lang="en-US" dirty="0"/>
           </a:p>
         </p:txBody>
       </p:sp>
@@ -7885,31 +14736,31 @@
               <a:buAutoNum type="arabicPeriod"/>
             </a:pPr>
             <a:r>
-              <a:rPr lang="en-US" dirty="0" smtClean="0"/>
+              <a:rPr lang="en-US" dirty="0"/>
               <a:t>Research I</a:t>
             </a:r>
             <a:r>
-              <a:rPr lang="en-US" baseline="30000" dirty="0" smtClean="0"/>
+              <a:rPr lang="en-US" baseline="30000" dirty="0"/>
               <a:t>2</a:t>
             </a:r>
             <a:r>
-              <a:rPr lang="en-US" dirty="0" smtClean="0"/>
+              <a:rPr lang="en-US" dirty="0"/>
               <a:t>C protocol (</a:t>
             </a:r>
             <a:r>
-              <a:rPr lang="en-US" dirty="0" err="1" smtClean="0"/>
+              <a:rPr lang="en-US" dirty="0" err="1"/>
               <a:t>Nghihh</a:t>
             </a:r>
             <a:r>
-              <a:rPr lang="en-US" dirty="0" smtClean="0"/>
+              <a:rPr lang="en-US" dirty="0"/>
               <a:t> &amp; </a:t>
             </a:r>
             <a:r>
-              <a:rPr lang="en-US" dirty="0" err="1" smtClean="0"/>
+              <a:rPr lang="en-US" dirty="0" err="1"/>
               <a:t>Chinhph</a:t>
             </a:r>
             <a:r>
-              <a:rPr lang="en-US" dirty="0" smtClean="0"/>
+              <a:rPr lang="en-US" dirty="0"/>
               <a:t>)</a:t>
             </a:r>
           </a:p>
@@ -7920,7 +14771,7 @@
               <a:buAutoNum type="alphaLcPeriod" startAt="2"/>
             </a:pPr>
             <a:r>
-              <a:rPr lang="en-US" dirty="0" smtClean="0"/>
+              <a:rPr lang="en-US" dirty="0"/>
               <a:t>Activity Mode</a:t>
             </a:r>
           </a:p>
@@ -7930,7 +14781,7 @@
               <a:buNone/>
             </a:pPr>
             <a:r>
-              <a:rPr lang="en-US" dirty="0" smtClean="0"/>
+              <a:rPr lang="en-US" dirty="0"/>
               <a:t>Based on Speed:</a:t>
             </a:r>
           </a:p>
@@ -7940,7 +14791,7 @@
               <a:buNone/>
             </a:pPr>
             <a:r>
-              <a:rPr lang="en-US" dirty="0" smtClean="0"/>
+              <a:rPr lang="en-US" dirty="0"/>
               <a:t>+ Standard Mode</a:t>
             </a:r>
           </a:p>
@@ -7950,7 +14801,7 @@
               <a:buNone/>
             </a:pPr>
             <a:r>
-              <a:rPr lang="en-US" dirty="0" smtClean="0"/>
+              <a:rPr lang="en-US" dirty="0"/>
               <a:t>+ Low-Speed Mode</a:t>
             </a:r>
           </a:p>
@@ -7960,7 +14811,7 @@
               <a:buNone/>
             </a:pPr>
             <a:r>
-              <a:rPr lang="en-US" dirty="0" smtClean="0"/>
+              <a:rPr lang="en-US" dirty="0"/>
               <a:t>Based on Master – Slave Relative</a:t>
             </a:r>
           </a:p>
@@ -7970,7 +14821,7 @@
               <a:buNone/>
             </a:pPr>
             <a:r>
-              <a:rPr lang="en-US" dirty="0" smtClean="0"/>
+              <a:rPr lang="en-US" dirty="0"/>
               <a:t>+ One Master – One Slave</a:t>
             </a:r>
           </a:p>
@@ -7980,7 +14831,7 @@
               <a:buNone/>
             </a:pPr>
             <a:r>
-              <a:rPr lang="en-US" dirty="0" smtClean="0"/>
+              <a:rPr lang="en-US" dirty="0"/>
               <a:t>+ One Master – Many Slave</a:t>
             </a:r>
           </a:p>
@@ -7990,7 +14841,7 @@
               <a:buNone/>
             </a:pPr>
             <a:r>
-              <a:rPr lang="en-US" dirty="0" smtClean="0"/>
+              <a:rPr lang="en-US" dirty="0"/>
               <a:t>+ Many Master – Many Slave</a:t>
             </a:r>
           </a:p>
@@ -8006,13 +14857,6 @@
   <p:clrMapOvr>
     <a:masterClrMapping/>
   </p:clrMapOvr>
-  <p:timing>
-    <p:tnLst>
-      <p:par>
-        <p:cTn id="1" dur="indefinite" restart="never" nodeType="tmRoot"/>
-      </p:par>
-    </p:tnLst>
-  </p:timing>
 </p:sld>
 </file>
 
@@ -8054,10 +14898,9 @@
           <a:lstStyle/>
           <a:p>
             <a:r>
-              <a:rPr lang="en-US" dirty="0" smtClean="0"/>
+              <a:rPr lang="en-US" dirty="0"/>
               <a:t>Increment 1 – Completed</a:t>
             </a:r>
-            <a:endParaRPr lang="en-US" dirty="0"/>
           </a:p>
         </p:txBody>
       </p:sp>
@@ -8087,31 +14930,31 @@
               <a:buAutoNum type="arabicPeriod"/>
             </a:pPr>
             <a:r>
-              <a:rPr lang="en-US" dirty="0" smtClean="0"/>
+              <a:rPr lang="en-US" dirty="0"/>
               <a:t>Research I</a:t>
             </a:r>
             <a:r>
-              <a:rPr lang="en-US" baseline="30000" dirty="0" smtClean="0"/>
+              <a:rPr lang="en-US" baseline="30000" dirty="0"/>
               <a:t>2</a:t>
             </a:r>
             <a:r>
-              <a:rPr lang="en-US" dirty="0" smtClean="0"/>
+              <a:rPr lang="en-US" dirty="0"/>
               <a:t>C protocol (</a:t>
             </a:r>
             <a:r>
-              <a:rPr lang="en-US" dirty="0" err="1" smtClean="0"/>
+              <a:rPr lang="en-US" dirty="0" err="1"/>
               <a:t>Nghihh</a:t>
             </a:r>
             <a:r>
-              <a:rPr lang="en-US" dirty="0" smtClean="0"/>
+              <a:rPr lang="en-US" dirty="0"/>
               <a:t> &amp; </a:t>
             </a:r>
             <a:r>
-              <a:rPr lang="en-US" dirty="0" err="1" smtClean="0"/>
+              <a:rPr lang="en-US" dirty="0" err="1"/>
               <a:t>Chinhph</a:t>
             </a:r>
             <a:r>
-              <a:rPr lang="en-US" dirty="0" smtClean="0"/>
+              <a:rPr lang="en-US" dirty="0"/>
               <a:t>)</a:t>
             </a:r>
           </a:p>
@@ -8122,7 +14965,7 @@
               <a:buAutoNum type="alphaLcPeriod" startAt="2"/>
             </a:pPr>
             <a:r>
-              <a:rPr lang="en-US" dirty="0" smtClean="0"/>
+              <a:rPr lang="en-US" dirty="0"/>
               <a:t>Activity Mode</a:t>
             </a:r>
           </a:p>
@@ -8132,7 +14975,7 @@
               <a:buNone/>
             </a:pPr>
             <a:r>
-              <a:rPr lang="en-US" dirty="0" smtClean="0"/>
+              <a:rPr lang="en-US" dirty="0"/>
               <a:t>Based on Speed:</a:t>
             </a:r>
           </a:p>
@@ -8142,7 +14985,7 @@
               <a:buNone/>
             </a:pPr>
             <a:r>
-              <a:rPr lang="en-US" dirty="0" smtClean="0"/>
+              <a:rPr lang="en-US" dirty="0"/>
               <a:t>+ Standard Mode</a:t>
             </a:r>
           </a:p>
@@ -8152,7 +14995,7 @@
               <a:buNone/>
             </a:pPr>
             <a:r>
-              <a:rPr lang="en-US" dirty="0" smtClean="0"/>
+              <a:rPr lang="en-US" dirty="0"/>
               <a:t>+ Low-Speed Mode</a:t>
             </a:r>
           </a:p>
@@ -8162,7 +15005,7 @@
               <a:buNone/>
             </a:pPr>
             <a:r>
-              <a:rPr lang="en-US" dirty="0" smtClean="0"/>
+              <a:rPr lang="en-US" dirty="0"/>
               <a:t>Based on Master – Slave Relative</a:t>
             </a:r>
           </a:p>
@@ -8172,7 +15015,7 @@
               <a:buNone/>
             </a:pPr>
             <a:r>
-              <a:rPr lang="en-US" dirty="0" smtClean="0"/>
+              <a:rPr lang="en-US" dirty="0"/>
               <a:t>+ One Master – One Slave</a:t>
             </a:r>
           </a:p>
@@ -8182,7 +15025,7 @@
               <a:buNone/>
             </a:pPr>
             <a:r>
-              <a:rPr lang="en-US" dirty="0" smtClean="0"/>
+              <a:rPr lang="en-US" dirty="0"/>
               <a:t>+ One Master – Many Slave</a:t>
             </a:r>
           </a:p>
@@ -8192,7 +15035,7 @@
               <a:buNone/>
             </a:pPr>
             <a:r>
-              <a:rPr lang="en-US" dirty="0" smtClean="0"/>
+              <a:rPr lang="en-US" dirty="0"/>
               <a:t>+ Many Master – Many Slave</a:t>
             </a:r>
           </a:p>
@@ -8208,13 +15051,6 @@
   <p:clrMapOvr>
     <a:masterClrMapping/>
   </p:clrMapOvr>
-  <p:timing>
-    <p:tnLst>
-      <p:par>
-        <p:cTn id="1" dur="indefinite" restart="never" nodeType="tmRoot"/>
-      </p:par>
-    </p:tnLst>
-  </p:timing>
 </p:sld>
 </file>
 
@@ -8256,10 +15092,9 @@
           <a:lstStyle/>
           <a:p>
             <a:r>
-              <a:rPr lang="en-US" dirty="0" smtClean="0"/>
+              <a:rPr lang="en-US" dirty="0"/>
               <a:t>Increment 1 – Completed</a:t>
             </a:r>
-            <a:endParaRPr lang="en-US" dirty="0"/>
           </a:p>
         </p:txBody>
       </p:sp>
@@ -8289,31 +15124,31 @@
               <a:buAutoNum type="arabicPeriod"/>
             </a:pPr>
             <a:r>
-              <a:rPr lang="en-US" dirty="0" smtClean="0"/>
+              <a:rPr lang="en-US" dirty="0"/>
               <a:t>Research I</a:t>
             </a:r>
             <a:r>
-              <a:rPr lang="en-US" baseline="30000" dirty="0" smtClean="0"/>
+              <a:rPr lang="en-US" baseline="30000" dirty="0"/>
               <a:t>2</a:t>
             </a:r>
             <a:r>
-              <a:rPr lang="en-US" dirty="0" smtClean="0"/>
+              <a:rPr lang="en-US" dirty="0"/>
               <a:t>C protocol (</a:t>
             </a:r>
             <a:r>
-              <a:rPr lang="en-US" dirty="0" err="1" smtClean="0"/>
+              <a:rPr lang="en-US" dirty="0" err="1"/>
               <a:t>Nghihh</a:t>
             </a:r>
             <a:r>
-              <a:rPr lang="en-US" dirty="0" smtClean="0"/>
+              <a:rPr lang="en-US" dirty="0"/>
               <a:t> &amp; </a:t>
             </a:r>
             <a:r>
-              <a:rPr lang="en-US" dirty="0" err="1" smtClean="0"/>
+              <a:rPr lang="en-US" dirty="0" err="1"/>
               <a:t>Chinhph</a:t>
             </a:r>
             <a:r>
-              <a:rPr lang="en-US" dirty="0" smtClean="0"/>
+              <a:rPr lang="en-US" dirty="0"/>
               <a:t>)</a:t>
             </a:r>
           </a:p>
@@ -8324,7 +15159,7 @@
               <a:buAutoNum type="alphaLcPeriod" startAt="3"/>
             </a:pPr>
             <a:r>
-              <a:rPr lang="en-US" dirty="0" smtClean="0"/>
+              <a:rPr lang="en-US" dirty="0"/>
               <a:t>Addressed and Data Transfer</a:t>
             </a:r>
           </a:p>
@@ -8333,7 +15168,7 @@
               <a:buSzPct val="100000"/>
               <a:buNone/>
             </a:pPr>
-            <a:endParaRPr lang="en-US" dirty="0" smtClean="0"/>
+            <a:endParaRPr lang="en-US" dirty="0"/>
           </a:p>
         </p:txBody>
       </p:sp>
@@ -8816,10 +15651,9 @@
           <a:lstStyle/>
           <a:p>
             <a:r>
-              <a:rPr lang="en-US" dirty="0" smtClean="0"/>
+              <a:rPr lang="en-US" dirty="0"/>
               <a:t>Increment 1 – Completed</a:t>
             </a:r>
-            <a:endParaRPr lang="en-US" dirty="0"/>
           </a:p>
         </p:txBody>
       </p:sp>
@@ -8849,7 +15683,7 @@
               <a:buAutoNum type="arabicPeriod" startAt="3"/>
             </a:pPr>
             <a:r>
-              <a:rPr lang="en-US" dirty="0" smtClean="0"/>
+              <a:rPr lang="en-US" dirty="0"/>
               <a:t>Research RF connection</a:t>
             </a:r>
           </a:p>
@@ -8858,7 +15692,7 @@
               <a:buSzPct val="100000"/>
               <a:buNone/>
             </a:pPr>
-            <a:endParaRPr lang="en-US" dirty="0" smtClean="0"/>
+            <a:endParaRPr lang="en-US" dirty="0"/>
           </a:p>
         </p:txBody>
       </p:sp>
@@ -8896,13 +15730,6 @@
   <p:clrMapOvr>
     <a:masterClrMapping/>
   </p:clrMapOvr>
-  <p:timing>
-    <p:tnLst>
-      <p:par>
-        <p:cTn id="1" dur="indefinite" restart="never" nodeType="tmRoot"/>
-      </p:par>
-    </p:tnLst>
-  </p:timing>
 </p:sld>
 </file>
 
@@ -8944,10 +15771,9 @@
           <a:lstStyle/>
           <a:p>
             <a:r>
-              <a:rPr lang="en-US" dirty="0" smtClean="0"/>
+              <a:rPr lang="en-US" dirty="0"/>
               <a:t>Increment 1 – Completed</a:t>
             </a:r>
-            <a:endParaRPr lang="en-US" dirty="0"/>
           </a:p>
         </p:txBody>
       </p:sp>
@@ -8977,7 +15803,7 @@
               <a:buAutoNum type="arabicPeriod" startAt="3"/>
             </a:pPr>
             <a:r>
-              <a:rPr lang="en-US" dirty="0" smtClean="0"/>
+              <a:rPr lang="en-US" dirty="0"/>
               <a:t>Research RF connection</a:t>
             </a:r>
           </a:p>
@@ -8988,7 +15814,7 @@
               <a:buAutoNum type="alphaLcPeriod"/>
             </a:pPr>
             <a:r>
-              <a:rPr lang="en-US" dirty="0" smtClean="0"/>
+              <a:rPr lang="en-US" dirty="0"/>
               <a:t>AM</a:t>
             </a:r>
           </a:p>

--- a/Document/Presentation/Progress Reporting (Week 3).pptx
+++ b/Document/Presentation/Progress Reporting (Week 3).pptx
@@ -14589,21 +14589,10 @@
               <a:t>C protocol (</a:t>
             </a:r>
             <a:r>
-              <a:rPr lang="en-US" dirty="0" err="1"/>
-              <a:t>Nghihh</a:t>
-            </a:r>
-            <a:r>
-              <a:rPr lang="en-US" dirty="0"/>
-              <a:t> &amp; </a:t>
-            </a:r>
-            <a:r>
-              <a:rPr lang="en-US" dirty="0" err="1"/>
-              <a:t>Chinhph</a:t>
-            </a:r>
-            <a:r>
-              <a:rPr lang="en-US" dirty="0"/>
-              <a:t>)</a:t>
-            </a:r>
+              <a:rPr lang="en-US"/>
+              <a:t>Nghihh)</a:t>
+            </a:r>
+            <a:endParaRPr lang="en-US" dirty="0"/>
           </a:p>
           <a:p>
             <a:pPr marL="800100" lvl="1" indent="-342900">
